--- a/OSS IDEA PROPOSAL.pptx
+++ b/OSS IDEA PROPOSAL.pptx
@@ -13,8 +13,9 @@
     <p:sldId id="260" r:id="rId7"/>
     <p:sldId id="263" r:id="rId8"/>
     <p:sldId id="265" r:id="rId9"/>
-    <p:sldId id="264" r:id="rId10"/>
-    <p:sldId id="266" r:id="rId11"/>
+    <p:sldId id="267" r:id="rId10"/>
+    <p:sldId id="264" r:id="rId11"/>
+    <p:sldId id="266" r:id="rId12"/>
   </p:sldIdLst>
   <p:sldSz cx="12192000" cy="6858000"/>
   <p:notesSz cx="6858000" cy="9144000"/>
@@ -113,6 +114,11 @@
       </a:defRPr>
     </a:lvl9pPr>
   </p:defaultTextStyle>
+  <p:extLst>
+    <p:ext uri="{EFAFB233-063F-42B5-8137-9DF3F51BA10A}">
+      <p15:sldGuideLst xmlns:p15="http://schemas.microsoft.com/office/powerpoint/2012/main"/>
+    </p:ext>
+  </p:extLst>
 </p:presentation>
 </file>
 
@@ -3495,6 +3501,350 @@
           <p:cNvPr id="2" name="제목 1">
             <a:extLst>
               <a:ext uri="{FF2B5EF4-FFF2-40B4-BE49-F238E27FC236}">
+                <a16:creationId xmlns:a16="http://schemas.microsoft.com/office/drawing/2014/main" id="{46EF1F8F-B298-4FF9-BB13-E9DB21A8E366}"/>
+              </a:ext>
+            </a:extLst>
+          </p:cNvPr>
+          <p:cNvSpPr>
+            <a:spLocks noGrp="1"/>
+          </p:cNvSpPr>
+          <p:nvPr>
+            <p:ph type="title"/>
+          </p:nvPr>
+        </p:nvSpPr>
+        <p:spPr/>
+        <p:txBody>
+          <a:bodyPr/>
+          <a:lstStyle/>
+          <a:p>
+            <a:r>
+              <a:rPr lang="ko-KR" altLang="en-US" dirty="0"/>
+              <a:t>〮 개발계획</a:t>
+            </a:r>
+            <a:r>
+              <a:rPr lang="en-US" altLang="ko-KR" dirty="0"/>
+              <a:t>(1)</a:t>
+            </a:r>
+            <a:endParaRPr lang="ko-KR" altLang="en-US" dirty="0"/>
+          </a:p>
+        </p:txBody>
+      </p:sp>
+      <p:sp>
+        <p:nvSpPr>
+          <p:cNvPr id="3" name="내용 개체 틀 2">
+            <a:extLst>
+              <a:ext uri="{FF2B5EF4-FFF2-40B4-BE49-F238E27FC236}">
+                <a16:creationId xmlns:a16="http://schemas.microsoft.com/office/drawing/2014/main" id="{D47BFAED-2443-4872-A161-CC865C7ABF93}"/>
+              </a:ext>
+            </a:extLst>
+          </p:cNvPr>
+          <p:cNvSpPr>
+            <a:spLocks noGrp="1"/>
+          </p:cNvSpPr>
+          <p:nvPr>
+            <p:ph idx="1"/>
+          </p:nvPr>
+        </p:nvSpPr>
+        <p:spPr/>
+        <p:txBody>
+          <a:bodyPr>
+            <a:normAutofit/>
+          </a:bodyPr>
+          <a:lstStyle/>
+          <a:p>
+            <a:pPr>
+              <a:buFontTx/>
+              <a:buChar char="-"/>
+            </a:pPr>
+            <a:r>
+              <a:rPr lang="ko-KR" altLang="en-US" dirty="0"/>
+              <a:t>개발환경</a:t>
+            </a:r>
+            <a:endParaRPr lang="en-US" altLang="ko-KR" dirty="0"/>
+          </a:p>
+          <a:p>
+            <a:pPr rtl="0">
+              <a:spcBef>
+                <a:spcPts val="1200"/>
+              </a:spcBef>
+              <a:spcAft>
+                <a:spcPts val="1200"/>
+              </a:spcAft>
+            </a:pPr>
+            <a:r>
+              <a:rPr lang="en-US" altLang="ko-KR" sz="1800" dirty="0">
+                <a:solidFill>
+                  <a:srgbClr val="000000"/>
+                </a:solidFill>
+                <a:latin typeface="Arial" panose="020B0604020202020204" pitchFamily="34" charset="0"/>
+              </a:rPr>
+              <a:t>JAVA</a:t>
+            </a:r>
+            <a:r>
+              <a:rPr lang="ko-KR" altLang="en-US" sz="1800" b="0" i="0" u="none" strike="noStrike" dirty="0">
+                <a:solidFill>
+                  <a:srgbClr val="000000"/>
+                </a:solidFill>
+                <a:effectLst/>
+                <a:latin typeface="Arial" panose="020B0604020202020204" pitchFamily="34" charset="0"/>
+              </a:rPr>
+              <a:t> </a:t>
+            </a:r>
+            <a:r>
+              <a:rPr lang="ko-KR" altLang="en-US" sz="1800" dirty="0"/>
+              <a:t>언어를 사용하여 </a:t>
+            </a:r>
+            <a:r>
+              <a:rPr lang="en-US" altLang="ko-KR" sz="1800" dirty="0"/>
+              <a:t>Android Studio</a:t>
+            </a:r>
+            <a:r>
+              <a:rPr lang="ko-KR" altLang="en-US" sz="1800" dirty="0"/>
+              <a:t>로 개발</a:t>
+            </a:r>
+            <a:endParaRPr lang="ko-KR" altLang="en-US" sz="1800" b="0" dirty="0">
+              <a:effectLst/>
+            </a:endParaRPr>
+          </a:p>
+          <a:p>
+            <a:pPr rtl="0">
+              <a:spcBef>
+                <a:spcPts val="1200"/>
+              </a:spcBef>
+              <a:spcAft>
+                <a:spcPts val="1200"/>
+              </a:spcAft>
+            </a:pPr>
+            <a:r>
+              <a:rPr lang="en-US" altLang="ko-KR" sz="1800" dirty="0" err="1"/>
+              <a:t>Github</a:t>
+            </a:r>
+            <a:r>
+              <a:rPr lang="ko-KR" altLang="en-US" sz="1800" dirty="0"/>
+              <a:t>를 사용하여 협업</a:t>
+            </a:r>
+            <a:endParaRPr lang="en-US" altLang="ko-KR" sz="1800" dirty="0"/>
+          </a:p>
+          <a:p>
+            <a:pPr marL="0" indent="0" rtl="0">
+              <a:spcBef>
+                <a:spcPts val="1200"/>
+              </a:spcBef>
+              <a:spcAft>
+                <a:spcPts val="1200"/>
+              </a:spcAft>
+              <a:buNone/>
+            </a:pPr>
+            <a:endParaRPr lang="en-US" altLang="ko-KR" dirty="0"/>
+          </a:p>
+          <a:p>
+            <a:pPr>
+              <a:buFontTx/>
+              <a:buChar char="-"/>
+            </a:pPr>
+            <a:r>
+              <a:rPr lang="ko-KR" altLang="en-US" dirty="0"/>
+              <a:t>오픈소스 라이선스</a:t>
+            </a:r>
+            <a:endParaRPr lang="en-US" altLang="ko-KR" dirty="0"/>
+          </a:p>
+          <a:p>
+            <a:pPr rtl="0">
+              <a:spcBef>
+                <a:spcPts val="1200"/>
+              </a:spcBef>
+              <a:spcAft>
+                <a:spcPts val="1200"/>
+              </a:spcAft>
+            </a:pPr>
+            <a:r>
+              <a:rPr lang="en-US" altLang="ko-KR" sz="1800" dirty="0"/>
+              <a:t>MIT</a:t>
+            </a:r>
+            <a:r>
+              <a:rPr lang="ko-KR" altLang="en-US" sz="1800" dirty="0"/>
+              <a:t> 라이선스 사용</a:t>
+            </a:r>
+            <a:endParaRPr lang="en-US" altLang="ko-KR" sz="1800" dirty="0"/>
+          </a:p>
+          <a:p>
+            <a:pPr lvl="1">
+              <a:buFontTx/>
+              <a:buChar char="-"/>
+            </a:pPr>
+            <a:endParaRPr lang="en-US" altLang="ko-KR" dirty="0"/>
+          </a:p>
+          <a:p>
+            <a:pPr lvl="1">
+              <a:buFontTx/>
+              <a:buChar char="-"/>
+            </a:pPr>
+            <a:endParaRPr lang="en-US" altLang="ko-KR" dirty="0"/>
+          </a:p>
+          <a:p>
+            <a:pPr lvl="1">
+              <a:buFontTx/>
+              <a:buChar char="-"/>
+            </a:pPr>
+            <a:endParaRPr lang="en-US" altLang="ko-KR" dirty="0"/>
+          </a:p>
+          <a:p>
+            <a:pPr marL="457200" lvl="1" indent="0">
+              <a:buNone/>
+            </a:pPr>
+            <a:endParaRPr lang="en-US" altLang="ko-KR" dirty="0"/>
+          </a:p>
+          <a:p>
+            <a:pPr marL="457200" lvl="1" indent="0">
+              <a:buNone/>
+            </a:pPr>
+            <a:endParaRPr lang="ko-KR" altLang="en-US" dirty="0"/>
+          </a:p>
+        </p:txBody>
+      </p:sp>
+      <p:pic>
+        <p:nvPicPr>
+          <p:cNvPr id="5" name="그림 4" descr="텍스트이(가) 표시된 사진&#10;&#10;자동 생성된 설명">
+            <a:extLst>
+              <a:ext uri="{FF2B5EF4-FFF2-40B4-BE49-F238E27FC236}">
+                <a16:creationId xmlns:a16="http://schemas.microsoft.com/office/drawing/2014/main" id="{250933E1-456F-4E6A-8D57-9E0D124FD94E}"/>
+              </a:ext>
+            </a:extLst>
+          </p:cNvPr>
+          <p:cNvPicPr>
+            <a:picLocks noChangeAspect="1"/>
+          </p:cNvPicPr>
+          <p:nvPr/>
+        </p:nvPicPr>
+        <p:blipFill>
+          <a:blip r:embed="rId2">
+            <a:extLst>
+              <a:ext uri="{28A0092B-C50C-407E-A947-70E740481C1C}">
+                <a14:useLocalDpi xmlns:a14="http://schemas.microsoft.com/office/drawing/2010/main" val="0"/>
+              </a:ext>
+            </a:extLst>
+          </a:blip>
+          <a:stretch>
+            <a:fillRect/>
+          </a:stretch>
+        </p:blipFill>
+        <p:spPr>
+          <a:xfrm>
+            <a:off x="3574241" y="4551156"/>
+            <a:ext cx="6578288" cy="1060749"/>
+          </a:xfrm>
+          <a:prstGeom prst="rect">
+            <a:avLst/>
+          </a:prstGeom>
+        </p:spPr>
+      </p:pic>
+      <p:pic>
+        <p:nvPicPr>
+          <p:cNvPr id="7" name="그림 6">
+            <a:extLst>
+              <a:ext uri="{FF2B5EF4-FFF2-40B4-BE49-F238E27FC236}">
+                <a16:creationId xmlns:a16="http://schemas.microsoft.com/office/drawing/2014/main" id="{982D9DC1-6794-48B8-B6AA-D814D7EC2FD2}"/>
+              </a:ext>
+            </a:extLst>
+          </p:cNvPr>
+          <p:cNvPicPr>
+            <a:picLocks noChangeAspect="1"/>
+          </p:cNvPicPr>
+          <p:nvPr/>
+        </p:nvPicPr>
+        <p:blipFill>
+          <a:blip r:embed="rId3">
+            <a:extLst>
+              <a:ext uri="{28A0092B-C50C-407E-A947-70E740481C1C}">
+                <a14:useLocalDpi xmlns:a14="http://schemas.microsoft.com/office/drawing/2010/main" val="0"/>
+              </a:ext>
+            </a:extLst>
+          </a:blip>
+          <a:stretch>
+            <a:fillRect/>
+          </a:stretch>
+        </p:blipFill>
+        <p:spPr>
+          <a:xfrm>
+            <a:off x="3756732" y="2658016"/>
+            <a:ext cx="2339268" cy="1060749"/>
+          </a:xfrm>
+          <a:prstGeom prst="rect">
+            <a:avLst/>
+          </a:prstGeom>
+        </p:spPr>
+      </p:pic>
+      <p:pic>
+        <p:nvPicPr>
+          <p:cNvPr id="9" name="그림 8">
+            <a:extLst>
+              <a:ext uri="{FF2B5EF4-FFF2-40B4-BE49-F238E27FC236}">
+                <a16:creationId xmlns:a16="http://schemas.microsoft.com/office/drawing/2014/main" id="{94ADF825-2185-4DD7-AE2A-A9EFCE353962}"/>
+              </a:ext>
+            </a:extLst>
+          </p:cNvPr>
+          <p:cNvPicPr>
+            <a:picLocks noChangeAspect="1"/>
+          </p:cNvPicPr>
+          <p:nvPr/>
+        </p:nvPicPr>
+        <p:blipFill>
+          <a:blip r:embed="rId4">
+            <a:extLst>
+              <a:ext uri="{28A0092B-C50C-407E-A947-70E740481C1C}">
+                <a14:useLocalDpi xmlns:a14="http://schemas.microsoft.com/office/drawing/2010/main" val="0"/>
+              </a:ext>
+            </a:extLst>
+          </a:blip>
+          <a:stretch>
+            <a:fillRect/>
+          </a:stretch>
+        </p:blipFill>
+        <p:spPr>
+          <a:xfrm>
+            <a:off x="6096000" y="1825625"/>
+            <a:ext cx="1160948" cy="1158685"/>
+          </a:xfrm>
+          <a:prstGeom prst="rect">
+            <a:avLst/>
+          </a:prstGeom>
+        </p:spPr>
+      </p:pic>
+    </p:spTree>
+    <p:extLst>
+      <p:ext uri="{BB962C8B-B14F-4D97-AF65-F5344CB8AC3E}">
+        <p14:creationId xmlns:p14="http://schemas.microsoft.com/office/powerpoint/2010/main" val="1456966434"/>
+      </p:ext>
+    </p:extLst>
+  </p:cSld>
+  <p:clrMapOvr>
+    <a:masterClrMapping/>
+  </p:clrMapOvr>
+</p:sld>
+</file>
+
+<file path=ppt/slides/slide11.xml><?xml version="1.0" encoding="utf-8"?>
+<p:sld xmlns:a="http://schemas.openxmlformats.org/drawingml/2006/main" xmlns:r="http://schemas.openxmlformats.org/officeDocument/2006/relationships" xmlns:p="http://schemas.openxmlformats.org/presentationml/2006/main">
+  <p:cSld>
+    <p:spTree>
+      <p:nvGrpSpPr>
+        <p:cNvPr id="1" name=""/>
+        <p:cNvGrpSpPr/>
+        <p:nvPr/>
+      </p:nvGrpSpPr>
+      <p:grpSpPr>
+        <a:xfrm>
+          <a:off x="0" y="0"/>
+          <a:ext cx="0" cy="0"/>
+          <a:chOff x="0" y="0"/>
+          <a:chExt cx="0" cy="0"/>
+        </a:xfrm>
+      </p:grpSpPr>
+      <p:sp>
+        <p:nvSpPr>
+          <p:cNvPr id="2" name="제목 1">
+            <a:extLst>
+              <a:ext uri="{FF2B5EF4-FFF2-40B4-BE49-F238E27FC236}">
                 <a16:creationId xmlns:a16="http://schemas.microsoft.com/office/drawing/2014/main" id="{F205DA93-056B-441D-BA45-53432687BC3F}"/>
               </a:ext>
             </a:extLst>
@@ -4803,7 +5153,7 @@
                 </a:solidFill>
                 <a:latin typeface="Arial" panose="020B0604020202020204" pitchFamily="34" charset="0"/>
               </a:rPr>
-              <a:t>개발자가 아닌 일반인들도 쉽게 만들 수 있는 범용성</a:t>
+              <a:t>전문적인 개발자가 아닌 게임 개발에 문외한인 일반인들도 쉽게 만들 수 있는 높은 범용성</a:t>
             </a:r>
             <a:endParaRPr lang="ko-KR" altLang="en-US" sz="1800" b="0" dirty="0">
               <a:effectLst/>
@@ -4845,7 +5195,7 @@
             </a:pPr>
             <a:r>
               <a:rPr lang="ko-KR" altLang="en-US" sz="1800" dirty="0"/>
-              <a:t>기존 게임 엔진들과 달리</a:t>
+              <a:t>기존에 있는 게임 엔진들과 달리</a:t>
             </a:r>
             <a:r>
               <a:rPr lang="en-US" altLang="ko-KR" sz="1800" dirty="0"/>
@@ -4853,19 +5203,12 @@
             </a:r>
             <a:r>
               <a:rPr lang="ko-KR" altLang="en-US" sz="1800" dirty="0"/>
-              <a:t>기능의 다양화가 아닌 게임의 제작에 편의를 주어 개발자의 게임 완성에 초점</a:t>
+              <a:t>기능의 다양화가 아닌 게임의 제작에 편의를 주어 개발자의 게임 완성에 초점을 둠</a:t>
             </a:r>
             <a:r>
               <a:rPr lang="en-US" altLang="ko-KR" sz="1800" dirty="0"/>
               <a:t>.</a:t>
             </a:r>
-          </a:p>
-          <a:p>
-            <a:pPr>
-              <a:buFontTx/>
-              <a:buChar char="-"/>
-            </a:pPr>
-            <a:endParaRPr lang="en-US" altLang="ko-KR" sz="1800" dirty="0"/>
           </a:p>
         </p:txBody>
       </p:sp>
@@ -5176,7 +5519,9 @@
         </p:nvSpPr>
         <p:spPr/>
         <p:txBody>
-          <a:bodyPr/>
+          <a:bodyPr>
+            <a:normAutofit/>
+          </a:bodyPr>
           <a:lstStyle/>
           <a:p>
             <a:pPr>
@@ -5184,29 +5529,35 @@
               <a:buChar char="-"/>
             </a:pPr>
             <a:r>
-              <a:rPr lang="ko-KR" altLang="en-US" dirty="0"/>
+              <a:rPr lang="ko-KR" altLang="en-US" sz="2400" dirty="0"/>
               <a:t>앱 실행 시</a:t>
             </a:r>
             <a:r>
-              <a:rPr lang="en-US" altLang="ko-KR" dirty="0"/>
+              <a:rPr lang="en-US" altLang="ko-KR" sz="2400" dirty="0"/>
               <a:t>, </a:t>
             </a:r>
             <a:r>
-              <a:rPr lang="ko-KR" altLang="en-US" dirty="0"/>
+              <a:rPr lang="ko-KR" altLang="en-US" sz="2400" dirty="0"/>
               <a:t>홈 </a:t>
             </a:r>
             <a:r>
-              <a:rPr lang="ko-KR" altLang="en-US" dirty="0" err="1"/>
+              <a:rPr lang="ko-KR" altLang="en-US" sz="2400" dirty="0" err="1"/>
               <a:t>씬으로</a:t>
             </a:r>
             <a:r>
-              <a:rPr lang="ko-KR" altLang="en-US" dirty="0"/>
+              <a:rPr lang="ko-KR" altLang="en-US" sz="2400" dirty="0"/>
               <a:t> 이동</a:t>
             </a:r>
             <a:r>
-              <a:rPr lang="en-US" altLang="ko-KR" dirty="0"/>
+              <a:rPr lang="en-US" altLang="ko-KR" sz="2400" dirty="0"/>
               <a:t>.</a:t>
             </a:r>
+          </a:p>
+          <a:p>
+            <a:pPr marL="0" indent="0">
+              <a:buNone/>
+            </a:pPr>
+            <a:endParaRPr lang="en-US" altLang="ko-KR" sz="2400" dirty="0"/>
           </a:p>
           <a:p>
             <a:pPr>
@@ -5214,79 +5565,39 @@
               <a:buChar char="-"/>
             </a:pPr>
             <a:r>
-              <a:rPr lang="ko-KR" altLang="en-US" dirty="0"/>
-              <a:t>새로 만들기 버튼을 누르면</a:t>
-            </a:r>
-            <a:endParaRPr lang="en-US" altLang="ko-KR" dirty="0"/>
+              <a:rPr lang="en-US" altLang="ko-KR" sz="2400" dirty="0"/>
+              <a:t>‘</a:t>
+            </a:r>
+            <a:r>
+              <a:rPr lang="ko-KR" altLang="en-US" sz="2400" dirty="0"/>
+              <a:t>새로 만들기</a:t>
+            </a:r>
+            <a:r>
+              <a:rPr lang="en-US" altLang="ko-KR" sz="2400" dirty="0"/>
+              <a:t>’</a:t>
+            </a:r>
+            <a:r>
+              <a:rPr lang="ko-KR" altLang="en-US" sz="2400" dirty="0"/>
+              <a:t> 버튼을 누르면</a:t>
+            </a:r>
+            <a:endParaRPr lang="en-US" altLang="ko-KR" sz="2400" dirty="0"/>
           </a:p>
           <a:p>
             <a:pPr marL="0" indent="0">
               <a:buNone/>
             </a:pPr>
             <a:r>
-              <a:rPr lang="ko-KR" altLang="en-US" dirty="0"/>
+              <a:rPr lang="ko-KR" altLang="en-US" sz="2400" dirty="0"/>
               <a:t>작업할 템플릿을 선택할 수 있다</a:t>
             </a:r>
             <a:r>
-              <a:rPr lang="en-US" altLang="ko-KR" dirty="0"/>
+              <a:rPr lang="en-US" altLang="ko-KR" sz="2400" dirty="0"/>
               <a:t>.</a:t>
             </a:r>
             <a:r>
-              <a:rPr lang="ko-KR" altLang="en-US" dirty="0"/>
+              <a:rPr lang="ko-KR" altLang="en-US" sz="2400" dirty="0"/>
               <a:t>  </a:t>
             </a:r>
-          </a:p>
-        </p:txBody>
-      </p:sp>
-      <p:sp>
-        <p:nvSpPr>
-          <p:cNvPr id="7" name="TextBox 6">
-            <a:extLst>
-              <a:ext uri="{FF2B5EF4-FFF2-40B4-BE49-F238E27FC236}">
-                <a16:creationId xmlns:a16="http://schemas.microsoft.com/office/drawing/2014/main" id="{C1792655-7B69-4418-8FB1-357E9EE88075}"/>
-              </a:ext>
-            </a:extLst>
-          </p:cNvPr>
-          <p:cNvSpPr txBox="1"/>
-          <p:nvPr/>
-        </p:nvSpPr>
-        <p:spPr>
-          <a:xfrm>
-            <a:off x="7010400" y="5416928"/>
-            <a:ext cx="4343400" cy="369332"/>
-          </a:xfrm>
-          <a:prstGeom prst="rect">
-            <a:avLst/>
-          </a:prstGeom>
-          <a:noFill/>
-        </p:spPr>
-        <p:txBody>
-          <a:bodyPr wrap="square" rtlCol="0">
-            <a:spAutoFit/>
-          </a:bodyPr>
-          <a:lstStyle/>
-          <a:p>
-            <a:r>
-              <a:rPr lang="en-US" altLang="ko-KR" dirty="0"/>
-              <a:t>   -</a:t>
-            </a:r>
-            <a:r>
-              <a:rPr lang="ko-KR" altLang="en-US" dirty="0"/>
-              <a:t>샘플 이미지로</a:t>
-            </a:r>
-            <a:r>
-              <a:rPr lang="en-US" altLang="ko-KR" dirty="0"/>
-              <a:t>, </a:t>
-            </a:r>
-            <a:r>
-              <a:rPr lang="ko-KR" altLang="en-US" dirty="0"/>
-              <a:t>결과물과는 다릅니다</a:t>
-            </a:r>
-            <a:r>
-              <a:rPr lang="en-US" altLang="ko-KR" dirty="0"/>
-              <a:t>-</a:t>
-            </a:r>
-            <a:endParaRPr lang="ko-KR" altLang="en-US" dirty="0"/>
           </a:p>
         </p:txBody>
       </p:sp>
@@ -5362,6 +5673,58 @@
           </a:prstGeom>
         </p:spPr>
       </p:pic>
+      <p:sp>
+        <p:nvSpPr>
+          <p:cNvPr id="8" name="TextBox 7">
+            <a:extLst>
+              <a:ext uri="{FF2B5EF4-FFF2-40B4-BE49-F238E27FC236}">
+                <a16:creationId xmlns:a16="http://schemas.microsoft.com/office/drawing/2014/main" id="{7BDB8FBA-D468-4C2F-8B86-A1AB9F8F17E2}"/>
+              </a:ext>
+            </a:extLst>
+          </p:cNvPr>
+          <p:cNvSpPr txBox="1"/>
+          <p:nvPr/>
+        </p:nvSpPr>
+        <p:spPr>
+          <a:xfrm>
+            <a:off x="5953126" y="5367199"/>
+            <a:ext cx="6000750" cy="369332"/>
+          </a:xfrm>
+          <a:prstGeom prst="rect">
+            <a:avLst/>
+          </a:prstGeom>
+          <a:noFill/>
+        </p:spPr>
+        <p:txBody>
+          <a:bodyPr wrap="square" rtlCol="0">
+            <a:spAutoFit/>
+          </a:bodyPr>
+          <a:lstStyle/>
+          <a:p>
+            <a:r>
+              <a:rPr lang="en-US" altLang="ko-KR" dirty="0"/>
+              <a:t>   -</a:t>
+            </a:r>
+            <a:r>
+              <a:rPr lang="ko-KR" altLang="en-US" dirty="0"/>
+              <a:t>샘플 이미지로</a:t>
+            </a:r>
+            <a:r>
+              <a:rPr lang="en-US" altLang="ko-KR" dirty="0"/>
+              <a:t>, </a:t>
+            </a:r>
+            <a:r>
+              <a:rPr lang="ko-KR" altLang="en-US" dirty="0"/>
+              <a:t>프로토타입은 이와 다를 수 있습니다</a:t>
+            </a:r>
+            <a:r>
+              <a:rPr lang="en-US" altLang="ko-KR" dirty="0"/>
+              <a:t>-</a:t>
+            </a:r>
+            <a:endParaRPr lang="ko-KR" altLang="en-US" dirty="0"/>
+          </a:p>
+        </p:txBody>
+      </p:sp>
     </p:spTree>
     <p:extLst>
       <p:ext uri="{BB962C8B-B14F-4D97-AF65-F5344CB8AC3E}">
@@ -5392,6 +5755,78 @@
           <a:chExt cx="0" cy="0"/>
         </a:xfrm>
       </p:grpSpPr>
+      <p:pic>
+        <p:nvPicPr>
+          <p:cNvPr id="8" name="그림 7">
+            <a:extLst>
+              <a:ext uri="{FF2B5EF4-FFF2-40B4-BE49-F238E27FC236}">
+                <a16:creationId xmlns:a16="http://schemas.microsoft.com/office/drawing/2014/main" id="{833C3D2C-C965-4A2F-B34B-E98E6C73588A}"/>
+              </a:ext>
+            </a:extLst>
+          </p:cNvPr>
+          <p:cNvPicPr>
+            <a:picLocks noChangeAspect="1"/>
+          </p:cNvPicPr>
+          <p:nvPr/>
+        </p:nvPicPr>
+        <p:blipFill>
+          <a:blip r:embed="rId2">
+            <a:extLst>
+              <a:ext uri="{28A0092B-C50C-407E-A947-70E740481C1C}">
+                <a14:useLocalDpi xmlns:a14="http://schemas.microsoft.com/office/drawing/2010/main" val="0"/>
+              </a:ext>
+            </a:extLst>
+          </a:blip>
+          <a:stretch>
+            <a:fillRect/>
+          </a:stretch>
+        </p:blipFill>
+        <p:spPr>
+          <a:xfrm>
+            <a:off x="7951694" y="1451123"/>
+            <a:ext cx="5056094" cy="5406877"/>
+          </a:xfrm>
+          <a:prstGeom prst="rect">
+            <a:avLst/>
+          </a:prstGeom>
+        </p:spPr>
+      </p:pic>
+      <p:pic>
+        <p:nvPicPr>
+          <p:cNvPr id="5" name="그림 4">
+            <a:extLst>
+              <a:ext uri="{FF2B5EF4-FFF2-40B4-BE49-F238E27FC236}">
+                <a16:creationId xmlns:a16="http://schemas.microsoft.com/office/drawing/2014/main" id="{049F8C02-CAB9-4EFE-9D09-991D1400B8DD}"/>
+              </a:ext>
+            </a:extLst>
+          </p:cNvPr>
+          <p:cNvPicPr>
+            <a:picLocks noChangeAspect="1"/>
+          </p:cNvPicPr>
+          <p:nvPr/>
+        </p:nvPicPr>
+        <p:blipFill>
+          <a:blip r:embed="rId3">
+            <a:extLst>
+              <a:ext uri="{28A0092B-C50C-407E-A947-70E740481C1C}">
+                <a14:useLocalDpi xmlns:a14="http://schemas.microsoft.com/office/drawing/2010/main" val="0"/>
+              </a:ext>
+            </a:extLst>
+          </a:blip>
+          <a:stretch>
+            <a:fillRect/>
+          </a:stretch>
+        </p:blipFill>
+        <p:spPr>
+          <a:xfrm>
+            <a:off x="5863430" y="2001458"/>
+            <a:ext cx="3341687" cy="3341687"/>
+          </a:xfrm>
+          <a:prstGeom prst="rect">
+            <a:avLst/>
+          </a:prstGeom>
+        </p:spPr>
+      </p:pic>
       <p:sp>
         <p:nvSpPr>
           <p:cNvPr id="2" name="제목 1">
@@ -5443,7 +5878,9 @@
         </p:nvSpPr>
         <p:spPr/>
         <p:txBody>
-          <a:bodyPr/>
+          <a:bodyPr>
+            <a:normAutofit/>
+          </a:bodyPr>
           <a:lstStyle/>
           <a:p>
             <a:pPr>
@@ -5451,61 +5888,65 @@
               <a:buChar char="-"/>
             </a:pPr>
             <a:r>
-              <a:rPr lang="ko-KR" altLang="en-US" dirty="0"/>
-              <a:t>페이지를 새로 </a:t>
-            </a:r>
-          </a:p>
-        </p:txBody>
-      </p:sp>
-      <p:sp>
-        <p:nvSpPr>
-          <p:cNvPr id="7" name="TextBox 6">
-            <a:extLst>
-              <a:ext uri="{FF2B5EF4-FFF2-40B4-BE49-F238E27FC236}">
-                <a16:creationId xmlns:a16="http://schemas.microsoft.com/office/drawing/2014/main" id="{C1792655-7B69-4418-8FB1-357E9EE88075}"/>
-              </a:ext>
-            </a:extLst>
-          </p:cNvPr>
-          <p:cNvSpPr txBox="1"/>
-          <p:nvPr/>
-        </p:nvSpPr>
-        <p:spPr>
-          <a:xfrm>
-            <a:off x="5353050" y="6144834"/>
-            <a:ext cx="6000750" cy="369332"/>
-          </a:xfrm>
-          <a:prstGeom prst="rect">
-            <a:avLst/>
-          </a:prstGeom>
-          <a:noFill/>
-        </p:spPr>
-        <p:txBody>
-          <a:bodyPr wrap="square" rtlCol="0">
-            <a:spAutoFit/>
-          </a:bodyPr>
-          <a:lstStyle/>
-          <a:p>
-            <a:r>
-              <a:rPr lang="en-US" altLang="ko-KR" dirty="0"/>
-              <a:t>   -</a:t>
-            </a:r>
-            <a:r>
-              <a:rPr lang="ko-KR" altLang="en-US" dirty="0"/>
-              <a:t>샘플 이미지로</a:t>
-            </a:r>
-            <a:r>
-              <a:rPr lang="en-US" altLang="ko-KR" dirty="0"/>
+              <a:rPr lang="ko-KR" altLang="en-US" sz="2400" dirty="0"/>
+              <a:t>페이지를 새로 만들고</a:t>
+            </a:r>
+            <a:r>
+              <a:rPr lang="en-US" altLang="ko-KR" sz="2400" dirty="0"/>
               <a:t>, </a:t>
             </a:r>
             <a:r>
-              <a:rPr lang="ko-KR" altLang="en-US" dirty="0"/>
-              <a:t>프로토타입은 이와 다를 수 있습니다</a:t>
-            </a:r>
-            <a:r>
-              <a:rPr lang="en-US" altLang="ko-KR" dirty="0"/>
-              <a:t>-</a:t>
-            </a:r>
-            <a:endParaRPr lang="ko-KR" altLang="en-US" dirty="0"/>
+              <a:rPr lang="ko-KR" altLang="en-US" sz="2400" dirty="0"/>
+              <a:t>페이지의</a:t>
+            </a:r>
+            <a:endParaRPr lang="en-US" altLang="ko-KR" sz="2400" dirty="0"/>
+          </a:p>
+          <a:p>
+            <a:pPr marL="0" indent="0">
+              <a:buNone/>
+            </a:pPr>
+            <a:r>
+              <a:rPr lang="ko-KR" altLang="en-US" sz="2400" dirty="0"/>
+              <a:t>배경 이미지를 선택해서 추가</a:t>
+            </a:r>
+            <a:r>
+              <a:rPr lang="en-US" altLang="ko-KR" sz="2400" dirty="0"/>
+              <a:t>.</a:t>
+            </a:r>
+          </a:p>
+          <a:p>
+            <a:pPr marL="0" indent="0">
+              <a:buNone/>
+            </a:pPr>
+            <a:endParaRPr lang="en-US" altLang="ko-KR" sz="2400" dirty="0"/>
+          </a:p>
+          <a:p>
+            <a:pPr>
+              <a:buFontTx/>
+              <a:buChar char="-"/>
+            </a:pPr>
+            <a:r>
+              <a:rPr lang="ko-KR" altLang="en-US" sz="2400" dirty="0"/>
+              <a:t>텍스트를 입력하고 선택지를 만든</a:t>
+            </a:r>
+            <a:endParaRPr lang="en-US" altLang="ko-KR" sz="2400" dirty="0"/>
+          </a:p>
+          <a:p>
+            <a:pPr marL="0" indent="0">
+              <a:buNone/>
+            </a:pPr>
+            <a:r>
+              <a:rPr lang="ko-KR" altLang="en-US" sz="2400" dirty="0"/>
+              <a:t>다</a:t>
+            </a:r>
+            <a:r>
+              <a:rPr lang="en-US" altLang="ko-KR" sz="2400" dirty="0"/>
+              <a:t>.</a:t>
+            </a:r>
+            <a:r>
+              <a:rPr lang="ko-KR" altLang="en-US" sz="2400" dirty="0"/>
+              <a:t> </a:t>
+            </a:r>
           </a:p>
         </p:txBody>
       </p:sp>
@@ -5544,7 +5985,7 @@
           <p:cNvPr id="2" name="제목 1">
             <a:extLst>
               <a:ext uri="{FF2B5EF4-FFF2-40B4-BE49-F238E27FC236}">
-                <a16:creationId xmlns:a16="http://schemas.microsoft.com/office/drawing/2014/main" id="{46EF1F8F-B298-4FF9-BB13-E9DB21A8E366}"/>
+                <a16:creationId xmlns:a16="http://schemas.microsoft.com/office/drawing/2014/main" id="{523CB8E9-7F05-467A-8117-926D93FE0F39}"/>
               </a:ext>
             </a:extLst>
           </p:cNvPr>
@@ -5562,13 +6003,8 @@
           <a:p>
             <a:r>
               <a:rPr lang="ko-KR" altLang="en-US" dirty="0"/>
-              <a:t>〮 개발계획</a:t>
-            </a:r>
-            <a:r>
-              <a:rPr lang="en-US" altLang="ko-KR" dirty="0"/>
-              <a:t>(1)</a:t>
-            </a:r>
-            <a:endParaRPr lang="ko-KR" altLang="en-US" dirty="0"/>
+              <a:t>〮 요구사항</a:t>
+            </a:r>
           </a:p>
         </p:txBody>
       </p:sp>
@@ -5577,7 +6013,7 @@
           <p:cNvPr id="3" name="내용 개체 틀 2">
             <a:extLst>
               <a:ext uri="{FF2B5EF4-FFF2-40B4-BE49-F238E27FC236}">
-                <a16:creationId xmlns:a16="http://schemas.microsoft.com/office/drawing/2014/main" id="{D47BFAED-2443-4872-A161-CC865C7ABF93}"/>
+                <a16:creationId xmlns:a16="http://schemas.microsoft.com/office/drawing/2014/main" id="{80048741-8963-4DC1-91A7-D1EA438D23C6}"/>
               </a:ext>
             </a:extLst>
           </p:cNvPr>
@@ -5590,9 +6026,7 @@
         </p:nvSpPr>
         <p:spPr/>
         <p:txBody>
-          <a:bodyPr>
-            <a:normAutofit/>
-          </a:bodyPr>
+          <a:bodyPr/>
           <a:lstStyle/>
           <a:p>
             <a:pPr>
@@ -5600,28 +6034,14 @@
               <a:buChar char="-"/>
             </a:pPr>
             <a:r>
-              <a:rPr lang="ko-KR" altLang="en-US" dirty="0"/>
-              <a:t>개발환경</a:t>
-            </a:r>
-            <a:endParaRPr lang="en-US" altLang="ko-KR" dirty="0"/>
-          </a:p>
-          <a:p>
-            <a:pPr rtl="0">
-              <a:spcBef>
-                <a:spcPts val="1200"/>
-              </a:spcBef>
-              <a:spcAft>
-                <a:spcPts val="1200"/>
-              </a:spcAft>
-            </a:pPr>
-            <a:r>
-              <a:rPr lang="en-US" altLang="ko-KR" sz="1800" dirty="0">
+              <a:rPr lang="en-US" altLang="ko-KR" sz="1800" b="0" i="0" u="none" strike="noStrike" dirty="0">
                 <a:solidFill>
                   <a:srgbClr val="000000"/>
                 </a:solidFill>
+                <a:effectLst/>
                 <a:latin typeface="Arial" panose="020B0604020202020204" pitchFamily="34" charset="0"/>
               </a:rPr>
-              <a:t>JAVA</a:t>
+              <a:t>REQ-1 </a:t>
             </a:r>
             <a:r>
               <a:rPr lang="ko-KR" altLang="en-US" sz="1800" b="0" i="0" u="none" strike="noStrike" dirty="0">
@@ -5631,54 +6051,56 @@
                 <a:effectLst/>
                 <a:latin typeface="Arial" panose="020B0604020202020204" pitchFamily="34" charset="0"/>
               </a:rPr>
-              <a:t> </a:t>
-            </a:r>
-            <a:r>
-              <a:rPr lang="ko-KR" altLang="en-US" sz="1800" dirty="0"/>
-              <a:t>언어를 사용하여 </a:t>
-            </a:r>
-            <a:r>
-              <a:rPr lang="en-US" altLang="ko-KR" sz="1800" dirty="0"/>
-              <a:t>Android Studio</a:t>
-            </a:r>
-            <a:r>
-              <a:rPr lang="ko-KR" altLang="en-US" sz="1800" dirty="0"/>
-              <a:t>로 개발</a:t>
-            </a:r>
-            <a:endParaRPr lang="ko-KR" altLang="en-US" sz="1800" b="0" dirty="0">
+              <a:t>플랫폼에서 여러 텍스트 </a:t>
+            </a:r>
+            <a:r>
+              <a:rPr lang="ko-KR" altLang="en-US" sz="1800" b="0" i="0" u="none" strike="noStrike" dirty="0" err="1">
+                <a:solidFill>
+                  <a:srgbClr val="000000"/>
+                </a:solidFill>
+                <a:effectLst/>
+                <a:latin typeface="Arial" panose="020B0604020202020204" pitchFamily="34" charset="0"/>
+              </a:rPr>
+              <a:t>어드벤쳐</a:t>
+            </a:r>
+            <a:r>
+              <a:rPr lang="ko-KR" altLang="en-US" sz="1800" b="0" i="0" u="none" strike="noStrike" dirty="0">
+                <a:solidFill>
+                  <a:srgbClr val="000000"/>
+                </a:solidFill>
+                <a:effectLst/>
+                <a:latin typeface="Arial" panose="020B0604020202020204" pitchFamily="34" charset="0"/>
+              </a:rPr>
+              <a:t> 게임의 템플릿에 접근할 수 있다</a:t>
+            </a:r>
+            <a:r>
+              <a:rPr lang="en-US" altLang="ko-KR" sz="1800" b="0" i="0" u="none" strike="noStrike" dirty="0">
+                <a:solidFill>
+                  <a:srgbClr val="000000"/>
+                </a:solidFill>
+                <a:effectLst/>
+                <a:latin typeface="Arial" panose="020B0604020202020204" pitchFamily="34" charset="0"/>
+              </a:rPr>
+              <a:t>.</a:t>
+            </a:r>
+            <a:endParaRPr lang="en-US" altLang="ko-KR" sz="1800" dirty="0">
+              <a:solidFill>
+                <a:srgbClr val="000000"/>
+              </a:solidFill>
+              <a:latin typeface="Arial" panose="020B0604020202020204" pitchFamily="34" charset="0"/>
+            </a:endParaRPr>
+          </a:p>
+          <a:p>
+            <a:pPr marL="0" indent="0">
+              <a:buNone/>
+            </a:pPr>
+            <a:endParaRPr lang="en-US" altLang="ko-KR" sz="1800" b="0" i="0" u="none" strike="noStrike" dirty="0">
+              <a:solidFill>
+                <a:srgbClr val="000000"/>
+              </a:solidFill>
               <a:effectLst/>
+              <a:latin typeface="Arial" panose="020B0604020202020204" pitchFamily="34" charset="0"/>
             </a:endParaRPr>
-          </a:p>
-          <a:p>
-            <a:pPr rtl="0">
-              <a:spcBef>
-                <a:spcPts val="1200"/>
-              </a:spcBef>
-              <a:spcAft>
-                <a:spcPts val="1200"/>
-              </a:spcAft>
-            </a:pPr>
-            <a:r>
-              <a:rPr lang="en-US" altLang="ko-KR" sz="1800" dirty="0" err="1"/>
-              <a:t>Github</a:t>
-            </a:r>
-            <a:r>
-              <a:rPr lang="ko-KR" altLang="en-US" sz="1800" dirty="0"/>
-              <a:t>를 사용하여 협업</a:t>
-            </a:r>
-            <a:endParaRPr lang="en-US" altLang="ko-KR" sz="1800" dirty="0"/>
-          </a:p>
-          <a:p>
-            <a:pPr marL="0" indent="0" rtl="0">
-              <a:spcBef>
-                <a:spcPts val="1200"/>
-              </a:spcBef>
-              <a:spcAft>
-                <a:spcPts val="1200"/>
-              </a:spcAft>
-              <a:buNone/>
-            </a:pPr>
-            <a:endParaRPr lang="en-US" altLang="ko-KR" dirty="0"/>
           </a:p>
           <a:p>
             <a:pPr>
@@ -5686,177 +6108,246 @@
               <a:buChar char="-"/>
             </a:pPr>
             <a:r>
-              <a:rPr lang="ko-KR" altLang="en-US" dirty="0"/>
-              <a:t>오픈소스 라이선스</a:t>
-            </a:r>
-            <a:endParaRPr lang="en-US" altLang="ko-KR" dirty="0"/>
-          </a:p>
-          <a:p>
-            <a:pPr rtl="0">
-              <a:spcBef>
-                <a:spcPts val="1200"/>
-              </a:spcBef>
-              <a:spcAft>
-                <a:spcPts val="1200"/>
-              </a:spcAft>
+              <a:rPr lang="en-US" altLang="ko-KR" sz="1800" b="0" i="0" u="none" strike="noStrike" dirty="0">
+                <a:solidFill>
+                  <a:srgbClr val="000000"/>
+                </a:solidFill>
+                <a:effectLst/>
+                <a:latin typeface="Arial" panose="020B0604020202020204" pitchFamily="34" charset="0"/>
+              </a:rPr>
+              <a:t>REQ-2 </a:t>
+            </a:r>
+            <a:r>
+              <a:rPr lang="ko-KR" altLang="en-US" sz="1800" b="0" i="0" u="none" strike="noStrike" dirty="0">
+                <a:solidFill>
+                  <a:srgbClr val="000000"/>
+                </a:solidFill>
+                <a:effectLst/>
+                <a:latin typeface="Arial" panose="020B0604020202020204" pitchFamily="34" charset="0"/>
+              </a:rPr>
+              <a:t>템플릿의 예시로 서울 </a:t>
+            </a:r>
+            <a:r>
+              <a:rPr lang="en-US" altLang="ko-KR" sz="1800" b="0" i="0" u="none" strike="noStrike" dirty="0">
+                <a:solidFill>
+                  <a:srgbClr val="000000"/>
+                </a:solidFill>
+                <a:effectLst/>
+                <a:latin typeface="Arial" panose="020B0604020202020204" pitchFamily="34" charset="0"/>
+              </a:rPr>
+              <a:t>2033</a:t>
+            </a:r>
+            <a:r>
+              <a:rPr lang="ko-KR" altLang="en-US" sz="1800" b="0" i="0" u="none" strike="noStrike" dirty="0">
+                <a:solidFill>
+                  <a:srgbClr val="000000"/>
+                </a:solidFill>
+                <a:effectLst/>
+                <a:latin typeface="Arial" panose="020B0604020202020204" pitchFamily="34" charset="0"/>
+              </a:rPr>
+              <a:t>의 템플릿을 만든다</a:t>
+            </a:r>
+            <a:r>
+              <a:rPr lang="en-US" altLang="ko-KR" sz="1800" b="0" i="0" u="none" strike="noStrike" dirty="0">
+                <a:solidFill>
+                  <a:srgbClr val="000000"/>
+                </a:solidFill>
+                <a:effectLst/>
+                <a:latin typeface="Arial" panose="020B0604020202020204" pitchFamily="34" charset="0"/>
+              </a:rPr>
+              <a:t>.</a:t>
+            </a:r>
+          </a:p>
+          <a:p>
+            <a:pPr marL="0" indent="0">
+              <a:buNone/>
             </a:pPr>
-            <a:r>
-              <a:rPr lang="en-US" altLang="ko-KR" sz="1800" dirty="0"/>
-              <a:t>MIT</a:t>
-            </a:r>
-            <a:r>
-              <a:rPr lang="ko-KR" altLang="en-US" sz="1800" dirty="0"/>
-              <a:t> 라이선스 사용</a:t>
-            </a:r>
-            <a:endParaRPr lang="en-US" altLang="ko-KR" sz="1800" dirty="0"/>
-          </a:p>
-          <a:p>
-            <a:pPr lvl="1">
+            <a:endParaRPr lang="en-US" altLang="ko-KR" sz="1800" b="0" i="0" u="none" strike="noStrike" dirty="0">
+              <a:solidFill>
+                <a:srgbClr val="000000"/>
+              </a:solidFill>
+              <a:effectLst/>
+              <a:latin typeface="Arial" panose="020B0604020202020204" pitchFamily="34" charset="0"/>
+            </a:endParaRPr>
+          </a:p>
+          <a:p>
+            <a:pPr>
               <a:buFontTx/>
               <a:buChar char="-"/>
             </a:pPr>
-            <a:endParaRPr lang="en-US" altLang="ko-KR" dirty="0"/>
-          </a:p>
-          <a:p>
-            <a:pPr lvl="1">
+            <a:r>
+              <a:rPr lang="en-US" altLang="ko-KR" sz="1800" b="0" i="0" u="none" strike="noStrike" dirty="0">
+                <a:solidFill>
+                  <a:srgbClr val="000000"/>
+                </a:solidFill>
+                <a:effectLst/>
+                <a:latin typeface="Arial" panose="020B0604020202020204" pitchFamily="34" charset="0"/>
+              </a:rPr>
+              <a:t>REQ-3 </a:t>
+            </a:r>
+            <a:r>
+              <a:rPr lang="ko-KR" altLang="en-US" sz="1800" b="0" i="0" u="none" strike="noStrike" dirty="0">
+                <a:solidFill>
+                  <a:srgbClr val="000000"/>
+                </a:solidFill>
+                <a:effectLst/>
+                <a:latin typeface="Arial" panose="020B0604020202020204" pitchFamily="34" charset="0"/>
+              </a:rPr>
+              <a:t>서울 </a:t>
+            </a:r>
+            <a:r>
+              <a:rPr lang="en-US" altLang="ko-KR" sz="1800" b="0" i="0" u="none" strike="noStrike" dirty="0">
+                <a:solidFill>
+                  <a:srgbClr val="000000"/>
+                </a:solidFill>
+                <a:effectLst/>
+                <a:latin typeface="Arial" panose="020B0604020202020204" pitchFamily="34" charset="0"/>
+              </a:rPr>
+              <a:t>2033</a:t>
+            </a:r>
+            <a:r>
+              <a:rPr lang="ko-KR" altLang="en-US" sz="1800" b="0" i="0" u="none" strike="noStrike" dirty="0">
+                <a:solidFill>
+                  <a:srgbClr val="000000"/>
+                </a:solidFill>
+                <a:effectLst/>
+                <a:latin typeface="Arial" panose="020B0604020202020204" pitchFamily="34" charset="0"/>
+              </a:rPr>
+              <a:t>의 템플릿은 서울 </a:t>
+            </a:r>
+            <a:r>
+              <a:rPr lang="en-US" altLang="ko-KR" sz="1800" b="0" i="0" u="none" strike="noStrike" dirty="0">
+                <a:solidFill>
+                  <a:srgbClr val="000000"/>
+                </a:solidFill>
+                <a:effectLst/>
+                <a:latin typeface="Arial" panose="020B0604020202020204" pitchFamily="34" charset="0"/>
+              </a:rPr>
+              <a:t>2033</a:t>
+            </a:r>
+            <a:r>
+              <a:rPr lang="ko-KR" altLang="en-US" sz="1800" b="0" i="0" u="none" strike="noStrike" dirty="0">
+                <a:solidFill>
+                  <a:srgbClr val="000000"/>
+                </a:solidFill>
+                <a:effectLst/>
+                <a:latin typeface="Arial" panose="020B0604020202020204" pitchFamily="34" charset="0"/>
+              </a:rPr>
+              <a:t>과 같은 기능을 가지고 있다</a:t>
+            </a:r>
+            <a:r>
+              <a:rPr lang="en-US" altLang="ko-KR" sz="1800" b="0" i="0" u="none" strike="noStrike" dirty="0">
+                <a:solidFill>
+                  <a:srgbClr val="000000"/>
+                </a:solidFill>
+                <a:effectLst/>
+                <a:latin typeface="Arial" panose="020B0604020202020204" pitchFamily="34" charset="0"/>
+              </a:rPr>
+              <a:t>.</a:t>
+            </a:r>
+          </a:p>
+          <a:p>
+            <a:pPr marL="0" indent="0">
+              <a:buNone/>
+            </a:pPr>
+            <a:endParaRPr lang="en-US" altLang="ko-KR" sz="1800" dirty="0">
+              <a:solidFill>
+                <a:srgbClr val="000000"/>
+              </a:solidFill>
+              <a:latin typeface="Arial" panose="020B0604020202020204" pitchFamily="34" charset="0"/>
+            </a:endParaRPr>
+          </a:p>
+          <a:p>
+            <a:pPr>
               <a:buFontTx/>
               <a:buChar char="-"/>
             </a:pPr>
-            <a:endParaRPr lang="en-US" altLang="ko-KR" dirty="0"/>
-          </a:p>
-          <a:p>
-            <a:pPr lvl="1">
+            <a:r>
+              <a:rPr lang="en-US" altLang="ko-KR" sz="1800" b="0" i="0" u="none" strike="noStrike" dirty="0">
+                <a:solidFill>
+                  <a:srgbClr val="000000"/>
+                </a:solidFill>
+                <a:effectLst/>
+                <a:latin typeface="Arial" panose="020B0604020202020204" pitchFamily="34" charset="0"/>
+              </a:rPr>
+              <a:t>REQ-4 </a:t>
+            </a:r>
+            <a:r>
+              <a:rPr lang="ko-KR" altLang="en-US" sz="1800" b="0" i="0" u="none" strike="noStrike" dirty="0">
+                <a:solidFill>
+                  <a:srgbClr val="000000"/>
+                </a:solidFill>
+                <a:effectLst/>
+                <a:latin typeface="Arial" panose="020B0604020202020204" pitchFamily="34" charset="0"/>
+              </a:rPr>
+              <a:t>플랫폼의 모든 템플릿은 컨텐츠를 넣으면 게임을 완성할 수 있는 형태다</a:t>
+            </a:r>
+            <a:r>
+              <a:rPr lang="en-US" altLang="ko-KR" sz="1800" b="0" i="0" u="none" strike="noStrike" dirty="0">
+                <a:solidFill>
+                  <a:srgbClr val="000000"/>
+                </a:solidFill>
+                <a:effectLst/>
+                <a:latin typeface="Arial" panose="020B0604020202020204" pitchFamily="34" charset="0"/>
+              </a:rPr>
+              <a:t>. </a:t>
+            </a:r>
+          </a:p>
+          <a:p>
+            <a:pPr marL="0" indent="0">
+              <a:buNone/>
+            </a:pPr>
+            <a:endParaRPr lang="en-US" altLang="ko-KR" sz="1800" b="0" i="0" u="none" strike="noStrike" dirty="0">
+              <a:solidFill>
+                <a:srgbClr val="000000"/>
+              </a:solidFill>
+              <a:effectLst/>
+              <a:latin typeface="Arial" panose="020B0604020202020204" pitchFamily="34" charset="0"/>
+            </a:endParaRPr>
+          </a:p>
+          <a:p>
+            <a:pPr>
               <a:buFontTx/>
               <a:buChar char="-"/>
             </a:pPr>
+            <a:r>
+              <a:rPr lang="en-US" altLang="ko-KR" sz="1800" b="0" i="0" u="none" strike="noStrike" dirty="0">
+                <a:solidFill>
+                  <a:srgbClr val="000000"/>
+                </a:solidFill>
+                <a:effectLst/>
+                <a:latin typeface="Arial" panose="020B0604020202020204" pitchFamily="34" charset="0"/>
+              </a:rPr>
+              <a:t>REQ-5 </a:t>
+            </a:r>
+            <a:r>
+              <a:rPr lang="ko-KR" altLang="en-US" sz="1800" b="0" i="0" u="none" strike="noStrike" dirty="0">
+                <a:solidFill>
+                  <a:srgbClr val="000000"/>
+                </a:solidFill>
+                <a:effectLst/>
+                <a:latin typeface="Arial" panose="020B0604020202020204" pitchFamily="34" charset="0"/>
+              </a:rPr>
+              <a:t>안드로이드 기반으로 하여 모바일에서 실행 가능하게 한다</a:t>
+            </a:r>
+            <a:r>
+              <a:rPr lang="en-US" altLang="ko-KR" sz="1800" b="0" i="0" u="none" strike="noStrike" dirty="0">
+                <a:solidFill>
+                  <a:srgbClr val="000000"/>
+                </a:solidFill>
+                <a:effectLst/>
+                <a:latin typeface="Arial" panose="020B0604020202020204" pitchFamily="34" charset="0"/>
+              </a:rPr>
+              <a:t>. </a:t>
+            </a:r>
             <a:endParaRPr lang="en-US" altLang="ko-KR" dirty="0"/>
           </a:p>
-          <a:p>
-            <a:pPr marL="457200" lvl="1" indent="0">
-              <a:buNone/>
-            </a:pPr>
-            <a:endParaRPr lang="en-US" altLang="ko-KR" dirty="0"/>
-          </a:p>
-          <a:p>
-            <a:pPr marL="457200" lvl="1" indent="0">
-              <a:buNone/>
-            </a:pPr>
-            <a:endParaRPr lang="ko-KR" altLang="en-US" dirty="0"/>
-          </a:p>
-        </p:txBody>
-      </p:sp>
-      <p:pic>
-        <p:nvPicPr>
-          <p:cNvPr id="5" name="그림 4" descr="텍스트이(가) 표시된 사진&#10;&#10;자동 생성된 설명">
-            <a:extLst>
-              <a:ext uri="{FF2B5EF4-FFF2-40B4-BE49-F238E27FC236}">
-                <a16:creationId xmlns:a16="http://schemas.microsoft.com/office/drawing/2014/main" id="{250933E1-456F-4E6A-8D57-9E0D124FD94E}"/>
-              </a:ext>
-            </a:extLst>
-          </p:cNvPr>
-          <p:cNvPicPr>
-            <a:picLocks noChangeAspect="1"/>
-          </p:cNvPicPr>
-          <p:nvPr/>
-        </p:nvPicPr>
-        <p:blipFill>
-          <a:blip r:embed="rId2">
-            <a:extLst>
-              <a:ext uri="{28A0092B-C50C-407E-A947-70E740481C1C}">
-                <a14:useLocalDpi xmlns:a14="http://schemas.microsoft.com/office/drawing/2010/main" val="0"/>
-              </a:ext>
-            </a:extLst>
-          </a:blip>
-          <a:stretch>
-            <a:fillRect/>
-          </a:stretch>
-        </p:blipFill>
-        <p:spPr>
-          <a:xfrm>
-            <a:off x="3574241" y="4551156"/>
-            <a:ext cx="6578288" cy="1060749"/>
-          </a:xfrm>
-          <a:prstGeom prst="rect">
-            <a:avLst/>
-          </a:prstGeom>
-        </p:spPr>
-      </p:pic>
-      <p:pic>
-        <p:nvPicPr>
-          <p:cNvPr id="7" name="그림 6">
-            <a:extLst>
-              <a:ext uri="{FF2B5EF4-FFF2-40B4-BE49-F238E27FC236}">
-                <a16:creationId xmlns:a16="http://schemas.microsoft.com/office/drawing/2014/main" id="{982D9DC1-6794-48B8-B6AA-D814D7EC2FD2}"/>
-              </a:ext>
-            </a:extLst>
-          </p:cNvPr>
-          <p:cNvPicPr>
-            <a:picLocks noChangeAspect="1"/>
-          </p:cNvPicPr>
-          <p:nvPr/>
-        </p:nvPicPr>
-        <p:blipFill>
-          <a:blip r:embed="rId3">
-            <a:extLst>
-              <a:ext uri="{28A0092B-C50C-407E-A947-70E740481C1C}">
-                <a14:useLocalDpi xmlns:a14="http://schemas.microsoft.com/office/drawing/2010/main" val="0"/>
-              </a:ext>
-            </a:extLst>
-          </a:blip>
-          <a:stretch>
-            <a:fillRect/>
-          </a:stretch>
-        </p:blipFill>
-        <p:spPr>
-          <a:xfrm>
-            <a:off x="3756732" y="2658016"/>
-            <a:ext cx="2339268" cy="1060749"/>
-          </a:xfrm>
-          <a:prstGeom prst="rect">
-            <a:avLst/>
-          </a:prstGeom>
-        </p:spPr>
-      </p:pic>
-      <p:pic>
-        <p:nvPicPr>
-          <p:cNvPr id="9" name="그림 8">
-            <a:extLst>
-              <a:ext uri="{FF2B5EF4-FFF2-40B4-BE49-F238E27FC236}">
-                <a16:creationId xmlns:a16="http://schemas.microsoft.com/office/drawing/2014/main" id="{94ADF825-2185-4DD7-AE2A-A9EFCE353962}"/>
-              </a:ext>
-            </a:extLst>
-          </p:cNvPr>
-          <p:cNvPicPr>
-            <a:picLocks noChangeAspect="1"/>
-          </p:cNvPicPr>
-          <p:nvPr/>
-        </p:nvPicPr>
-        <p:blipFill>
-          <a:blip r:embed="rId4">
-            <a:extLst>
-              <a:ext uri="{28A0092B-C50C-407E-A947-70E740481C1C}">
-                <a14:useLocalDpi xmlns:a14="http://schemas.microsoft.com/office/drawing/2010/main" val="0"/>
-              </a:ext>
-            </a:extLst>
-          </a:blip>
-          <a:stretch>
-            <a:fillRect/>
-          </a:stretch>
-        </p:blipFill>
-        <p:spPr>
-          <a:xfrm>
-            <a:off x="6096000" y="1825625"/>
-            <a:ext cx="1160948" cy="1158685"/>
-          </a:xfrm>
-          <a:prstGeom prst="rect">
-            <a:avLst/>
-          </a:prstGeom>
-        </p:spPr>
-      </p:pic>
+        </p:txBody>
+      </p:sp>
     </p:spTree>
     <p:extLst>
       <p:ext uri="{BB962C8B-B14F-4D97-AF65-F5344CB8AC3E}">
-        <p14:creationId xmlns:p14="http://schemas.microsoft.com/office/powerpoint/2010/main" val="1456966434"/>
+        <p14:creationId xmlns:p14="http://schemas.microsoft.com/office/powerpoint/2010/main" val="3121677686"/>
       </p:ext>
     </p:extLst>
   </p:cSld>

--- a/OSS IDEA PROPOSAL.pptx
+++ b/OSS IDEA PROPOSAL.pptx
@@ -269,7 +269,7 @@
           <a:p>
             <a:fld id="{8EFFEF71-DD2C-4852-82DC-6FCA74C85935}" type="datetimeFigureOut">
               <a:rPr lang="ko-KR" altLang="en-US" smtClean="0"/>
-              <a:t>2021-04-04</a:t>
+              <a:t>2021-04-05</a:t>
             </a:fld>
             <a:endParaRPr lang="ko-KR" altLang="en-US"/>
           </a:p>
@@ -467,7 +467,7 @@
           <a:p>
             <a:fld id="{8EFFEF71-DD2C-4852-82DC-6FCA74C85935}" type="datetimeFigureOut">
               <a:rPr lang="ko-KR" altLang="en-US" smtClean="0"/>
-              <a:t>2021-04-04</a:t>
+              <a:t>2021-04-05</a:t>
             </a:fld>
             <a:endParaRPr lang="ko-KR" altLang="en-US"/>
           </a:p>
@@ -675,7 +675,7 @@
           <a:p>
             <a:fld id="{8EFFEF71-DD2C-4852-82DC-6FCA74C85935}" type="datetimeFigureOut">
               <a:rPr lang="ko-KR" altLang="en-US" smtClean="0"/>
-              <a:t>2021-04-04</a:t>
+              <a:t>2021-04-05</a:t>
             </a:fld>
             <a:endParaRPr lang="ko-KR" altLang="en-US"/>
           </a:p>
@@ -873,7 +873,7 @@
           <a:p>
             <a:fld id="{8EFFEF71-DD2C-4852-82DC-6FCA74C85935}" type="datetimeFigureOut">
               <a:rPr lang="ko-KR" altLang="en-US" smtClean="0"/>
-              <a:t>2021-04-04</a:t>
+              <a:t>2021-04-05</a:t>
             </a:fld>
             <a:endParaRPr lang="ko-KR" altLang="en-US"/>
           </a:p>
@@ -1148,7 +1148,7 @@
           <a:p>
             <a:fld id="{8EFFEF71-DD2C-4852-82DC-6FCA74C85935}" type="datetimeFigureOut">
               <a:rPr lang="ko-KR" altLang="en-US" smtClean="0"/>
-              <a:t>2021-04-04</a:t>
+              <a:t>2021-04-05</a:t>
             </a:fld>
             <a:endParaRPr lang="ko-KR" altLang="en-US"/>
           </a:p>
@@ -1413,7 +1413,7 @@
           <a:p>
             <a:fld id="{8EFFEF71-DD2C-4852-82DC-6FCA74C85935}" type="datetimeFigureOut">
               <a:rPr lang="ko-KR" altLang="en-US" smtClean="0"/>
-              <a:t>2021-04-04</a:t>
+              <a:t>2021-04-05</a:t>
             </a:fld>
             <a:endParaRPr lang="ko-KR" altLang="en-US"/>
           </a:p>
@@ -1825,7 +1825,7 @@
           <a:p>
             <a:fld id="{8EFFEF71-DD2C-4852-82DC-6FCA74C85935}" type="datetimeFigureOut">
               <a:rPr lang="ko-KR" altLang="en-US" smtClean="0"/>
-              <a:t>2021-04-04</a:t>
+              <a:t>2021-04-05</a:t>
             </a:fld>
             <a:endParaRPr lang="ko-KR" altLang="en-US"/>
           </a:p>
@@ -1966,7 +1966,7 @@
           <a:p>
             <a:fld id="{8EFFEF71-DD2C-4852-82DC-6FCA74C85935}" type="datetimeFigureOut">
               <a:rPr lang="ko-KR" altLang="en-US" smtClean="0"/>
-              <a:t>2021-04-04</a:t>
+              <a:t>2021-04-05</a:t>
             </a:fld>
             <a:endParaRPr lang="ko-KR" altLang="en-US"/>
           </a:p>
@@ -2079,7 +2079,7 @@
           <a:p>
             <a:fld id="{8EFFEF71-DD2C-4852-82DC-6FCA74C85935}" type="datetimeFigureOut">
               <a:rPr lang="ko-KR" altLang="en-US" smtClean="0"/>
-              <a:t>2021-04-04</a:t>
+              <a:t>2021-04-05</a:t>
             </a:fld>
             <a:endParaRPr lang="ko-KR" altLang="en-US"/>
           </a:p>
@@ -2390,7 +2390,7 @@
           <a:p>
             <a:fld id="{8EFFEF71-DD2C-4852-82DC-6FCA74C85935}" type="datetimeFigureOut">
               <a:rPr lang="ko-KR" altLang="en-US" smtClean="0"/>
-              <a:t>2021-04-04</a:t>
+              <a:t>2021-04-05</a:t>
             </a:fld>
             <a:endParaRPr lang="ko-KR" altLang="en-US"/>
           </a:p>
@@ -2678,7 +2678,7 @@
           <a:p>
             <a:fld id="{8EFFEF71-DD2C-4852-82DC-6FCA74C85935}" type="datetimeFigureOut">
               <a:rPr lang="ko-KR" altLang="en-US" smtClean="0"/>
-              <a:t>2021-04-04</a:t>
+              <a:t>2021-04-05</a:t>
             </a:fld>
             <a:endParaRPr lang="ko-KR" altLang="en-US"/>
           </a:p>
@@ -2919,7 +2919,7 @@
           <a:p>
             <a:fld id="{8EFFEF71-DD2C-4852-82DC-6FCA74C85935}" type="datetimeFigureOut">
               <a:rPr lang="ko-KR" altLang="en-US" smtClean="0"/>
-              <a:t>2021-04-04</a:t>
+              <a:t>2021-04-05</a:t>
             </a:fld>
             <a:endParaRPr lang="ko-KR" altLang="en-US"/>
           </a:p>
@@ -4539,7 +4539,7 @@
         <p:spPr>
           <a:xfrm>
             <a:off x="6606988" y="2680447"/>
-            <a:ext cx="4746812" cy="1477328"/>
+            <a:ext cx="4746812" cy="1754326"/>
           </a:xfrm>
           <a:prstGeom prst="rect">
             <a:avLst/>
@@ -4571,12 +4571,14 @@
           <a:p>
             <a:r>
               <a:rPr lang="ko-KR" altLang="en-US" dirty="0"/>
-              <a:t>스토리텔링이 주 컨텐츠가 되는 어드벤처류 게임의 장르를 말한다</a:t>
+              <a:t>스토리텔링이 주 컨텐츠가 되는 어드벤처류 게임의 장르</a:t>
             </a:r>
             <a:r>
               <a:rPr lang="en-US" altLang="ko-KR" dirty="0"/>
               <a:t>. </a:t>
             </a:r>
+          </a:p>
+          <a:p>
             <a:r>
               <a:rPr lang="ko-KR" altLang="en-US" dirty="0"/>
               <a:t>유저의 텍스트 명령을 통해</a:t>
@@ -5411,7 +5413,7 @@
                 </a:solidFill>
                 <a:latin typeface="Arial" panose="020B0604020202020204" pitchFamily="34" charset="0"/>
               </a:rPr>
-              <a:t>의 도움으로 플랫폼을 수정하여 타 장르의 게임에도 확장 가능</a:t>
+              <a:t>의 도움으로 플랫폼을 수정하여 타 장르의 게임에도 기능 확장이 가능</a:t>
             </a:r>
             <a:r>
               <a:rPr lang="en-US" altLang="ko-KR" sz="1800" dirty="0">
@@ -5541,12 +5543,12 @@
               <a:t>홈 </a:t>
             </a:r>
             <a:r>
-              <a:rPr lang="ko-KR" altLang="en-US" sz="2400" dirty="0" err="1"/>
-              <a:t>씬으로</a:t>
+              <a:rPr lang="en-US" altLang="ko-KR" sz="2400" dirty="0"/>
+              <a:t>Scene</a:t>
             </a:r>
             <a:r>
               <a:rPr lang="ko-KR" altLang="en-US" sz="2400" dirty="0"/>
-              <a:t> 이동</a:t>
+              <a:t>으로 이동</a:t>
             </a:r>
             <a:r>
               <a:rPr lang="en-US" altLang="ko-KR" sz="2400" dirty="0"/>

--- a/OSS IDEA PROPOSAL.pptx
+++ b/OSS IDEA PROPOSAL.pptx
@@ -4427,7 +4427,15 @@
             </a:r>
             <a:r>
               <a:rPr lang="ko-KR" altLang="en-US" dirty="0"/>
-              <a:t>의 히트로 인한 모바일 텍스트 어드벤처 게임의 유행</a:t>
+              <a:t>의 히트로 인해</a:t>
+            </a:r>
+            <a:r>
+              <a:rPr lang="en-US" altLang="ko-KR" dirty="0"/>
+              <a:t>, </a:t>
+            </a:r>
+            <a:r>
+              <a:rPr lang="ko-KR" altLang="en-US" dirty="0"/>
+              <a:t>모바일 게임 시장에서 텍스트 어드벤처 게임이 유행</a:t>
             </a:r>
             <a:r>
               <a:rPr lang="en-US" altLang="ko-KR" dirty="0"/>
@@ -4516,7 +4524,7 @@
         </p:blipFill>
         <p:spPr>
           <a:xfrm>
-            <a:off x="838200" y="2877847"/>
+            <a:off x="838199" y="2859918"/>
             <a:ext cx="4876397" cy="2535726"/>
           </a:xfrm>
           <a:prstGeom prst="rect">
@@ -4913,7 +4921,7 @@
             </a:r>
             <a:r>
               <a:rPr lang="ko-KR" altLang="en-US" sz="2400" dirty="0"/>
-              <a:t>게임 개발에 사용할 프로그래밍 언어</a:t>
+              <a:t>프로그래밍 언어</a:t>
             </a:r>
             <a:endParaRPr lang="en-US" altLang="ko-KR" sz="2400" dirty="0"/>
           </a:p>
@@ -5128,10 +5136,16 @@
               <a:buChar char="-"/>
             </a:pPr>
             <a:r>
-              <a:rPr lang="ko-KR" altLang="en-US" dirty="0"/>
+              <a:rPr lang="ko-KR" altLang="en-US" dirty="0">
+                <a:latin typeface="+mj-lt"/>
+                <a:cs typeface="Aharoni" panose="02010803020104030203" pitchFamily="2" charset="-79"/>
+              </a:rPr>
               <a:t>텍스트 어드벤처 템플릿 플랫폼 개발</a:t>
             </a:r>
-            <a:endParaRPr lang="en-US" altLang="ko-KR" dirty="0"/>
+            <a:endParaRPr lang="en-US" altLang="ko-KR" dirty="0">
+              <a:latin typeface="+mj-lt"/>
+              <a:cs typeface="Aharoni" panose="02010803020104030203" pitchFamily="2" charset="-79"/>
+            </a:endParaRPr>
           </a:p>
           <a:p>
             <a:pPr marL="0" indent="0">
@@ -5155,7 +5169,7 @@
                 </a:solidFill>
                 <a:latin typeface="Arial" panose="020B0604020202020204" pitchFamily="34" charset="0"/>
               </a:rPr>
-              <a:t>전문적인 개발자가 아닌 게임 개발에 문외한인 일반인들도 쉽게 만들 수 있는 높은 범용성</a:t>
+              <a:t>전문적인 지식을 갖춘 개발자가 아닌 게임 개발에 문외한인 일반인들이 템플릿을 사용하여 게임을 쉽게 만들 수 있음</a:t>
             </a:r>
             <a:endParaRPr lang="ko-KR" altLang="en-US" sz="1800" b="0" dirty="0">
               <a:effectLst/>
@@ -5177,9 +5191,36 @@
                 </a:solidFill>
                 <a:latin typeface="Arial" panose="020B0604020202020204" pitchFamily="34" charset="0"/>
               </a:rPr>
-              <a:t>많은 사람들이 모바일로 쉽게 접근할 수 있는 좋은 접근성</a:t>
-            </a:r>
-            <a:endParaRPr lang="en-US" altLang="ko-KR" sz="1800" dirty="0">
+              <a:t>안드로이드 기반 플랫폼 개발로</a:t>
+            </a:r>
+            <a:r>
+              <a:rPr lang="en-US" altLang="ko-KR" sz="1800" dirty="0">
+                <a:solidFill>
+                  <a:srgbClr val="000000"/>
+                </a:solidFill>
+                <a:latin typeface="Arial" panose="020B0604020202020204" pitchFamily="34" charset="0"/>
+              </a:rPr>
+              <a:t>, </a:t>
+            </a:r>
+            <a:r>
+              <a:rPr lang="ko-KR" altLang="en-US" sz="1800" dirty="0">
+                <a:solidFill>
+                  <a:srgbClr val="000000"/>
+                </a:solidFill>
+                <a:latin typeface="Arial" panose="020B0604020202020204" pitchFamily="34" charset="0"/>
+              </a:rPr>
+              <a:t>많은 사람들이 모바일로 쉽게 접할 수 있는 좋은 접근성을 지님</a:t>
+            </a:r>
+            <a:r>
+              <a:rPr lang="en-US" altLang="ko-KR" sz="1800" dirty="0">
+                <a:solidFill>
+                  <a:srgbClr val="000000"/>
+                </a:solidFill>
+                <a:latin typeface="Arial" panose="020B0604020202020204" pitchFamily="34" charset="0"/>
+              </a:rPr>
+              <a:t>.</a:t>
+            </a:r>
+            <a:endParaRPr lang="ko-KR" altLang="en-US" sz="1800" dirty="0">
               <a:solidFill>
                 <a:srgbClr val="000000"/>
               </a:solidFill>
@@ -5197,7 +5238,7 @@
             </a:pPr>
             <a:r>
               <a:rPr lang="ko-KR" altLang="en-US" sz="1800" dirty="0"/>
-              <a:t>기존에 있는 게임 엔진들과 달리</a:t>
+              <a:t>기존에 있는 게임 엔진 오픈소스들과 달리</a:t>
             </a:r>
             <a:r>
               <a:rPr lang="en-US" altLang="ko-KR" sz="1800" dirty="0"/>
@@ -5205,12 +5246,9 @@
             </a:r>
             <a:r>
               <a:rPr lang="ko-KR" altLang="en-US" sz="1800" dirty="0"/>
-              <a:t>기능의 다양화가 아닌 게임의 제작에 편의를 주어 개발자의 게임 완성에 초점을 둠</a:t>
-            </a:r>
-            <a:r>
-              <a:rPr lang="en-US" altLang="ko-KR" sz="1800" dirty="0"/>
-              <a:t>.</a:t>
-            </a:r>
+              <a:t>기능의 다양화가 아닌 게임 제작의 편의를 위해 기능을 제한하여 개발자가 게임 완성시키는 것에 초점</a:t>
+            </a:r>
+            <a:endParaRPr lang="en-US" altLang="ko-KR" sz="1800" dirty="0"/>
           </a:p>
         </p:txBody>
       </p:sp>
@@ -5590,7 +5628,7 @@
             </a:pPr>
             <a:r>
               <a:rPr lang="ko-KR" altLang="en-US" sz="2400" dirty="0"/>
-              <a:t>작업할 템플릿을 선택할 수 있다</a:t>
+              <a:t>작업할 템플릿을 선택한다</a:t>
             </a:r>
             <a:r>
               <a:rPr lang="en-US" altLang="ko-KR" sz="2400" dirty="0"/>
@@ -5891,7 +5929,7 @@
             </a:pPr>
             <a:r>
               <a:rPr lang="ko-KR" altLang="en-US" sz="2400" dirty="0"/>
-              <a:t>페이지를 새로 만들고</a:t>
+              <a:t>템플릿을 선택 후</a:t>
             </a:r>
             <a:r>
               <a:rPr lang="en-US" altLang="ko-KR" sz="2400" dirty="0"/>
@@ -5899,14 +5937,22 @@
             </a:r>
             <a:r>
               <a:rPr lang="ko-KR" altLang="en-US" sz="2400" dirty="0"/>
+              <a:t>페이지를 새로 만들고</a:t>
+            </a:r>
+            <a:endParaRPr lang="en-US" altLang="ko-KR" sz="2400" dirty="0"/>
+          </a:p>
+          <a:p>
+            <a:pPr marL="0" indent="0">
+              <a:buNone/>
+            </a:pPr>
+            <a:r>
+              <a:rPr lang="ko-KR" altLang="en-US" sz="2400" dirty="0"/>
               <a:t>페이지의</a:t>
             </a:r>
-            <a:endParaRPr lang="en-US" altLang="ko-KR" sz="2400" dirty="0"/>
-          </a:p>
-          <a:p>
-            <a:pPr marL="0" indent="0">
-              <a:buNone/>
-            </a:pPr>
+            <a:r>
+              <a:rPr lang="en-US" altLang="ko-KR" sz="2400" dirty="0"/>
+              <a:t> </a:t>
+            </a:r>
             <a:r>
               <a:rPr lang="ko-KR" altLang="en-US" sz="2400" dirty="0"/>
               <a:t>배경 이미지를 선택해서 추가</a:t>

--- a/OSS IDEA PROPOSAL.pptx
+++ b/OSS IDEA PROPOSAL.pptx
@@ -5128,7 +5128,9 @@
         </p:nvSpPr>
         <p:spPr/>
         <p:txBody>
-          <a:bodyPr/>
+          <a:bodyPr>
+            <a:normAutofit/>
+          </a:bodyPr>
           <a:lstStyle/>
           <a:p>
             <a:pPr>
@@ -5148,10 +5150,21 @@
             </a:endParaRPr>
           </a:p>
           <a:p>
-            <a:pPr marL="0" indent="0">
+            <a:pPr marL="0" indent="0" rtl="0">
+              <a:spcBef>
+                <a:spcPts val="1200"/>
+              </a:spcBef>
+              <a:spcAft>
+                <a:spcPts val="1200"/>
+              </a:spcAft>
               <a:buNone/>
             </a:pPr>
-            <a:endParaRPr lang="en-US" altLang="ko-KR" dirty="0"/>
+            <a:endParaRPr lang="en-US" altLang="ko-KR" sz="2800" dirty="0">
+              <a:solidFill>
+                <a:srgbClr val="000000"/>
+              </a:solidFill>
+              <a:latin typeface="Arial" panose="020B0604020202020204" pitchFamily="34" charset="0"/>
+            </a:endParaRPr>
           </a:p>
           <a:p>
             <a:pPr rtl="0">
@@ -5163,17 +5176,38 @@
               </a:spcAft>
             </a:pPr>
             <a:r>
-              <a:rPr lang="ko-KR" altLang="en-US" sz="1800" dirty="0">
-                <a:solidFill>
-                  <a:srgbClr val="000000"/>
-                </a:solidFill>
-                <a:latin typeface="Arial" panose="020B0604020202020204" pitchFamily="34" charset="0"/>
-              </a:rPr>
-              <a:t>전문적인 지식을 갖춘 개발자가 아닌 게임 개발에 문외한인 일반인들이 템플릿을 사용하여 게임을 쉽게 만들 수 있음</a:t>
-            </a:r>
-            <a:endParaRPr lang="ko-KR" altLang="en-US" sz="1800" b="0" dirty="0">
-              <a:effectLst/>
-            </a:endParaRPr>
+              <a:rPr lang="ko-KR" altLang="en-US" sz="1800" dirty="0"/>
+              <a:t>기존에 있는 오픈소스 게임 엔진들과 달리</a:t>
+            </a:r>
+            <a:r>
+              <a:rPr lang="en-US" altLang="ko-KR" sz="1800" dirty="0"/>
+              <a:t>, </a:t>
+            </a:r>
+            <a:r>
+              <a:rPr lang="ko-KR" altLang="en-US" sz="1800" dirty="0"/>
+              <a:t>기능의 다양화가 아닌 게임 제작의 편의를 위해 정해진 형태</a:t>
+            </a:r>
+            <a:r>
+              <a:rPr lang="en-US" altLang="ko-KR" sz="1800" dirty="0"/>
+              <a:t>(</a:t>
+            </a:r>
+            <a:r>
+              <a:rPr lang="ko-KR" altLang="en-US" sz="1800" dirty="0"/>
+              <a:t>템플릿</a:t>
+            </a:r>
+            <a:r>
+              <a:rPr lang="en-US" altLang="ko-KR" sz="1800" dirty="0"/>
+              <a:t>)</a:t>
+            </a:r>
+            <a:r>
+              <a:rPr lang="ko-KR" altLang="en-US" sz="1800" dirty="0"/>
+              <a:t>를 제공하여 개발자가 게임 완성시키는 것에 초점</a:t>
+            </a:r>
+            <a:r>
+              <a:rPr lang="en-US" altLang="ko-KR" sz="1800" dirty="0"/>
+              <a:t>.</a:t>
+            </a:r>
+            <a:endParaRPr lang="en-US" altLang="ko-KR" dirty="0"/>
           </a:p>
           <a:p>
             <a:pPr rtl="0">
@@ -5191,25 +5225,7 @@
                 </a:solidFill>
                 <a:latin typeface="Arial" panose="020B0604020202020204" pitchFamily="34" charset="0"/>
               </a:rPr>
-              <a:t>안드로이드 기반 플랫폼 개발로</a:t>
-            </a:r>
-            <a:r>
-              <a:rPr lang="en-US" altLang="ko-KR" sz="1800" dirty="0">
-                <a:solidFill>
-                  <a:srgbClr val="000000"/>
-                </a:solidFill>
-                <a:latin typeface="Arial" panose="020B0604020202020204" pitchFamily="34" charset="0"/>
-              </a:rPr>
-              <a:t>, </a:t>
-            </a:r>
-            <a:r>
-              <a:rPr lang="ko-KR" altLang="en-US" sz="1800" dirty="0">
-                <a:solidFill>
-                  <a:srgbClr val="000000"/>
-                </a:solidFill>
-                <a:latin typeface="Arial" panose="020B0604020202020204" pitchFamily="34" charset="0"/>
-              </a:rPr>
-              <a:t>많은 사람들이 모바일로 쉽게 접할 수 있는 좋은 접근성을 지님</a:t>
+              <a:t>전문적인 지식을 갖춘 개발자가 아닌 게임 개발에 문외한인 일반인들이 템플릿을 사용하여 게임을 쉽게 만들 수 있다</a:t>
             </a:r>
             <a:r>
               <a:rPr lang="en-US" altLang="ko-KR" sz="1800" dirty="0">
@@ -5220,11 +5236,8 @@
               </a:rPr>
               <a:t>.</a:t>
             </a:r>
-            <a:endParaRPr lang="ko-KR" altLang="en-US" sz="1800" dirty="0">
-              <a:solidFill>
-                <a:srgbClr val="000000"/>
-              </a:solidFill>
-              <a:latin typeface="Arial" panose="020B0604020202020204" pitchFamily="34" charset="0"/>
+            <a:endParaRPr lang="ko-KR" altLang="en-US" sz="1800" b="0" dirty="0">
+              <a:effectLst/>
             </a:endParaRPr>
           </a:p>
           <a:p>
@@ -5237,18 +5250,41 @@
               </a:spcAft>
             </a:pPr>
             <a:r>
-              <a:rPr lang="ko-KR" altLang="en-US" sz="1800" dirty="0"/>
-              <a:t>기존에 있는 게임 엔진 오픈소스들과 달리</a:t>
-            </a:r>
-            <a:r>
-              <a:rPr lang="en-US" altLang="ko-KR" sz="1800" dirty="0"/>
+              <a:rPr lang="ko-KR" altLang="en-US" sz="1800" dirty="0">
+                <a:solidFill>
+                  <a:srgbClr val="000000"/>
+                </a:solidFill>
+                <a:latin typeface="Arial" panose="020B0604020202020204" pitchFamily="34" charset="0"/>
+              </a:rPr>
+              <a:t>안드로이드 기반 플랫폼 개발로</a:t>
+            </a:r>
+            <a:r>
+              <a:rPr lang="en-US" altLang="ko-KR" sz="1800" dirty="0">
+                <a:solidFill>
+                  <a:srgbClr val="000000"/>
+                </a:solidFill>
+                <a:latin typeface="Arial" panose="020B0604020202020204" pitchFamily="34" charset="0"/>
+              </a:rPr>
               <a:t>, </a:t>
             </a:r>
             <a:r>
-              <a:rPr lang="ko-KR" altLang="en-US" sz="1800" dirty="0"/>
-              <a:t>기능의 다양화가 아닌 게임 제작의 편의를 위해 기능을 제한하여 개발자가 게임 완성시키는 것에 초점</a:t>
-            </a:r>
-            <a:endParaRPr lang="en-US" altLang="ko-KR" sz="1800" dirty="0"/>
+              <a:rPr lang="ko-KR" altLang="en-US" sz="1800" dirty="0">
+                <a:solidFill>
+                  <a:srgbClr val="000000"/>
+                </a:solidFill>
+                <a:latin typeface="Arial" panose="020B0604020202020204" pitchFamily="34" charset="0"/>
+              </a:rPr>
+              <a:t>많은 사람들이 모바일로 쉽게 사용할 수 있다</a:t>
+            </a:r>
+            <a:r>
+              <a:rPr lang="en-US" altLang="ko-KR" sz="1800" dirty="0">
+                <a:solidFill>
+                  <a:srgbClr val="000000"/>
+                </a:solidFill>
+                <a:latin typeface="Arial" panose="020B0604020202020204" pitchFamily="34" charset="0"/>
+              </a:rPr>
+              <a:t>.</a:t>
+            </a:r>
           </a:p>
         </p:txBody>
       </p:sp>

--- a/OSS IDEA PROPOSAL.pptx
+++ b/OSS IDEA PROPOSAL.pptx
@@ -2,28 +2,29 @@
 <file path=ppt/presentation.xml><?xml version="1.0" encoding="utf-8"?>
 <p:presentation xmlns:a="http://schemas.openxmlformats.org/drawingml/2006/main" xmlns:r="http://schemas.openxmlformats.org/officeDocument/2006/relationships" xmlns:p="http://schemas.openxmlformats.org/presentationml/2006/main" saveSubsetFonts="1">
   <p:sldMasterIdLst>
-    <p:sldMasterId id="2147483648" r:id="rId1"/>
+    <p:sldMasterId id="2147483957" r:id="rId1"/>
   </p:sldMasterIdLst>
   <p:sldIdLst>
     <p:sldId id="256" r:id="rId2"/>
     <p:sldId id="261" r:id="rId3"/>
     <p:sldId id="257" r:id="rId4"/>
     <p:sldId id="262" r:id="rId5"/>
-    <p:sldId id="258" r:id="rId6"/>
-    <p:sldId id="260" r:id="rId7"/>
-    <p:sldId id="263" r:id="rId8"/>
-    <p:sldId id="265" r:id="rId9"/>
-    <p:sldId id="267" r:id="rId10"/>
-    <p:sldId id="264" r:id="rId11"/>
-    <p:sldId id="266" r:id="rId12"/>
+    <p:sldId id="268" r:id="rId6"/>
+    <p:sldId id="258" r:id="rId7"/>
+    <p:sldId id="260" r:id="rId8"/>
+    <p:sldId id="263" r:id="rId9"/>
+    <p:sldId id="265" r:id="rId10"/>
+    <p:sldId id="267" r:id="rId11"/>
+    <p:sldId id="264" r:id="rId12"/>
+    <p:sldId id="266" r:id="rId13"/>
   </p:sldIdLst>
   <p:sldSz cx="12192000" cy="6858000"/>
   <p:notesSz cx="6858000" cy="9144000"/>
   <p:defaultTextStyle>
     <a:defPPr>
-      <a:defRPr lang="ko-KR"/>
+      <a:defRPr lang="en-US"/>
     </a:defPPr>
-    <a:lvl1pPr marL="0" algn="l" defTabSz="914400" rtl="0" eaLnBrk="1" latinLnBrk="1" hangingPunct="1">
+    <a:lvl1pPr marL="0" algn="l" defTabSz="457200" rtl="0" eaLnBrk="1" latinLnBrk="0" hangingPunct="1">
       <a:defRPr sz="1800" kern="1200">
         <a:solidFill>
           <a:schemeClr val="tx1"/>
@@ -33,7 +34,7 @@
         <a:cs typeface="+mn-cs"/>
       </a:defRPr>
     </a:lvl1pPr>
-    <a:lvl2pPr marL="457200" algn="l" defTabSz="914400" rtl="0" eaLnBrk="1" latinLnBrk="1" hangingPunct="1">
+    <a:lvl2pPr marL="457200" algn="l" defTabSz="457200" rtl="0" eaLnBrk="1" latinLnBrk="0" hangingPunct="1">
       <a:defRPr sz="1800" kern="1200">
         <a:solidFill>
           <a:schemeClr val="tx1"/>
@@ -43,7 +44,7 @@
         <a:cs typeface="+mn-cs"/>
       </a:defRPr>
     </a:lvl2pPr>
-    <a:lvl3pPr marL="914400" algn="l" defTabSz="914400" rtl="0" eaLnBrk="1" latinLnBrk="1" hangingPunct="1">
+    <a:lvl3pPr marL="914400" algn="l" defTabSz="457200" rtl="0" eaLnBrk="1" latinLnBrk="0" hangingPunct="1">
       <a:defRPr sz="1800" kern="1200">
         <a:solidFill>
           <a:schemeClr val="tx1"/>
@@ -53,7 +54,7 @@
         <a:cs typeface="+mn-cs"/>
       </a:defRPr>
     </a:lvl3pPr>
-    <a:lvl4pPr marL="1371600" algn="l" defTabSz="914400" rtl="0" eaLnBrk="1" latinLnBrk="1" hangingPunct="1">
+    <a:lvl4pPr marL="1371600" algn="l" defTabSz="457200" rtl="0" eaLnBrk="1" latinLnBrk="0" hangingPunct="1">
       <a:defRPr sz="1800" kern="1200">
         <a:solidFill>
           <a:schemeClr val="tx1"/>
@@ -63,7 +64,7 @@
         <a:cs typeface="+mn-cs"/>
       </a:defRPr>
     </a:lvl4pPr>
-    <a:lvl5pPr marL="1828800" algn="l" defTabSz="914400" rtl="0" eaLnBrk="1" latinLnBrk="1" hangingPunct="1">
+    <a:lvl5pPr marL="1828800" algn="l" defTabSz="457200" rtl="0" eaLnBrk="1" latinLnBrk="0" hangingPunct="1">
       <a:defRPr sz="1800" kern="1200">
         <a:solidFill>
           <a:schemeClr val="tx1"/>
@@ -73,7 +74,7 @@
         <a:cs typeface="+mn-cs"/>
       </a:defRPr>
     </a:lvl5pPr>
-    <a:lvl6pPr marL="2286000" algn="l" defTabSz="914400" rtl="0" eaLnBrk="1" latinLnBrk="1" hangingPunct="1">
+    <a:lvl6pPr marL="2286000" algn="l" defTabSz="457200" rtl="0" eaLnBrk="1" latinLnBrk="0" hangingPunct="1">
       <a:defRPr sz="1800" kern="1200">
         <a:solidFill>
           <a:schemeClr val="tx1"/>
@@ -83,7 +84,7 @@
         <a:cs typeface="+mn-cs"/>
       </a:defRPr>
     </a:lvl6pPr>
-    <a:lvl7pPr marL="2743200" algn="l" defTabSz="914400" rtl="0" eaLnBrk="1" latinLnBrk="1" hangingPunct="1">
+    <a:lvl7pPr marL="2743200" algn="l" defTabSz="457200" rtl="0" eaLnBrk="1" latinLnBrk="0" hangingPunct="1">
       <a:defRPr sz="1800" kern="1200">
         <a:solidFill>
           <a:schemeClr val="tx1"/>
@@ -93,7 +94,7 @@
         <a:cs typeface="+mn-cs"/>
       </a:defRPr>
     </a:lvl7pPr>
-    <a:lvl8pPr marL="3200400" algn="l" defTabSz="914400" rtl="0" eaLnBrk="1" latinLnBrk="1" hangingPunct="1">
+    <a:lvl8pPr marL="3200400" algn="l" defTabSz="457200" rtl="0" eaLnBrk="1" latinLnBrk="0" hangingPunct="1">
       <a:defRPr sz="1800" kern="1200">
         <a:solidFill>
           <a:schemeClr val="tx1"/>
@@ -103,7 +104,7 @@
         <a:cs typeface="+mn-cs"/>
       </a:defRPr>
     </a:lvl8pPr>
-    <a:lvl9pPr marL="3657600" algn="l" defTabSz="914400" rtl="0" eaLnBrk="1" latinLnBrk="1" hangingPunct="1">
+    <a:lvl9pPr marL="3657600" algn="l" defTabSz="457200" rtl="0" eaLnBrk="1" latinLnBrk="0" hangingPunct="1">
       <a:defRPr sz="1800" kern="1200">
         <a:solidFill>
           <a:schemeClr val="tx1"/>
@@ -141,13 +142,111 @@
       </p:grpSpPr>
       <p:sp>
         <p:nvSpPr>
-          <p:cNvPr id="2" name="제목 1">
-            <a:extLst>
-              <a:ext uri="{FF2B5EF4-FFF2-40B4-BE49-F238E27FC236}">
-                <a16:creationId xmlns:a16="http://schemas.microsoft.com/office/drawing/2014/main" id="{95A566B1-B2CD-4481-97AC-061C405ECDC7}"/>
-              </a:ext>
-            </a:extLst>
-          </p:cNvPr>
+          <p:cNvPr id="11" name="Freeform 6"/>
+          <p:cNvSpPr/>
+          <p:nvPr/>
+        </p:nvSpPr>
+        <p:spPr bwMode="auto">
+          <a:xfrm>
+            <a:off x="0" y="-3175"/>
+            <a:ext cx="12192000" cy="5203825"/>
+          </a:xfrm>
+          <a:custGeom>
+            <a:avLst/>
+            <a:gdLst/>
+            <a:ahLst/>
+            <a:cxnLst/>
+            <a:rect l="0" t="0" r="r" b="b"/>
+            <a:pathLst>
+              <a:path w="5760" h="3278">
+                <a:moveTo>
+                  <a:pt x="5760" y="0"/>
+                </a:moveTo>
+                <a:lnTo>
+                  <a:pt x="0" y="0"/>
+                </a:lnTo>
+                <a:lnTo>
+                  <a:pt x="0" y="3090"/>
+                </a:lnTo>
+                <a:lnTo>
+                  <a:pt x="943" y="3090"/>
+                </a:lnTo>
+                <a:lnTo>
+                  <a:pt x="1123" y="3270"/>
+                </a:lnTo>
+                <a:lnTo>
+                  <a:pt x="1123" y="3270"/>
+                </a:lnTo>
+                <a:lnTo>
+                  <a:pt x="1127" y="3272"/>
+                </a:lnTo>
+                <a:lnTo>
+                  <a:pt x="1133" y="3275"/>
+                </a:lnTo>
+                <a:lnTo>
+                  <a:pt x="1139" y="3278"/>
+                </a:lnTo>
+                <a:lnTo>
+                  <a:pt x="1144" y="3278"/>
+                </a:lnTo>
+                <a:lnTo>
+                  <a:pt x="1150" y="3278"/>
+                </a:lnTo>
+                <a:lnTo>
+                  <a:pt x="1155" y="3275"/>
+                </a:lnTo>
+                <a:lnTo>
+                  <a:pt x="1161" y="3272"/>
+                </a:lnTo>
+                <a:lnTo>
+                  <a:pt x="1165" y="3270"/>
+                </a:lnTo>
+                <a:lnTo>
+                  <a:pt x="1345" y="3090"/>
+                </a:lnTo>
+                <a:lnTo>
+                  <a:pt x="5760" y="3090"/>
+                </a:lnTo>
+                <a:lnTo>
+                  <a:pt x="5760" y="0"/>
+                </a:lnTo>
+                <a:close/>
+              </a:path>
+            </a:pathLst>
+          </a:custGeom>
+          <a:ln/>
+          <a:effectLst/>
+          <a:extLst>
+            <a:ext uri="{91240B29-F687-4f45-9708-019B960494DF}">
+              <a14:hiddenLine xmlns:a14="http://schemas.microsoft.com/office/drawing/2010/main" xmlns="" w="9525">
+                <a:solidFill>
+                  <a:srgbClr val="000000"/>
+                </a:solidFill>
+                <a:round/>
+                <a:headEnd/>
+                <a:tailEnd/>
+              </a14:hiddenLine>
+            </a:ext>
+          </a:extLst>
+        </p:spPr>
+        <p:style>
+          <a:lnRef idx="1">
+            <a:schemeClr val="accent1"/>
+          </a:lnRef>
+          <a:fillRef idx="3">
+            <a:schemeClr val="accent1"/>
+          </a:fillRef>
+          <a:effectRef idx="2">
+            <a:schemeClr val="accent1"/>
+          </a:effectRef>
+          <a:fontRef idx="minor">
+            <a:schemeClr val="lt1"/>
+          </a:fontRef>
+        </p:style>
+      </p:sp>
+      <p:sp>
+        <p:nvSpPr>
+          <p:cNvPr id="2" name="Title 1"/>
           <p:cNvSpPr>
             <a:spLocks noGrp="1"/>
           </p:cNvSpPr>
@@ -157,15 +256,15 @@
         </p:nvSpPr>
         <p:spPr>
           <a:xfrm>
-            <a:off x="1524000" y="1122363"/>
-            <a:ext cx="9144000" cy="2387600"/>
+            <a:off x="810001" y="1449147"/>
+            <a:ext cx="10572000" cy="2971051"/>
           </a:xfrm>
         </p:spPr>
         <p:txBody>
-          <a:bodyPr anchor="b"/>
+          <a:bodyPr/>
           <a:lstStyle>
-            <a:lvl1pPr algn="ctr">
-              <a:defRPr sz="6000"/>
+            <a:lvl1pPr>
+              <a:defRPr sz="5400"/>
             </a:lvl1pPr>
           </a:lstStyle>
           <a:p>
@@ -173,18 +272,13 @@
               <a:rPr lang="ko-KR" altLang="en-US"/>
               <a:t>마스터 제목 스타일 편집</a:t>
             </a:r>
-          </a:p>
-        </p:txBody>
-      </p:sp>
-      <p:sp>
-        <p:nvSpPr>
-          <p:cNvPr id="3" name="부제목 2">
-            <a:extLst>
-              <a:ext uri="{FF2B5EF4-FFF2-40B4-BE49-F238E27FC236}">
-                <a16:creationId xmlns:a16="http://schemas.microsoft.com/office/drawing/2014/main" id="{EFF23B40-E6C4-4B4A-968A-D966C41F8489}"/>
-              </a:ext>
-            </a:extLst>
-          </p:cNvPr>
+            <a:endParaRPr lang="en-US" dirty="0"/>
+          </a:p>
+        </p:txBody>
+      </p:sp>
+      <p:sp>
+        <p:nvSpPr>
+          <p:cNvPr id="3" name="Subtitle 2"/>
           <p:cNvSpPr>
             <a:spLocks noGrp="1"/>
           </p:cNvSpPr>
@@ -194,48 +288,100 @@
         </p:nvSpPr>
         <p:spPr>
           <a:xfrm>
-            <a:off x="1524000" y="3602038"/>
-            <a:ext cx="9144000" cy="1655762"/>
+            <a:off x="810001" y="5280847"/>
+            <a:ext cx="10572000" cy="434974"/>
           </a:xfrm>
         </p:spPr>
         <p:txBody>
-          <a:bodyPr/>
+          <a:bodyPr anchor="t"/>
           <a:lstStyle>
-            <a:lvl1pPr marL="0" indent="0" algn="ctr">
-              <a:buNone/>
-              <a:defRPr sz="2400"/>
+            <a:lvl1pPr marL="0" indent="0" algn="l">
+              <a:buNone/>
+              <a:defRPr>
+                <a:solidFill>
+                  <a:schemeClr val="tx1"/>
+                </a:solidFill>
+              </a:defRPr>
             </a:lvl1pPr>
             <a:lvl2pPr marL="457200" indent="0" algn="ctr">
               <a:buNone/>
-              <a:defRPr sz="2000"/>
+              <a:defRPr>
+                <a:solidFill>
+                  <a:schemeClr val="tx1">
+                    <a:tint val="75000"/>
+                  </a:schemeClr>
+                </a:solidFill>
+              </a:defRPr>
             </a:lvl2pPr>
             <a:lvl3pPr marL="914400" indent="0" algn="ctr">
               <a:buNone/>
-              <a:defRPr sz="1800"/>
+              <a:defRPr>
+                <a:solidFill>
+                  <a:schemeClr val="tx1">
+                    <a:tint val="75000"/>
+                  </a:schemeClr>
+                </a:solidFill>
+              </a:defRPr>
             </a:lvl3pPr>
             <a:lvl4pPr marL="1371600" indent="0" algn="ctr">
               <a:buNone/>
-              <a:defRPr sz="1600"/>
+              <a:defRPr>
+                <a:solidFill>
+                  <a:schemeClr val="tx1">
+                    <a:tint val="75000"/>
+                  </a:schemeClr>
+                </a:solidFill>
+              </a:defRPr>
             </a:lvl4pPr>
             <a:lvl5pPr marL="1828800" indent="0" algn="ctr">
               <a:buNone/>
-              <a:defRPr sz="1600"/>
+              <a:defRPr>
+                <a:solidFill>
+                  <a:schemeClr val="tx1">
+                    <a:tint val="75000"/>
+                  </a:schemeClr>
+                </a:solidFill>
+              </a:defRPr>
             </a:lvl5pPr>
             <a:lvl6pPr marL="2286000" indent="0" algn="ctr">
               <a:buNone/>
-              <a:defRPr sz="1600"/>
+              <a:defRPr>
+                <a:solidFill>
+                  <a:schemeClr val="tx1">
+                    <a:tint val="75000"/>
+                  </a:schemeClr>
+                </a:solidFill>
+              </a:defRPr>
             </a:lvl6pPr>
             <a:lvl7pPr marL="2743200" indent="0" algn="ctr">
               <a:buNone/>
-              <a:defRPr sz="1600"/>
+              <a:defRPr>
+                <a:solidFill>
+                  <a:schemeClr val="tx1">
+                    <a:tint val="75000"/>
+                  </a:schemeClr>
+                </a:solidFill>
+              </a:defRPr>
             </a:lvl7pPr>
             <a:lvl8pPr marL="3200400" indent="0" algn="ctr">
               <a:buNone/>
-              <a:defRPr sz="1600"/>
+              <a:defRPr>
+                <a:solidFill>
+                  <a:schemeClr val="tx1">
+                    <a:tint val="75000"/>
+                  </a:schemeClr>
+                </a:solidFill>
+              </a:defRPr>
             </a:lvl8pPr>
             <a:lvl9pPr marL="3657600" indent="0" algn="ctr">
               <a:buNone/>
-              <a:defRPr sz="1600"/>
+              <a:defRPr>
+                <a:solidFill>
+                  <a:schemeClr val="tx1">
+                    <a:tint val="75000"/>
+                  </a:schemeClr>
+                </a:solidFill>
+              </a:defRPr>
             </a:lvl9pPr>
           </a:lstStyle>
           <a:p>
@@ -243,18 +389,13 @@
               <a:rPr lang="ko-KR" altLang="en-US"/>
               <a:t>클릭하여 마스터 부제목 스타일 편집</a:t>
             </a:r>
-          </a:p>
-        </p:txBody>
-      </p:sp>
-      <p:sp>
-        <p:nvSpPr>
-          <p:cNvPr id="4" name="날짜 개체 틀 3">
-            <a:extLst>
-              <a:ext uri="{FF2B5EF4-FFF2-40B4-BE49-F238E27FC236}">
-                <a16:creationId xmlns:a16="http://schemas.microsoft.com/office/drawing/2014/main" id="{701467C5-1B94-4583-8EEB-1EF4E0AD0582}"/>
-              </a:ext>
-            </a:extLst>
-          </p:cNvPr>
+            <a:endParaRPr lang="en-US" dirty="0"/>
+          </a:p>
+        </p:txBody>
+      </p:sp>
+      <p:sp>
+        <p:nvSpPr>
+          <p:cNvPr id="4" name="Date Placeholder 3"/>
           <p:cNvSpPr>
             <a:spLocks noGrp="1"/>
           </p:cNvSpPr>
@@ -277,13 +418,7 @@
       </p:sp>
       <p:sp>
         <p:nvSpPr>
-          <p:cNvPr id="5" name="바닥글 개체 틀 4">
-            <a:extLst>
-              <a:ext uri="{FF2B5EF4-FFF2-40B4-BE49-F238E27FC236}">
-                <a16:creationId xmlns:a16="http://schemas.microsoft.com/office/drawing/2014/main" id="{C47A424B-01E5-4F42-91F6-DD74B490ECCF}"/>
-              </a:ext>
-            </a:extLst>
-          </p:cNvPr>
+          <p:cNvPr id="5" name="Footer Placeholder 4"/>
           <p:cNvSpPr>
             <a:spLocks noGrp="1"/>
           </p:cNvSpPr>
@@ -302,13 +437,7 @@
       </p:sp>
       <p:sp>
         <p:nvSpPr>
-          <p:cNvPr id="6" name="슬라이드 번호 개체 틀 5">
-            <a:extLst>
-              <a:ext uri="{FF2B5EF4-FFF2-40B4-BE49-F238E27FC236}">
-                <a16:creationId xmlns:a16="http://schemas.microsoft.com/office/drawing/2014/main" id="{818FB41E-7F06-46C3-97AF-A3983ED68CC9}"/>
-              </a:ext>
-            </a:extLst>
-          </p:cNvPr>
+          <p:cNvPr id="6" name="Slide Number Placeholder 5"/>
           <p:cNvSpPr>
             <a:spLocks noGrp="1"/>
           </p:cNvSpPr>
@@ -332,7 +461,7 @@
     </p:spTree>
     <p:extLst>
       <p:ext uri="{BB962C8B-B14F-4D97-AF65-F5344CB8AC3E}">
-        <p14:creationId xmlns:p14="http://schemas.microsoft.com/office/powerpoint/2010/main" val="1336759981"/>
+        <p14:creationId xmlns:p14="http://schemas.microsoft.com/office/powerpoint/2010/main" val="2761359380"/>
       </p:ext>
     </p:extLst>
   </p:cSld>
@@ -343,6 +472,1181 @@
 </file>
 
 <file path=ppt/slideLayouts/slideLayout10.xml><?xml version="1.0" encoding="utf-8"?>
+<p:sldLayout xmlns:a="http://schemas.openxmlformats.org/drawingml/2006/main" xmlns:r="http://schemas.openxmlformats.org/officeDocument/2006/relationships" xmlns:p="http://schemas.openxmlformats.org/presentationml/2006/main" preserve="1">
+  <p:cSld name="캡션 있는 파노라마 그림">
+    <p:spTree>
+      <p:nvGrpSpPr>
+        <p:cNvPr id="1" name=""/>
+        <p:cNvGrpSpPr/>
+        <p:nvPr/>
+      </p:nvGrpSpPr>
+      <p:grpSpPr>
+        <a:xfrm>
+          <a:off x="0" y="0"/>
+          <a:ext cx="0" cy="0"/>
+          <a:chOff x="0" y="0"/>
+          <a:chExt cx="0" cy="0"/>
+        </a:xfrm>
+      </p:grpSpPr>
+      <p:sp>
+        <p:nvSpPr>
+          <p:cNvPr id="2" name="Title 1"/>
+          <p:cNvSpPr>
+            <a:spLocks noGrp="1"/>
+          </p:cNvSpPr>
+          <p:nvPr>
+            <p:ph type="title"/>
+          </p:nvPr>
+        </p:nvSpPr>
+        <p:spPr>
+          <a:xfrm>
+            <a:off x="810000" y="4800600"/>
+            <a:ext cx="10561418" cy="566738"/>
+          </a:xfrm>
+        </p:spPr>
+        <p:txBody>
+          <a:bodyPr anchor="b">
+            <a:normAutofit/>
+          </a:bodyPr>
+          <a:lstStyle>
+            <a:lvl1pPr algn="l">
+              <a:defRPr sz="2400" b="0"/>
+            </a:lvl1pPr>
+          </a:lstStyle>
+          <a:p>
+            <a:r>
+              <a:rPr lang="ko-KR" altLang="en-US"/>
+              <a:t>마스터 제목 스타일 편집</a:t>
+            </a:r>
+            <a:endParaRPr lang="en-US" dirty="0"/>
+          </a:p>
+        </p:txBody>
+      </p:sp>
+      <p:sp>
+        <p:nvSpPr>
+          <p:cNvPr id="15" name="Picture Placeholder 14"/>
+          <p:cNvSpPr>
+            <a:spLocks noGrp="1" noChangeAspect="1"/>
+          </p:cNvSpPr>
+          <p:nvPr>
+            <p:ph type="pic" sz="quarter" idx="13"/>
+          </p:nvPr>
+        </p:nvSpPr>
+        <p:spPr bwMode="auto">
+          <a:xfrm>
+            <a:off x="0" y="0"/>
+            <a:ext cx="12192000" cy="4800600"/>
+          </a:xfrm>
+          <a:custGeom>
+            <a:avLst/>
+            <a:gdLst/>
+            <a:ahLst/>
+            <a:cxnLst/>
+            <a:rect l="0" t="0" r="r" b="b"/>
+            <a:pathLst>
+              <a:path w="5760" h="3289">
+                <a:moveTo>
+                  <a:pt x="5760" y="0"/>
+                </a:moveTo>
+                <a:lnTo>
+                  <a:pt x="0" y="0"/>
+                </a:lnTo>
+                <a:lnTo>
+                  <a:pt x="0" y="3100"/>
+                </a:lnTo>
+                <a:lnTo>
+                  <a:pt x="943" y="3100"/>
+                </a:lnTo>
+                <a:lnTo>
+                  <a:pt x="1123" y="3281"/>
+                </a:lnTo>
+                <a:lnTo>
+                  <a:pt x="1123" y="3281"/>
+                </a:lnTo>
+                <a:lnTo>
+                  <a:pt x="1127" y="3283"/>
+                </a:lnTo>
+                <a:lnTo>
+                  <a:pt x="1133" y="3286"/>
+                </a:lnTo>
+                <a:lnTo>
+                  <a:pt x="1139" y="3289"/>
+                </a:lnTo>
+                <a:lnTo>
+                  <a:pt x="1144" y="3289"/>
+                </a:lnTo>
+                <a:lnTo>
+                  <a:pt x="1150" y="3289"/>
+                </a:lnTo>
+                <a:lnTo>
+                  <a:pt x="1155" y="3286"/>
+                </a:lnTo>
+                <a:lnTo>
+                  <a:pt x="1161" y="3283"/>
+                </a:lnTo>
+                <a:lnTo>
+                  <a:pt x="1165" y="3281"/>
+                </a:lnTo>
+                <a:lnTo>
+                  <a:pt x="1345" y="3100"/>
+                </a:lnTo>
+                <a:lnTo>
+                  <a:pt x="5760" y="3100"/>
+                </a:lnTo>
+                <a:lnTo>
+                  <a:pt x="5760" y="0"/>
+                </a:lnTo>
+                <a:close/>
+              </a:path>
+            </a:pathLst>
+          </a:custGeom>
+          <a:noFill/>
+          <a:ln>
+            <a:solidFill>
+              <a:schemeClr val="tx2"/>
+            </a:solidFill>
+          </a:ln>
+        </p:spPr>
+        <p:style>
+          <a:lnRef idx="1">
+            <a:schemeClr val="accent1"/>
+          </a:lnRef>
+          <a:fillRef idx="3">
+            <a:schemeClr val="accent1"/>
+          </a:fillRef>
+          <a:effectRef idx="2">
+            <a:schemeClr val="accent1"/>
+          </a:effectRef>
+          <a:fontRef idx="minor">
+            <a:schemeClr val="lt1"/>
+          </a:fontRef>
+        </p:style>
+        <p:txBody>
+          <a:bodyPr wrap="square" numCol="1" anchor="t" anchorCtr="0" compatLnSpc="1">
+            <a:prstTxWarp prst="textNoShape">
+              <a:avLst/>
+            </a:prstTxWarp>
+            <a:normAutofit/>
+          </a:bodyPr>
+          <a:lstStyle>
+            <a:lvl1pPr marL="0" indent="0" algn="ctr">
+              <a:buFontTx/>
+              <a:buNone/>
+              <a:defRPr sz="1600"/>
+            </a:lvl1pPr>
+          </a:lstStyle>
+          <a:p>
+            <a:r>
+              <a:rPr lang="ko-KR" altLang="en-US"/>
+              <a:t>그림을 추가하려면 아이콘을 클릭하십시오</a:t>
+            </a:r>
+            <a:endParaRPr lang="en-US" dirty="0"/>
+          </a:p>
+        </p:txBody>
+      </p:sp>
+      <p:sp>
+        <p:nvSpPr>
+          <p:cNvPr id="4" name="Text Placeholder 3"/>
+          <p:cNvSpPr>
+            <a:spLocks noGrp="1"/>
+          </p:cNvSpPr>
+          <p:nvPr>
+            <p:ph type="body" sz="half" idx="2"/>
+          </p:nvPr>
+        </p:nvSpPr>
+        <p:spPr>
+          <a:xfrm>
+            <a:off x="810000" y="5367338"/>
+            <a:ext cx="10561418" cy="493712"/>
+          </a:xfrm>
+        </p:spPr>
+        <p:txBody>
+          <a:bodyPr>
+            <a:normAutofit/>
+          </a:bodyPr>
+          <a:lstStyle>
+            <a:lvl1pPr marL="0" indent="0">
+              <a:buNone/>
+              <a:defRPr sz="1200"/>
+            </a:lvl1pPr>
+            <a:lvl2pPr marL="457200" indent="0">
+              <a:buNone/>
+              <a:defRPr sz="1200"/>
+            </a:lvl2pPr>
+            <a:lvl3pPr marL="914400" indent="0">
+              <a:buNone/>
+              <a:defRPr sz="1000"/>
+            </a:lvl3pPr>
+            <a:lvl4pPr marL="1371600" indent="0">
+              <a:buNone/>
+              <a:defRPr sz="900"/>
+            </a:lvl4pPr>
+            <a:lvl5pPr marL="1828800" indent="0">
+              <a:buNone/>
+              <a:defRPr sz="900"/>
+            </a:lvl5pPr>
+            <a:lvl6pPr marL="2286000" indent="0">
+              <a:buNone/>
+              <a:defRPr sz="900"/>
+            </a:lvl6pPr>
+            <a:lvl7pPr marL="2743200" indent="0">
+              <a:buNone/>
+              <a:defRPr sz="900"/>
+            </a:lvl7pPr>
+            <a:lvl8pPr marL="3200400" indent="0">
+              <a:buNone/>
+              <a:defRPr sz="900"/>
+            </a:lvl8pPr>
+            <a:lvl9pPr marL="3657600" indent="0">
+              <a:buNone/>
+              <a:defRPr sz="900"/>
+            </a:lvl9pPr>
+          </a:lstStyle>
+          <a:p>
+            <a:pPr lvl="0"/>
+            <a:r>
+              <a:rPr lang="ko-KR" altLang="en-US"/>
+              <a:t>마스터 텍스트 스타일을 편집하려면 클릭</a:t>
+            </a:r>
+          </a:p>
+        </p:txBody>
+      </p:sp>
+      <p:sp>
+        <p:nvSpPr>
+          <p:cNvPr id="5" name="Date Placeholder 4"/>
+          <p:cNvSpPr>
+            <a:spLocks noGrp="1"/>
+          </p:cNvSpPr>
+          <p:nvPr>
+            <p:ph type="dt" sz="half" idx="10"/>
+          </p:nvPr>
+        </p:nvSpPr>
+        <p:spPr/>
+        <p:txBody>
+          <a:bodyPr/>
+          <a:lstStyle/>
+          <a:p>
+            <a:fld id="{8EFFEF71-DD2C-4852-82DC-6FCA74C85935}" type="datetimeFigureOut">
+              <a:rPr lang="ko-KR" altLang="en-US" smtClean="0"/>
+              <a:t>2021-04-05</a:t>
+            </a:fld>
+            <a:endParaRPr lang="ko-KR" altLang="en-US"/>
+          </a:p>
+        </p:txBody>
+      </p:sp>
+      <p:sp>
+        <p:nvSpPr>
+          <p:cNvPr id="6" name="Footer Placeholder 5"/>
+          <p:cNvSpPr>
+            <a:spLocks noGrp="1"/>
+          </p:cNvSpPr>
+          <p:nvPr>
+            <p:ph type="ftr" sz="quarter" idx="11"/>
+          </p:nvPr>
+        </p:nvSpPr>
+        <p:spPr/>
+        <p:txBody>
+          <a:bodyPr/>
+          <a:lstStyle/>
+          <a:p>
+            <a:endParaRPr lang="ko-KR" altLang="en-US"/>
+          </a:p>
+        </p:txBody>
+      </p:sp>
+      <p:sp>
+        <p:nvSpPr>
+          <p:cNvPr id="7" name="Slide Number Placeholder 6"/>
+          <p:cNvSpPr>
+            <a:spLocks noGrp="1"/>
+          </p:cNvSpPr>
+          <p:nvPr>
+            <p:ph type="sldNum" sz="quarter" idx="12"/>
+          </p:nvPr>
+        </p:nvSpPr>
+        <p:spPr/>
+        <p:txBody>
+          <a:bodyPr/>
+          <a:lstStyle/>
+          <a:p>
+            <a:fld id="{338D6589-9F30-434D-8CCC-7B1B4101F191}" type="slidenum">
+              <a:rPr lang="ko-KR" altLang="en-US" smtClean="0"/>
+              <a:t>‹#›</a:t>
+            </a:fld>
+            <a:endParaRPr lang="ko-KR" altLang="en-US"/>
+          </a:p>
+        </p:txBody>
+      </p:sp>
+    </p:spTree>
+    <p:extLst>
+      <p:ext uri="{BB962C8B-B14F-4D97-AF65-F5344CB8AC3E}">
+        <p14:creationId xmlns:p14="http://schemas.microsoft.com/office/powerpoint/2010/main" val="1943298590"/>
+      </p:ext>
+    </p:extLst>
+  </p:cSld>
+  <p:clrMapOvr>
+    <a:masterClrMapping/>
+  </p:clrMapOvr>
+</p:sldLayout>
+</file>
+
+<file path=ppt/slideLayouts/slideLayout11.xml><?xml version="1.0" encoding="utf-8"?>
+<p:sldLayout xmlns:a="http://schemas.openxmlformats.org/drawingml/2006/main" xmlns:r="http://schemas.openxmlformats.org/officeDocument/2006/relationships" xmlns:p="http://schemas.openxmlformats.org/presentationml/2006/main" preserve="1">
+  <p:cSld name="캡션 있는 인용문">
+    <p:spTree>
+      <p:nvGrpSpPr>
+        <p:cNvPr id="1" name=""/>
+        <p:cNvGrpSpPr/>
+        <p:nvPr/>
+      </p:nvGrpSpPr>
+      <p:grpSpPr>
+        <a:xfrm>
+          <a:off x="0" y="0"/>
+          <a:ext cx="0" cy="0"/>
+          <a:chOff x="0" y="0"/>
+          <a:chExt cx="0" cy="0"/>
+        </a:xfrm>
+      </p:grpSpPr>
+      <p:sp>
+        <p:nvSpPr>
+          <p:cNvPr id="8" name="Freeform 6"/>
+          <p:cNvSpPr>
+            <a:spLocks noChangeAspect="1"/>
+          </p:cNvSpPr>
+          <p:nvPr/>
+        </p:nvSpPr>
+        <p:spPr bwMode="auto">
+          <a:xfrm>
+            <a:off x="631697" y="1081456"/>
+            <a:ext cx="6332416" cy="3239188"/>
+          </a:xfrm>
+          <a:custGeom>
+            <a:avLst/>
+            <a:gdLst/>
+            <a:ahLst/>
+            <a:cxnLst/>
+            <a:rect l="0" t="0" r="r" b="b"/>
+            <a:pathLst>
+              <a:path w="3384" h="2308">
+                <a:moveTo>
+                  <a:pt x="3340" y="0"/>
+                </a:moveTo>
+                <a:lnTo>
+                  <a:pt x="44" y="0"/>
+                </a:lnTo>
+                <a:lnTo>
+                  <a:pt x="44" y="0"/>
+                </a:lnTo>
+                <a:lnTo>
+                  <a:pt x="34" y="0"/>
+                </a:lnTo>
+                <a:lnTo>
+                  <a:pt x="26" y="4"/>
+                </a:lnTo>
+                <a:lnTo>
+                  <a:pt x="20" y="8"/>
+                </a:lnTo>
+                <a:lnTo>
+                  <a:pt x="12" y="12"/>
+                </a:lnTo>
+                <a:lnTo>
+                  <a:pt x="8" y="20"/>
+                </a:lnTo>
+                <a:lnTo>
+                  <a:pt x="4" y="26"/>
+                </a:lnTo>
+                <a:lnTo>
+                  <a:pt x="0" y="34"/>
+                </a:lnTo>
+                <a:lnTo>
+                  <a:pt x="0" y="44"/>
+                </a:lnTo>
+                <a:lnTo>
+                  <a:pt x="0" y="2076"/>
+                </a:lnTo>
+                <a:lnTo>
+                  <a:pt x="0" y="2076"/>
+                </a:lnTo>
+                <a:lnTo>
+                  <a:pt x="0" y="2086"/>
+                </a:lnTo>
+                <a:lnTo>
+                  <a:pt x="4" y="2094"/>
+                </a:lnTo>
+                <a:lnTo>
+                  <a:pt x="8" y="2100"/>
+                </a:lnTo>
+                <a:lnTo>
+                  <a:pt x="12" y="2108"/>
+                </a:lnTo>
+                <a:lnTo>
+                  <a:pt x="20" y="2112"/>
+                </a:lnTo>
+                <a:lnTo>
+                  <a:pt x="26" y="2116"/>
+                </a:lnTo>
+                <a:lnTo>
+                  <a:pt x="34" y="2120"/>
+                </a:lnTo>
+                <a:lnTo>
+                  <a:pt x="44" y="2120"/>
+                </a:lnTo>
+                <a:lnTo>
+                  <a:pt x="474" y="2120"/>
+                </a:lnTo>
+                <a:lnTo>
+                  <a:pt x="650" y="2296"/>
+                </a:lnTo>
+                <a:lnTo>
+                  <a:pt x="650" y="2296"/>
+                </a:lnTo>
+                <a:lnTo>
+                  <a:pt x="656" y="2300"/>
+                </a:lnTo>
+                <a:lnTo>
+                  <a:pt x="664" y="2304"/>
+                </a:lnTo>
+                <a:lnTo>
+                  <a:pt x="672" y="2308"/>
+                </a:lnTo>
+                <a:lnTo>
+                  <a:pt x="680" y="2308"/>
+                </a:lnTo>
+                <a:lnTo>
+                  <a:pt x="688" y="2308"/>
+                </a:lnTo>
+                <a:lnTo>
+                  <a:pt x="696" y="2304"/>
+                </a:lnTo>
+                <a:lnTo>
+                  <a:pt x="704" y="2300"/>
+                </a:lnTo>
+                <a:lnTo>
+                  <a:pt x="710" y="2296"/>
+                </a:lnTo>
+                <a:lnTo>
+                  <a:pt x="886" y="2120"/>
+                </a:lnTo>
+                <a:lnTo>
+                  <a:pt x="3340" y="2120"/>
+                </a:lnTo>
+                <a:lnTo>
+                  <a:pt x="3340" y="2120"/>
+                </a:lnTo>
+                <a:lnTo>
+                  <a:pt x="3350" y="2120"/>
+                </a:lnTo>
+                <a:lnTo>
+                  <a:pt x="3358" y="2116"/>
+                </a:lnTo>
+                <a:lnTo>
+                  <a:pt x="3364" y="2112"/>
+                </a:lnTo>
+                <a:lnTo>
+                  <a:pt x="3372" y="2108"/>
+                </a:lnTo>
+                <a:lnTo>
+                  <a:pt x="3376" y="2100"/>
+                </a:lnTo>
+                <a:lnTo>
+                  <a:pt x="3380" y="2094"/>
+                </a:lnTo>
+                <a:lnTo>
+                  <a:pt x="3384" y="2086"/>
+                </a:lnTo>
+                <a:lnTo>
+                  <a:pt x="3384" y="2076"/>
+                </a:lnTo>
+                <a:lnTo>
+                  <a:pt x="3384" y="44"/>
+                </a:lnTo>
+                <a:lnTo>
+                  <a:pt x="3384" y="44"/>
+                </a:lnTo>
+                <a:lnTo>
+                  <a:pt x="3384" y="34"/>
+                </a:lnTo>
+                <a:lnTo>
+                  <a:pt x="3380" y="26"/>
+                </a:lnTo>
+                <a:lnTo>
+                  <a:pt x="3376" y="20"/>
+                </a:lnTo>
+                <a:lnTo>
+                  <a:pt x="3372" y="12"/>
+                </a:lnTo>
+                <a:lnTo>
+                  <a:pt x="3364" y="8"/>
+                </a:lnTo>
+                <a:lnTo>
+                  <a:pt x="3358" y="4"/>
+                </a:lnTo>
+                <a:lnTo>
+                  <a:pt x="3350" y="0"/>
+                </a:lnTo>
+                <a:lnTo>
+                  <a:pt x="3340" y="0"/>
+                </a:lnTo>
+                <a:lnTo>
+                  <a:pt x="3340" y="0"/>
+                </a:lnTo>
+                <a:close/>
+              </a:path>
+            </a:pathLst>
+          </a:custGeom>
+          <a:ln>
+            <a:solidFill>
+              <a:schemeClr val="accent1"/>
+            </a:solidFill>
+          </a:ln>
+        </p:spPr>
+        <p:style>
+          <a:lnRef idx="1">
+            <a:schemeClr val="accent1"/>
+          </a:lnRef>
+          <a:fillRef idx="3">
+            <a:schemeClr val="accent1"/>
+          </a:fillRef>
+          <a:effectRef idx="2">
+            <a:schemeClr val="accent1"/>
+          </a:effectRef>
+          <a:fontRef idx="minor">
+            <a:schemeClr val="lt1"/>
+          </a:fontRef>
+        </p:style>
+      </p:sp>
+      <p:sp>
+        <p:nvSpPr>
+          <p:cNvPr id="2" name="Title 1"/>
+          <p:cNvSpPr>
+            <a:spLocks noGrp="1"/>
+          </p:cNvSpPr>
+          <p:nvPr>
+            <p:ph type="title"/>
+          </p:nvPr>
+        </p:nvSpPr>
+        <p:spPr>
+          <a:xfrm>
+            <a:off x="850985" y="1238502"/>
+            <a:ext cx="5893840" cy="2645912"/>
+          </a:xfrm>
+        </p:spPr>
+        <p:txBody>
+          <a:bodyPr anchor="b"/>
+          <a:lstStyle>
+            <a:lvl1pPr algn="l">
+              <a:defRPr sz="4200" b="1" cap="none"/>
+            </a:lvl1pPr>
+          </a:lstStyle>
+          <a:p>
+            <a:r>
+              <a:rPr lang="ko-KR" altLang="en-US"/>
+              <a:t>마스터 제목 스타일 편집</a:t>
+            </a:r>
+            <a:endParaRPr lang="en-US" dirty="0"/>
+          </a:p>
+        </p:txBody>
+      </p:sp>
+      <p:sp>
+        <p:nvSpPr>
+          <p:cNvPr id="3" name="Text Placeholder 2"/>
+          <p:cNvSpPr>
+            <a:spLocks noGrp="1"/>
+          </p:cNvSpPr>
+          <p:nvPr>
+            <p:ph type="body" idx="1"/>
+          </p:nvPr>
+        </p:nvSpPr>
+        <p:spPr>
+          <a:xfrm>
+            <a:off x="853190" y="4443680"/>
+            <a:ext cx="5891636" cy="713241"/>
+          </a:xfrm>
+        </p:spPr>
+        <p:txBody>
+          <a:bodyPr anchor="t">
+            <a:noAutofit/>
+          </a:bodyPr>
+          <a:lstStyle>
+            <a:lvl1pPr marL="0" indent="0" algn="l">
+              <a:buNone/>
+              <a:defRPr sz="1800">
+                <a:solidFill>
+                  <a:schemeClr val="tx1"/>
+                </a:solidFill>
+              </a:defRPr>
+            </a:lvl1pPr>
+            <a:lvl2pPr marL="457200" indent="0">
+              <a:buNone/>
+              <a:defRPr sz="1800">
+                <a:solidFill>
+                  <a:schemeClr val="tx1">
+                    <a:tint val="75000"/>
+                  </a:schemeClr>
+                </a:solidFill>
+              </a:defRPr>
+            </a:lvl2pPr>
+            <a:lvl3pPr marL="914400" indent="0">
+              <a:buNone/>
+              <a:defRPr sz="1600">
+                <a:solidFill>
+                  <a:schemeClr val="tx1">
+                    <a:tint val="75000"/>
+                  </a:schemeClr>
+                </a:solidFill>
+              </a:defRPr>
+            </a:lvl3pPr>
+            <a:lvl4pPr marL="1371600" indent="0">
+              <a:buNone/>
+              <a:defRPr sz="1400">
+                <a:solidFill>
+                  <a:schemeClr val="tx1">
+                    <a:tint val="75000"/>
+                  </a:schemeClr>
+                </a:solidFill>
+              </a:defRPr>
+            </a:lvl4pPr>
+            <a:lvl5pPr marL="1828800" indent="0">
+              <a:buNone/>
+              <a:defRPr sz="1400">
+                <a:solidFill>
+                  <a:schemeClr val="tx1">
+                    <a:tint val="75000"/>
+                  </a:schemeClr>
+                </a:solidFill>
+              </a:defRPr>
+            </a:lvl5pPr>
+            <a:lvl6pPr marL="2286000" indent="0">
+              <a:buNone/>
+              <a:defRPr sz="1400">
+                <a:solidFill>
+                  <a:schemeClr val="tx1">
+                    <a:tint val="75000"/>
+                  </a:schemeClr>
+                </a:solidFill>
+              </a:defRPr>
+            </a:lvl6pPr>
+            <a:lvl7pPr marL="2743200" indent="0">
+              <a:buNone/>
+              <a:defRPr sz="1400">
+                <a:solidFill>
+                  <a:schemeClr val="tx1">
+                    <a:tint val="75000"/>
+                  </a:schemeClr>
+                </a:solidFill>
+              </a:defRPr>
+            </a:lvl7pPr>
+            <a:lvl8pPr marL="3200400" indent="0">
+              <a:buNone/>
+              <a:defRPr sz="1400">
+                <a:solidFill>
+                  <a:schemeClr val="tx1">
+                    <a:tint val="75000"/>
+                  </a:schemeClr>
+                </a:solidFill>
+              </a:defRPr>
+            </a:lvl8pPr>
+            <a:lvl9pPr marL="3657600" indent="0">
+              <a:buNone/>
+              <a:defRPr sz="1400">
+                <a:solidFill>
+                  <a:schemeClr val="tx1">
+                    <a:tint val="75000"/>
+                  </a:schemeClr>
+                </a:solidFill>
+              </a:defRPr>
+            </a:lvl9pPr>
+          </a:lstStyle>
+          <a:p>
+            <a:pPr lvl="0"/>
+            <a:r>
+              <a:rPr lang="ko-KR" altLang="en-US"/>
+              <a:t>마스터 텍스트 스타일을 편집하려면 클릭</a:t>
+            </a:r>
+          </a:p>
+        </p:txBody>
+      </p:sp>
+      <p:sp>
+        <p:nvSpPr>
+          <p:cNvPr id="9" name="Text Placeholder 5"/>
+          <p:cNvSpPr>
+            <a:spLocks noGrp="1"/>
+          </p:cNvSpPr>
+          <p:nvPr>
+            <p:ph type="body" sz="quarter" idx="16"/>
+          </p:nvPr>
+        </p:nvSpPr>
+        <p:spPr>
+          <a:xfrm>
+            <a:off x="7574642" y="1081456"/>
+            <a:ext cx="3810001" cy="4075465"/>
+          </a:xfrm>
+        </p:spPr>
+        <p:txBody>
+          <a:bodyPr anchor="t"/>
+          <a:lstStyle>
+            <a:lvl1pPr marL="0" indent="0">
+              <a:buFontTx/>
+              <a:buNone/>
+              <a:defRPr/>
+            </a:lvl1pPr>
+          </a:lstStyle>
+          <a:p>
+            <a:pPr lvl="0"/>
+            <a:r>
+              <a:rPr lang="ko-KR" altLang="en-US"/>
+              <a:t>마스터 텍스트 스타일을 편집하려면 클릭</a:t>
+            </a:r>
+          </a:p>
+        </p:txBody>
+      </p:sp>
+      <p:sp>
+        <p:nvSpPr>
+          <p:cNvPr id="4" name="Date Placeholder 3"/>
+          <p:cNvSpPr>
+            <a:spLocks noGrp="1"/>
+          </p:cNvSpPr>
+          <p:nvPr>
+            <p:ph type="dt" sz="half" idx="10"/>
+          </p:nvPr>
+        </p:nvSpPr>
+        <p:spPr/>
+        <p:txBody>
+          <a:bodyPr/>
+          <a:lstStyle/>
+          <a:p>
+            <a:fld id="{8EFFEF71-DD2C-4852-82DC-6FCA74C85935}" type="datetimeFigureOut">
+              <a:rPr lang="ko-KR" altLang="en-US" smtClean="0"/>
+              <a:t>2021-04-05</a:t>
+            </a:fld>
+            <a:endParaRPr lang="ko-KR" altLang="en-US"/>
+          </a:p>
+        </p:txBody>
+      </p:sp>
+      <p:sp>
+        <p:nvSpPr>
+          <p:cNvPr id="5" name="Footer Placeholder 4"/>
+          <p:cNvSpPr>
+            <a:spLocks noGrp="1"/>
+          </p:cNvSpPr>
+          <p:nvPr>
+            <p:ph type="ftr" sz="quarter" idx="11"/>
+          </p:nvPr>
+        </p:nvSpPr>
+        <p:spPr/>
+        <p:txBody>
+          <a:bodyPr/>
+          <a:lstStyle/>
+          <a:p>
+            <a:endParaRPr lang="ko-KR" altLang="en-US"/>
+          </a:p>
+        </p:txBody>
+      </p:sp>
+      <p:sp>
+        <p:nvSpPr>
+          <p:cNvPr id="6" name="Slide Number Placeholder 5"/>
+          <p:cNvSpPr>
+            <a:spLocks noGrp="1"/>
+          </p:cNvSpPr>
+          <p:nvPr>
+            <p:ph type="sldNum" sz="quarter" idx="12"/>
+          </p:nvPr>
+        </p:nvSpPr>
+        <p:spPr/>
+        <p:txBody>
+          <a:bodyPr/>
+          <a:lstStyle/>
+          <a:p>
+            <a:fld id="{338D6589-9F30-434D-8CCC-7B1B4101F191}" type="slidenum">
+              <a:rPr lang="ko-KR" altLang="en-US" smtClean="0"/>
+              <a:t>‹#›</a:t>
+            </a:fld>
+            <a:endParaRPr lang="ko-KR" altLang="en-US"/>
+          </a:p>
+        </p:txBody>
+      </p:sp>
+    </p:spTree>
+    <p:extLst>
+      <p:ext uri="{BB962C8B-B14F-4D97-AF65-F5344CB8AC3E}">
+        <p14:creationId xmlns:p14="http://schemas.microsoft.com/office/powerpoint/2010/main" val="433454723"/>
+      </p:ext>
+    </p:extLst>
+  </p:cSld>
+  <p:clrMapOvr>
+    <a:masterClrMapping/>
+  </p:clrMapOvr>
+</p:sldLayout>
+</file>
+
+<file path=ppt/slideLayouts/slideLayout12.xml><?xml version="1.0" encoding="utf-8"?>
+<p:sldLayout xmlns:a="http://schemas.openxmlformats.org/drawingml/2006/main" xmlns:r="http://schemas.openxmlformats.org/officeDocument/2006/relationships" xmlns:p="http://schemas.openxmlformats.org/presentationml/2006/main" preserve="1">
+  <p:cSld name="명함">
+    <p:spTree>
+      <p:nvGrpSpPr>
+        <p:cNvPr id="1" name=""/>
+        <p:cNvGrpSpPr/>
+        <p:nvPr/>
+      </p:nvGrpSpPr>
+      <p:grpSpPr>
+        <a:xfrm>
+          <a:off x="0" y="0"/>
+          <a:ext cx="0" cy="0"/>
+          <a:chOff x="0" y="0"/>
+          <a:chExt cx="0" cy="0"/>
+        </a:xfrm>
+      </p:grpSpPr>
+      <p:sp>
+        <p:nvSpPr>
+          <p:cNvPr id="9" name="Freeform 6"/>
+          <p:cNvSpPr>
+            <a:spLocks noChangeAspect="1"/>
+          </p:cNvSpPr>
+          <p:nvPr/>
+        </p:nvSpPr>
+        <p:spPr bwMode="auto">
+          <a:xfrm>
+            <a:off x="1140884" y="2286585"/>
+            <a:ext cx="4895115" cy="2503972"/>
+          </a:xfrm>
+          <a:custGeom>
+            <a:avLst/>
+            <a:gdLst/>
+            <a:ahLst/>
+            <a:cxnLst/>
+            <a:rect l="0" t="0" r="r" b="b"/>
+            <a:pathLst>
+              <a:path w="3384" h="2308">
+                <a:moveTo>
+                  <a:pt x="3340" y="0"/>
+                </a:moveTo>
+                <a:lnTo>
+                  <a:pt x="44" y="0"/>
+                </a:lnTo>
+                <a:lnTo>
+                  <a:pt x="44" y="0"/>
+                </a:lnTo>
+                <a:lnTo>
+                  <a:pt x="34" y="0"/>
+                </a:lnTo>
+                <a:lnTo>
+                  <a:pt x="26" y="4"/>
+                </a:lnTo>
+                <a:lnTo>
+                  <a:pt x="20" y="8"/>
+                </a:lnTo>
+                <a:lnTo>
+                  <a:pt x="12" y="12"/>
+                </a:lnTo>
+                <a:lnTo>
+                  <a:pt x="8" y="20"/>
+                </a:lnTo>
+                <a:lnTo>
+                  <a:pt x="4" y="26"/>
+                </a:lnTo>
+                <a:lnTo>
+                  <a:pt x="0" y="34"/>
+                </a:lnTo>
+                <a:lnTo>
+                  <a:pt x="0" y="44"/>
+                </a:lnTo>
+                <a:lnTo>
+                  <a:pt x="0" y="2076"/>
+                </a:lnTo>
+                <a:lnTo>
+                  <a:pt x="0" y="2076"/>
+                </a:lnTo>
+                <a:lnTo>
+                  <a:pt x="0" y="2086"/>
+                </a:lnTo>
+                <a:lnTo>
+                  <a:pt x="4" y="2094"/>
+                </a:lnTo>
+                <a:lnTo>
+                  <a:pt x="8" y="2100"/>
+                </a:lnTo>
+                <a:lnTo>
+                  <a:pt x="12" y="2108"/>
+                </a:lnTo>
+                <a:lnTo>
+                  <a:pt x="20" y="2112"/>
+                </a:lnTo>
+                <a:lnTo>
+                  <a:pt x="26" y="2116"/>
+                </a:lnTo>
+                <a:lnTo>
+                  <a:pt x="34" y="2120"/>
+                </a:lnTo>
+                <a:lnTo>
+                  <a:pt x="44" y="2120"/>
+                </a:lnTo>
+                <a:lnTo>
+                  <a:pt x="474" y="2120"/>
+                </a:lnTo>
+                <a:lnTo>
+                  <a:pt x="650" y="2296"/>
+                </a:lnTo>
+                <a:lnTo>
+                  <a:pt x="650" y="2296"/>
+                </a:lnTo>
+                <a:lnTo>
+                  <a:pt x="656" y="2300"/>
+                </a:lnTo>
+                <a:lnTo>
+                  <a:pt x="664" y="2304"/>
+                </a:lnTo>
+                <a:lnTo>
+                  <a:pt x="672" y="2308"/>
+                </a:lnTo>
+                <a:lnTo>
+                  <a:pt x="680" y="2308"/>
+                </a:lnTo>
+                <a:lnTo>
+                  <a:pt x="688" y="2308"/>
+                </a:lnTo>
+                <a:lnTo>
+                  <a:pt x="696" y="2304"/>
+                </a:lnTo>
+                <a:lnTo>
+                  <a:pt x="704" y="2300"/>
+                </a:lnTo>
+                <a:lnTo>
+                  <a:pt x="710" y="2296"/>
+                </a:lnTo>
+                <a:lnTo>
+                  <a:pt x="886" y="2120"/>
+                </a:lnTo>
+                <a:lnTo>
+                  <a:pt x="3340" y="2120"/>
+                </a:lnTo>
+                <a:lnTo>
+                  <a:pt x="3340" y="2120"/>
+                </a:lnTo>
+                <a:lnTo>
+                  <a:pt x="3350" y="2120"/>
+                </a:lnTo>
+                <a:lnTo>
+                  <a:pt x="3358" y="2116"/>
+                </a:lnTo>
+                <a:lnTo>
+                  <a:pt x="3364" y="2112"/>
+                </a:lnTo>
+                <a:lnTo>
+                  <a:pt x="3372" y="2108"/>
+                </a:lnTo>
+                <a:lnTo>
+                  <a:pt x="3376" y="2100"/>
+                </a:lnTo>
+                <a:lnTo>
+                  <a:pt x="3380" y="2094"/>
+                </a:lnTo>
+                <a:lnTo>
+                  <a:pt x="3384" y="2086"/>
+                </a:lnTo>
+                <a:lnTo>
+                  <a:pt x="3384" y="2076"/>
+                </a:lnTo>
+                <a:lnTo>
+                  <a:pt x="3384" y="44"/>
+                </a:lnTo>
+                <a:lnTo>
+                  <a:pt x="3384" y="44"/>
+                </a:lnTo>
+                <a:lnTo>
+                  <a:pt x="3384" y="34"/>
+                </a:lnTo>
+                <a:lnTo>
+                  <a:pt x="3380" y="26"/>
+                </a:lnTo>
+                <a:lnTo>
+                  <a:pt x="3376" y="20"/>
+                </a:lnTo>
+                <a:lnTo>
+                  <a:pt x="3372" y="12"/>
+                </a:lnTo>
+                <a:lnTo>
+                  <a:pt x="3364" y="8"/>
+                </a:lnTo>
+                <a:lnTo>
+                  <a:pt x="3358" y="4"/>
+                </a:lnTo>
+                <a:lnTo>
+                  <a:pt x="3350" y="0"/>
+                </a:lnTo>
+                <a:lnTo>
+                  <a:pt x="3340" y="0"/>
+                </a:lnTo>
+                <a:lnTo>
+                  <a:pt x="3340" y="0"/>
+                </a:lnTo>
+                <a:close/>
+              </a:path>
+            </a:pathLst>
+          </a:custGeom>
+          <a:ln>
+            <a:solidFill>
+              <a:schemeClr val="accent1"/>
+            </a:solidFill>
+          </a:ln>
+        </p:spPr>
+        <p:style>
+          <a:lnRef idx="1">
+            <a:schemeClr val="accent1"/>
+          </a:lnRef>
+          <a:fillRef idx="3">
+            <a:schemeClr val="accent1"/>
+          </a:fillRef>
+          <a:effectRef idx="2">
+            <a:schemeClr val="accent1"/>
+          </a:effectRef>
+          <a:fontRef idx="minor">
+            <a:schemeClr val="lt1"/>
+          </a:fontRef>
+        </p:style>
+      </p:sp>
+      <p:sp>
+        <p:nvSpPr>
+          <p:cNvPr id="38" name="Title 1"/>
+          <p:cNvSpPr>
+            <a:spLocks noGrp="1"/>
+          </p:cNvSpPr>
+          <p:nvPr>
+            <p:ph type="title"/>
+          </p:nvPr>
+        </p:nvSpPr>
+        <p:spPr>
+          <a:xfrm>
+            <a:off x="1357089" y="2435957"/>
+            <a:ext cx="4382521" cy="2007789"/>
+          </a:xfrm>
+        </p:spPr>
+        <p:txBody>
+          <a:bodyPr/>
+          <a:lstStyle>
+            <a:lvl1pPr>
+              <a:defRPr sz="3200"/>
+            </a:lvl1pPr>
+          </a:lstStyle>
+          <a:p>
+            <a:r>
+              <a:rPr lang="ko-KR" altLang="en-US"/>
+              <a:t>마스터 제목 스타일 편집</a:t>
+            </a:r>
+            <a:endParaRPr lang="en-US" dirty="0"/>
+          </a:p>
+        </p:txBody>
+      </p:sp>
+      <p:sp>
+        <p:nvSpPr>
+          <p:cNvPr id="6" name="Text Placeholder 5"/>
+          <p:cNvSpPr>
+            <a:spLocks noGrp="1"/>
+          </p:cNvSpPr>
+          <p:nvPr>
+            <p:ph type="body" sz="quarter" idx="16"/>
+          </p:nvPr>
+        </p:nvSpPr>
+        <p:spPr>
+          <a:xfrm>
+            <a:off x="6156000" y="2286000"/>
+            <a:ext cx="4880300" cy="2295525"/>
+          </a:xfrm>
+        </p:spPr>
+        <p:txBody>
+          <a:bodyPr anchor="t"/>
+          <a:lstStyle>
+            <a:lvl1pPr marL="0" indent="0">
+              <a:buFontTx/>
+              <a:buNone/>
+              <a:defRPr/>
+            </a:lvl1pPr>
+          </a:lstStyle>
+          <a:p>
+            <a:pPr lvl="0"/>
+            <a:r>
+              <a:rPr lang="ko-KR" altLang="en-US"/>
+              <a:t>마스터 텍스트 스타일을 편집하려면 클릭</a:t>
+            </a:r>
+          </a:p>
+        </p:txBody>
+      </p:sp>
+      <p:sp>
+        <p:nvSpPr>
+          <p:cNvPr id="2" name="Date Placeholder 1"/>
+          <p:cNvSpPr>
+            <a:spLocks noGrp="1"/>
+          </p:cNvSpPr>
+          <p:nvPr>
+            <p:ph type="dt" sz="half" idx="10"/>
+          </p:nvPr>
+        </p:nvSpPr>
+        <p:spPr/>
+        <p:txBody>
+          <a:bodyPr/>
+          <a:lstStyle/>
+          <a:p>
+            <a:fld id="{8EFFEF71-DD2C-4852-82DC-6FCA74C85935}" type="datetimeFigureOut">
+              <a:rPr lang="ko-KR" altLang="en-US" smtClean="0"/>
+              <a:t>2021-04-05</a:t>
+            </a:fld>
+            <a:endParaRPr lang="ko-KR" altLang="en-US"/>
+          </a:p>
+        </p:txBody>
+      </p:sp>
+      <p:sp>
+        <p:nvSpPr>
+          <p:cNvPr id="3" name="Footer Placeholder 2"/>
+          <p:cNvSpPr>
+            <a:spLocks noGrp="1"/>
+          </p:cNvSpPr>
+          <p:nvPr>
+            <p:ph type="ftr" sz="quarter" idx="11"/>
+          </p:nvPr>
+        </p:nvSpPr>
+        <p:spPr/>
+        <p:txBody>
+          <a:bodyPr/>
+          <a:lstStyle/>
+          <a:p>
+            <a:endParaRPr lang="ko-KR" altLang="en-US"/>
+          </a:p>
+        </p:txBody>
+      </p:sp>
+      <p:sp>
+        <p:nvSpPr>
+          <p:cNvPr id="4" name="Slide Number Placeholder 3"/>
+          <p:cNvSpPr>
+            <a:spLocks noGrp="1"/>
+          </p:cNvSpPr>
+          <p:nvPr>
+            <p:ph type="sldNum" sz="quarter" idx="12"/>
+          </p:nvPr>
+        </p:nvSpPr>
+        <p:spPr/>
+        <p:txBody>
+          <a:bodyPr/>
+          <a:lstStyle/>
+          <a:p>
+            <a:fld id="{338D6589-9F30-434D-8CCC-7B1B4101F191}" type="slidenum">
+              <a:rPr lang="ko-KR" altLang="en-US" smtClean="0"/>
+              <a:t>‹#›</a:t>
+            </a:fld>
+            <a:endParaRPr lang="ko-KR" altLang="en-US"/>
+          </a:p>
+        </p:txBody>
+      </p:sp>
+    </p:spTree>
+    <p:extLst>
+      <p:ext uri="{BB962C8B-B14F-4D97-AF65-F5344CB8AC3E}">
+        <p14:creationId xmlns:p14="http://schemas.microsoft.com/office/powerpoint/2010/main" val="1203561963"/>
+      </p:ext>
+    </p:extLst>
+  </p:cSld>
+  <p:clrMapOvr>
+    <a:masterClrMapping/>
+  </p:clrMapOvr>
+</p:sldLayout>
+</file>
+
+<file path=ppt/slideLayouts/slideLayout13.xml><?xml version="1.0" encoding="utf-8"?>
 <p:sldLayout xmlns:a="http://schemas.openxmlformats.org/drawingml/2006/main" xmlns:r="http://schemas.openxmlformats.org/officeDocument/2006/relationships" xmlns:p="http://schemas.openxmlformats.org/presentationml/2006/main" type="vertTx" preserve="1">
   <p:cSld name="제목 및 세로 텍스트">
     <p:spTree>
@@ -361,13 +1665,110 @@
       </p:grpSpPr>
       <p:sp>
         <p:nvSpPr>
-          <p:cNvPr id="2" name="제목 1">
-            <a:extLst>
-              <a:ext uri="{FF2B5EF4-FFF2-40B4-BE49-F238E27FC236}">
-                <a16:creationId xmlns:a16="http://schemas.microsoft.com/office/drawing/2014/main" id="{78525046-1E5C-46B1-8918-1C3FB558A617}"/>
-              </a:ext>
-            </a:extLst>
-          </p:cNvPr>
+          <p:cNvPr id="7" name="Freeform 6"/>
+          <p:cNvSpPr/>
+          <p:nvPr/>
+        </p:nvSpPr>
+        <p:spPr bwMode="auto">
+          <a:xfrm>
+            <a:off x="0" y="0"/>
+            <a:ext cx="12192000" cy="2185988"/>
+          </a:xfrm>
+          <a:custGeom>
+            <a:avLst/>
+            <a:gdLst/>
+            <a:ahLst/>
+            <a:cxnLst/>
+            <a:rect l="0" t="0" r="r" b="b"/>
+            <a:pathLst>
+              <a:path w="5760" h="1377">
+                <a:moveTo>
+                  <a:pt x="5760" y="0"/>
+                </a:moveTo>
+                <a:lnTo>
+                  <a:pt x="0" y="0"/>
+                </a:lnTo>
+                <a:lnTo>
+                  <a:pt x="0" y="1189"/>
+                </a:lnTo>
+                <a:lnTo>
+                  <a:pt x="943" y="1189"/>
+                </a:lnTo>
+                <a:lnTo>
+                  <a:pt x="1123" y="1369"/>
+                </a:lnTo>
+                <a:lnTo>
+                  <a:pt x="1123" y="1369"/>
+                </a:lnTo>
+                <a:lnTo>
+                  <a:pt x="1127" y="1371"/>
+                </a:lnTo>
+                <a:lnTo>
+                  <a:pt x="1133" y="1374"/>
+                </a:lnTo>
+                <a:lnTo>
+                  <a:pt x="1139" y="1377"/>
+                </a:lnTo>
+                <a:lnTo>
+                  <a:pt x="1144" y="1377"/>
+                </a:lnTo>
+                <a:lnTo>
+                  <a:pt x="1150" y="1377"/>
+                </a:lnTo>
+                <a:lnTo>
+                  <a:pt x="1155" y="1374"/>
+                </a:lnTo>
+                <a:lnTo>
+                  <a:pt x="1161" y="1371"/>
+                </a:lnTo>
+                <a:lnTo>
+                  <a:pt x="1165" y="1369"/>
+                </a:lnTo>
+                <a:lnTo>
+                  <a:pt x="1345" y="1189"/>
+                </a:lnTo>
+                <a:lnTo>
+                  <a:pt x="5760" y="1189"/>
+                </a:lnTo>
+                <a:lnTo>
+                  <a:pt x="5760" y="0"/>
+                </a:lnTo>
+                <a:close/>
+              </a:path>
+            </a:pathLst>
+          </a:custGeom>
+          <a:ln/>
+          <a:extLst>
+            <a:ext uri="{91240B29-F687-4f45-9708-019B960494DF}">
+              <a14:hiddenLine xmlns:a14="http://schemas.microsoft.com/office/drawing/2010/main" xmlns="" w="9525">
+                <a:solidFill>
+                  <a:srgbClr val="000000"/>
+                </a:solidFill>
+                <a:round/>
+                <a:headEnd/>
+                <a:tailEnd/>
+              </a14:hiddenLine>
+            </a:ext>
+          </a:extLst>
+        </p:spPr>
+        <p:style>
+          <a:lnRef idx="1">
+            <a:schemeClr val="accent1"/>
+          </a:lnRef>
+          <a:fillRef idx="3">
+            <a:schemeClr val="accent1"/>
+          </a:fillRef>
+          <a:effectRef idx="2">
+            <a:schemeClr val="accent1"/>
+          </a:effectRef>
+          <a:fontRef idx="minor">
+            <a:schemeClr val="lt1"/>
+          </a:fontRef>
+        </p:style>
+      </p:sp>
+      <p:sp>
+        <p:nvSpPr>
+          <p:cNvPr id="2" name="Title 1"/>
           <p:cNvSpPr>
             <a:spLocks noGrp="1"/>
           </p:cNvSpPr>
@@ -384,18 +1785,13 @@
               <a:rPr lang="ko-KR" altLang="en-US"/>
               <a:t>마스터 제목 스타일 편집</a:t>
             </a:r>
-          </a:p>
-        </p:txBody>
-      </p:sp>
-      <p:sp>
-        <p:nvSpPr>
-          <p:cNvPr id="3" name="세로 텍스트 개체 틀 2">
-            <a:extLst>
-              <a:ext uri="{FF2B5EF4-FFF2-40B4-BE49-F238E27FC236}">
-                <a16:creationId xmlns:a16="http://schemas.microsoft.com/office/drawing/2014/main" id="{E6A03A4E-5BFB-4F2D-AD9E-11B37C8ED3F8}"/>
-              </a:ext>
-            </a:extLst>
-          </p:cNvPr>
+            <a:endParaRPr lang="en-US" dirty="0"/>
+          </a:p>
+        </p:txBody>
+      </p:sp>
+      <p:sp>
+        <p:nvSpPr>
+          <p:cNvPr id="3" name="Vertical Text Placeholder 2"/>
           <p:cNvSpPr>
             <a:spLocks noGrp="1"/>
           </p:cNvSpPr>
@@ -405,7 +1801,7 @@
         </p:nvSpPr>
         <p:spPr/>
         <p:txBody>
-          <a:bodyPr vert="eaVert"/>
+          <a:bodyPr vert="eaVert" anchor="t"/>
           <a:lstStyle/>
           <a:p>
             <a:pPr lvl="0"/>
@@ -441,18 +1837,13 @@
               <a:rPr lang="ko-KR" altLang="en-US"/>
               <a:t>다섯 번째 수준</a:t>
             </a:r>
-          </a:p>
-        </p:txBody>
-      </p:sp>
-      <p:sp>
-        <p:nvSpPr>
-          <p:cNvPr id="4" name="날짜 개체 틀 3">
-            <a:extLst>
-              <a:ext uri="{FF2B5EF4-FFF2-40B4-BE49-F238E27FC236}">
-                <a16:creationId xmlns:a16="http://schemas.microsoft.com/office/drawing/2014/main" id="{84CC04F1-DD3F-4C37-BB0E-F773C83CF9AB}"/>
-              </a:ext>
-            </a:extLst>
-          </p:cNvPr>
+            <a:endParaRPr lang="en-US" dirty="0"/>
+          </a:p>
+        </p:txBody>
+      </p:sp>
+      <p:sp>
+        <p:nvSpPr>
+          <p:cNvPr id="4" name="Date Placeholder 3"/>
           <p:cNvSpPr>
             <a:spLocks noGrp="1"/>
           </p:cNvSpPr>
@@ -475,13 +1866,7 @@
       </p:sp>
       <p:sp>
         <p:nvSpPr>
-          <p:cNvPr id="5" name="바닥글 개체 틀 4">
-            <a:extLst>
-              <a:ext uri="{FF2B5EF4-FFF2-40B4-BE49-F238E27FC236}">
-                <a16:creationId xmlns:a16="http://schemas.microsoft.com/office/drawing/2014/main" id="{6DD717F7-697C-474B-8264-045CE7641DEC}"/>
-              </a:ext>
-            </a:extLst>
-          </p:cNvPr>
+          <p:cNvPr id="5" name="Footer Placeholder 4"/>
           <p:cNvSpPr>
             <a:spLocks noGrp="1"/>
           </p:cNvSpPr>
@@ -500,13 +1885,7 @@
       </p:sp>
       <p:sp>
         <p:nvSpPr>
-          <p:cNvPr id="6" name="슬라이드 번호 개체 틀 5">
-            <a:extLst>
-              <a:ext uri="{FF2B5EF4-FFF2-40B4-BE49-F238E27FC236}">
-                <a16:creationId xmlns:a16="http://schemas.microsoft.com/office/drawing/2014/main" id="{27760B61-4D9B-4818-80D5-8700450EFF79}"/>
-              </a:ext>
-            </a:extLst>
-          </p:cNvPr>
+          <p:cNvPr id="6" name="Slide Number Placeholder 5"/>
           <p:cNvSpPr>
             <a:spLocks noGrp="1"/>
           </p:cNvSpPr>
@@ -530,7 +1909,7 @@
     </p:spTree>
     <p:extLst>
       <p:ext uri="{BB962C8B-B14F-4D97-AF65-F5344CB8AC3E}">
-        <p14:creationId xmlns:p14="http://schemas.microsoft.com/office/powerpoint/2010/main" val="3582171948"/>
+        <p14:creationId xmlns:p14="http://schemas.microsoft.com/office/powerpoint/2010/main" val="2262567654"/>
       </p:ext>
     </p:extLst>
   </p:cSld>
@@ -540,7 +1919,7 @@
 </p:sldLayout>
 </file>
 
-<file path=ppt/slideLayouts/slideLayout11.xml><?xml version="1.0" encoding="utf-8"?>
+<file path=ppt/slideLayouts/slideLayout14.xml><?xml version="1.0" encoding="utf-8"?>
 <p:sldLayout xmlns:a="http://schemas.openxmlformats.org/drawingml/2006/main" xmlns:r="http://schemas.openxmlformats.org/officeDocument/2006/relationships" xmlns:p="http://schemas.openxmlformats.org/presentationml/2006/main" type="vertTitleAndTx" preserve="1">
   <p:cSld name="세로 제목 및 텍스트">
     <p:spTree>
@@ -559,13 +1938,112 @@
       </p:grpSpPr>
       <p:sp>
         <p:nvSpPr>
-          <p:cNvPr id="2" name="세로 제목 1">
-            <a:extLst>
-              <a:ext uri="{FF2B5EF4-FFF2-40B4-BE49-F238E27FC236}">
-                <a16:creationId xmlns:a16="http://schemas.microsoft.com/office/drawing/2014/main" id="{817582E0-4DC9-4BD2-915E-A28088FF3057}"/>
-              </a:ext>
-            </a:extLst>
-          </p:cNvPr>
+          <p:cNvPr id="12" name="Freeform 6"/>
+          <p:cNvSpPr>
+            <a:spLocks noChangeAspect="1"/>
+          </p:cNvSpPr>
+          <p:nvPr/>
+        </p:nvSpPr>
+        <p:spPr bwMode="auto">
+          <a:xfrm>
+            <a:off x="7669651" y="446089"/>
+            <a:ext cx="4522349" cy="5414962"/>
+          </a:xfrm>
+          <a:custGeom>
+            <a:avLst/>
+            <a:gdLst/>
+            <a:ahLst/>
+            <a:cxnLst/>
+            <a:rect l="0" t="0" r="r" b="b"/>
+            <a:pathLst>
+              <a:path w="2879" h="4320">
+                <a:moveTo>
+                  <a:pt x="183" y="0"/>
+                </a:moveTo>
+                <a:lnTo>
+                  <a:pt x="183" y="1197"/>
+                </a:lnTo>
+                <a:lnTo>
+                  <a:pt x="8" y="1372"/>
+                </a:lnTo>
+                <a:lnTo>
+                  <a:pt x="8" y="1372"/>
+                </a:lnTo>
+                <a:lnTo>
+                  <a:pt x="6" y="1376"/>
+                </a:lnTo>
+                <a:lnTo>
+                  <a:pt x="3" y="1382"/>
+                </a:lnTo>
+                <a:lnTo>
+                  <a:pt x="0" y="1387"/>
+                </a:lnTo>
+                <a:lnTo>
+                  <a:pt x="0" y="1393"/>
+                </a:lnTo>
+                <a:lnTo>
+                  <a:pt x="0" y="1399"/>
+                </a:lnTo>
+                <a:lnTo>
+                  <a:pt x="3" y="1404"/>
+                </a:lnTo>
+                <a:lnTo>
+                  <a:pt x="6" y="1410"/>
+                </a:lnTo>
+                <a:lnTo>
+                  <a:pt x="8" y="1414"/>
+                </a:lnTo>
+                <a:lnTo>
+                  <a:pt x="183" y="1589"/>
+                </a:lnTo>
+                <a:lnTo>
+                  <a:pt x="183" y="4320"/>
+                </a:lnTo>
+                <a:lnTo>
+                  <a:pt x="2879" y="4320"/>
+                </a:lnTo>
+                <a:lnTo>
+                  <a:pt x="2879" y="0"/>
+                </a:lnTo>
+                <a:lnTo>
+                  <a:pt x="183" y="0"/>
+                </a:lnTo>
+                <a:close/>
+              </a:path>
+            </a:pathLst>
+          </a:custGeom>
+          <a:ln/>
+          <a:extLst>
+            <a:ext uri="{91240B29-F687-4f45-9708-019B960494DF}">
+              <a14:hiddenLine xmlns:a14="http://schemas.microsoft.com/office/drawing/2010/main" xmlns="" w="9525">
+                <a:solidFill>
+                  <a:srgbClr val="000000"/>
+                </a:solidFill>
+                <a:round/>
+                <a:headEnd/>
+                <a:tailEnd/>
+              </a14:hiddenLine>
+            </a:ext>
+          </a:extLst>
+        </p:spPr>
+        <p:style>
+          <a:lnRef idx="1">
+            <a:schemeClr val="accent1"/>
+          </a:lnRef>
+          <a:fillRef idx="3">
+            <a:schemeClr val="accent1"/>
+          </a:fillRef>
+          <a:effectRef idx="2">
+            <a:schemeClr val="accent1"/>
+          </a:effectRef>
+          <a:fontRef idx="minor">
+            <a:schemeClr val="lt1"/>
+          </a:fontRef>
+        </p:style>
+      </p:sp>
+      <p:sp>
+        <p:nvSpPr>
+          <p:cNvPr id="2" name="Vertical Title 1"/>
           <p:cNvSpPr>
             <a:spLocks noGrp="1"/>
           </p:cNvSpPr>
@@ -575,8 +2053,8 @@
         </p:nvSpPr>
         <p:spPr>
           <a:xfrm>
-            <a:off x="8724900" y="365125"/>
-            <a:ext cx="2628900" cy="5811838"/>
+            <a:off x="8183540" y="586171"/>
+            <a:ext cx="2494791" cy="5134798"/>
           </a:xfrm>
         </p:spPr>
         <p:txBody>
@@ -587,18 +2065,13 @@
               <a:rPr lang="ko-KR" altLang="en-US"/>
               <a:t>마스터 제목 스타일 편집</a:t>
             </a:r>
-          </a:p>
-        </p:txBody>
-      </p:sp>
-      <p:sp>
-        <p:nvSpPr>
-          <p:cNvPr id="3" name="세로 텍스트 개체 틀 2">
-            <a:extLst>
-              <a:ext uri="{FF2B5EF4-FFF2-40B4-BE49-F238E27FC236}">
-                <a16:creationId xmlns:a16="http://schemas.microsoft.com/office/drawing/2014/main" id="{033E93FD-2AF5-4C11-BB15-D9429703C0B6}"/>
-              </a:ext>
-            </a:extLst>
-          </p:cNvPr>
+            <a:endParaRPr lang="en-US" dirty="0"/>
+          </a:p>
+        </p:txBody>
+      </p:sp>
+      <p:sp>
+        <p:nvSpPr>
+          <p:cNvPr id="3" name="Vertical Text Placeholder 2"/>
           <p:cNvSpPr>
             <a:spLocks noGrp="1"/>
           </p:cNvSpPr>
@@ -608,12 +2081,12 @@
         </p:nvSpPr>
         <p:spPr>
           <a:xfrm>
-            <a:off x="838200" y="365125"/>
-            <a:ext cx="7734300" cy="5811838"/>
+            <a:off x="810001" y="446089"/>
+            <a:ext cx="6611540" cy="5414962"/>
           </a:xfrm>
         </p:spPr>
         <p:txBody>
-          <a:bodyPr vert="eaVert"/>
+          <a:bodyPr vert="eaVert" anchor="t"/>
           <a:lstStyle/>
           <a:p>
             <a:pPr lvl="0"/>
@@ -649,18 +2122,13 @@
               <a:rPr lang="ko-KR" altLang="en-US"/>
               <a:t>다섯 번째 수준</a:t>
             </a:r>
-          </a:p>
-        </p:txBody>
-      </p:sp>
-      <p:sp>
-        <p:nvSpPr>
-          <p:cNvPr id="4" name="날짜 개체 틀 3">
-            <a:extLst>
-              <a:ext uri="{FF2B5EF4-FFF2-40B4-BE49-F238E27FC236}">
-                <a16:creationId xmlns:a16="http://schemas.microsoft.com/office/drawing/2014/main" id="{E570F876-F06A-4A59-9093-E2052F3F0DB8}"/>
-              </a:ext>
-            </a:extLst>
-          </p:cNvPr>
+            <a:endParaRPr lang="en-US" dirty="0"/>
+          </a:p>
+        </p:txBody>
+      </p:sp>
+      <p:sp>
+        <p:nvSpPr>
+          <p:cNvPr id="4" name="Date Placeholder 3"/>
           <p:cNvSpPr>
             <a:spLocks noGrp="1"/>
           </p:cNvSpPr>
@@ -683,13 +2151,7 @@
       </p:sp>
       <p:sp>
         <p:nvSpPr>
-          <p:cNvPr id="5" name="바닥글 개체 틀 4">
-            <a:extLst>
-              <a:ext uri="{FF2B5EF4-FFF2-40B4-BE49-F238E27FC236}">
-                <a16:creationId xmlns:a16="http://schemas.microsoft.com/office/drawing/2014/main" id="{9FD1D1AF-C38B-4E8E-8A12-2615E72E8028}"/>
-              </a:ext>
-            </a:extLst>
-          </p:cNvPr>
+          <p:cNvPr id="5" name="Footer Placeholder 4"/>
           <p:cNvSpPr>
             <a:spLocks noGrp="1"/>
           </p:cNvSpPr>
@@ -708,13 +2170,7 @@
       </p:sp>
       <p:sp>
         <p:nvSpPr>
-          <p:cNvPr id="6" name="슬라이드 번호 개체 틀 5">
-            <a:extLst>
-              <a:ext uri="{FF2B5EF4-FFF2-40B4-BE49-F238E27FC236}">
-                <a16:creationId xmlns:a16="http://schemas.microsoft.com/office/drawing/2014/main" id="{77A35790-CE92-4DA2-9956-3964C039DCC7}"/>
-              </a:ext>
-            </a:extLst>
-          </p:cNvPr>
+          <p:cNvPr id="6" name="Slide Number Placeholder 5"/>
           <p:cNvSpPr>
             <a:spLocks noGrp="1"/>
           </p:cNvSpPr>
@@ -738,7 +2194,7 @@
     </p:spTree>
     <p:extLst>
       <p:ext uri="{BB962C8B-B14F-4D97-AF65-F5344CB8AC3E}">
-        <p14:creationId xmlns:p14="http://schemas.microsoft.com/office/powerpoint/2010/main" val="3322580939"/>
+        <p14:creationId xmlns:p14="http://schemas.microsoft.com/office/powerpoint/2010/main" val="2631560424"/>
       </p:ext>
     </p:extLst>
   </p:cSld>
@@ -767,13 +2223,110 @@
       </p:grpSpPr>
       <p:sp>
         <p:nvSpPr>
-          <p:cNvPr id="2" name="제목 1">
-            <a:extLst>
-              <a:ext uri="{FF2B5EF4-FFF2-40B4-BE49-F238E27FC236}">
-                <a16:creationId xmlns:a16="http://schemas.microsoft.com/office/drawing/2014/main" id="{0BA919EF-2EBB-4806-87D8-CA69A9951892}"/>
-              </a:ext>
-            </a:extLst>
-          </p:cNvPr>
+          <p:cNvPr id="11" name="Freeform 6"/>
+          <p:cNvSpPr/>
+          <p:nvPr/>
+        </p:nvSpPr>
+        <p:spPr bwMode="auto">
+          <a:xfrm>
+            <a:off x="0" y="0"/>
+            <a:ext cx="12192000" cy="2185988"/>
+          </a:xfrm>
+          <a:custGeom>
+            <a:avLst/>
+            <a:gdLst/>
+            <a:ahLst/>
+            <a:cxnLst/>
+            <a:rect l="0" t="0" r="r" b="b"/>
+            <a:pathLst>
+              <a:path w="5760" h="1377">
+                <a:moveTo>
+                  <a:pt x="5760" y="0"/>
+                </a:moveTo>
+                <a:lnTo>
+                  <a:pt x="0" y="0"/>
+                </a:lnTo>
+                <a:lnTo>
+                  <a:pt x="0" y="1189"/>
+                </a:lnTo>
+                <a:lnTo>
+                  <a:pt x="943" y="1189"/>
+                </a:lnTo>
+                <a:lnTo>
+                  <a:pt x="1123" y="1369"/>
+                </a:lnTo>
+                <a:lnTo>
+                  <a:pt x="1123" y="1369"/>
+                </a:lnTo>
+                <a:lnTo>
+                  <a:pt x="1127" y="1371"/>
+                </a:lnTo>
+                <a:lnTo>
+                  <a:pt x="1133" y="1374"/>
+                </a:lnTo>
+                <a:lnTo>
+                  <a:pt x="1139" y="1377"/>
+                </a:lnTo>
+                <a:lnTo>
+                  <a:pt x="1144" y="1377"/>
+                </a:lnTo>
+                <a:lnTo>
+                  <a:pt x="1150" y="1377"/>
+                </a:lnTo>
+                <a:lnTo>
+                  <a:pt x="1155" y="1374"/>
+                </a:lnTo>
+                <a:lnTo>
+                  <a:pt x="1161" y="1371"/>
+                </a:lnTo>
+                <a:lnTo>
+                  <a:pt x="1165" y="1369"/>
+                </a:lnTo>
+                <a:lnTo>
+                  <a:pt x="1345" y="1189"/>
+                </a:lnTo>
+                <a:lnTo>
+                  <a:pt x="5760" y="1189"/>
+                </a:lnTo>
+                <a:lnTo>
+                  <a:pt x="5760" y="0"/>
+                </a:lnTo>
+                <a:close/>
+              </a:path>
+            </a:pathLst>
+          </a:custGeom>
+          <a:ln/>
+          <a:extLst>
+            <a:ext uri="{91240B29-F687-4f45-9708-019B960494DF}">
+              <a14:hiddenLine xmlns:a14="http://schemas.microsoft.com/office/drawing/2010/main" xmlns="" w="9525">
+                <a:solidFill>
+                  <a:srgbClr val="000000"/>
+                </a:solidFill>
+                <a:round/>
+                <a:headEnd/>
+                <a:tailEnd/>
+              </a14:hiddenLine>
+            </a:ext>
+          </a:extLst>
+        </p:spPr>
+        <p:style>
+          <a:lnRef idx="1">
+            <a:schemeClr val="accent1"/>
+          </a:lnRef>
+          <a:fillRef idx="3">
+            <a:schemeClr val="accent1"/>
+          </a:fillRef>
+          <a:effectRef idx="2">
+            <a:schemeClr val="accent1"/>
+          </a:effectRef>
+          <a:fontRef idx="minor">
+            <a:schemeClr val="lt1"/>
+          </a:fontRef>
+        </p:style>
+      </p:sp>
+      <p:sp>
+        <p:nvSpPr>
+          <p:cNvPr id="2" name="Title 1"/>
           <p:cNvSpPr>
             <a:spLocks noGrp="1"/>
           </p:cNvSpPr>
@@ -781,7 +2334,12 @@
             <p:ph type="title"/>
           </p:nvPr>
         </p:nvSpPr>
-        <p:spPr/>
+        <p:spPr>
+          <a:xfrm>
+            <a:off x="810000" y="447188"/>
+            <a:ext cx="10571998" cy="970450"/>
+          </a:xfrm>
+        </p:spPr>
         <p:txBody>
           <a:bodyPr/>
           <a:lstStyle/>
@@ -790,18 +2348,13 @@
               <a:rPr lang="ko-KR" altLang="en-US"/>
               <a:t>마스터 제목 스타일 편집</a:t>
             </a:r>
-          </a:p>
-        </p:txBody>
-      </p:sp>
-      <p:sp>
-        <p:nvSpPr>
-          <p:cNvPr id="3" name="내용 개체 틀 2">
-            <a:extLst>
-              <a:ext uri="{FF2B5EF4-FFF2-40B4-BE49-F238E27FC236}">
-                <a16:creationId xmlns:a16="http://schemas.microsoft.com/office/drawing/2014/main" id="{DC77F0FF-B7D5-42EA-B52C-4A46FFC32097}"/>
-              </a:ext>
-            </a:extLst>
-          </p:cNvPr>
+            <a:endParaRPr lang="en-US" dirty="0"/>
+          </a:p>
+        </p:txBody>
+      </p:sp>
+      <p:sp>
+        <p:nvSpPr>
+          <p:cNvPr id="3" name="Content Placeholder 2"/>
           <p:cNvSpPr>
             <a:spLocks noGrp="1"/>
           </p:cNvSpPr>
@@ -809,7 +2362,12 @@
             <p:ph idx="1"/>
           </p:nvPr>
         </p:nvSpPr>
-        <p:spPr/>
+        <p:spPr>
+          <a:xfrm>
+            <a:off x="818712" y="2222287"/>
+            <a:ext cx="10554574" cy="3636511"/>
+          </a:xfrm>
+        </p:spPr>
         <p:txBody>
           <a:bodyPr/>
           <a:lstStyle/>
@@ -847,18 +2405,13 @@
               <a:rPr lang="ko-KR" altLang="en-US"/>
               <a:t>다섯 번째 수준</a:t>
             </a:r>
-          </a:p>
-        </p:txBody>
-      </p:sp>
-      <p:sp>
-        <p:nvSpPr>
-          <p:cNvPr id="4" name="날짜 개체 틀 3">
-            <a:extLst>
-              <a:ext uri="{FF2B5EF4-FFF2-40B4-BE49-F238E27FC236}">
-                <a16:creationId xmlns:a16="http://schemas.microsoft.com/office/drawing/2014/main" id="{47C51BED-33B2-470D-9ECD-0BE0903C600A}"/>
-              </a:ext>
-            </a:extLst>
-          </p:cNvPr>
+            <a:endParaRPr lang="en-US" dirty="0"/>
+          </a:p>
+        </p:txBody>
+      </p:sp>
+      <p:sp>
+        <p:nvSpPr>
+          <p:cNvPr id="4" name="Date Placeholder 3"/>
           <p:cNvSpPr>
             <a:spLocks noGrp="1"/>
           </p:cNvSpPr>
@@ -881,13 +2434,7 @@
       </p:sp>
       <p:sp>
         <p:nvSpPr>
-          <p:cNvPr id="5" name="바닥글 개체 틀 4">
-            <a:extLst>
-              <a:ext uri="{FF2B5EF4-FFF2-40B4-BE49-F238E27FC236}">
-                <a16:creationId xmlns:a16="http://schemas.microsoft.com/office/drawing/2014/main" id="{D8809631-2F4C-4399-A669-D229818E08B1}"/>
-              </a:ext>
-            </a:extLst>
-          </p:cNvPr>
+          <p:cNvPr id="5" name="Footer Placeholder 4"/>
           <p:cNvSpPr>
             <a:spLocks noGrp="1"/>
           </p:cNvSpPr>
@@ -906,13 +2453,7 @@
       </p:sp>
       <p:sp>
         <p:nvSpPr>
-          <p:cNvPr id="6" name="슬라이드 번호 개체 틀 5">
-            <a:extLst>
-              <a:ext uri="{FF2B5EF4-FFF2-40B4-BE49-F238E27FC236}">
-                <a16:creationId xmlns:a16="http://schemas.microsoft.com/office/drawing/2014/main" id="{6C2025D7-0E6C-4C2C-925D-75ED1FAFAA8A}"/>
-              </a:ext>
-            </a:extLst>
-          </p:cNvPr>
+          <p:cNvPr id="6" name="Slide Number Placeholder 5"/>
           <p:cNvSpPr>
             <a:spLocks noGrp="1"/>
           </p:cNvSpPr>
@@ -936,7 +2477,7 @@
     </p:spTree>
     <p:extLst>
       <p:ext uri="{BB962C8B-B14F-4D97-AF65-F5344CB8AC3E}">
-        <p14:creationId xmlns:p14="http://schemas.microsoft.com/office/powerpoint/2010/main" val="338649606"/>
+        <p14:creationId xmlns:p14="http://schemas.microsoft.com/office/powerpoint/2010/main" val="1208495370"/>
       </p:ext>
     </p:extLst>
   </p:cSld>
@@ -965,13 +2506,104 @@
       </p:grpSpPr>
       <p:sp>
         <p:nvSpPr>
-          <p:cNvPr id="2" name="제목 1">
-            <a:extLst>
-              <a:ext uri="{FF2B5EF4-FFF2-40B4-BE49-F238E27FC236}">
-                <a16:creationId xmlns:a16="http://schemas.microsoft.com/office/drawing/2014/main" id="{CD693186-38F0-4221-B0C2-A33942E647D5}"/>
-              </a:ext>
-            </a:extLst>
-          </p:cNvPr>
+          <p:cNvPr id="10" name="Freeform 7"/>
+          <p:cNvSpPr/>
+          <p:nvPr/>
+        </p:nvSpPr>
+        <p:spPr bwMode="auto">
+          <a:xfrm>
+            <a:off x="0" y="1"/>
+            <a:ext cx="12192000" cy="5203825"/>
+          </a:xfrm>
+          <a:custGeom>
+            <a:avLst/>
+            <a:gdLst/>
+            <a:ahLst/>
+            <a:cxnLst/>
+            <a:rect l="0" t="0" r="r" b="b"/>
+            <a:pathLst>
+              <a:path w="5760" h="3278">
+                <a:moveTo>
+                  <a:pt x="0" y="0"/>
+                </a:moveTo>
+                <a:lnTo>
+                  <a:pt x="5760" y="0"/>
+                </a:lnTo>
+                <a:lnTo>
+                  <a:pt x="5760" y="3090"/>
+                </a:lnTo>
+                <a:lnTo>
+                  <a:pt x="4817" y="3090"/>
+                </a:lnTo>
+                <a:lnTo>
+                  <a:pt x="4637" y="3270"/>
+                </a:lnTo>
+                <a:lnTo>
+                  <a:pt x="4637" y="3270"/>
+                </a:lnTo>
+                <a:lnTo>
+                  <a:pt x="4633" y="3272"/>
+                </a:lnTo>
+                <a:lnTo>
+                  <a:pt x="4627" y="3275"/>
+                </a:lnTo>
+                <a:lnTo>
+                  <a:pt x="4621" y="3278"/>
+                </a:lnTo>
+                <a:lnTo>
+                  <a:pt x="4616" y="3278"/>
+                </a:lnTo>
+                <a:lnTo>
+                  <a:pt x="4610" y="3278"/>
+                </a:lnTo>
+                <a:lnTo>
+                  <a:pt x="4605" y="3275"/>
+                </a:lnTo>
+                <a:lnTo>
+                  <a:pt x="4599" y="3272"/>
+                </a:lnTo>
+                <a:lnTo>
+                  <a:pt x="4595" y="3270"/>
+                </a:lnTo>
+                <a:lnTo>
+                  <a:pt x="4415" y="3090"/>
+                </a:lnTo>
+                <a:lnTo>
+                  <a:pt x="0" y="3090"/>
+                </a:lnTo>
+                <a:lnTo>
+                  <a:pt x="0" y="0"/>
+                </a:lnTo>
+                <a:lnTo>
+                  <a:pt x="0" y="0"/>
+                </a:lnTo>
+                <a:close/>
+              </a:path>
+            </a:pathLst>
+          </a:custGeom>
+          <a:ln>
+            <a:headEnd/>
+            <a:tailEnd/>
+          </a:ln>
+        </p:spPr>
+        <p:style>
+          <a:lnRef idx="1">
+            <a:schemeClr val="accent1"/>
+          </a:lnRef>
+          <a:fillRef idx="3">
+            <a:schemeClr val="accent1"/>
+          </a:fillRef>
+          <a:effectRef idx="2">
+            <a:schemeClr val="accent1"/>
+          </a:effectRef>
+          <a:fontRef idx="minor">
+            <a:schemeClr val="lt1"/>
+          </a:fontRef>
+        </p:style>
+      </p:sp>
+      <p:sp>
+        <p:nvSpPr>
+          <p:cNvPr id="2" name="Title 1"/>
           <p:cNvSpPr>
             <a:spLocks noGrp="1"/>
           </p:cNvSpPr>
@@ -981,15 +2613,15 @@
         </p:nvSpPr>
         <p:spPr>
           <a:xfrm>
-            <a:off x="831850" y="1709738"/>
-            <a:ext cx="10515600" cy="2852737"/>
+            <a:off x="810000" y="2951396"/>
+            <a:ext cx="10561418" cy="1468800"/>
           </a:xfrm>
         </p:spPr>
         <p:txBody>
           <a:bodyPr anchor="b"/>
           <a:lstStyle>
-            <a:lvl1pPr>
-              <a:defRPr sz="6000"/>
+            <a:lvl1pPr algn="r">
+              <a:defRPr sz="4800" b="1" cap="none"/>
             </a:lvl1pPr>
           </a:lstStyle>
           <a:p>
@@ -997,18 +2629,13 @@
               <a:rPr lang="ko-KR" altLang="en-US"/>
               <a:t>마스터 제목 스타일 편집</a:t>
             </a:r>
-          </a:p>
-        </p:txBody>
-      </p:sp>
-      <p:sp>
-        <p:nvSpPr>
-          <p:cNvPr id="3" name="텍스트 개체 틀 2">
-            <a:extLst>
-              <a:ext uri="{FF2B5EF4-FFF2-40B4-BE49-F238E27FC236}">
-                <a16:creationId xmlns:a16="http://schemas.microsoft.com/office/drawing/2014/main" id="{A31338E2-A498-4170-AC2F-762A829966FD}"/>
-              </a:ext>
-            </a:extLst>
-          </p:cNvPr>
+            <a:endParaRPr lang="en-US" dirty="0"/>
+          </a:p>
+        </p:txBody>
+      </p:sp>
+      <p:sp>
+        <p:nvSpPr>
+          <p:cNvPr id="3" name="Text Placeholder 2"/>
           <p:cNvSpPr>
             <a:spLocks noGrp="1"/>
           </p:cNvSpPr>
@@ -1018,26 +2645,26 @@
         </p:nvSpPr>
         <p:spPr>
           <a:xfrm>
-            <a:off x="831850" y="4589463"/>
-            <a:ext cx="10515600" cy="1500187"/>
+            <a:off x="810000" y="5281201"/>
+            <a:ext cx="10561418" cy="433955"/>
           </a:xfrm>
         </p:spPr>
         <p:txBody>
-          <a:bodyPr/>
+          <a:bodyPr anchor="t">
+            <a:noAutofit/>
+          </a:bodyPr>
           <a:lstStyle>
-            <a:lvl1pPr marL="0" indent="0">
-              <a:buNone/>
-              <a:defRPr sz="2400">
+            <a:lvl1pPr marL="0" indent="0" algn="r">
+              <a:buNone/>
+              <a:defRPr sz="1800">
                 <a:solidFill>
-                  <a:schemeClr val="tx1">
-                    <a:tint val="75000"/>
-                  </a:schemeClr>
+                  <a:schemeClr val="tx1"/>
                 </a:solidFill>
               </a:defRPr>
             </a:lvl1pPr>
             <a:lvl2pPr marL="457200" indent="0">
               <a:buNone/>
-              <a:defRPr sz="2000">
+              <a:defRPr sz="1800">
                 <a:solidFill>
                   <a:schemeClr val="tx1">
                     <a:tint val="75000"/>
@@ -1047,7 +2674,7 @@
             </a:lvl2pPr>
             <a:lvl3pPr marL="914400" indent="0">
               <a:buNone/>
-              <a:defRPr sz="1800">
+              <a:defRPr sz="1600">
                 <a:solidFill>
                   <a:schemeClr val="tx1">
                     <a:tint val="75000"/>
@@ -1057,7 +2684,7 @@
             </a:lvl3pPr>
             <a:lvl4pPr marL="1371600" indent="0">
               <a:buNone/>
-              <a:defRPr sz="1600">
+              <a:defRPr sz="1400">
                 <a:solidFill>
                   <a:schemeClr val="tx1">
                     <a:tint val="75000"/>
@@ -1067,7 +2694,7 @@
             </a:lvl4pPr>
             <a:lvl5pPr marL="1828800" indent="0">
               <a:buNone/>
-              <a:defRPr sz="1600">
+              <a:defRPr sz="1400">
                 <a:solidFill>
                   <a:schemeClr val="tx1">
                     <a:tint val="75000"/>
@@ -1077,7 +2704,7 @@
             </a:lvl5pPr>
             <a:lvl6pPr marL="2286000" indent="0">
               <a:buNone/>
-              <a:defRPr sz="1600">
+              <a:defRPr sz="1400">
                 <a:solidFill>
                   <a:schemeClr val="tx1">
                     <a:tint val="75000"/>
@@ -1087,7 +2714,7 @@
             </a:lvl6pPr>
             <a:lvl7pPr marL="2743200" indent="0">
               <a:buNone/>
-              <a:defRPr sz="1600">
+              <a:defRPr sz="1400">
                 <a:solidFill>
                   <a:schemeClr val="tx1">
                     <a:tint val="75000"/>
@@ -1097,7 +2724,7 @@
             </a:lvl7pPr>
             <a:lvl8pPr marL="3200400" indent="0">
               <a:buNone/>
-              <a:defRPr sz="1600">
+              <a:defRPr sz="1400">
                 <a:solidFill>
                   <a:schemeClr val="tx1">
                     <a:tint val="75000"/>
@@ -1107,7 +2734,7 @@
             </a:lvl8pPr>
             <a:lvl9pPr marL="3657600" indent="0">
               <a:buNone/>
-              <a:defRPr sz="1600">
+              <a:defRPr sz="1400">
                 <a:solidFill>
                   <a:schemeClr val="tx1">
                     <a:tint val="75000"/>
@@ -1127,13 +2754,7 @@
       </p:sp>
       <p:sp>
         <p:nvSpPr>
-          <p:cNvPr id="4" name="날짜 개체 틀 3">
-            <a:extLst>
-              <a:ext uri="{FF2B5EF4-FFF2-40B4-BE49-F238E27FC236}">
-                <a16:creationId xmlns:a16="http://schemas.microsoft.com/office/drawing/2014/main" id="{34B3AF99-748A-4F27-88E4-E2A367F9AE2A}"/>
-              </a:ext>
-            </a:extLst>
-          </p:cNvPr>
+          <p:cNvPr id="4" name="Date Placeholder 3"/>
           <p:cNvSpPr>
             <a:spLocks noGrp="1"/>
           </p:cNvSpPr>
@@ -1156,13 +2777,7 @@
       </p:sp>
       <p:sp>
         <p:nvSpPr>
-          <p:cNvPr id="5" name="바닥글 개체 틀 4">
-            <a:extLst>
-              <a:ext uri="{FF2B5EF4-FFF2-40B4-BE49-F238E27FC236}">
-                <a16:creationId xmlns:a16="http://schemas.microsoft.com/office/drawing/2014/main" id="{7E2C39D0-9D24-4183-90F3-D1FE4328123A}"/>
-              </a:ext>
-            </a:extLst>
-          </p:cNvPr>
+          <p:cNvPr id="5" name="Footer Placeholder 4"/>
           <p:cNvSpPr>
             <a:spLocks noGrp="1"/>
           </p:cNvSpPr>
@@ -1181,13 +2796,7 @@
       </p:sp>
       <p:sp>
         <p:nvSpPr>
-          <p:cNvPr id="6" name="슬라이드 번호 개체 틀 5">
-            <a:extLst>
-              <a:ext uri="{FF2B5EF4-FFF2-40B4-BE49-F238E27FC236}">
-                <a16:creationId xmlns:a16="http://schemas.microsoft.com/office/drawing/2014/main" id="{6020018E-083E-4B18-ACC2-C10164E0F707}"/>
-              </a:ext>
-            </a:extLst>
-          </p:cNvPr>
+          <p:cNvPr id="6" name="Slide Number Placeholder 5"/>
           <p:cNvSpPr>
             <a:spLocks noGrp="1"/>
           </p:cNvSpPr>
@@ -1211,7 +2820,7 @@
     </p:spTree>
     <p:extLst>
       <p:ext uri="{BB962C8B-B14F-4D97-AF65-F5344CB8AC3E}">
-        <p14:creationId xmlns:p14="http://schemas.microsoft.com/office/powerpoint/2010/main" val="3349259616"/>
+        <p14:creationId xmlns:p14="http://schemas.microsoft.com/office/powerpoint/2010/main" val="1655474549"/>
       </p:ext>
     </p:extLst>
   </p:cSld>
@@ -1240,13 +2849,110 @@
       </p:grpSpPr>
       <p:sp>
         <p:nvSpPr>
-          <p:cNvPr id="2" name="제목 1">
-            <a:extLst>
-              <a:ext uri="{FF2B5EF4-FFF2-40B4-BE49-F238E27FC236}">
-                <a16:creationId xmlns:a16="http://schemas.microsoft.com/office/drawing/2014/main" id="{53695F9B-2C88-44EF-BEE8-1FBCA8B3BA08}"/>
-              </a:ext>
-            </a:extLst>
-          </p:cNvPr>
+          <p:cNvPr id="8" name="Freeform 6"/>
+          <p:cNvSpPr/>
+          <p:nvPr/>
+        </p:nvSpPr>
+        <p:spPr bwMode="auto">
+          <a:xfrm>
+            <a:off x="0" y="0"/>
+            <a:ext cx="12192000" cy="2185988"/>
+          </a:xfrm>
+          <a:custGeom>
+            <a:avLst/>
+            <a:gdLst/>
+            <a:ahLst/>
+            <a:cxnLst/>
+            <a:rect l="0" t="0" r="r" b="b"/>
+            <a:pathLst>
+              <a:path w="5760" h="1377">
+                <a:moveTo>
+                  <a:pt x="5760" y="0"/>
+                </a:moveTo>
+                <a:lnTo>
+                  <a:pt x="0" y="0"/>
+                </a:lnTo>
+                <a:lnTo>
+                  <a:pt x="0" y="1189"/>
+                </a:lnTo>
+                <a:lnTo>
+                  <a:pt x="943" y="1189"/>
+                </a:lnTo>
+                <a:lnTo>
+                  <a:pt x="1123" y="1369"/>
+                </a:lnTo>
+                <a:lnTo>
+                  <a:pt x="1123" y="1369"/>
+                </a:lnTo>
+                <a:lnTo>
+                  <a:pt x="1127" y="1371"/>
+                </a:lnTo>
+                <a:lnTo>
+                  <a:pt x="1133" y="1374"/>
+                </a:lnTo>
+                <a:lnTo>
+                  <a:pt x="1139" y="1377"/>
+                </a:lnTo>
+                <a:lnTo>
+                  <a:pt x="1144" y="1377"/>
+                </a:lnTo>
+                <a:lnTo>
+                  <a:pt x="1150" y="1377"/>
+                </a:lnTo>
+                <a:lnTo>
+                  <a:pt x="1155" y="1374"/>
+                </a:lnTo>
+                <a:lnTo>
+                  <a:pt x="1161" y="1371"/>
+                </a:lnTo>
+                <a:lnTo>
+                  <a:pt x="1165" y="1369"/>
+                </a:lnTo>
+                <a:lnTo>
+                  <a:pt x="1345" y="1189"/>
+                </a:lnTo>
+                <a:lnTo>
+                  <a:pt x="5760" y="1189"/>
+                </a:lnTo>
+                <a:lnTo>
+                  <a:pt x="5760" y="0"/>
+                </a:lnTo>
+                <a:close/>
+              </a:path>
+            </a:pathLst>
+          </a:custGeom>
+          <a:ln/>
+          <a:extLst>
+            <a:ext uri="{91240B29-F687-4f45-9708-019B960494DF}">
+              <a14:hiddenLine xmlns:a14="http://schemas.microsoft.com/office/drawing/2010/main" xmlns="" w="9525">
+                <a:solidFill>
+                  <a:srgbClr val="000000"/>
+                </a:solidFill>
+                <a:round/>
+                <a:headEnd/>
+                <a:tailEnd/>
+              </a14:hiddenLine>
+            </a:ext>
+          </a:extLst>
+        </p:spPr>
+        <p:style>
+          <a:lnRef idx="1">
+            <a:schemeClr val="accent1"/>
+          </a:lnRef>
+          <a:fillRef idx="3">
+            <a:schemeClr val="accent1"/>
+          </a:fillRef>
+          <a:effectRef idx="2">
+            <a:schemeClr val="accent1"/>
+          </a:effectRef>
+          <a:fontRef idx="minor">
+            <a:schemeClr val="lt1"/>
+          </a:fontRef>
+        </p:style>
+      </p:sp>
+      <p:sp>
+        <p:nvSpPr>
+          <p:cNvPr id="2" name="Title 1"/>
           <p:cNvSpPr>
             <a:spLocks noGrp="1"/>
           </p:cNvSpPr>
@@ -1263,18 +2969,13 @@
               <a:rPr lang="ko-KR" altLang="en-US"/>
               <a:t>마스터 제목 스타일 편집</a:t>
             </a:r>
-          </a:p>
-        </p:txBody>
-      </p:sp>
-      <p:sp>
-        <p:nvSpPr>
-          <p:cNvPr id="3" name="내용 개체 틀 2">
-            <a:extLst>
-              <a:ext uri="{FF2B5EF4-FFF2-40B4-BE49-F238E27FC236}">
-                <a16:creationId xmlns:a16="http://schemas.microsoft.com/office/drawing/2014/main" id="{BA7E5077-6327-4F1B-B811-082D342F15FE}"/>
-              </a:ext>
-            </a:extLst>
-          </p:cNvPr>
+            <a:endParaRPr lang="en-US" dirty="0"/>
+          </a:p>
+        </p:txBody>
+      </p:sp>
+      <p:sp>
+        <p:nvSpPr>
+          <p:cNvPr id="3" name="Content Placeholder 2"/>
           <p:cNvSpPr>
             <a:spLocks noGrp="1"/>
           </p:cNvSpPr>
@@ -1284,12 +2985,14 @@
         </p:nvSpPr>
         <p:spPr>
           <a:xfrm>
-            <a:off x="838200" y="1825625"/>
-            <a:ext cx="5181600" cy="4351338"/>
+            <a:off x="818712" y="2222287"/>
+            <a:ext cx="5185873" cy="3638763"/>
           </a:xfrm>
         </p:spPr>
         <p:txBody>
-          <a:bodyPr/>
+          <a:bodyPr>
+            <a:normAutofit/>
+          </a:bodyPr>
           <a:lstStyle/>
           <a:p>
             <a:pPr lvl="0"/>
@@ -1325,18 +3028,13 @@
               <a:rPr lang="ko-KR" altLang="en-US"/>
               <a:t>다섯 번째 수준</a:t>
             </a:r>
-          </a:p>
-        </p:txBody>
-      </p:sp>
-      <p:sp>
-        <p:nvSpPr>
-          <p:cNvPr id="4" name="내용 개체 틀 3">
-            <a:extLst>
-              <a:ext uri="{FF2B5EF4-FFF2-40B4-BE49-F238E27FC236}">
-                <a16:creationId xmlns:a16="http://schemas.microsoft.com/office/drawing/2014/main" id="{7F4B5D5B-1E1C-491D-972B-0FFF31826346}"/>
-              </a:ext>
-            </a:extLst>
-          </p:cNvPr>
+            <a:endParaRPr lang="en-US" dirty="0"/>
+          </a:p>
+        </p:txBody>
+      </p:sp>
+      <p:sp>
+        <p:nvSpPr>
+          <p:cNvPr id="4" name="Content Placeholder 3"/>
           <p:cNvSpPr>
             <a:spLocks noGrp="1"/>
           </p:cNvSpPr>
@@ -1346,12 +3044,14 @@
         </p:nvSpPr>
         <p:spPr>
           <a:xfrm>
-            <a:off x="6172200" y="1825625"/>
-            <a:ext cx="5181600" cy="4351338"/>
+            <a:off x="6187415" y="2222287"/>
+            <a:ext cx="5194583" cy="3638764"/>
           </a:xfrm>
         </p:spPr>
         <p:txBody>
-          <a:bodyPr/>
+          <a:bodyPr>
+            <a:normAutofit/>
+          </a:bodyPr>
           <a:lstStyle/>
           <a:p>
             <a:pPr lvl="0"/>
@@ -1387,18 +3087,13 @@
               <a:rPr lang="ko-KR" altLang="en-US"/>
               <a:t>다섯 번째 수준</a:t>
             </a:r>
-          </a:p>
-        </p:txBody>
-      </p:sp>
-      <p:sp>
-        <p:nvSpPr>
-          <p:cNvPr id="5" name="날짜 개체 틀 4">
-            <a:extLst>
-              <a:ext uri="{FF2B5EF4-FFF2-40B4-BE49-F238E27FC236}">
-                <a16:creationId xmlns:a16="http://schemas.microsoft.com/office/drawing/2014/main" id="{854A0498-A8F5-4677-837B-595E93127D4A}"/>
-              </a:ext>
-            </a:extLst>
-          </p:cNvPr>
+            <a:endParaRPr lang="en-US" dirty="0"/>
+          </a:p>
+        </p:txBody>
+      </p:sp>
+      <p:sp>
+        <p:nvSpPr>
+          <p:cNvPr id="5" name="Date Placeholder 4"/>
           <p:cNvSpPr>
             <a:spLocks noGrp="1"/>
           </p:cNvSpPr>
@@ -1421,13 +3116,7 @@
       </p:sp>
       <p:sp>
         <p:nvSpPr>
-          <p:cNvPr id="6" name="바닥글 개체 틀 5">
-            <a:extLst>
-              <a:ext uri="{FF2B5EF4-FFF2-40B4-BE49-F238E27FC236}">
-                <a16:creationId xmlns:a16="http://schemas.microsoft.com/office/drawing/2014/main" id="{66FF8259-E268-4723-9798-B0E8AA1ADC67}"/>
-              </a:ext>
-            </a:extLst>
-          </p:cNvPr>
+          <p:cNvPr id="6" name="Footer Placeholder 5"/>
           <p:cNvSpPr>
             <a:spLocks noGrp="1"/>
           </p:cNvSpPr>
@@ -1446,13 +3135,7 @@
       </p:sp>
       <p:sp>
         <p:nvSpPr>
-          <p:cNvPr id="7" name="슬라이드 번호 개체 틀 6">
-            <a:extLst>
-              <a:ext uri="{FF2B5EF4-FFF2-40B4-BE49-F238E27FC236}">
-                <a16:creationId xmlns:a16="http://schemas.microsoft.com/office/drawing/2014/main" id="{2803A266-6299-4744-920D-B4A180C708FC}"/>
-              </a:ext>
-            </a:extLst>
-          </p:cNvPr>
+          <p:cNvPr id="7" name="Slide Number Placeholder 6"/>
           <p:cNvSpPr>
             <a:spLocks noGrp="1"/>
           </p:cNvSpPr>
@@ -1476,7 +3159,7 @@
     </p:spTree>
     <p:extLst>
       <p:ext uri="{BB962C8B-B14F-4D97-AF65-F5344CB8AC3E}">
-        <p14:creationId xmlns:p14="http://schemas.microsoft.com/office/powerpoint/2010/main" val="396741042"/>
+        <p14:creationId xmlns:p14="http://schemas.microsoft.com/office/powerpoint/2010/main" val="1187459059"/>
       </p:ext>
     </p:extLst>
   </p:cSld>
@@ -1505,65 +3188,158 @@
       </p:grpSpPr>
       <p:sp>
         <p:nvSpPr>
-          <p:cNvPr id="2" name="제목 1">
-            <a:extLst>
-              <a:ext uri="{FF2B5EF4-FFF2-40B4-BE49-F238E27FC236}">
-                <a16:creationId xmlns:a16="http://schemas.microsoft.com/office/drawing/2014/main" id="{EF19C087-1074-4F46-9EB2-FE5A5E171741}"/>
-              </a:ext>
-            </a:extLst>
-          </p:cNvPr>
+          <p:cNvPr id="10" name="Freeform 6"/>
+          <p:cNvSpPr/>
+          <p:nvPr/>
+        </p:nvSpPr>
+        <p:spPr bwMode="auto">
+          <a:xfrm>
+            <a:off x="0" y="0"/>
+            <a:ext cx="12192000" cy="2185988"/>
+          </a:xfrm>
+          <a:custGeom>
+            <a:avLst/>
+            <a:gdLst/>
+            <a:ahLst/>
+            <a:cxnLst/>
+            <a:rect l="0" t="0" r="r" b="b"/>
+            <a:pathLst>
+              <a:path w="5760" h="1377">
+                <a:moveTo>
+                  <a:pt x="5760" y="0"/>
+                </a:moveTo>
+                <a:lnTo>
+                  <a:pt x="0" y="0"/>
+                </a:lnTo>
+                <a:lnTo>
+                  <a:pt x="0" y="1189"/>
+                </a:lnTo>
+                <a:lnTo>
+                  <a:pt x="943" y="1189"/>
+                </a:lnTo>
+                <a:lnTo>
+                  <a:pt x="1123" y="1369"/>
+                </a:lnTo>
+                <a:lnTo>
+                  <a:pt x="1123" y="1369"/>
+                </a:lnTo>
+                <a:lnTo>
+                  <a:pt x="1127" y="1371"/>
+                </a:lnTo>
+                <a:lnTo>
+                  <a:pt x="1133" y="1374"/>
+                </a:lnTo>
+                <a:lnTo>
+                  <a:pt x="1139" y="1377"/>
+                </a:lnTo>
+                <a:lnTo>
+                  <a:pt x="1144" y="1377"/>
+                </a:lnTo>
+                <a:lnTo>
+                  <a:pt x="1150" y="1377"/>
+                </a:lnTo>
+                <a:lnTo>
+                  <a:pt x="1155" y="1374"/>
+                </a:lnTo>
+                <a:lnTo>
+                  <a:pt x="1161" y="1371"/>
+                </a:lnTo>
+                <a:lnTo>
+                  <a:pt x="1165" y="1369"/>
+                </a:lnTo>
+                <a:lnTo>
+                  <a:pt x="1345" y="1189"/>
+                </a:lnTo>
+                <a:lnTo>
+                  <a:pt x="5760" y="1189"/>
+                </a:lnTo>
+                <a:lnTo>
+                  <a:pt x="5760" y="0"/>
+                </a:lnTo>
+                <a:close/>
+              </a:path>
+            </a:pathLst>
+          </a:custGeom>
+          <a:ln/>
+          <a:extLst>
+            <a:ext uri="{91240B29-F687-4f45-9708-019B960494DF}">
+              <a14:hiddenLine xmlns:a14="http://schemas.microsoft.com/office/drawing/2010/main" xmlns="" w="9525">
+                <a:solidFill>
+                  <a:srgbClr val="000000"/>
+                </a:solidFill>
+                <a:round/>
+                <a:headEnd/>
+                <a:tailEnd/>
+              </a14:hiddenLine>
+            </a:ext>
+          </a:extLst>
+        </p:spPr>
+        <p:style>
+          <a:lnRef idx="1">
+            <a:schemeClr val="accent1"/>
+          </a:lnRef>
+          <a:fillRef idx="3">
+            <a:schemeClr val="accent1"/>
+          </a:fillRef>
+          <a:effectRef idx="2">
+            <a:schemeClr val="accent1"/>
+          </a:effectRef>
+          <a:fontRef idx="minor">
+            <a:schemeClr val="lt1"/>
+          </a:fontRef>
+        </p:style>
+      </p:sp>
+      <p:sp>
+        <p:nvSpPr>
+          <p:cNvPr id="2" name="Title 1"/>
           <p:cNvSpPr>
             <a:spLocks noGrp="1"/>
           </p:cNvSpPr>
           <p:nvPr>
             <p:ph type="title"/>
+          </p:nvPr>
+        </p:nvSpPr>
+        <p:spPr/>
+        <p:txBody>
+          <a:bodyPr/>
+          <a:lstStyle>
+            <a:lvl1pPr>
+              <a:defRPr/>
+            </a:lvl1pPr>
+          </a:lstStyle>
+          <a:p>
+            <a:r>
+              <a:rPr lang="ko-KR" altLang="en-US"/>
+              <a:t>마스터 제목 스타일 편집</a:t>
+            </a:r>
+            <a:endParaRPr lang="en-US" dirty="0"/>
+          </a:p>
+        </p:txBody>
+      </p:sp>
+      <p:sp>
+        <p:nvSpPr>
+          <p:cNvPr id="3" name="Text Placeholder 2"/>
+          <p:cNvSpPr>
+            <a:spLocks noGrp="1"/>
+          </p:cNvSpPr>
+          <p:nvPr>
+            <p:ph type="body" idx="1"/>
           </p:nvPr>
         </p:nvSpPr>
         <p:spPr>
           <a:xfrm>
-            <a:off x="839788" y="365125"/>
-            <a:ext cx="10515600" cy="1325563"/>
+            <a:off x="814728" y="2174875"/>
+            <a:ext cx="5189857" cy="576262"/>
           </a:xfrm>
         </p:spPr>
         <p:txBody>
-          <a:bodyPr/>
-          <a:lstStyle/>
-          <a:p>
-            <a:r>
-              <a:rPr lang="ko-KR" altLang="en-US"/>
-              <a:t>마스터 제목 스타일 편집</a:t>
-            </a:r>
-          </a:p>
-        </p:txBody>
-      </p:sp>
-      <p:sp>
-        <p:nvSpPr>
-          <p:cNvPr id="3" name="텍스트 개체 틀 2">
-            <a:extLst>
-              <a:ext uri="{FF2B5EF4-FFF2-40B4-BE49-F238E27FC236}">
-                <a16:creationId xmlns:a16="http://schemas.microsoft.com/office/drawing/2014/main" id="{4A2A0B7E-8259-48CB-B4E9-F7065C0AD322}"/>
-              </a:ext>
-            </a:extLst>
-          </p:cNvPr>
-          <p:cNvSpPr>
-            <a:spLocks noGrp="1"/>
-          </p:cNvSpPr>
-          <p:nvPr>
-            <p:ph type="body" idx="1"/>
-          </p:nvPr>
-        </p:nvSpPr>
-        <p:spPr>
-          <a:xfrm>
-            <a:off x="839788" y="1681163"/>
-            <a:ext cx="5157787" cy="823912"/>
-          </a:xfrm>
-        </p:spPr>
-        <p:txBody>
-          <a:bodyPr anchor="b"/>
+          <a:bodyPr anchor="b">
+            <a:noAutofit/>
+          </a:bodyPr>
           <a:lstStyle>
-            <a:lvl1pPr marL="0" indent="0">
-              <a:buNone/>
-              <a:defRPr sz="2400" b="1"/>
+            <a:lvl1pPr marL="0" indent="0" algn="ctr">
+              <a:buNone/>
+              <a:defRPr sz="2000" b="0"/>
             </a:lvl1pPr>
             <a:lvl2pPr marL="457200" indent="0">
               <a:buNone/>
@@ -1609,13 +3385,7 @@
       </p:sp>
       <p:sp>
         <p:nvSpPr>
-          <p:cNvPr id="4" name="내용 개체 틀 3">
-            <a:extLst>
-              <a:ext uri="{FF2B5EF4-FFF2-40B4-BE49-F238E27FC236}">
-                <a16:creationId xmlns:a16="http://schemas.microsoft.com/office/drawing/2014/main" id="{418C9BB1-8652-458C-AEE5-7AB687CD6924}"/>
-              </a:ext>
-            </a:extLst>
-          </p:cNvPr>
+          <p:cNvPr id="4" name="Content Placeholder 3"/>
           <p:cNvSpPr>
             <a:spLocks noGrp="1"/>
           </p:cNvSpPr>
@@ -1625,12 +3395,14 @@
         </p:nvSpPr>
         <p:spPr>
           <a:xfrm>
-            <a:off x="839788" y="2505075"/>
-            <a:ext cx="5157787" cy="3684588"/>
+            <a:off x="814729" y="2751138"/>
+            <a:ext cx="5189856" cy="3109913"/>
           </a:xfrm>
         </p:spPr>
         <p:txBody>
-          <a:bodyPr/>
+          <a:bodyPr anchor="t">
+            <a:normAutofit/>
+          </a:bodyPr>
           <a:lstStyle/>
           <a:p>
             <a:pPr lvl="0"/>
@@ -1666,18 +3438,13 @@
               <a:rPr lang="ko-KR" altLang="en-US"/>
               <a:t>다섯 번째 수준</a:t>
             </a:r>
-          </a:p>
-        </p:txBody>
-      </p:sp>
-      <p:sp>
-        <p:nvSpPr>
-          <p:cNvPr id="5" name="텍스트 개체 틀 4">
-            <a:extLst>
-              <a:ext uri="{FF2B5EF4-FFF2-40B4-BE49-F238E27FC236}">
-                <a16:creationId xmlns:a16="http://schemas.microsoft.com/office/drawing/2014/main" id="{920F4544-E5F2-4FF0-83A3-2054F0F6BD98}"/>
-              </a:ext>
-            </a:extLst>
-          </p:cNvPr>
+            <a:endParaRPr lang="en-US" dirty="0"/>
+          </a:p>
+        </p:txBody>
+      </p:sp>
+      <p:sp>
+        <p:nvSpPr>
+          <p:cNvPr id="5" name="Text Placeholder 4"/>
           <p:cNvSpPr>
             <a:spLocks noGrp="1"/>
           </p:cNvSpPr>
@@ -1687,16 +3454,18 @@
         </p:nvSpPr>
         <p:spPr>
           <a:xfrm>
-            <a:off x="6172200" y="1681163"/>
-            <a:ext cx="5183188" cy="823912"/>
+            <a:off x="6187415" y="2174875"/>
+            <a:ext cx="5194583" cy="576262"/>
           </a:xfrm>
         </p:spPr>
         <p:txBody>
-          <a:bodyPr anchor="b"/>
+          <a:bodyPr anchor="b">
+            <a:noAutofit/>
+          </a:bodyPr>
           <a:lstStyle>
-            <a:lvl1pPr marL="0" indent="0">
-              <a:buNone/>
-              <a:defRPr sz="2400" b="1"/>
+            <a:lvl1pPr marL="0" indent="0" algn="ctr">
+              <a:buNone/>
+              <a:defRPr sz="2000" b="0"/>
             </a:lvl1pPr>
             <a:lvl2pPr marL="457200" indent="0">
               <a:buNone/>
@@ -1742,13 +3511,7 @@
       </p:sp>
       <p:sp>
         <p:nvSpPr>
-          <p:cNvPr id="6" name="내용 개체 틀 5">
-            <a:extLst>
-              <a:ext uri="{FF2B5EF4-FFF2-40B4-BE49-F238E27FC236}">
-                <a16:creationId xmlns:a16="http://schemas.microsoft.com/office/drawing/2014/main" id="{E0EB53EF-7545-4336-AB93-4761AFC172C7}"/>
-              </a:ext>
-            </a:extLst>
-          </p:cNvPr>
+          <p:cNvPr id="6" name="Content Placeholder 5"/>
           <p:cNvSpPr>
             <a:spLocks noGrp="1"/>
           </p:cNvSpPr>
@@ -1758,12 +3521,14 @@
         </p:nvSpPr>
         <p:spPr>
           <a:xfrm>
-            <a:off x="6172200" y="2505075"/>
-            <a:ext cx="5183188" cy="3684588"/>
+            <a:off x="6187415" y="2751138"/>
+            <a:ext cx="5194583" cy="3109913"/>
           </a:xfrm>
         </p:spPr>
         <p:txBody>
-          <a:bodyPr/>
+          <a:bodyPr anchor="t">
+            <a:normAutofit/>
+          </a:bodyPr>
           <a:lstStyle/>
           <a:p>
             <a:pPr lvl="0"/>
@@ -1799,18 +3564,13 @@
               <a:rPr lang="ko-KR" altLang="en-US"/>
               <a:t>다섯 번째 수준</a:t>
             </a:r>
-          </a:p>
-        </p:txBody>
-      </p:sp>
-      <p:sp>
-        <p:nvSpPr>
-          <p:cNvPr id="7" name="날짜 개체 틀 6">
-            <a:extLst>
-              <a:ext uri="{FF2B5EF4-FFF2-40B4-BE49-F238E27FC236}">
-                <a16:creationId xmlns:a16="http://schemas.microsoft.com/office/drawing/2014/main" id="{AD96C6B5-AE46-4B16-A2A5-79F5C14401AB}"/>
-              </a:ext>
-            </a:extLst>
-          </p:cNvPr>
+            <a:endParaRPr lang="en-US" dirty="0"/>
+          </a:p>
+        </p:txBody>
+      </p:sp>
+      <p:sp>
+        <p:nvSpPr>
+          <p:cNvPr id="7" name="Date Placeholder 6"/>
           <p:cNvSpPr>
             <a:spLocks noGrp="1"/>
           </p:cNvSpPr>
@@ -1833,13 +3593,7 @@
       </p:sp>
       <p:sp>
         <p:nvSpPr>
-          <p:cNvPr id="8" name="바닥글 개체 틀 7">
-            <a:extLst>
-              <a:ext uri="{FF2B5EF4-FFF2-40B4-BE49-F238E27FC236}">
-                <a16:creationId xmlns:a16="http://schemas.microsoft.com/office/drawing/2014/main" id="{9ECC28AB-3550-495F-877B-5EC7DE16472F}"/>
-              </a:ext>
-            </a:extLst>
-          </p:cNvPr>
+          <p:cNvPr id="8" name="Footer Placeholder 7"/>
           <p:cNvSpPr>
             <a:spLocks noGrp="1"/>
           </p:cNvSpPr>
@@ -1858,13 +3612,7 @@
       </p:sp>
       <p:sp>
         <p:nvSpPr>
-          <p:cNvPr id="9" name="슬라이드 번호 개체 틀 8">
-            <a:extLst>
-              <a:ext uri="{FF2B5EF4-FFF2-40B4-BE49-F238E27FC236}">
-                <a16:creationId xmlns:a16="http://schemas.microsoft.com/office/drawing/2014/main" id="{84D67741-FB5E-4713-8091-17745E5B15F8}"/>
-              </a:ext>
-            </a:extLst>
-          </p:cNvPr>
+          <p:cNvPr id="9" name="Slide Number Placeholder 8"/>
           <p:cNvSpPr>
             <a:spLocks noGrp="1"/>
           </p:cNvSpPr>
@@ -1888,7 +3636,7 @@
     </p:spTree>
     <p:extLst>
       <p:ext uri="{BB962C8B-B14F-4D97-AF65-F5344CB8AC3E}">
-        <p14:creationId xmlns:p14="http://schemas.microsoft.com/office/powerpoint/2010/main" val="2394581846"/>
+        <p14:creationId xmlns:p14="http://schemas.microsoft.com/office/powerpoint/2010/main" val="2330028160"/>
       </p:ext>
     </p:extLst>
   </p:cSld>
@@ -1917,13 +3665,110 @@
       </p:grpSpPr>
       <p:sp>
         <p:nvSpPr>
-          <p:cNvPr id="2" name="제목 1">
-            <a:extLst>
-              <a:ext uri="{FF2B5EF4-FFF2-40B4-BE49-F238E27FC236}">
-                <a16:creationId xmlns:a16="http://schemas.microsoft.com/office/drawing/2014/main" id="{3B955C16-0771-4AC3-AA9F-FE6E3FAC4057}"/>
-              </a:ext>
-            </a:extLst>
-          </p:cNvPr>
+          <p:cNvPr id="6" name="Freeform 6"/>
+          <p:cNvSpPr/>
+          <p:nvPr/>
+        </p:nvSpPr>
+        <p:spPr bwMode="auto">
+          <a:xfrm>
+            <a:off x="0" y="0"/>
+            <a:ext cx="12192000" cy="2185988"/>
+          </a:xfrm>
+          <a:custGeom>
+            <a:avLst/>
+            <a:gdLst/>
+            <a:ahLst/>
+            <a:cxnLst/>
+            <a:rect l="0" t="0" r="r" b="b"/>
+            <a:pathLst>
+              <a:path w="5760" h="1377">
+                <a:moveTo>
+                  <a:pt x="5760" y="0"/>
+                </a:moveTo>
+                <a:lnTo>
+                  <a:pt x="0" y="0"/>
+                </a:lnTo>
+                <a:lnTo>
+                  <a:pt x="0" y="1189"/>
+                </a:lnTo>
+                <a:lnTo>
+                  <a:pt x="943" y="1189"/>
+                </a:lnTo>
+                <a:lnTo>
+                  <a:pt x="1123" y="1369"/>
+                </a:lnTo>
+                <a:lnTo>
+                  <a:pt x="1123" y="1369"/>
+                </a:lnTo>
+                <a:lnTo>
+                  <a:pt x="1127" y="1371"/>
+                </a:lnTo>
+                <a:lnTo>
+                  <a:pt x="1133" y="1374"/>
+                </a:lnTo>
+                <a:lnTo>
+                  <a:pt x="1139" y="1377"/>
+                </a:lnTo>
+                <a:lnTo>
+                  <a:pt x="1144" y="1377"/>
+                </a:lnTo>
+                <a:lnTo>
+                  <a:pt x="1150" y="1377"/>
+                </a:lnTo>
+                <a:lnTo>
+                  <a:pt x="1155" y="1374"/>
+                </a:lnTo>
+                <a:lnTo>
+                  <a:pt x="1161" y="1371"/>
+                </a:lnTo>
+                <a:lnTo>
+                  <a:pt x="1165" y="1369"/>
+                </a:lnTo>
+                <a:lnTo>
+                  <a:pt x="1345" y="1189"/>
+                </a:lnTo>
+                <a:lnTo>
+                  <a:pt x="5760" y="1189"/>
+                </a:lnTo>
+                <a:lnTo>
+                  <a:pt x="5760" y="0"/>
+                </a:lnTo>
+                <a:close/>
+              </a:path>
+            </a:pathLst>
+          </a:custGeom>
+          <a:ln/>
+          <a:extLst>
+            <a:ext uri="{91240B29-F687-4f45-9708-019B960494DF}">
+              <a14:hiddenLine xmlns:a14="http://schemas.microsoft.com/office/drawing/2010/main" xmlns="" w="9525">
+                <a:solidFill>
+                  <a:srgbClr val="000000"/>
+                </a:solidFill>
+                <a:round/>
+                <a:headEnd/>
+                <a:tailEnd/>
+              </a14:hiddenLine>
+            </a:ext>
+          </a:extLst>
+        </p:spPr>
+        <p:style>
+          <a:lnRef idx="1">
+            <a:schemeClr val="accent1"/>
+          </a:lnRef>
+          <a:fillRef idx="3">
+            <a:schemeClr val="accent1"/>
+          </a:fillRef>
+          <a:effectRef idx="2">
+            <a:schemeClr val="accent1"/>
+          </a:effectRef>
+          <a:fontRef idx="minor">
+            <a:schemeClr val="lt1"/>
+          </a:fontRef>
+        </p:style>
+      </p:sp>
+      <p:sp>
+        <p:nvSpPr>
+          <p:cNvPr id="2" name="Title 1"/>
           <p:cNvSpPr>
             <a:spLocks noGrp="1"/>
           </p:cNvSpPr>
@@ -1940,18 +3785,13 @@
               <a:rPr lang="ko-KR" altLang="en-US"/>
               <a:t>마스터 제목 스타일 편집</a:t>
             </a:r>
-          </a:p>
-        </p:txBody>
-      </p:sp>
-      <p:sp>
-        <p:nvSpPr>
-          <p:cNvPr id="3" name="날짜 개체 틀 2">
-            <a:extLst>
-              <a:ext uri="{FF2B5EF4-FFF2-40B4-BE49-F238E27FC236}">
-                <a16:creationId xmlns:a16="http://schemas.microsoft.com/office/drawing/2014/main" id="{E5A69E28-D466-4DEE-B798-7CB63047A69D}"/>
-              </a:ext>
-            </a:extLst>
-          </p:cNvPr>
+            <a:endParaRPr lang="en-US" dirty="0"/>
+          </a:p>
+        </p:txBody>
+      </p:sp>
+      <p:sp>
+        <p:nvSpPr>
+          <p:cNvPr id="3" name="Date Placeholder 2"/>
           <p:cNvSpPr>
             <a:spLocks noGrp="1"/>
           </p:cNvSpPr>
@@ -1974,13 +3814,7 @@
       </p:sp>
       <p:sp>
         <p:nvSpPr>
-          <p:cNvPr id="4" name="바닥글 개체 틀 3">
-            <a:extLst>
-              <a:ext uri="{FF2B5EF4-FFF2-40B4-BE49-F238E27FC236}">
-                <a16:creationId xmlns:a16="http://schemas.microsoft.com/office/drawing/2014/main" id="{EBE73C2E-C7F6-4CBB-851D-97889AC0FCC4}"/>
-              </a:ext>
-            </a:extLst>
-          </p:cNvPr>
+          <p:cNvPr id="4" name="Footer Placeholder 3"/>
           <p:cNvSpPr>
             <a:spLocks noGrp="1"/>
           </p:cNvSpPr>
@@ -1999,13 +3833,7 @@
       </p:sp>
       <p:sp>
         <p:nvSpPr>
-          <p:cNvPr id="5" name="슬라이드 번호 개체 틀 4">
-            <a:extLst>
-              <a:ext uri="{FF2B5EF4-FFF2-40B4-BE49-F238E27FC236}">
-                <a16:creationId xmlns:a16="http://schemas.microsoft.com/office/drawing/2014/main" id="{C2E711C5-77FF-4594-89CF-39F024184111}"/>
-              </a:ext>
-            </a:extLst>
-          </p:cNvPr>
+          <p:cNvPr id="5" name="Slide Number Placeholder 4"/>
           <p:cNvSpPr>
             <a:spLocks noGrp="1"/>
           </p:cNvSpPr>
@@ -2029,7 +3857,7 @@
     </p:spTree>
     <p:extLst>
       <p:ext uri="{BB962C8B-B14F-4D97-AF65-F5344CB8AC3E}">
-        <p14:creationId xmlns:p14="http://schemas.microsoft.com/office/powerpoint/2010/main" val="2527717594"/>
+        <p14:creationId xmlns:p14="http://schemas.microsoft.com/office/powerpoint/2010/main" val="3233218222"/>
       </p:ext>
     </p:extLst>
   </p:cSld>
@@ -2058,13 +3886,7 @@
       </p:grpSpPr>
       <p:sp>
         <p:nvSpPr>
-          <p:cNvPr id="2" name="날짜 개체 틀 1">
-            <a:extLst>
-              <a:ext uri="{FF2B5EF4-FFF2-40B4-BE49-F238E27FC236}">
-                <a16:creationId xmlns:a16="http://schemas.microsoft.com/office/drawing/2014/main" id="{89723766-016F-4783-A8F1-24C8E366F49E}"/>
-              </a:ext>
-            </a:extLst>
-          </p:cNvPr>
+          <p:cNvPr id="2" name="Date Placeholder 1"/>
           <p:cNvSpPr>
             <a:spLocks noGrp="1"/>
           </p:cNvSpPr>
@@ -2087,13 +3909,7 @@
       </p:sp>
       <p:sp>
         <p:nvSpPr>
-          <p:cNvPr id="3" name="바닥글 개체 틀 2">
-            <a:extLst>
-              <a:ext uri="{FF2B5EF4-FFF2-40B4-BE49-F238E27FC236}">
-                <a16:creationId xmlns:a16="http://schemas.microsoft.com/office/drawing/2014/main" id="{F43F7A54-2310-40C6-84C8-7462D6925FDF}"/>
-              </a:ext>
-            </a:extLst>
-          </p:cNvPr>
+          <p:cNvPr id="3" name="Footer Placeholder 2"/>
           <p:cNvSpPr>
             <a:spLocks noGrp="1"/>
           </p:cNvSpPr>
@@ -2112,13 +3928,7 @@
       </p:sp>
       <p:sp>
         <p:nvSpPr>
-          <p:cNvPr id="4" name="슬라이드 번호 개체 틀 3">
-            <a:extLst>
-              <a:ext uri="{FF2B5EF4-FFF2-40B4-BE49-F238E27FC236}">
-                <a16:creationId xmlns:a16="http://schemas.microsoft.com/office/drawing/2014/main" id="{7901698E-B817-4249-8E84-D3E0C718D59A}"/>
-              </a:ext>
-            </a:extLst>
-          </p:cNvPr>
+          <p:cNvPr id="4" name="Slide Number Placeholder 3"/>
           <p:cNvSpPr>
             <a:spLocks noGrp="1"/>
           </p:cNvSpPr>
@@ -2142,7 +3952,7 @@
     </p:spTree>
     <p:extLst>
       <p:ext uri="{BB962C8B-B14F-4D97-AF65-F5344CB8AC3E}">
-        <p14:creationId xmlns:p14="http://schemas.microsoft.com/office/powerpoint/2010/main" val="836330427"/>
+        <p14:creationId xmlns:p14="http://schemas.microsoft.com/office/powerpoint/2010/main" val="2787029879"/>
       </p:ext>
     </p:extLst>
   </p:cSld>
@@ -2171,13 +3981,223 @@
       </p:grpSpPr>
       <p:sp>
         <p:nvSpPr>
-          <p:cNvPr id="2" name="제목 1">
-            <a:extLst>
-              <a:ext uri="{FF2B5EF4-FFF2-40B4-BE49-F238E27FC236}">
-                <a16:creationId xmlns:a16="http://schemas.microsoft.com/office/drawing/2014/main" id="{7E6FBEAE-CAAC-4A7F-888F-133A9B3306B2}"/>
-              </a:ext>
-            </a:extLst>
-          </p:cNvPr>
+          <p:cNvPr id="12" name="Freeform 6"/>
+          <p:cNvSpPr>
+            <a:spLocks noChangeAspect="1"/>
+          </p:cNvSpPr>
+          <p:nvPr/>
+        </p:nvSpPr>
+        <p:spPr bwMode="auto">
+          <a:xfrm>
+            <a:off x="1073151" y="446087"/>
+            <a:ext cx="3547533" cy="1814651"/>
+          </a:xfrm>
+          <a:custGeom>
+            <a:avLst/>
+            <a:gdLst/>
+            <a:ahLst/>
+            <a:cxnLst/>
+            <a:rect l="0" t="0" r="r" b="b"/>
+            <a:pathLst>
+              <a:path w="3384" h="2308">
+                <a:moveTo>
+                  <a:pt x="3340" y="0"/>
+                </a:moveTo>
+                <a:lnTo>
+                  <a:pt x="44" y="0"/>
+                </a:lnTo>
+                <a:lnTo>
+                  <a:pt x="44" y="0"/>
+                </a:lnTo>
+                <a:lnTo>
+                  <a:pt x="34" y="0"/>
+                </a:lnTo>
+                <a:lnTo>
+                  <a:pt x="26" y="4"/>
+                </a:lnTo>
+                <a:lnTo>
+                  <a:pt x="20" y="8"/>
+                </a:lnTo>
+                <a:lnTo>
+                  <a:pt x="12" y="12"/>
+                </a:lnTo>
+                <a:lnTo>
+                  <a:pt x="8" y="20"/>
+                </a:lnTo>
+                <a:lnTo>
+                  <a:pt x="4" y="26"/>
+                </a:lnTo>
+                <a:lnTo>
+                  <a:pt x="0" y="34"/>
+                </a:lnTo>
+                <a:lnTo>
+                  <a:pt x="0" y="44"/>
+                </a:lnTo>
+                <a:lnTo>
+                  <a:pt x="0" y="2076"/>
+                </a:lnTo>
+                <a:lnTo>
+                  <a:pt x="0" y="2076"/>
+                </a:lnTo>
+                <a:lnTo>
+                  <a:pt x="0" y="2086"/>
+                </a:lnTo>
+                <a:lnTo>
+                  <a:pt x="4" y="2094"/>
+                </a:lnTo>
+                <a:lnTo>
+                  <a:pt x="8" y="2100"/>
+                </a:lnTo>
+                <a:lnTo>
+                  <a:pt x="12" y="2108"/>
+                </a:lnTo>
+                <a:lnTo>
+                  <a:pt x="20" y="2112"/>
+                </a:lnTo>
+                <a:lnTo>
+                  <a:pt x="26" y="2116"/>
+                </a:lnTo>
+                <a:lnTo>
+                  <a:pt x="34" y="2120"/>
+                </a:lnTo>
+                <a:lnTo>
+                  <a:pt x="44" y="2120"/>
+                </a:lnTo>
+                <a:lnTo>
+                  <a:pt x="474" y="2120"/>
+                </a:lnTo>
+                <a:lnTo>
+                  <a:pt x="650" y="2296"/>
+                </a:lnTo>
+                <a:lnTo>
+                  <a:pt x="650" y="2296"/>
+                </a:lnTo>
+                <a:lnTo>
+                  <a:pt x="656" y="2300"/>
+                </a:lnTo>
+                <a:lnTo>
+                  <a:pt x="664" y="2304"/>
+                </a:lnTo>
+                <a:lnTo>
+                  <a:pt x="672" y="2308"/>
+                </a:lnTo>
+                <a:lnTo>
+                  <a:pt x="680" y="2308"/>
+                </a:lnTo>
+                <a:lnTo>
+                  <a:pt x="688" y="2308"/>
+                </a:lnTo>
+                <a:lnTo>
+                  <a:pt x="696" y="2304"/>
+                </a:lnTo>
+                <a:lnTo>
+                  <a:pt x="704" y="2300"/>
+                </a:lnTo>
+                <a:lnTo>
+                  <a:pt x="710" y="2296"/>
+                </a:lnTo>
+                <a:lnTo>
+                  <a:pt x="886" y="2120"/>
+                </a:lnTo>
+                <a:lnTo>
+                  <a:pt x="3340" y="2120"/>
+                </a:lnTo>
+                <a:lnTo>
+                  <a:pt x="3340" y="2120"/>
+                </a:lnTo>
+                <a:lnTo>
+                  <a:pt x="3350" y="2120"/>
+                </a:lnTo>
+                <a:lnTo>
+                  <a:pt x="3358" y="2116"/>
+                </a:lnTo>
+                <a:lnTo>
+                  <a:pt x="3364" y="2112"/>
+                </a:lnTo>
+                <a:lnTo>
+                  <a:pt x="3372" y="2108"/>
+                </a:lnTo>
+                <a:lnTo>
+                  <a:pt x="3376" y="2100"/>
+                </a:lnTo>
+                <a:lnTo>
+                  <a:pt x="3380" y="2094"/>
+                </a:lnTo>
+                <a:lnTo>
+                  <a:pt x="3384" y="2086"/>
+                </a:lnTo>
+                <a:lnTo>
+                  <a:pt x="3384" y="2076"/>
+                </a:lnTo>
+                <a:lnTo>
+                  <a:pt x="3384" y="44"/>
+                </a:lnTo>
+                <a:lnTo>
+                  <a:pt x="3384" y="44"/>
+                </a:lnTo>
+                <a:lnTo>
+                  <a:pt x="3384" y="34"/>
+                </a:lnTo>
+                <a:lnTo>
+                  <a:pt x="3380" y="26"/>
+                </a:lnTo>
+                <a:lnTo>
+                  <a:pt x="3376" y="20"/>
+                </a:lnTo>
+                <a:lnTo>
+                  <a:pt x="3372" y="12"/>
+                </a:lnTo>
+                <a:lnTo>
+                  <a:pt x="3364" y="8"/>
+                </a:lnTo>
+                <a:lnTo>
+                  <a:pt x="3358" y="4"/>
+                </a:lnTo>
+                <a:lnTo>
+                  <a:pt x="3350" y="0"/>
+                </a:lnTo>
+                <a:lnTo>
+                  <a:pt x="3340" y="0"/>
+                </a:lnTo>
+                <a:lnTo>
+                  <a:pt x="3340" y="0"/>
+                </a:lnTo>
+                <a:close/>
+              </a:path>
+            </a:pathLst>
+          </a:custGeom>
+          <a:ln/>
+          <a:extLst>
+            <a:ext uri="{91240B29-F687-4f45-9708-019B960494DF}">
+              <a14:hiddenLine xmlns:a14="http://schemas.microsoft.com/office/drawing/2010/main" xmlns="" w="9525">
+                <a:solidFill>
+                  <a:srgbClr val="000000"/>
+                </a:solidFill>
+                <a:round/>
+                <a:headEnd/>
+                <a:tailEnd/>
+              </a14:hiddenLine>
+            </a:ext>
+          </a:extLst>
+        </p:spPr>
+        <p:style>
+          <a:lnRef idx="1">
+            <a:schemeClr val="accent1"/>
+          </a:lnRef>
+          <a:fillRef idx="3">
+            <a:schemeClr val="accent1"/>
+          </a:fillRef>
+          <a:effectRef idx="2">
+            <a:schemeClr val="accent1"/>
+          </a:effectRef>
+          <a:fontRef idx="minor">
+            <a:schemeClr val="lt1"/>
+          </a:fontRef>
+        </p:style>
+      </p:sp>
+      <p:sp>
+        <p:nvSpPr>
+          <p:cNvPr id="2" name="Title 1"/>
           <p:cNvSpPr>
             <a:spLocks noGrp="1"/>
           </p:cNvSpPr>
@@ -2187,15 +4207,15 @@
         </p:nvSpPr>
         <p:spPr>
           <a:xfrm>
-            <a:off x="839788" y="457200"/>
-            <a:ext cx="3932237" cy="1600200"/>
+            <a:off x="1073151" y="446088"/>
+            <a:ext cx="3547533" cy="1618396"/>
           </a:xfrm>
         </p:spPr>
         <p:txBody>
           <a:bodyPr anchor="b"/>
           <a:lstStyle>
-            <a:lvl1pPr>
-              <a:defRPr sz="3200"/>
+            <a:lvl1pPr algn="l">
+              <a:defRPr sz="2000" b="1"/>
             </a:lvl1pPr>
           </a:lstStyle>
           <a:p>
@@ -2203,18 +4223,13 @@
               <a:rPr lang="ko-KR" altLang="en-US"/>
               <a:t>마스터 제목 스타일 편집</a:t>
             </a:r>
-          </a:p>
-        </p:txBody>
-      </p:sp>
-      <p:sp>
-        <p:nvSpPr>
-          <p:cNvPr id="3" name="내용 개체 틀 2">
-            <a:extLst>
-              <a:ext uri="{FF2B5EF4-FFF2-40B4-BE49-F238E27FC236}">
-                <a16:creationId xmlns:a16="http://schemas.microsoft.com/office/drawing/2014/main" id="{F56D8DF3-5416-4952-B8F0-9655807B0BB0}"/>
-              </a:ext>
-            </a:extLst>
-          </p:cNvPr>
+            <a:endParaRPr lang="en-US" dirty="0"/>
+          </a:p>
+        </p:txBody>
+      </p:sp>
+      <p:sp>
+        <p:nvSpPr>
+          <p:cNvPr id="3" name="Content Placeholder 2"/>
           <p:cNvSpPr>
             <a:spLocks noGrp="1"/>
           </p:cNvSpPr>
@@ -2224,41 +4239,15 @@
         </p:nvSpPr>
         <p:spPr>
           <a:xfrm>
-            <a:off x="5183188" y="987425"/>
-            <a:ext cx="6172200" cy="4873625"/>
+            <a:off x="4855633" y="446088"/>
+            <a:ext cx="6252633" cy="5414963"/>
           </a:xfrm>
         </p:spPr>
         <p:txBody>
-          <a:bodyPr/>
-          <a:lstStyle>
-            <a:lvl1pPr>
-              <a:defRPr sz="3200"/>
-            </a:lvl1pPr>
-            <a:lvl2pPr>
-              <a:defRPr sz="2800"/>
-            </a:lvl2pPr>
-            <a:lvl3pPr>
-              <a:defRPr sz="2400"/>
-            </a:lvl3pPr>
-            <a:lvl4pPr>
-              <a:defRPr sz="2000"/>
-            </a:lvl4pPr>
-            <a:lvl5pPr>
-              <a:defRPr sz="2000"/>
-            </a:lvl5pPr>
-            <a:lvl6pPr>
-              <a:defRPr sz="2000"/>
-            </a:lvl6pPr>
-            <a:lvl7pPr>
-              <a:defRPr sz="2000"/>
-            </a:lvl7pPr>
-            <a:lvl8pPr>
-              <a:defRPr sz="2000"/>
-            </a:lvl8pPr>
-            <a:lvl9pPr>
-              <a:defRPr sz="2000"/>
-            </a:lvl9pPr>
-          </a:lstStyle>
+          <a:bodyPr>
+            <a:normAutofit/>
+          </a:bodyPr>
+          <a:lstStyle/>
           <a:p>
             <a:pPr lvl="0"/>
             <a:r>
@@ -2293,18 +4282,13 @@
               <a:rPr lang="ko-KR" altLang="en-US"/>
               <a:t>다섯 번째 수준</a:t>
             </a:r>
-          </a:p>
-        </p:txBody>
-      </p:sp>
-      <p:sp>
-        <p:nvSpPr>
-          <p:cNvPr id="4" name="텍스트 개체 틀 3">
-            <a:extLst>
-              <a:ext uri="{FF2B5EF4-FFF2-40B4-BE49-F238E27FC236}">
-                <a16:creationId xmlns:a16="http://schemas.microsoft.com/office/drawing/2014/main" id="{8ACB1825-9CA2-44B5-9AB6-C82D54AEBBB6}"/>
-              </a:ext>
-            </a:extLst>
-          </p:cNvPr>
+            <a:endParaRPr lang="en-US" dirty="0"/>
+          </a:p>
+        </p:txBody>
+      </p:sp>
+      <p:sp>
+        <p:nvSpPr>
+          <p:cNvPr id="4" name="Text Placeholder 3"/>
           <p:cNvSpPr>
             <a:spLocks noGrp="1"/>
           </p:cNvSpPr>
@@ -2314,8 +4298,8 @@
         </p:nvSpPr>
         <p:spPr>
           <a:xfrm>
-            <a:off x="839788" y="2057400"/>
-            <a:ext cx="3932237" cy="3811588"/>
+            <a:off x="1073151" y="2260738"/>
+            <a:ext cx="3547533" cy="3600311"/>
           </a:xfrm>
         </p:spPr>
         <p:txBody>
@@ -2323,39 +4307,39 @@
           <a:lstStyle>
             <a:lvl1pPr marL="0" indent="0">
               <a:buNone/>
-              <a:defRPr sz="1600"/>
+              <a:defRPr sz="1400"/>
             </a:lvl1pPr>
             <a:lvl2pPr marL="457200" indent="0">
               <a:buNone/>
-              <a:defRPr sz="1400"/>
+              <a:defRPr sz="1200"/>
             </a:lvl2pPr>
             <a:lvl3pPr marL="914400" indent="0">
               <a:buNone/>
-              <a:defRPr sz="1200"/>
+              <a:defRPr sz="1000"/>
             </a:lvl3pPr>
             <a:lvl4pPr marL="1371600" indent="0">
               <a:buNone/>
-              <a:defRPr sz="1000"/>
+              <a:defRPr sz="900"/>
             </a:lvl4pPr>
             <a:lvl5pPr marL="1828800" indent="0">
               <a:buNone/>
-              <a:defRPr sz="1000"/>
+              <a:defRPr sz="900"/>
             </a:lvl5pPr>
             <a:lvl6pPr marL="2286000" indent="0">
               <a:buNone/>
-              <a:defRPr sz="1000"/>
+              <a:defRPr sz="900"/>
             </a:lvl6pPr>
             <a:lvl7pPr marL="2743200" indent="0">
               <a:buNone/>
-              <a:defRPr sz="1000"/>
+              <a:defRPr sz="900"/>
             </a:lvl7pPr>
             <a:lvl8pPr marL="3200400" indent="0">
               <a:buNone/>
-              <a:defRPr sz="1000"/>
+              <a:defRPr sz="900"/>
             </a:lvl8pPr>
             <a:lvl9pPr marL="3657600" indent="0">
               <a:buNone/>
-              <a:defRPr sz="1000"/>
+              <a:defRPr sz="900"/>
             </a:lvl9pPr>
           </a:lstStyle>
           <a:p>
@@ -2369,13 +4353,7 @@
       </p:sp>
       <p:sp>
         <p:nvSpPr>
-          <p:cNvPr id="5" name="날짜 개체 틀 4">
-            <a:extLst>
-              <a:ext uri="{FF2B5EF4-FFF2-40B4-BE49-F238E27FC236}">
-                <a16:creationId xmlns:a16="http://schemas.microsoft.com/office/drawing/2014/main" id="{883021F4-CB40-4B56-A492-6CB130EFCCA3}"/>
-              </a:ext>
-            </a:extLst>
-          </p:cNvPr>
+          <p:cNvPr id="5" name="Date Placeholder 4"/>
           <p:cNvSpPr>
             <a:spLocks noGrp="1"/>
           </p:cNvSpPr>
@@ -2398,13 +4376,7 @@
       </p:sp>
       <p:sp>
         <p:nvSpPr>
-          <p:cNvPr id="6" name="바닥글 개체 틀 5">
-            <a:extLst>
-              <a:ext uri="{FF2B5EF4-FFF2-40B4-BE49-F238E27FC236}">
-                <a16:creationId xmlns:a16="http://schemas.microsoft.com/office/drawing/2014/main" id="{FBDA3775-662D-4581-92C0-98FDF49359E7}"/>
-              </a:ext>
-            </a:extLst>
-          </p:cNvPr>
+          <p:cNvPr id="6" name="Footer Placeholder 5"/>
           <p:cNvSpPr>
             <a:spLocks noGrp="1"/>
           </p:cNvSpPr>
@@ -2423,13 +4395,7 @@
       </p:sp>
       <p:sp>
         <p:nvSpPr>
-          <p:cNvPr id="7" name="슬라이드 번호 개체 틀 6">
-            <a:extLst>
-              <a:ext uri="{FF2B5EF4-FFF2-40B4-BE49-F238E27FC236}">
-                <a16:creationId xmlns:a16="http://schemas.microsoft.com/office/drawing/2014/main" id="{80E89D55-8543-4C40-A48D-9E9335DB823B}"/>
-              </a:ext>
-            </a:extLst>
-          </p:cNvPr>
+          <p:cNvPr id="7" name="Slide Number Placeholder 6"/>
           <p:cNvSpPr>
             <a:spLocks noGrp="1"/>
           </p:cNvSpPr>
@@ -2453,7 +4419,7 @@
     </p:spTree>
     <p:extLst>
       <p:ext uri="{BB962C8B-B14F-4D97-AF65-F5344CB8AC3E}">
-        <p14:creationId xmlns:p14="http://schemas.microsoft.com/office/powerpoint/2010/main" val="2303884343"/>
+        <p14:creationId xmlns:p14="http://schemas.microsoft.com/office/powerpoint/2010/main" val="3102646913"/>
       </p:ext>
     </p:extLst>
   </p:cSld>
@@ -2482,13 +4448,7 @@
       </p:grpSpPr>
       <p:sp>
         <p:nvSpPr>
-          <p:cNvPr id="2" name="제목 1">
-            <a:extLst>
-              <a:ext uri="{FF2B5EF4-FFF2-40B4-BE49-F238E27FC236}">
-                <a16:creationId xmlns:a16="http://schemas.microsoft.com/office/drawing/2014/main" id="{1ECF5835-2A05-4116-91D2-493FA0CF02DF}"/>
-              </a:ext>
-            </a:extLst>
-          </p:cNvPr>
+          <p:cNvPr id="2" name="Title 1"/>
           <p:cNvSpPr>
             <a:spLocks noGrp="1"/>
           </p:cNvSpPr>
@@ -2498,15 +4458,17 @@
         </p:nvSpPr>
         <p:spPr>
           <a:xfrm>
-            <a:off x="839788" y="457200"/>
-            <a:ext cx="3932237" cy="1600200"/>
+            <a:off x="814728" y="727522"/>
+            <a:ext cx="4852988" cy="1617163"/>
           </a:xfrm>
         </p:spPr>
         <p:txBody>
-          <a:bodyPr anchor="b"/>
+          <a:bodyPr anchor="b">
+            <a:normAutofit/>
+          </a:bodyPr>
           <a:lstStyle>
-            <a:lvl1pPr>
-              <a:defRPr sz="3200"/>
+            <a:lvl1pPr algn="l">
+              <a:defRPr sz="2400" b="0"/>
             </a:lvl1pPr>
           </a:lstStyle>
           <a:p>
@@ -2514,164 +4476,205 @@
               <a:rPr lang="ko-KR" altLang="en-US"/>
               <a:t>마스터 제목 스타일 편집</a:t>
             </a:r>
-          </a:p>
-        </p:txBody>
-      </p:sp>
-      <p:sp>
-        <p:nvSpPr>
-          <p:cNvPr id="3" name="그림 개체 틀 2">
-            <a:extLst>
-              <a:ext uri="{FF2B5EF4-FFF2-40B4-BE49-F238E27FC236}">
-                <a16:creationId xmlns:a16="http://schemas.microsoft.com/office/drawing/2014/main" id="{A496F73A-5F4B-4C9C-BC78-DD7F27E427D5}"/>
-              </a:ext>
-            </a:extLst>
-          </p:cNvPr>
-          <p:cNvSpPr>
-            <a:spLocks noGrp="1"/>
-          </p:cNvSpPr>
-          <p:nvPr>
-            <p:ph type="pic" idx="1"/>
+            <a:endParaRPr lang="en-US" dirty="0"/>
+          </a:p>
+        </p:txBody>
+      </p:sp>
+      <p:sp>
+        <p:nvSpPr>
+          <p:cNvPr id="9" name="Picture Placeholder 11"/>
+          <p:cNvSpPr>
+            <a:spLocks noGrp="1" noChangeAspect="1"/>
+          </p:cNvSpPr>
+          <p:nvPr>
+            <p:ph type="pic" sz="quarter" idx="13"/>
+          </p:nvPr>
+        </p:nvSpPr>
+        <p:spPr bwMode="auto">
+          <a:xfrm>
+            <a:off x="6098117" y="0"/>
+            <a:ext cx="6093883" cy="6858000"/>
+          </a:xfrm>
+          <a:custGeom>
+            <a:avLst/>
+            <a:gdLst/>
+            <a:ahLst/>
+            <a:cxnLst/>
+            <a:rect l="0" t="0" r="r" b="b"/>
+            <a:pathLst>
+              <a:path w="2879" h="4320">
+                <a:moveTo>
+                  <a:pt x="183" y="0"/>
+                </a:moveTo>
+                <a:lnTo>
+                  <a:pt x="183" y="1197"/>
+                </a:lnTo>
+                <a:lnTo>
+                  <a:pt x="8" y="1372"/>
+                </a:lnTo>
+                <a:lnTo>
+                  <a:pt x="8" y="1372"/>
+                </a:lnTo>
+                <a:lnTo>
+                  <a:pt x="6" y="1376"/>
+                </a:lnTo>
+                <a:lnTo>
+                  <a:pt x="3" y="1382"/>
+                </a:lnTo>
+                <a:lnTo>
+                  <a:pt x="0" y="1387"/>
+                </a:lnTo>
+                <a:lnTo>
+                  <a:pt x="0" y="1393"/>
+                </a:lnTo>
+                <a:lnTo>
+                  <a:pt x="0" y="1399"/>
+                </a:lnTo>
+                <a:lnTo>
+                  <a:pt x="3" y="1404"/>
+                </a:lnTo>
+                <a:lnTo>
+                  <a:pt x="6" y="1410"/>
+                </a:lnTo>
+                <a:lnTo>
+                  <a:pt x="8" y="1414"/>
+                </a:lnTo>
+                <a:lnTo>
+                  <a:pt x="183" y="1589"/>
+                </a:lnTo>
+                <a:lnTo>
+                  <a:pt x="183" y="4320"/>
+                </a:lnTo>
+                <a:lnTo>
+                  <a:pt x="2879" y="4320"/>
+                </a:lnTo>
+                <a:lnTo>
+                  <a:pt x="2879" y="0"/>
+                </a:lnTo>
+                <a:lnTo>
+                  <a:pt x="183" y="0"/>
+                </a:lnTo>
+                <a:close/>
+              </a:path>
+            </a:pathLst>
+          </a:custGeom>
+          <a:noFill/>
+          <a:ln w="9525">
+            <a:solidFill>
+              <a:schemeClr val="tx2"/>
+            </a:solidFill>
+            <a:round/>
+            <a:headEnd/>
+            <a:tailEnd/>
+          </a:ln>
+          <a:effectLst/>
+        </p:spPr>
+        <p:txBody>
+          <a:bodyPr wrap="square" numCol="1" anchor="t" anchorCtr="0" compatLnSpc="1">
+            <a:prstTxWarp prst="textNoShape">
+              <a:avLst/>
+            </a:prstTxWarp>
+            <a:normAutofit/>
+          </a:bodyPr>
+          <a:lstStyle>
+            <a:lvl1pPr algn="ctr">
+              <a:buFontTx/>
+              <a:buNone/>
+              <a:defRPr sz="1400"/>
+            </a:lvl1pPr>
+          </a:lstStyle>
+          <a:p>
+            <a:r>
+              <a:rPr lang="ko-KR" altLang="en-US"/>
+              <a:t>그림을 추가하려면 아이콘을 클릭하십시오</a:t>
+            </a:r>
+            <a:endParaRPr lang="en-US" dirty="0"/>
+          </a:p>
+        </p:txBody>
+      </p:sp>
+      <p:sp>
+        <p:nvSpPr>
+          <p:cNvPr id="4" name="Text Placeholder 3"/>
+          <p:cNvSpPr>
+            <a:spLocks noGrp="1"/>
+          </p:cNvSpPr>
+          <p:nvPr>
+            <p:ph type="body" sz="half" idx="2"/>
           </p:nvPr>
         </p:nvSpPr>
         <p:spPr>
           <a:xfrm>
-            <a:off x="5183188" y="987425"/>
-            <a:ext cx="6172200" cy="4873625"/>
+            <a:off x="814728" y="2344684"/>
+            <a:ext cx="4852988" cy="3516365"/>
           </a:xfrm>
         </p:spPr>
         <p:txBody>
-          <a:bodyPr/>
+          <a:bodyPr anchor="t">
+            <a:normAutofit/>
+          </a:bodyPr>
           <a:lstStyle>
             <a:lvl1pPr marL="0" indent="0">
               <a:buNone/>
-              <a:defRPr sz="3200"/>
+              <a:defRPr sz="1200"/>
             </a:lvl1pPr>
             <a:lvl2pPr marL="457200" indent="0">
               <a:buNone/>
-              <a:defRPr sz="2800"/>
+              <a:defRPr sz="1200"/>
             </a:lvl2pPr>
             <a:lvl3pPr marL="914400" indent="0">
               <a:buNone/>
-              <a:defRPr sz="2400"/>
+              <a:defRPr sz="1000"/>
             </a:lvl3pPr>
             <a:lvl4pPr marL="1371600" indent="0">
               <a:buNone/>
-              <a:defRPr sz="2000"/>
+              <a:defRPr sz="900"/>
             </a:lvl4pPr>
             <a:lvl5pPr marL="1828800" indent="0">
               <a:buNone/>
-              <a:defRPr sz="2000"/>
+              <a:defRPr sz="900"/>
             </a:lvl5pPr>
             <a:lvl6pPr marL="2286000" indent="0">
               <a:buNone/>
-              <a:defRPr sz="2000"/>
+              <a:defRPr sz="900"/>
             </a:lvl6pPr>
             <a:lvl7pPr marL="2743200" indent="0">
               <a:buNone/>
-              <a:defRPr sz="2000"/>
+              <a:defRPr sz="900"/>
             </a:lvl7pPr>
             <a:lvl8pPr marL="3200400" indent="0">
               <a:buNone/>
-              <a:defRPr sz="2000"/>
+              <a:defRPr sz="900"/>
             </a:lvl8pPr>
             <a:lvl9pPr marL="3657600" indent="0">
               <a:buNone/>
-              <a:defRPr sz="2000"/>
+              <a:defRPr sz="900"/>
             </a:lvl9pPr>
           </a:lstStyle>
           <a:p>
-            <a:endParaRPr lang="ko-KR" altLang="en-US"/>
-          </a:p>
-        </p:txBody>
-      </p:sp>
-      <p:sp>
-        <p:nvSpPr>
-          <p:cNvPr id="4" name="텍스트 개체 틀 3">
-            <a:extLst>
-              <a:ext uri="{FF2B5EF4-FFF2-40B4-BE49-F238E27FC236}">
-                <a16:creationId xmlns:a16="http://schemas.microsoft.com/office/drawing/2014/main" id="{481C05E0-199D-4FF0-BF37-5B888624CE39}"/>
-              </a:ext>
-            </a:extLst>
-          </p:cNvPr>
-          <p:cNvSpPr>
-            <a:spLocks noGrp="1"/>
-          </p:cNvSpPr>
-          <p:nvPr>
-            <p:ph type="body" sz="half" idx="2"/>
+            <a:pPr lvl="0"/>
+            <a:r>
+              <a:rPr lang="ko-KR" altLang="en-US"/>
+              <a:t>마스터 텍스트 스타일을 편집하려면 클릭</a:t>
+            </a:r>
+          </a:p>
+        </p:txBody>
+      </p:sp>
+      <p:sp>
+        <p:nvSpPr>
+          <p:cNvPr id="5" name="Date Placeholder 4"/>
+          <p:cNvSpPr>
+            <a:spLocks noGrp="1"/>
+          </p:cNvSpPr>
+          <p:nvPr>
+            <p:ph type="dt" sz="half" idx="10"/>
           </p:nvPr>
         </p:nvSpPr>
         <p:spPr>
           <a:xfrm>
-            <a:off x="839788" y="2057400"/>
-            <a:ext cx="3932237" cy="3811588"/>
+            <a:off x="3885810" y="6041362"/>
+            <a:ext cx="976879" cy="365125"/>
           </a:xfrm>
         </p:spPr>
-        <p:txBody>
-          <a:bodyPr/>
-          <a:lstStyle>
-            <a:lvl1pPr marL="0" indent="0">
-              <a:buNone/>
-              <a:defRPr sz="1600"/>
-            </a:lvl1pPr>
-            <a:lvl2pPr marL="457200" indent="0">
-              <a:buNone/>
-              <a:defRPr sz="1400"/>
-            </a:lvl2pPr>
-            <a:lvl3pPr marL="914400" indent="0">
-              <a:buNone/>
-              <a:defRPr sz="1200"/>
-            </a:lvl3pPr>
-            <a:lvl4pPr marL="1371600" indent="0">
-              <a:buNone/>
-              <a:defRPr sz="1000"/>
-            </a:lvl4pPr>
-            <a:lvl5pPr marL="1828800" indent="0">
-              <a:buNone/>
-              <a:defRPr sz="1000"/>
-            </a:lvl5pPr>
-            <a:lvl6pPr marL="2286000" indent="0">
-              <a:buNone/>
-              <a:defRPr sz="1000"/>
-            </a:lvl6pPr>
-            <a:lvl7pPr marL="2743200" indent="0">
-              <a:buNone/>
-              <a:defRPr sz="1000"/>
-            </a:lvl7pPr>
-            <a:lvl8pPr marL="3200400" indent="0">
-              <a:buNone/>
-              <a:defRPr sz="1000"/>
-            </a:lvl8pPr>
-            <a:lvl9pPr marL="3657600" indent="0">
-              <a:buNone/>
-              <a:defRPr sz="1000"/>
-            </a:lvl9pPr>
-          </a:lstStyle>
-          <a:p>
-            <a:pPr lvl="0"/>
-            <a:r>
-              <a:rPr lang="ko-KR" altLang="en-US"/>
-              <a:t>마스터 텍스트 스타일을 편집하려면 클릭</a:t>
-            </a:r>
-          </a:p>
-        </p:txBody>
-      </p:sp>
-      <p:sp>
-        <p:nvSpPr>
-          <p:cNvPr id="5" name="날짜 개체 틀 4">
-            <a:extLst>
-              <a:ext uri="{FF2B5EF4-FFF2-40B4-BE49-F238E27FC236}">
-                <a16:creationId xmlns:a16="http://schemas.microsoft.com/office/drawing/2014/main" id="{14379582-C215-448E-A29B-1C5CCB12640A}"/>
-              </a:ext>
-            </a:extLst>
-          </p:cNvPr>
-          <p:cNvSpPr>
-            <a:spLocks noGrp="1"/>
-          </p:cNvSpPr>
-          <p:nvPr>
-            <p:ph type="dt" sz="half" idx="10"/>
-          </p:nvPr>
-        </p:nvSpPr>
-        <p:spPr/>
         <p:txBody>
           <a:bodyPr/>
           <a:lstStyle/>
@@ -2686,13 +4689,7 @@
       </p:sp>
       <p:sp>
         <p:nvSpPr>
-          <p:cNvPr id="6" name="바닥글 개체 틀 5">
-            <a:extLst>
-              <a:ext uri="{FF2B5EF4-FFF2-40B4-BE49-F238E27FC236}">
-                <a16:creationId xmlns:a16="http://schemas.microsoft.com/office/drawing/2014/main" id="{CC4584FD-CBB3-4D2F-9177-E362C78CF264}"/>
-              </a:ext>
-            </a:extLst>
-          </p:cNvPr>
+          <p:cNvPr id="6" name="Footer Placeholder 5"/>
           <p:cNvSpPr>
             <a:spLocks noGrp="1"/>
           </p:cNvSpPr>
@@ -2700,7 +4697,12 @@
             <p:ph type="ftr" sz="quarter" idx="11"/>
           </p:nvPr>
         </p:nvSpPr>
-        <p:spPr/>
+        <p:spPr>
+          <a:xfrm>
+            <a:off x="590396" y="6041362"/>
+            <a:ext cx="3295413" cy="365125"/>
+          </a:xfrm>
+        </p:spPr>
         <p:txBody>
           <a:bodyPr/>
           <a:lstStyle/>
@@ -2711,13 +4713,7 @@
       </p:sp>
       <p:sp>
         <p:nvSpPr>
-          <p:cNvPr id="7" name="슬라이드 번호 개체 틀 6">
-            <a:extLst>
-              <a:ext uri="{FF2B5EF4-FFF2-40B4-BE49-F238E27FC236}">
-                <a16:creationId xmlns:a16="http://schemas.microsoft.com/office/drawing/2014/main" id="{6AD606B0-6B9D-4EFE-94CA-463BB0A82832}"/>
-              </a:ext>
-            </a:extLst>
-          </p:cNvPr>
+          <p:cNvPr id="7" name="Slide Number Placeholder 6"/>
           <p:cNvSpPr>
             <a:spLocks noGrp="1"/>
           </p:cNvSpPr>
@@ -2725,7 +4721,12 @@
             <p:ph type="sldNum" sz="quarter" idx="12"/>
           </p:nvPr>
         </p:nvSpPr>
-        <p:spPr/>
+        <p:spPr>
+          <a:xfrm>
+            <a:off x="4862689" y="5915888"/>
+            <a:ext cx="1062155" cy="490599"/>
+          </a:xfrm>
+        </p:spPr>
         <p:txBody>
           <a:bodyPr/>
           <a:lstStyle/>
@@ -2741,7 +4742,7 @@
     </p:spTree>
     <p:extLst>
       <p:ext uri="{BB962C8B-B14F-4D97-AF65-F5344CB8AC3E}">
-        <p14:creationId xmlns:p14="http://schemas.microsoft.com/office/powerpoint/2010/main" val="2751531975"/>
+        <p14:creationId xmlns:p14="http://schemas.microsoft.com/office/powerpoint/2010/main" val="414702609"/>
       </p:ext>
     </p:extLst>
   </p:cSld>
@@ -2756,7 +4757,7 @@
   <p:cSld>
     <p:bg>
       <p:bgRef idx="1001">
-        <a:schemeClr val="bg1"/>
+        <a:schemeClr val="bg2"/>
       </p:bgRef>
     </p:bg>
     <p:spTree>
@@ -2775,13 +4776,7 @@
       </p:grpSpPr>
       <p:sp>
         <p:nvSpPr>
-          <p:cNvPr id="2" name="제목 개체 틀 1">
-            <a:extLst>
-              <a:ext uri="{FF2B5EF4-FFF2-40B4-BE49-F238E27FC236}">
-                <a16:creationId xmlns:a16="http://schemas.microsoft.com/office/drawing/2014/main" id="{553D48E0-FBE7-4751-9221-7ADC9FDBBF01}"/>
-              </a:ext>
-            </a:extLst>
-          </p:cNvPr>
+          <p:cNvPr id="2" name="Title Placeholder 1"/>
           <p:cNvSpPr>
             <a:spLocks noGrp="1"/>
           </p:cNvSpPr>
@@ -2791,217 +4786,203 @@
         </p:nvSpPr>
         <p:spPr>
           <a:xfrm>
-            <a:off x="838200" y="365125"/>
-            <a:ext cx="10515600" cy="1325563"/>
+            <a:off x="810000" y="447188"/>
+            <a:ext cx="10571998" cy="970450"/>
+          </a:xfrm>
+          <a:prstGeom prst="rect">
+            <a:avLst/>
+          </a:prstGeom>
+          <a:effectLst>
+            <a:outerShdw blurRad="50800" dir="14400000">
+              <a:srgbClr val="000000">
+                <a:alpha val="60000"/>
+              </a:srgbClr>
+            </a:outerShdw>
+          </a:effectLst>
+        </p:spPr>
+        <p:txBody>
+          <a:bodyPr vert="horz" lIns="91440" tIns="45720" rIns="91440" bIns="45720" rtlCol="0" anchor="b">
+            <a:noAutofit/>
+          </a:bodyPr>
+          <a:lstStyle/>
+          <a:p>
+            <a:r>
+              <a:rPr lang="ko-KR" altLang="en-US"/>
+              <a:t>마스터 제목 스타일 편집</a:t>
+            </a:r>
+            <a:endParaRPr lang="en-US" dirty="0"/>
+          </a:p>
+        </p:txBody>
+      </p:sp>
+      <p:sp>
+        <p:nvSpPr>
+          <p:cNvPr id="3" name="Text Placeholder 2"/>
+          <p:cNvSpPr>
+            <a:spLocks noGrp="1"/>
+          </p:cNvSpPr>
+          <p:nvPr>
+            <p:ph type="body" idx="1"/>
+          </p:nvPr>
+        </p:nvSpPr>
+        <p:spPr>
+          <a:xfrm>
+            <a:off x="810000" y="2184401"/>
+            <a:ext cx="10563285" cy="3674397"/>
+          </a:xfrm>
+          <a:prstGeom prst="rect">
+            <a:avLst/>
+          </a:prstGeom>
+          <a:effectLst>
+            <a:outerShdw blurRad="50800" dir="14400000">
+              <a:srgbClr val="000000">
+                <a:alpha val="40000"/>
+              </a:srgbClr>
+            </a:outerShdw>
+          </a:effectLst>
+        </p:spPr>
+        <p:txBody>
+          <a:bodyPr vert="horz" lIns="91440" tIns="45720" rIns="91440" bIns="45720" rtlCol="0" anchor="ctr">
+            <a:normAutofit/>
+          </a:bodyPr>
+          <a:lstStyle/>
+          <a:p>
+            <a:pPr lvl="0"/>
+            <a:r>
+              <a:rPr lang="ko-KR" altLang="en-US"/>
+              <a:t>마스터 텍스트 스타일을 편집하려면 클릭</a:t>
+            </a:r>
+          </a:p>
+          <a:p>
+            <a:pPr lvl="1"/>
+            <a:r>
+              <a:rPr lang="ko-KR" altLang="en-US"/>
+              <a:t>두 번째 수준</a:t>
+            </a:r>
+          </a:p>
+          <a:p>
+            <a:pPr lvl="2"/>
+            <a:r>
+              <a:rPr lang="ko-KR" altLang="en-US"/>
+              <a:t>세 번째 수준</a:t>
+            </a:r>
+          </a:p>
+          <a:p>
+            <a:pPr lvl="3"/>
+            <a:r>
+              <a:rPr lang="ko-KR" altLang="en-US"/>
+              <a:t>네 번째 수준</a:t>
+            </a:r>
+          </a:p>
+          <a:p>
+            <a:pPr lvl="4"/>
+            <a:r>
+              <a:rPr lang="ko-KR" altLang="en-US"/>
+              <a:t>다섯 번째 수준</a:t>
+            </a:r>
+            <a:endParaRPr lang="en-US" dirty="0"/>
+          </a:p>
+        </p:txBody>
+      </p:sp>
+      <p:sp>
+        <p:nvSpPr>
+          <p:cNvPr id="5" name="Footer Placeholder 4"/>
+          <p:cNvSpPr>
+            <a:spLocks noGrp="1"/>
+          </p:cNvSpPr>
+          <p:nvPr>
+            <p:ph type="ftr" sz="quarter" idx="3"/>
+          </p:nvPr>
+        </p:nvSpPr>
+        <p:spPr>
+          <a:xfrm>
+            <a:off x="451514" y="6041362"/>
+            <a:ext cx="8644320" cy="365125"/>
           </a:xfrm>
           <a:prstGeom prst="rect">
             <a:avLst/>
           </a:prstGeom>
         </p:spPr>
         <p:txBody>
-          <a:bodyPr vert="horz" lIns="91440" tIns="45720" rIns="91440" bIns="45720" rtlCol="0" anchor="ctr">
-            <a:normAutofit/>
-          </a:bodyPr>
-          <a:lstStyle/>
-          <a:p>
-            <a:r>
-              <a:rPr lang="ko-KR" altLang="en-US"/>
-              <a:t>마스터 제목 스타일 편집</a:t>
-            </a:r>
-          </a:p>
-        </p:txBody>
-      </p:sp>
-      <p:sp>
-        <p:nvSpPr>
-          <p:cNvPr id="3" name="텍스트 개체 틀 2">
-            <a:extLst>
-              <a:ext uri="{FF2B5EF4-FFF2-40B4-BE49-F238E27FC236}">
-                <a16:creationId xmlns:a16="http://schemas.microsoft.com/office/drawing/2014/main" id="{7EA601B8-C84B-4BE9-A398-2E399879AFC3}"/>
-              </a:ext>
-            </a:extLst>
-          </p:cNvPr>
-          <p:cNvSpPr>
-            <a:spLocks noGrp="1"/>
-          </p:cNvSpPr>
-          <p:nvPr>
-            <p:ph type="body" idx="1"/>
+          <a:bodyPr vert="horz" lIns="91440" tIns="45720" rIns="91440" bIns="45720" rtlCol="0" anchor="b"/>
+          <a:lstStyle>
+            <a:lvl1pPr algn="l">
+              <a:defRPr sz="900">
+                <a:solidFill>
+                  <a:schemeClr val="tx1"/>
+                </a:solidFill>
+              </a:defRPr>
+            </a:lvl1pPr>
+          </a:lstStyle>
+          <a:p>
+            <a:endParaRPr lang="ko-KR" altLang="en-US"/>
+          </a:p>
+        </p:txBody>
+      </p:sp>
+      <p:sp>
+        <p:nvSpPr>
+          <p:cNvPr id="4" name="Date Placeholder 3"/>
+          <p:cNvSpPr>
+            <a:spLocks noGrp="1"/>
+          </p:cNvSpPr>
+          <p:nvPr>
+            <p:ph type="dt" sz="half" idx="2"/>
           </p:nvPr>
         </p:nvSpPr>
         <p:spPr>
           <a:xfrm>
-            <a:off x="838200" y="1825625"/>
-            <a:ext cx="10515600" cy="4351338"/>
+            <a:off x="9334626" y="6041362"/>
+            <a:ext cx="1343706" cy="365125"/>
           </a:xfrm>
           <a:prstGeom prst="rect">
             <a:avLst/>
           </a:prstGeom>
         </p:spPr>
         <p:txBody>
-          <a:bodyPr vert="horz" lIns="91440" tIns="45720" rIns="91440" bIns="45720" rtlCol="0">
-            <a:normAutofit/>
-          </a:bodyPr>
-          <a:lstStyle/>
-          <a:p>
-            <a:pPr lvl="0"/>
-            <a:r>
-              <a:rPr lang="ko-KR" altLang="en-US"/>
-              <a:t>마스터 텍스트 스타일을 편집하려면 클릭</a:t>
-            </a:r>
-          </a:p>
-          <a:p>
-            <a:pPr lvl="1"/>
-            <a:r>
-              <a:rPr lang="ko-KR" altLang="en-US"/>
-              <a:t>두 번째 수준</a:t>
-            </a:r>
-          </a:p>
-          <a:p>
-            <a:pPr lvl="2"/>
-            <a:r>
-              <a:rPr lang="ko-KR" altLang="en-US"/>
-              <a:t>세 번째 수준</a:t>
-            </a:r>
-          </a:p>
-          <a:p>
-            <a:pPr lvl="3"/>
-            <a:r>
-              <a:rPr lang="ko-KR" altLang="en-US"/>
-              <a:t>네 번째 수준</a:t>
-            </a:r>
-          </a:p>
-          <a:p>
-            <a:pPr lvl="4"/>
-            <a:r>
-              <a:rPr lang="ko-KR" altLang="en-US"/>
-              <a:t>다섯 번째 수준</a:t>
-            </a:r>
-          </a:p>
-        </p:txBody>
-      </p:sp>
-      <p:sp>
-        <p:nvSpPr>
-          <p:cNvPr id="4" name="날짜 개체 틀 3">
-            <a:extLst>
-              <a:ext uri="{FF2B5EF4-FFF2-40B4-BE49-F238E27FC236}">
-                <a16:creationId xmlns:a16="http://schemas.microsoft.com/office/drawing/2014/main" id="{6C47D728-EF26-48AE-BF3B-5941AECC090E}"/>
-              </a:ext>
-            </a:extLst>
-          </p:cNvPr>
-          <p:cNvSpPr>
-            <a:spLocks noGrp="1"/>
-          </p:cNvSpPr>
-          <p:nvPr>
-            <p:ph type="dt" sz="half" idx="2"/>
+          <a:bodyPr vert="horz" lIns="91440" tIns="45720" rIns="91440" bIns="45720" rtlCol="0" anchor="b"/>
+          <a:lstStyle>
+            <a:lvl1pPr algn="r">
+              <a:defRPr sz="900">
+                <a:solidFill>
+                  <a:schemeClr val="tx1"/>
+                </a:solidFill>
+              </a:defRPr>
+            </a:lvl1pPr>
+          </a:lstStyle>
+          <a:p>
+            <a:fld id="{8EFFEF71-DD2C-4852-82DC-6FCA74C85935}" type="datetimeFigureOut">
+              <a:rPr lang="ko-KR" altLang="en-US" smtClean="0"/>
+              <a:t>2021-04-05</a:t>
+            </a:fld>
+            <a:endParaRPr lang="ko-KR" altLang="en-US"/>
+          </a:p>
+        </p:txBody>
+      </p:sp>
+      <p:sp>
+        <p:nvSpPr>
+          <p:cNvPr id="6" name="Slide Number Placeholder 5"/>
+          <p:cNvSpPr>
+            <a:spLocks noGrp="1"/>
+          </p:cNvSpPr>
+          <p:nvPr>
+            <p:ph type="sldNum" sz="quarter" idx="4"/>
           </p:nvPr>
         </p:nvSpPr>
         <p:spPr>
           <a:xfrm>
-            <a:off x="838200" y="6356350"/>
-            <a:ext cx="2743200" cy="365125"/>
+            <a:off x="10678331" y="5915888"/>
+            <a:ext cx="1062155" cy="490599"/>
           </a:xfrm>
           <a:prstGeom prst="rect">
             <a:avLst/>
           </a:prstGeom>
         </p:spPr>
         <p:txBody>
-          <a:bodyPr vert="horz" lIns="91440" tIns="45720" rIns="91440" bIns="45720" rtlCol="0" anchor="ctr"/>
-          <a:lstStyle>
-            <a:lvl1pPr algn="l">
-              <a:defRPr sz="1200">
-                <a:solidFill>
-                  <a:schemeClr val="tx1">
-                    <a:tint val="75000"/>
-                  </a:schemeClr>
-                </a:solidFill>
-              </a:defRPr>
-            </a:lvl1pPr>
-          </a:lstStyle>
-          <a:p>
-            <a:fld id="{8EFFEF71-DD2C-4852-82DC-6FCA74C85935}" type="datetimeFigureOut">
-              <a:rPr lang="ko-KR" altLang="en-US" smtClean="0"/>
-              <a:t>2021-04-05</a:t>
-            </a:fld>
-            <a:endParaRPr lang="ko-KR" altLang="en-US"/>
-          </a:p>
-        </p:txBody>
-      </p:sp>
-      <p:sp>
-        <p:nvSpPr>
-          <p:cNvPr id="5" name="바닥글 개체 틀 4">
-            <a:extLst>
-              <a:ext uri="{FF2B5EF4-FFF2-40B4-BE49-F238E27FC236}">
-                <a16:creationId xmlns:a16="http://schemas.microsoft.com/office/drawing/2014/main" id="{6E586697-7F59-43AF-95C1-D585E0F81F50}"/>
-              </a:ext>
-            </a:extLst>
-          </p:cNvPr>
-          <p:cNvSpPr>
-            <a:spLocks noGrp="1"/>
-          </p:cNvSpPr>
-          <p:nvPr>
-            <p:ph type="ftr" sz="quarter" idx="3"/>
-          </p:nvPr>
-        </p:nvSpPr>
-        <p:spPr>
-          <a:xfrm>
-            <a:off x="4038600" y="6356350"/>
-            <a:ext cx="4114800" cy="365125"/>
-          </a:xfrm>
-          <a:prstGeom prst="rect">
-            <a:avLst/>
-          </a:prstGeom>
-        </p:spPr>
-        <p:txBody>
-          <a:bodyPr vert="horz" lIns="91440" tIns="45720" rIns="91440" bIns="45720" rtlCol="0" anchor="ctr"/>
-          <a:lstStyle>
-            <a:lvl1pPr algn="ctr">
-              <a:defRPr sz="1200">
-                <a:solidFill>
-                  <a:schemeClr val="tx1">
-                    <a:tint val="75000"/>
-                  </a:schemeClr>
-                </a:solidFill>
-              </a:defRPr>
-            </a:lvl1pPr>
-          </a:lstStyle>
-          <a:p>
-            <a:endParaRPr lang="ko-KR" altLang="en-US"/>
-          </a:p>
-        </p:txBody>
-      </p:sp>
-      <p:sp>
-        <p:nvSpPr>
-          <p:cNvPr id="6" name="슬라이드 번호 개체 틀 5">
-            <a:extLst>
-              <a:ext uri="{FF2B5EF4-FFF2-40B4-BE49-F238E27FC236}">
-                <a16:creationId xmlns:a16="http://schemas.microsoft.com/office/drawing/2014/main" id="{7328FA6A-E2F1-4493-AF6F-336FDDC1AE74}"/>
-              </a:ext>
-            </a:extLst>
-          </p:cNvPr>
-          <p:cNvSpPr>
-            <a:spLocks noGrp="1"/>
-          </p:cNvSpPr>
-          <p:nvPr>
-            <p:ph type="sldNum" sz="quarter" idx="4"/>
-          </p:nvPr>
-        </p:nvSpPr>
-        <p:spPr>
-          <a:xfrm>
-            <a:off x="8610600" y="6356350"/>
-            <a:ext cx="2743200" cy="365125"/>
-          </a:xfrm>
-          <a:prstGeom prst="rect">
-            <a:avLst/>
-          </a:prstGeom>
-        </p:spPr>
-        <p:txBody>
-          <a:bodyPr vert="horz" lIns="91440" tIns="45720" rIns="91440" bIns="45720" rtlCol="0" anchor="ctr"/>
+          <a:bodyPr vert="horz" lIns="91440" tIns="45720" rIns="91440" bIns="10800" rtlCol="0" anchor="b"/>
           <a:lstStyle>
             <a:lvl1pPr algn="r">
-              <a:defRPr sz="1200">
+              <a:defRPr sz="2000">
                 <a:solidFill>
-                  <a:schemeClr val="tx1">
-                    <a:tint val="75000"/>
-                  </a:schemeClr>
+                  <a:schemeClr val="accent1"/>
                 </a:solidFill>
               </a:defRPr>
             </a:lvl1pPr>
@@ -3018,55 +4999,114 @@
     </p:spTree>
     <p:extLst>
       <p:ext uri="{BB962C8B-B14F-4D97-AF65-F5344CB8AC3E}">
-        <p14:creationId xmlns:p14="http://schemas.microsoft.com/office/powerpoint/2010/main" val="3203333334"/>
+        <p14:creationId xmlns:p14="http://schemas.microsoft.com/office/powerpoint/2010/main" val="2017793916"/>
       </p:ext>
     </p:extLst>
   </p:cSld>
-  <p:clrMap bg1="lt1" tx1="dk1" bg2="lt2" tx2="dk2" accent1="accent1" accent2="accent2" accent3="accent3" accent4="accent4" accent5="accent5" accent6="accent6" hlink="hlink" folHlink="folHlink"/>
+  <p:clrMap bg1="dk1" tx1="lt1" bg2="dk2" tx2="lt2" accent1="accent1" accent2="accent2" accent3="accent3" accent4="accent4" accent5="accent5" accent6="accent6" hlink="hlink" folHlink="folHlink"/>
   <p:sldLayoutIdLst>
-    <p:sldLayoutId id="2147483649" r:id="rId1"/>
-    <p:sldLayoutId id="2147483650" r:id="rId2"/>
-    <p:sldLayoutId id="2147483651" r:id="rId3"/>
-    <p:sldLayoutId id="2147483652" r:id="rId4"/>
-    <p:sldLayoutId id="2147483653" r:id="rId5"/>
-    <p:sldLayoutId id="2147483654" r:id="rId6"/>
-    <p:sldLayoutId id="2147483655" r:id="rId7"/>
-    <p:sldLayoutId id="2147483656" r:id="rId8"/>
-    <p:sldLayoutId id="2147483657" r:id="rId9"/>
-    <p:sldLayoutId id="2147483658" r:id="rId10"/>
-    <p:sldLayoutId id="2147483659" r:id="rId11"/>
+    <p:sldLayoutId id="2147483958" r:id="rId1"/>
+    <p:sldLayoutId id="2147483959" r:id="rId2"/>
+    <p:sldLayoutId id="2147483960" r:id="rId3"/>
+    <p:sldLayoutId id="2147483961" r:id="rId4"/>
+    <p:sldLayoutId id="2147483962" r:id="rId5"/>
+    <p:sldLayoutId id="2147483963" r:id="rId6"/>
+    <p:sldLayoutId id="2147483964" r:id="rId7"/>
+    <p:sldLayoutId id="2147483965" r:id="rId8"/>
+    <p:sldLayoutId id="2147483966" r:id="rId9"/>
+    <p:sldLayoutId id="2147483967" r:id="rId10"/>
+    <p:sldLayoutId id="2147483968" r:id="rId11"/>
+    <p:sldLayoutId id="2147483969" r:id="rId12"/>
+    <p:sldLayoutId id="2147483970" r:id="rId13"/>
+    <p:sldLayoutId id="2147483971" r:id="rId14"/>
   </p:sldLayoutIdLst>
   <p:txStyles>
     <p:titleStyle>
-      <a:lvl1pPr algn="l" defTabSz="914400" rtl="0" eaLnBrk="1" latinLnBrk="1" hangingPunct="1">
-        <a:lnSpc>
-          <a:spcPct val="90000"/>
-        </a:lnSpc>
+      <a:lvl1pPr algn="l" defTabSz="457200" rtl="0" eaLnBrk="1" latinLnBrk="1" hangingPunct="1">
         <a:spcBef>
           <a:spcPct val="0"/>
         </a:spcBef>
         <a:buNone/>
-        <a:defRPr sz="4400" kern="1200">
+        <a:defRPr sz="4000" b="1" kern="1200">
           <a:solidFill>
-            <a:schemeClr val="tx1"/>
+            <a:srgbClr val="FEFEFE"/>
           </a:solidFill>
           <a:latin typeface="+mj-lt"/>
           <a:ea typeface="+mj-ea"/>
           <a:cs typeface="+mj-cs"/>
         </a:defRPr>
       </a:lvl1pPr>
+      <a:lvl2pPr eaLnBrk="1" latinLnBrk="1" hangingPunct="1">
+        <a:defRPr>
+          <a:solidFill>
+            <a:schemeClr val="tx2"/>
+          </a:solidFill>
+        </a:defRPr>
+      </a:lvl2pPr>
+      <a:lvl3pPr eaLnBrk="1" latinLnBrk="1" hangingPunct="1">
+        <a:defRPr>
+          <a:solidFill>
+            <a:schemeClr val="tx2"/>
+          </a:solidFill>
+        </a:defRPr>
+      </a:lvl3pPr>
+      <a:lvl4pPr eaLnBrk="1" latinLnBrk="1" hangingPunct="1">
+        <a:defRPr>
+          <a:solidFill>
+            <a:schemeClr val="tx2"/>
+          </a:solidFill>
+        </a:defRPr>
+      </a:lvl4pPr>
+      <a:lvl5pPr eaLnBrk="1" latinLnBrk="1" hangingPunct="1">
+        <a:defRPr>
+          <a:solidFill>
+            <a:schemeClr val="tx2"/>
+          </a:solidFill>
+        </a:defRPr>
+      </a:lvl5pPr>
+      <a:lvl6pPr eaLnBrk="1" latinLnBrk="1" hangingPunct="1">
+        <a:defRPr>
+          <a:solidFill>
+            <a:schemeClr val="tx2"/>
+          </a:solidFill>
+        </a:defRPr>
+      </a:lvl6pPr>
+      <a:lvl7pPr eaLnBrk="1" latinLnBrk="1" hangingPunct="1">
+        <a:defRPr>
+          <a:solidFill>
+            <a:schemeClr val="tx2"/>
+          </a:solidFill>
+        </a:defRPr>
+      </a:lvl7pPr>
+      <a:lvl8pPr eaLnBrk="1" latinLnBrk="1" hangingPunct="1">
+        <a:defRPr>
+          <a:solidFill>
+            <a:schemeClr val="tx2"/>
+          </a:solidFill>
+        </a:defRPr>
+      </a:lvl8pPr>
+      <a:lvl9pPr eaLnBrk="1" latinLnBrk="1" hangingPunct="1">
+        <a:defRPr>
+          <a:solidFill>
+            <a:schemeClr val="tx2"/>
+          </a:solidFill>
+        </a:defRPr>
+      </a:lvl9pPr>
     </p:titleStyle>
     <p:bodyStyle>
-      <a:lvl1pPr marL="228600" indent="-228600" algn="l" defTabSz="914400" rtl="0" eaLnBrk="1" latinLnBrk="1" hangingPunct="1">
-        <a:lnSpc>
-          <a:spcPct val="90000"/>
-        </a:lnSpc>
+      <a:lvl1pPr marL="342900" indent="-342900" algn="l" defTabSz="457200" rtl="0" eaLnBrk="1" latinLnBrk="1" hangingPunct="1">
         <a:spcBef>
-          <a:spcPts val="1000"/>
+          <a:spcPct val="20000"/>
         </a:spcBef>
-        <a:buFont typeface="Arial" panose="020B0604020202020204" pitchFamily="34" charset="0"/>
-        <a:buChar char="•"/>
-        <a:defRPr sz="2800" kern="1200">
+        <a:spcAft>
+          <a:spcPts val="600"/>
+        </a:spcAft>
+        <a:buClr>
+          <a:schemeClr val="accent1"/>
+        </a:buClr>
+        <a:buFont typeface="Wingdings 2" charset="2"/>
+        <a:buChar char=""/>
+        <a:defRPr sz="1800" kern="1200">
           <a:solidFill>
             <a:schemeClr val="tx1"/>
           </a:solidFill>
@@ -3075,16 +5115,19 @@
           <a:cs typeface="+mn-cs"/>
         </a:defRPr>
       </a:lvl1pPr>
-      <a:lvl2pPr marL="685800" indent="-228600" algn="l" defTabSz="914400" rtl="0" eaLnBrk="1" latinLnBrk="1" hangingPunct="1">
-        <a:lnSpc>
-          <a:spcPct val="90000"/>
-        </a:lnSpc>
+      <a:lvl2pPr marL="742950" indent="-285750" algn="l" defTabSz="457200" rtl="0" eaLnBrk="1" latinLnBrk="1" hangingPunct="1">
         <a:spcBef>
-          <a:spcPts val="500"/>
+          <a:spcPct val="20000"/>
         </a:spcBef>
-        <a:buFont typeface="Arial" panose="020B0604020202020204" pitchFamily="34" charset="0"/>
-        <a:buChar char="•"/>
-        <a:defRPr sz="2400" kern="1200">
+        <a:spcAft>
+          <a:spcPts val="600"/>
+        </a:spcAft>
+        <a:buClr>
+          <a:schemeClr val="accent1"/>
+        </a:buClr>
+        <a:buFont typeface="Wingdings 2" charset="2"/>
+        <a:buChar char=""/>
+        <a:defRPr sz="1600" kern="1200">
           <a:solidFill>
             <a:schemeClr val="tx1"/>
           </a:solidFill>
@@ -3093,16 +5136,19 @@
           <a:cs typeface="+mn-cs"/>
         </a:defRPr>
       </a:lvl2pPr>
-      <a:lvl3pPr marL="1143000" indent="-228600" algn="l" defTabSz="914400" rtl="0" eaLnBrk="1" latinLnBrk="1" hangingPunct="1">
-        <a:lnSpc>
-          <a:spcPct val="90000"/>
-        </a:lnSpc>
+      <a:lvl3pPr marL="1143000" indent="-228600" algn="l" defTabSz="457200" rtl="0" eaLnBrk="1" latinLnBrk="1" hangingPunct="1">
         <a:spcBef>
-          <a:spcPts val="500"/>
+          <a:spcPct val="20000"/>
         </a:spcBef>
-        <a:buFont typeface="Arial" panose="020B0604020202020204" pitchFamily="34" charset="0"/>
-        <a:buChar char="•"/>
-        <a:defRPr sz="2000" kern="1200">
+        <a:spcAft>
+          <a:spcPts val="600"/>
+        </a:spcAft>
+        <a:buClr>
+          <a:schemeClr val="accent1"/>
+        </a:buClr>
+        <a:buFont typeface="Wingdings 2" charset="2"/>
+        <a:buChar char=""/>
+        <a:defRPr sz="1400" kern="1200">
           <a:solidFill>
             <a:schemeClr val="tx1"/>
           </a:solidFill>
@@ -3111,16 +5157,19 @@
           <a:cs typeface="+mn-cs"/>
         </a:defRPr>
       </a:lvl3pPr>
-      <a:lvl4pPr marL="1600200" indent="-228600" algn="l" defTabSz="914400" rtl="0" eaLnBrk="1" latinLnBrk="1" hangingPunct="1">
-        <a:lnSpc>
-          <a:spcPct val="90000"/>
-        </a:lnSpc>
+      <a:lvl4pPr marL="1600200" indent="-228600" algn="l" defTabSz="457200" rtl="0" eaLnBrk="1" latinLnBrk="1" hangingPunct="1">
         <a:spcBef>
-          <a:spcPts val="500"/>
+          <a:spcPct val="20000"/>
         </a:spcBef>
-        <a:buFont typeface="Arial" panose="020B0604020202020204" pitchFamily="34" charset="0"/>
-        <a:buChar char="•"/>
-        <a:defRPr sz="1800" kern="1200">
+        <a:spcAft>
+          <a:spcPts val="600"/>
+        </a:spcAft>
+        <a:buClr>
+          <a:schemeClr val="accent1"/>
+        </a:buClr>
+        <a:buFont typeface="Wingdings 2" charset="2"/>
+        <a:buChar char=""/>
+        <a:defRPr sz="1200" kern="1200">
           <a:solidFill>
             <a:schemeClr val="tx1"/>
           </a:solidFill>
@@ -3129,16 +5178,19 @@
           <a:cs typeface="+mn-cs"/>
         </a:defRPr>
       </a:lvl4pPr>
-      <a:lvl5pPr marL="2057400" indent="-228600" algn="l" defTabSz="914400" rtl="0" eaLnBrk="1" latinLnBrk="1" hangingPunct="1">
-        <a:lnSpc>
-          <a:spcPct val="90000"/>
-        </a:lnSpc>
+      <a:lvl5pPr marL="2057400" indent="-228600" algn="l" defTabSz="457200" rtl="0" eaLnBrk="1" latinLnBrk="1" hangingPunct="1">
         <a:spcBef>
-          <a:spcPts val="500"/>
+          <a:spcPct val="20000"/>
         </a:spcBef>
-        <a:buFont typeface="Arial" panose="020B0604020202020204" pitchFamily="34" charset="0"/>
-        <a:buChar char="•"/>
-        <a:defRPr sz="1800" kern="1200">
+        <a:spcAft>
+          <a:spcPts val="600"/>
+        </a:spcAft>
+        <a:buClr>
+          <a:schemeClr val="accent1"/>
+        </a:buClr>
+        <a:buFont typeface="Wingdings 2" charset="2"/>
+        <a:buChar char=""/>
+        <a:defRPr sz="1200" kern="1200">
           <a:solidFill>
             <a:schemeClr val="tx1"/>
           </a:solidFill>
@@ -3147,16 +5199,19 @@
           <a:cs typeface="+mn-cs"/>
         </a:defRPr>
       </a:lvl5pPr>
-      <a:lvl6pPr marL="2514600" indent="-228600" algn="l" defTabSz="914400" rtl="0" eaLnBrk="1" latinLnBrk="1" hangingPunct="1">
-        <a:lnSpc>
-          <a:spcPct val="90000"/>
-        </a:lnSpc>
+      <a:lvl6pPr marL="2400000" indent="-228600" algn="l" defTabSz="457200" rtl="0" eaLnBrk="1" latinLnBrk="1" hangingPunct="1">
         <a:spcBef>
-          <a:spcPts val="500"/>
+          <a:spcPct val="20000"/>
         </a:spcBef>
-        <a:buFont typeface="Arial" panose="020B0604020202020204" pitchFamily="34" charset="0"/>
-        <a:buChar char="•"/>
-        <a:defRPr sz="1800" kern="1200">
+        <a:spcAft>
+          <a:spcPts val="600"/>
+        </a:spcAft>
+        <a:buClr>
+          <a:schemeClr val="accent1"/>
+        </a:buClr>
+        <a:buFont typeface="Wingdings 2" charset="2"/>
+        <a:buChar char=""/>
+        <a:defRPr sz="1200" kern="1200">
           <a:solidFill>
             <a:schemeClr val="tx1"/>
           </a:solidFill>
@@ -3165,16 +5220,19 @@
           <a:cs typeface="+mn-cs"/>
         </a:defRPr>
       </a:lvl6pPr>
-      <a:lvl7pPr marL="2971800" indent="-228600" algn="l" defTabSz="914400" rtl="0" eaLnBrk="1" latinLnBrk="1" hangingPunct="1">
-        <a:lnSpc>
-          <a:spcPct val="90000"/>
-        </a:lnSpc>
+      <a:lvl7pPr marL="2800000" indent="-228600" algn="l" defTabSz="457200" rtl="0" eaLnBrk="1" latinLnBrk="1" hangingPunct="1">
         <a:spcBef>
-          <a:spcPts val="500"/>
+          <a:spcPct val="20000"/>
         </a:spcBef>
-        <a:buFont typeface="Arial" panose="020B0604020202020204" pitchFamily="34" charset="0"/>
-        <a:buChar char="•"/>
-        <a:defRPr sz="1800" kern="1200">
+        <a:spcAft>
+          <a:spcPts val="600"/>
+        </a:spcAft>
+        <a:buClr>
+          <a:schemeClr val="accent1"/>
+        </a:buClr>
+        <a:buFont typeface="Wingdings 2" charset="2"/>
+        <a:buChar char=""/>
+        <a:defRPr sz="1200" kern="1200">
           <a:solidFill>
             <a:schemeClr val="tx1"/>
           </a:solidFill>
@@ -3183,16 +5241,19 @@
           <a:cs typeface="+mn-cs"/>
         </a:defRPr>
       </a:lvl7pPr>
-      <a:lvl8pPr marL="3429000" indent="-228600" algn="l" defTabSz="914400" rtl="0" eaLnBrk="1" latinLnBrk="1" hangingPunct="1">
-        <a:lnSpc>
-          <a:spcPct val="90000"/>
-        </a:lnSpc>
+      <a:lvl8pPr marL="3200000" indent="-228600" algn="l" defTabSz="457200" rtl="0" eaLnBrk="1" latinLnBrk="1" hangingPunct="1">
         <a:spcBef>
-          <a:spcPts val="500"/>
+          <a:spcPct val="20000"/>
         </a:spcBef>
-        <a:buFont typeface="Arial" panose="020B0604020202020204" pitchFamily="34" charset="0"/>
-        <a:buChar char="•"/>
-        <a:defRPr sz="1800" kern="1200">
+        <a:spcAft>
+          <a:spcPts val="600"/>
+        </a:spcAft>
+        <a:buClr>
+          <a:schemeClr val="accent1"/>
+        </a:buClr>
+        <a:buFont typeface="Wingdings 2" charset="2"/>
+        <a:buChar char=""/>
+        <a:defRPr sz="1200" kern="1200">
           <a:solidFill>
             <a:schemeClr val="tx1"/>
           </a:solidFill>
@@ -3201,16 +5262,19 @@
           <a:cs typeface="+mn-cs"/>
         </a:defRPr>
       </a:lvl8pPr>
-      <a:lvl9pPr marL="3886200" indent="-228600" algn="l" defTabSz="914400" rtl="0" eaLnBrk="1" latinLnBrk="1" hangingPunct="1">
-        <a:lnSpc>
-          <a:spcPct val="90000"/>
-        </a:lnSpc>
+      <a:lvl9pPr marL="3600000" indent="-228600" algn="l" defTabSz="457200" rtl="0" eaLnBrk="1" latinLnBrk="1" hangingPunct="1">
         <a:spcBef>
-          <a:spcPts val="500"/>
+          <a:spcPct val="20000"/>
         </a:spcBef>
-        <a:buFont typeface="Arial" panose="020B0604020202020204" pitchFamily="34" charset="0"/>
-        <a:buChar char="•"/>
-        <a:defRPr sz="1800" kern="1200">
+        <a:spcAft>
+          <a:spcPts val="600"/>
+        </a:spcAft>
+        <a:buClr>
+          <a:schemeClr val="accent1"/>
+        </a:buClr>
+        <a:buFont typeface="Wingdings 2" charset="2"/>
+        <a:buChar char=""/>
+        <a:defRPr sz="1200" kern="1200">
           <a:solidFill>
             <a:schemeClr val="tx1"/>
           </a:solidFill>
@@ -3222,9 +5286,9 @@
     </p:bodyStyle>
     <p:otherStyle>
       <a:defPPr>
-        <a:defRPr lang="ko-KR"/>
+        <a:defRPr lang="en-US"/>
       </a:defPPr>
-      <a:lvl1pPr marL="0" algn="l" defTabSz="914400" rtl="0" eaLnBrk="1" latinLnBrk="1" hangingPunct="1">
+      <a:lvl1pPr marL="0" algn="l" defTabSz="457200" rtl="0" eaLnBrk="1" latinLnBrk="1" hangingPunct="1">
         <a:defRPr sz="1800" kern="1200">
           <a:solidFill>
             <a:schemeClr val="tx1"/>
@@ -3234,7 +5298,7 @@
           <a:cs typeface="+mn-cs"/>
         </a:defRPr>
       </a:lvl1pPr>
-      <a:lvl2pPr marL="457200" algn="l" defTabSz="914400" rtl="0" eaLnBrk="1" latinLnBrk="1" hangingPunct="1">
+      <a:lvl2pPr marL="457200" algn="l" defTabSz="457200" rtl="0" eaLnBrk="1" latinLnBrk="1" hangingPunct="1">
         <a:defRPr sz="1800" kern="1200">
           <a:solidFill>
             <a:schemeClr val="tx1"/>
@@ -3244,7 +5308,7 @@
           <a:cs typeface="+mn-cs"/>
         </a:defRPr>
       </a:lvl2pPr>
-      <a:lvl3pPr marL="914400" algn="l" defTabSz="914400" rtl="0" eaLnBrk="1" latinLnBrk="1" hangingPunct="1">
+      <a:lvl3pPr marL="914400" algn="l" defTabSz="457200" rtl="0" eaLnBrk="1" latinLnBrk="1" hangingPunct="1">
         <a:defRPr sz="1800" kern="1200">
           <a:solidFill>
             <a:schemeClr val="tx1"/>
@@ -3254,7 +5318,7 @@
           <a:cs typeface="+mn-cs"/>
         </a:defRPr>
       </a:lvl3pPr>
-      <a:lvl4pPr marL="1371600" algn="l" defTabSz="914400" rtl="0" eaLnBrk="1" latinLnBrk="1" hangingPunct="1">
+      <a:lvl4pPr marL="1371600" algn="l" defTabSz="457200" rtl="0" eaLnBrk="1" latinLnBrk="1" hangingPunct="1">
         <a:defRPr sz="1800" kern="1200">
           <a:solidFill>
             <a:schemeClr val="tx1"/>
@@ -3264,7 +5328,7 @@
           <a:cs typeface="+mn-cs"/>
         </a:defRPr>
       </a:lvl4pPr>
-      <a:lvl5pPr marL="1828800" algn="l" defTabSz="914400" rtl="0" eaLnBrk="1" latinLnBrk="1" hangingPunct="1">
+      <a:lvl5pPr marL="1828800" algn="l" defTabSz="457200" rtl="0" eaLnBrk="1" latinLnBrk="1" hangingPunct="1">
         <a:defRPr sz="1800" kern="1200">
           <a:solidFill>
             <a:schemeClr val="tx1"/>
@@ -3274,7 +5338,7 @@
           <a:cs typeface="+mn-cs"/>
         </a:defRPr>
       </a:lvl5pPr>
-      <a:lvl6pPr marL="2286000" algn="l" defTabSz="914400" rtl="0" eaLnBrk="1" latinLnBrk="1" hangingPunct="1">
+      <a:lvl6pPr marL="2286000" algn="l" defTabSz="457200" rtl="0" eaLnBrk="1" latinLnBrk="1" hangingPunct="1">
         <a:defRPr sz="1800" kern="1200">
           <a:solidFill>
             <a:schemeClr val="tx1"/>
@@ -3284,7 +5348,7 @@
           <a:cs typeface="+mn-cs"/>
         </a:defRPr>
       </a:lvl6pPr>
-      <a:lvl7pPr marL="2743200" algn="l" defTabSz="914400" rtl="0" eaLnBrk="1" latinLnBrk="1" hangingPunct="1">
+      <a:lvl7pPr marL="2743200" algn="l" defTabSz="457200" rtl="0" eaLnBrk="1" latinLnBrk="1" hangingPunct="1">
         <a:defRPr sz="1800" kern="1200">
           <a:solidFill>
             <a:schemeClr val="tx1"/>
@@ -3294,7 +5358,7 @@
           <a:cs typeface="+mn-cs"/>
         </a:defRPr>
       </a:lvl7pPr>
-      <a:lvl8pPr marL="3200400" algn="l" defTabSz="914400" rtl="0" eaLnBrk="1" latinLnBrk="1" hangingPunct="1">
+      <a:lvl8pPr marL="3200400" algn="l" defTabSz="457200" rtl="0" eaLnBrk="1" latinLnBrk="1" hangingPunct="1">
         <a:defRPr sz="1800" kern="1200">
           <a:solidFill>
             <a:schemeClr val="tx1"/>
@@ -3304,7 +5368,7 @@
           <a:cs typeface="+mn-cs"/>
         </a:defRPr>
       </a:lvl8pPr>
-      <a:lvl9pPr marL="3657600" algn="l" defTabSz="914400" rtl="0" eaLnBrk="1" latinLnBrk="1" hangingPunct="1">
+      <a:lvl9pPr marL="3657600" algn="l" defTabSz="457200" rtl="0" eaLnBrk="1" latinLnBrk="1" hangingPunct="1">
         <a:defRPr sz="1800" kern="1200">
           <a:solidFill>
             <a:schemeClr val="tx1"/>
@@ -3322,6 +5386,30 @@
 <file path=ppt/slides/slide1.xml><?xml version="1.0" encoding="utf-8"?>
 <p:sld xmlns:a="http://schemas.openxmlformats.org/drawingml/2006/main" xmlns:r="http://schemas.openxmlformats.org/officeDocument/2006/relationships" xmlns:p="http://schemas.openxmlformats.org/presentationml/2006/main">
   <p:cSld>
+    <p:bg>
+      <p:bgPr>
+        <a:blipFill rotWithShape="1">
+          <a:blip r:embed="rId2">
+            <a:duotone>
+              <a:schemeClr val="bg2">
+                <a:shade val="62000"/>
+                <a:hueMod val="108000"/>
+                <a:satMod val="164000"/>
+                <a:lumMod val="69000"/>
+              </a:schemeClr>
+              <a:schemeClr val="bg2">
+                <a:tint val="96000"/>
+                <a:hueMod val="90000"/>
+                <a:satMod val="130000"/>
+                <a:lumMod val="134000"/>
+              </a:schemeClr>
+            </a:duotone>
+          </a:blip>
+          <a:stretch/>
+        </a:blipFill>
+        <a:effectLst/>
+      </p:bgPr>
+    </p:bg>
     <p:spTree>
       <p:nvGrpSpPr>
         <p:cNvPr id="1" name=""/>
@@ -3354,21 +5442,24 @@
         </p:nvSpPr>
         <p:spPr>
           <a:xfrm>
-            <a:off x="1524000" y="503799"/>
-            <a:ext cx="9144000" cy="2387600"/>
+            <a:off x="836247" y="1085549"/>
+            <a:ext cx="3430947" cy="4686903"/>
           </a:xfrm>
         </p:spPr>
         <p:txBody>
-          <a:bodyPr/>
-          <a:lstStyle/>
-          <a:p>
-            <a:r>
-              <a:rPr lang="en-US" altLang="ko-KR" dirty="0"/>
-              <a:t>OSS IDEA PROPOSAL</a:t>
-            </a:r>
-            <a:r>
-              <a:rPr lang="ko-KR" altLang="en-US" dirty="0"/>
-              <a:t> </a:t>
+          <a:bodyPr vert="horz" lIns="91440" tIns="45720" rIns="91440" bIns="45720" rtlCol="0" anchor="ctr">
+            <a:normAutofit/>
+          </a:bodyPr>
+          <a:lstStyle/>
+          <a:p>
+            <a:pPr algn="r" latinLnBrk="0"/>
+            <a:r>
+              <a:rPr lang="en-US" altLang="ko-KR" sz="3600" dirty="0">
+                <a:solidFill>
+                  <a:schemeClr val="tx1"/>
+                </a:solidFill>
+              </a:rPr>
+              <a:t>OSS IDEA PROPOSAL </a:t>
             </a:r>
           </a:p>
         </p:txBody>
@@ -3389,80 +5480,155 @@
             <p:ph type="subTitle" idx="1"/>
           </p:nvPr>
         </p:nvSpPr>
-        <p:spPr/>
-        <p:txBody>
-          <a:bodyPr>
-            <a:normAutofit fontScale="77500" lnSpcReduction="20000"/>
+        <p:spPr>
+          <a:xfrm>
+            <a:off x="5041399" y="1085549"/>
+            <a:ext cx="5579707" cy="4686903"/>
+          </a:xfrm>
+        </p:spPr>
+        <p:txBody>
+          <a:bodyPr vert="horz" lIns="91440" tIns="45720" rIns="91440" bIns="45720" rtlCol="0" anchor="ctr">
+            <a:normAutofit/>
           </a:bodyPr>
           <a:lstStyle/>
           <a:p>
-            <a:pPr algn="r"/>
-            <a:r>
-              <a:rPr lang="ko-KR" altLang="en-US" dirty="0"/>
+            <a:pPr latinLnBrk="0">
+              <a:buFont typeface="Wingdings 3" charset="2"/>
+              <a:buChar char=""/>
+            </a:pPr>
+            <a:r>
+              <a:rPr lang="ko-KR" altLang="en-US">
+                <a:solidFill>
+                  <a:schemeClr val="tx1"/>
+                </a:solidFill>
+              </a:rPr>
               <a:t>팀</a:t>
             </a:r>
             <a:r>
-              <a:rPr lang="en-US" altLang="ko-KR" dirty="0"/>
+              <a:rPr lang="en-US" altLang="ko-KR">
+                <a:solidFill>
+                  <a:schemeClr val="tx1"/>
+                </a:solidFill>
+              </a:rPr>
               <a:t> : 3</a:t>
             </a:r>
             <a:r>
-              <a:rPr lang="ko-KR" altLang="en-US" dirty="0"/>
+              <a:rPr lang="ko-KR" altLang="en-US">
+                <a:solidFill>
+                  <a:schemeClr val="tx1"/>
+                </a:solidFill>
+              </a:rPr>
               <a:t>조</a:t>
             </a:r>
-            <a:endParaRPr lang="en-US" altLang="ko-KR" dirty="0"/>
-          </a:p>
-          <a:p>
-            <a:pPr algn="r"/>
-            <a:r>
-              <a:rPr lang="ko-KR" altLang="en-US" dirty="0"/>
+            <a:endParaRPr lang="en-US" altLang="ko-KR">
+              <a:solidFill>
+                <a:schemeClr val="tx1"/>
+              </a:solidFill>
+            </a:endParaRPr>
+          </a:p>
+          <a:p>
+            <a:pPr latinLnBrk="0">
+              <a:buFont typeface="Wingdings 3" charset="2"/>
+              <a:buChar char=""/>
+            </a:pPr>
+            <a:r>
+              <a:rPr lang="ko-KR" altLang="en-US">
+                <a:solidFill>
+                  <a:schemeClr val="tx1"/>
+                </a:solidFill>
+              </a:rPr>
               <a:t>팀원 </a:t>
             </a:r>
             <a:r>
-              <a:rPr lang="en-US" altLang="ko-KR" dirty="0"/>
+              <a:rPr lang="en-US" altLang="ko-KR">
+                <a:solidFill>
+                  <a:schemeClr val="tx1"/>
+                </a:solidFill>
+              </a:rPr>
               <a:t>: </a:t>
             </a:r>
             <a:r>
-              <a:rPr lang="ko-KR" altLang="en-US" dirty="0"/>
+              <a:rPr lang="ko-KR" altLang="en-US">
+                <a:solidFill>
+                  <a:schemeClr val="tx1"/>
+                </a:solidFill>
+              </a:rPr>
               <a:t>김정현</a:t>
             </a:r>
             <a:r>
-              <a:rPr lang="en-US" altLang="ko-KR" dirty="0"/>
+              <a:rPr lang="en-US" altLang="ko-KR">
+                <a:solidFill>
+                  <a:schemeClr val="tx1"/>
+                </a:solidFill>
+              </a:rPr>
               <a:t>(20191931)</a:t>
             </a:r>
           </a:p>
           <a:p>
-            <a:pPr algn="r"/>
-            <a:r>
-              <a:rPr lang="ko-KR" altLang="en-US" dirty="0" err="1"/>
+            <a:pPr latinLnBrk="0">
+              <a:buFont typeface="Wingdings 3" charset="2"/>
+              <a:buChar char=""/>
+            </a:pPr>
+            <a:r>
+              <a:rPr lang="ko-KR" altLang="en-US">
+                <a:solidFill>
+                  <a:schemeClr val="tx1"/>
+                </a:solidFill>
+              </a:rPr>
               <a:t>구태성</a:t>
             </a:r>
             <a:r>
-              <a:rPr lang="en-US" altLang="ko-KR" dirty="0"/>
+              <a:rPr lang="en-US" altLang="ko-KR">
+                <a:solidFill>
+                  <a:schemeClr val="tx1"/>
+                </a:solidFill>
+              </a:rPr>
               <a:t>(20163993)</a:t>
             </a:r>
           </a:p>
           <a:p>
-            <a:pPr algn="r"/>
-            <a:r>
-              <a:rPr lang="ko-KR" altLang="en-US" dirty="0"/>
+            <a:pPr latinLnBrk="0">
+              <a:buFont typeface="Wingdings 3" charset="2"/>
+              <a:buChar char=""/>
+            </a:pPr>
+            <a:r>
+              <a:rPr lang="ko-KR" altLang="en-US">
+                <a:solidFill>
+                  <a:schemeClr val="tx1"/>
+                </a:solidFill>
+              </a:rPr>
               <a:t>임창환</a:t>
             </a:r>
             <a:r>
-              <a:rPr lang="en-US" altLang="ko-KR" dirty="0"/>
+              <a:rPr lang="en-US" altLang="ko-KR">
+                <a:solidFill>
+                  <a:schemeClr val="tx1"/>
+                </a:solidFill>
+              </a:rPr>
               <a:t>(20171688)</a:t>
             </a:r>
           </a:p>
           <a:p>
-            <a:pPr algn="r"/>
-            <a:r>
-              <a:rPr lang="ko-KR" altLang="en-US" dirty="0"/>
+            <a:pPr latinLnBrk="0">
+              <a:buFont typeface="Wingdings 3" charset="2"/>
+              <a:buChar char=""/>
+            </a:pPr>
+            <a:r>
+              <a:rPr lang="ko-KR" altLang="en-US">
+                <a:solidFill>
+                  <a:schemeClr val="tx1"/>
+                </a:solidFill>
+              </a:rPr>
               <a:t>방성원</a:t>
             </a:r>
             <a:r>
-              <a:rPr lang="en-US" altLang="ko-KR" dirty="0"/>
+              <a:rPr lang="en-US" altLang="ko-KR">
+                <a:solidFill>
+                  <a:schemeClr val="tx1"/>
+                </a:solidFill>
+              </a:rPr>
               <a:t>(20173239)</a:t>
             </a:r>
-            <a:endParaRPr lang="ko-KR" altLang="en-US" dirty="0"/>
           </a:p>
         </p:txBody>
       </p:sp>
@@ -3474,7 +5640,7 @@
     </p:extLst>
   </p:cSld>
   <p:clrMapOvr>
-    <a:masterClrMapping/>
+    <a:overrideClrMapping bg1="dk1" tx1="lt1" bg2="dk2" tx2="lt2" accent1="accent1" accent2="accent2" accent3="accent3" accent4="accent4" accent5="accent5" accent6="accent6" hlink="hlink" folHlink="folHlink"/>
   </p:clrMapOvr>
 </p:sld>
 </file>
@@ -3501,6 +5667,323 @@
           <p:cNvPr id="2" name="제목 1">
             <a:extLst>
               <a:ext uri="{FF2B5EF4-FFF2-40B4-BE49-F238E27FC236}">
+                <a16:creationId xmlns:a16="http://schemas.microsoft.com/office/drawing/2014/main" id="{523CB8E9-7F05-467A-8117-926D93FE0F39}"/>
+              </a:ext>
+            </a:extLst>
+          </p:cNvPr>
+          <p:cNvSpPr>
+            <a:spLocks noGrp="1"/>
+          </p:cNvSpPr>
+          <p:nvPr>
+            <p:ph type="title"/>
+          </p:nvPr>
+        </p:nvSpPr>
+        <p:spPr/>
+        <p:txBody>
+          <a:bodyPr/>
+          <a:lstStyle/>
+          <a:p>
+            <a:r>
+              <a:rPr lang="ko-KR" altLang="en-US" dirty="0"/>
+              <a:t>〮 요구사항</a:t>
+            </a:r>
+          </a:p>
+        </p:txBody>
+      </p:sp>
+      <p:sp>
+        <p:nvSpPr>
+          <p:cNvPr id="3" name="내용 개체 틀 2">
+            <a:extLst>
+              <a:ext uri="{FF2B5EF4-FFF2-40B4-BE49-F238E27FC236}">
+                <a16:creationId xmlns:a16="http://schemas.microsoft.com/office/drawing/2014/main" id="{80048741-8963-4DC1-91A7-D1EA438D23C6}"/>
+              </a:ext>
+            </a:extLst>
+          </p:cNvPr>
+          <p:cNvSpPr>
+            <a:spLocks noGrp="1"/>
+          </p:cNvSpPr>
+          <p:nvPr>
+            <p:ph idx="1"/>
+          </p:nvPr>
+        </p:nvSpPr>
+        <p:spPr>
+          <a:xfrm>
+            <a:off x="810000" y="2306107"/>
+            <a:ext cx="10554574" cy="3636511"/>
+          </a:xfrm>
+        </p:spPr>
+        <p:txBody>
+          <a:bodyPr>
+            <a:normAutofit/>
+          </a:bodyPr>
+          <a:lstStyle/>
+          <a:p>
+            <a:pPr>
+              <a:buFontTx/>
+              <a:buChar char="-"/>
+            </a:pPr>
+            <a:r>
+              <a:rPr lang="en-US" altLang="ko-KR" sz="1800" b="0" i="0" u="none" strike="noStrike" dirty="0">
+                <a:effectLst/>
+                <a:latin typeface="Arial" panose="020B0604020202020204" pitchFamily="34" charset="0"/>
+              </a:rPr>
+              <a:t>REQ-1 </a:t>
+            </a:r>
+            <a:r>
+              <a:rPr lang="ko-KR" altLang="en-US" sz="1800" b="0" i="0" u="none" strike="noStrike" dirty="0">
+                <a:effectLst/>
+                <a:latin typeface="Arial" panose="020B0604020202020204" pitchFamily="34" charset="0"/>
+              </a:rPr>
+              <a:t>플랫폼에서 여러 텍스트 </a:t>
+            </a:r>
+            <a:r>
+              <a:rPr lang="ko-KR" altLang="en-US" sz="1800" b="0" i="0" u="none" strike="noStrike" dirty="0" err="1">
+                <a:effectLst/>
+                <a:latin typeface="Arial" panose="020B0604020202020204" pitchFamily="34" charset="0"/>
+              </a:rPr>
+              <a:t>어드벤쳐</a:t>
+            </a:r>
+            <a:r>
+              <a:rPr lang="ko-KR" altLang="en-US" sz="1800" b="0" i="0" u="none" strike="noStrike" dirty="0">
+                <a:effectLst/>
+                <a:latin typeface="Arial" panose="020B0604020202020204" pitchFamily="34" charset="0"/>
+              </a:rPr>
+              <a:t> 게임의 템플릿에 접근할 수 있다</a:t>
+            </a:r>
+            <a:r>
+              <a:rPr lang="en-US" altLang="ko-KR" sz="1800" b="0" i="0" u="none" strike="noStrike" dirty="0">
+                <a:effectLst/>
+                <a:latin typeface="Arial" panose="020B0604020202020204" pitchFamily="34" charset="0"/>
+              </a:rPr>
+              <a:t>.</a:t>
+            </a:r>
+            <a:endParaRPr lang="en-US" altLang="ko-KR" sz="1800" dirty="0">
+              <a:latin typeface="Arial" panose="020B0604020202020204" pitchFamily="34" charset="0"/>
+            </a:endParaRPr>
+          </a:p>
+          <a:p>
+            <a:pPr marL="0" indent="0">
+              <a:buNone/>
+            </a:pPr>
+            <a:endParaRPr lang="en-US" altLang="ko-KR" sz="1800" b="0" i="0" u="none" strike="noStrike" dirty="0">
+              <a:effectLst/>
+              <a:latin typeface="Arial" panose="020B0604020202020204" pitchFamily="34" charset="0"/>
+            </a:endParaRPr>
+          </a:p>
+          <a:p>
+            <a:pPr>
+              <a:buFontTx/>
+              <a:buChar char="-"/>
+            </a:pPr>
+            <a:r>
+              <a:rPr lang="en-US" altLang="ko-KR" sz="1800" b="0" i="0" u="none" strike="noStrike" dirty="0">
+                <a:effectLst/>
+                <a:latin typeface="Arial" panose="020B0604020202020204" pitchFamily="34" charset="0"/>
+              </a:rPr>
+              <a:t>REQ-2 </a:t>
+            </a:r>
+            <a:r>
+              <a:rPr lang="ko-KR" altLang="en-US" sz="1800" b="0" i="0" u="none" strike="noStrike" dirty="0">
+                <a:effectLst/>
+                <a:latin typeface="Arial" panose="020B0604020202020204" pitchFamily="34" charset="0"/>
+              </a:rPr>
+              <a:t>템플릿의 예시로 서울 </a:t>
+            </a:r>
+            <a:r>
+              <a:rPr lang="en-US" altLang="ko-KR" sz="1800" b="0" i="0" u="none" strike="noStrike" dirty="0">
+                <a:effectLst/>
+                <a:latin typeface="Arial" panose="020B0604020202020204" pitchFamily="34" charset="0"/>
+              </a:rPr>
+              <a:t>2033</a:t>
+            </a:r>
+            <a:r>
+              <a:rPr lang="ko-KR" altLang="en-US" sz="1800" b="0" i="0" u="none" strike="noStrike" dirty="0">
+                <a:effectLst/>
+                <a:latin typeface="Arial" panose="020B0604020202020204" pitchFamily="34" charset="0"/>
+              </a:rPr>
+              <a:t>의 템플릿을 만든다</a:t>
+            </a:r>
+            <a:r>
+              <a:rPr lang="en-US" altLang="ko-KR" sz="1800" b="0" i="0" u="none" strike="noStrike" dirty="0">
+                <a:effectLst/>
+                <a:latin typeface="Arial" panose="020B0604020202020204" pitchFamily="34" charset="0"/>
+              </a:rPr>
+              <a:t>.</a:t>
+            </a:r>
+          </a:p>
+          <a:p>
+            <a:pPr marL="0" indent="0">
+              <a:buNone/>
+            </a:pPr>
+            <a:endParaRPr lang="en-US" altLang="ko-KR" sz="1800" b="0" i="0" u="none" strike="noStrike" dirty="0">
+              <a:effectLst/>
+              <a:latin typeface="Arial" panose="020B0604020202020204" pitchFamily="34" charset="0"/>
+            </a:endParaRPr>
+          </a:p>
+          <a:p>
+            <a:pPr>
+              <a:buFontTx/>
+              <a:buChar char="-"/>
+            </a:pPr>
+            <a:r>
+              <a:rPr lang="en-US" altLang="ko-KR" sz="1800" b="0" i="0" u="none" strike="noStrike" dirty="0">
+                <a:effectLst/>
+                <a:latin typeface="Arial" panose="020B0604020202020204" pitchFamily="34" charset="0"/>
+              </a:rPr>
+              <a:t>REQ-3 </a:t>
+            </a:r>
+            <a:r>
+              <a:rPr lang="ko-KR" altLang="en-US" sz="1800" b="0" i="0" u="none" strike="noStrike" dirty="0">
+                <a:effectLst/>
+                <a:latin typeface="Arial" panose="020B0604020202020204" pitchFamily="34" charset="0"/>
+              </a:rPr>
+              <a:t>서울 </a:t>
+            </a:r>
+            <a:r>
+              <a:rPr lang="en-US" altLang="ko-KR" sz="1800" b="0" i="0" u="none" strike="noStrike" dirty="0">
+                <a:effectLst/>
+                <a:latin typeface="Arial" panose="020B0604020202020204" pitchFamily="34" charset="0"/>
+              </a:rPr>
+              <a:t>2033</a:t>
+            </a:r>
+            <a:r>
+              <a:rPr lang="ko-KR" altLang="en-US" sz="1800" b="0" i="0" u="none" strike="noStrike" dirty="0">
+                <a:effectLst/>
+                <a:latin typeface="Arial" panose="020B0604020202020204" pitchFamily="34" charset="0"/>
+              </a:rPr>
+              <a:t>의 템플릿은 서울 </a:t>
+            </a:r>
+            <a:r>
+              <a:rPr lang="en-US" altLang="ko-KR" sz="1800" b="0" i="0" u="none" strike="noStrike" dirty="0">
+                <a:effectLst/>
+                <a:latin typeface="Arial" panose="020B0604020202020204" pitchFamily="34" charset="0"/>
+              </a:rPr>
+              <a:t>2033</a:t>
+            </a:r>
+            <a:r>
+              <a:rPr lang="ko-KR" altLang="en-US" sz="1800" b="0" i="0" u="none" strike="noStrike" dirty="0">
+                <a:effectLst/>
+                <a:latin typeface="Arial" panose="020B0604020202020204" pitchFamily="34" charset="0"/>
+              </a:rPr>
+              <a:t>과 같은 기능을 가지고 있다</a:t>
+            </a:r>
+            <a:r>
+              <a:rPr lang="en-US" altLang="ko-KR" sz="1800" b="0" i="0" u="none" strike="noStrike" dirty="0">
+                <a:effectLst/>
+                <a:latin typeface="Arial" panose="020B0604020202020204" pitchFamily="34" charset="0"/>
+              </a:rPr>
+              <a:t>.</a:t>
+            </a:r>
+          </a:p>
+          <a:p>
+            <a:pPr marL="0" indent="0">
+              <a:buNone/>
+            </a:pPr>
+            <a:endParaRPr lang="en-US" altLang="ko-KR" sz="1800" dirty="0">
+              <a:latin typeface="Arial" panose="020B0604020202020204" pitchFamily="34" charset="0"/>
+            </a:endParaRPr>
+          </a:p>
+          <a:p>
+            <a:pPr>
+              <a:buFontTx/>
+              <a:buChar char="-"/>
+            </a:pPr>
+            <a:r>
+              <a:rPr lang="en-US" altLang="ko-KR" sz="1800" b="0" i="0" u="none" strike="noStrike" dirty="0">
+                <a:effectLst/>
+                <a:latin typeface="Arial" panose="020B0604020202020204" pitchFamily="34" charset="0"/>
+              </a:rPr>
+              <a:t>REQ-4 </a:t>
+            </a:r>
+            <a:r>
+              <a:rPr lang="ko-KR" altLang="en-US" sz="1800" b="0" i="0" u="none" strike="noStrike" dirty="0">
+                <a:effectLst/>
+                <a:latin typeface="Arial" panose="020B0604020202020204" pitchFamily="34" charset="0"/>
+              </a:rPr>
+              <a:t>플랫폼의 모든 템플릿은 컨텐츠를 넣으면 게임을 완성할 수 있는 형태다</a:t>
+            </a:r>
+            <a:r>
+              <a:rPr lang="en-US" altLang="ko-KR" sz="1800" b="0" i="0" u="none" strike="noStrike" dirty="0">
+                <a:effectLst/>
+                <a:latin typeface="Arial" panose="020B0604020202020204" pitchFamily="34" charset="0"/>
+              </a:rPr>
+              <a:t>. </a:t>
+            </a:r>
+          </a:p>
+          <a:p>
+            <a:pPr marL="0" indent="0">
+              <a:buNone/>
+            </a:pPr>
+            <a:endParaRPr lang="en-US" altLang="ko-KR" sz="1800" b="0" i="0" u="none" strike="noStrike" dirty="0">
+              <a:effectLst/>
+              <a:latin typeface="Arial" panose="020B0604020202020204" pitchFamily="34" charset="0"/>
+            </a:endParaRPr>
+          </a:p>
+          <a:p>
+            <a:pPr>
+              <a:buFontTx/>
+              <a:buChar char="-"/>
+            </a:pPr>
+            <a:r>
+              <a:rPr lang="en-US" altLang="ko-KR" sz="1800" b="0" i="0" u="none" strike="noStrike" dirty="0">
+                <a:effectLst/>
+                <a:latin typeface="Arial" panose="020B0604020202020204" pitchFamily="34" charset="0"/>
+              </a:rPr>
+              <a:t>REQ-5 </a:t>
+            </a:r>
+            <a:r>
+              <a:rPr lang="ko-KR" altLang="en-US" sz="1800" b="0" i="0" u="none" strike="noStrike" dirty="0">
+                <a:effectLst/>
+                <a:latin typeface="Arial" panose="020B0604020202020204" pitchFamily="34" charset="0"/>
+              </a:rPr>
+              <a:t>안드로이드 기반으로 하여 모바일에서 실행 가능하게 한다</a:t>
+            </a:r>
+            <a:r>
+              <a:rPr lang="en-US" altLang="ko-KR" sz="1800" b="0" i="0" u="none" strike="noStrike" dirty="0">
+                <a:effectLst/>
+                <a:latin typeface="Arial" panose="020B0604020202020204" pitchFamily="34" charset="0"/>
+              </a:rPr>
+              <a:t>. </a:t>
+            </a:r>
+            <a:endParaRPr lang="en-US" altLang="ko-KR" dirty="0"/>
+          </a:p>
+        </p:txBody>
+      </p:sp>
+    </p:spTree>
+    <p:extLst>
+      <p:ext uri="{BB962C8B-B14F-4D97-AF65-F5344CB8AC3E}">
+        <p14:creationId xmlns:p14="http://schemas.microsoft.com/office/powerpoint/2010/main" val="3121677686"/>
+      </p:ext>
+    </p:extLst>
+  </p:cSld>
+  <p:clrMapOvr>
+    <a:masterClrMapping/>
+  </p:clrMapOvr>
+</p:sld>
+</file>
+
+<file path=ppt/slides/slide11.xml><?xml version="1.0" encoding="utf-8"?>
+<p:sld xmlns:a="http://schemas.openxmlformats.org/drawingml/2006/main" xmlns:r="http://schemas.openxmlformats.org/officeDocument/2006/relationships" xmlns:p="http://schemas.openxmlformats.org/presentationml/2006/main">
+  <p:cSld>
+    <p:spTree>
+      <p:nvGrpSpPr>
+        <p:cNvPr id="1" name=""/>
+        <p:cNvGrpSpPr/>
+        <p:nvPr/>
+      </p:nvGrpSpPr>
+      <p:grpSpPr>
+        <a:xfrm>
+          <a:off x="0" y="0"/>
+          <a:ext cx="0" cy="0"/>
+          <a:chOff x="0" y="0"/>
+          <a:chExt cx="0" cy="0"/>
+        </a:xfrm>
+      </p:grpSpPr>
+      <p:sp>
+        <p:nvSpPr>
+          <p:cNvPr id="2" name="제목 1">
+            <a:extLst>
+              <a:ext uri="{FF2B5EF4-FFF2-40B4-BE49-F238E27FC236}">
                 <a16:creationId xmlns:a16="http://schemas.microsoft.com/office/drawing/2014/main" id="{46EF1F8F-B298-4FF9-BB13-E9DB21A8E366}"/>
               </a:ext>
             </a:extLst>
@@ -3545,7 +6028,12 @@
             <p:ph idx="1"/>
           </p:nvPr>
         </p:nvSpPr>
-        <p:spPr/>
+        <p:spPr>
+          <a:xfrm>
+            <a:off x="818713" y="2892847"/>
+            <a:ext cx="10554574" cy="3636511"/>
+          </a:xfrm>
+        </p:spPr>
         <p:txBody>
           <a:bodyPr>
             <a:normAutofit/>
@@ -3573,9 +6061,6 @@
             </a:pPr>
             <a:r>
               <a:rPr lang="en-US" altLang="ko-KR" sz="1800" dirty="0">
-                <a:solidFill>
-                  <a:srgbClr val="000000"/>
-                </a:solidFill>
                 <a:latin typeface="Arial" panose="020B0604020202020204" pitchFamily="34" charset="0"/>
               </a:rPr>
               <a:t>JAVA</a:t>
@@ -3730,7 +6215,7 @@
         </p:blipFill>
         <p:spPr>
           <a:xfrm>
-            <a:off x="3574241" y="4551156"/>
+            <a:off x="3482801" y="4803785"/>
             <a:ext cx="6578288" cy="1060749"/>
           </a:xfrm>
           <a:prstGeom prst="rect">
@@ -3766,7 +6251,7 @@
         </p:blipFill>
         <p:spPr>
           <a:xfrm>
-            <a:off x="3756732" y="2658016"/>
+            <a:off x="3756733" y="3328576"/>
             <a:ext cx="2339268" cy="1060749"/>
           </a:xfrm>
           <a:prstGeom prst="rect">
@@ -3802,7 +6287,7 @@
         </p:blipFill>
         <p:spPr>
           <a:xfrm>
-            <a:off x="6096000" y="1825625"/>
+            <a:off x="6096001" y="2496185"/>
             <a:ext cx="1160948" cy="1158685"/>
           </a:xfrm>
           <a:prstGeom prst="rect">
@@ -3823,7 +6308,7 @@
 </p:sld>
 </file>
 
-<file path=ppt/slides/slide11.xml><?xml version="1.0" encoding="utf-8"?>
+<file path=ppt/slides/slide12.xml><?xml version="1.0" encoding="utf-8"?>
 <p:sld xmlns:a="http://schemas.openxmlformats.org/drawingml/2006/main" xmlns:r="http://schemas.openxmlformats.org/officeDocument/2006/relationships" xmlns:p="http://schemas.openxmlformats.org/presentationml/2006/main">
   <p:cSld>
     <p:spTree>
@@ -3891,13 +6376,13 @@
         </p:nvSpPr>
         <p:spPr>
           <a:xfrm>
-            <a:off x="905434" y="1825625"/>
+            <a:off x="810000" y="2351405"/>
             <a:ext cx="10448365" cy="4667250"/>
           </a:xfrm>
         </p:spPr>
         <p:txBody>
           <a:bodyPr>
-            <a:normAutofit fontScale="92500" lnSpcReduction="10000"/>
+            <a:normAutofit fontScale="85000" lnSpcReduction="20000"/>
           </a:bodyPr>
           <a:lstStyle/>
           <a:p>
@@ -3926,9 +6411,6 @@
             </a:pPr>
             <a:r>
               <a:rPr lang="ko-KR" altLang="en-US" sz="1800" b="0" i="0" u="none" strike="noStrike" dirty="0">
-                <a:solidFill>
-                  <a:srgbClr val="000000"/>
-                </a:solidFill>
                 <a:effectLst/>
                 <a:latin typeface="Arial" panose="020B0604020202020204" pitchFamily="34" charset="0"/>
               </a:rPr>
@@ -3936,9 +6418,6 @@
             </a:r>
             <a:r>
               <a:rPr lang="en-US" altLang="ko-KR" sz="1800" b="0" i="0" u="none" strike="noStrike" dirty="0">
-                <a:solidFill>
-                  <a:srgbClr val="000000"/>
-                </a:solidFill>
                 <a:effectLst/>
                 <a:latin typeface="Arial" panose="020B0604020202020204" pitchFamily="34" charset="0"/>
               </a:rPr>
@@ -3946,9 +6425,6 @@
             </a:r>
             <a:r>
               <a:rPr lang="ko-KR" altLang="en-US" sz="1800" b="0" i="0" u="none" strike="noStrike" dirty="0">
-                <a:solidFill>
-                  <a:srgbClr val="000000"/>
-                </a:solidFill>
                 <a:effectLst/>
                 <a:latin typeface="Arial" panose="020B0604020202020204" pitchFamily="34" charset="0"/>
               </a:rPr>
@@ -3969,9 +6445,6 @@
             </a:pPr>
             <a:r>
               <a:rPr lang="ko-KR" altLang="en-US" sz="1800" b="0" i="0" u="none" strike="noStrike" dirty="0">
-                <a:solidFill>
-                  <a:srgbClr val="000000"/>
-                </a:solidFill>
                 <a:effectLst/>
                 <a:latin typeface="Arial" panose="020B0604020202020204" pitchFamily="34" charset="0"/>
               </a:rPr>
@@ -3979,9 +6452,6 @@
             </a:r>
             <a:r>
               <a:rPr lang="en-US" altLang="ko-KR" sz="1800" b="0" i="0" u="none" strike="noStrike" dirty="0">
-                <a:solidFill>
-                  <a:srgbClr val="000000"/>
-                </a:solidFill>
                 <a:effectLst/>
                 <a:latin typeface="Arial" panose="020B0604020202020204" pitchFamily="34" charset="0"/>
               </a:rPr>
@@ -3989,18 +6459,12 @@
             </a:r>
             <a:r>
               <a:rPr lang="ko-KR" altLang="en-US" sz="1800" b="0" i="0" u="none" strike="noStrike" dirty="0">
-                <a:solidFill>
-                  <a:srgbClr val="000000"/>
-                </a:solidFill>
                 <a:effectLst/>
                 <a:latin typeface="Arial" panose="020B0604020202020204" pitchFamily="34" charset="0"/>
               </a:rPr>
               <a:t>의 템플릿 형태의 예시 기능 일부 지원</a:t>
             </a:r>
             <a:endParaRPr lang="en-US" altLang="ko-KR" sz="1800" b="0" i="0" u="none" strike="noStrike" dirty="0">
-              <a:solidFill>
-                <a:srgbClr val="000000"/>
-              </a:solidFill>
               <a:effectLst/>
               <a:latin typeface="Arial" panose="020B0604020202020204" pitchFamily="34" charset="0"/>
             </a:endParaRPr>
@@ -4049,9 +6513,6 @@
             </a:pPr>
             <a:r>
               <a:rPr lang="ko-KR" altLang="en-US" sz="1800" b="0" i="0" u="none" strike="noStrike" dirty="0">
-                <a:solidFill>
-                  <a:srgbClr val="000000"/>
-                </a:solidFill>
                 <a:effectLst/>
                 <a:latin typeface="Arial" panose="020B0604020202020204" pitchFamily="34" charset="0"/>
               </a:rPr>
@@ -4059,9 +6520,6 @@
             </a:r>
             <a:r>
               <a:rPr lang="en-US" altLang="ko-KR" sz="1800" b="0" i="0" u="none" strike="noStrike" dirty="0">
-                <a:solidFill>
-                  <a:srgbClr val="000000"/>
-                </a:solidFill>
                 <a:effectLst/>
                 <a:latin typeface="Arial" panose="020B0604020202020204" pitchFamily="34" charset="0"/>
               </a:rPr>
@@ -4069,18 +6527,12 @@
             </a:r>
             <a:r>
               <a:rPr lang="ko-KR" altLang="en-US" sz="1800" b="0" i="0" u="none" strike="noStrike" dirty="0">
-                <a:solidFill>
-                  <a:srgbClr val="000000"/>
-                </a:solidFill>
                 <a:effectLst/>
                 <a:latin typeface="Arial" panose="020B0604020202020204" pitchFamily="34" charset="0"/>
               </a:rPr>
               <a:t>김정현</a:t>
             </a:r>
             <a:endParaRPr lang="en-US" altLang="ko-KR" sz="1800" b="0" i="0" u="none" strike="noStrike" dirty="0">
-              <a:solidFill>
-                <a:srgbClr val="000000"/>
-              </a:solidFill>
               <a:effectLst/>
               <a:latin typeface="Arial" panose="020B0604020202020204" pitchFamily="34" charset="0"/>
             </a:endParaRPr>
@@ -4096,35 +6548,23 @@
             </a:pPr>
             <a:r>
               <a:rPr lang="ko-KR" altLang="en-US" sz="1800" dirty="0">
-                <a:solidFill>
-                  <a:srgbClr val="000000"/>
-                </a:solidFill>
                 <a:latin typeface="Arial" panose="020B0604020202020204" pitchFamily="34" charset="0"/>
               </a:rPr>
               <a:t>개발자 </a:t>
             </a:r>
             <a:r>
               <a:rPr lang="en-US" altLang="ko-KR" sz="1800" dirty="0">
-                <a:solidFill>
-                  <a:srgbClr val="000000"/>
-                </a:solidFill>
                 <a:latin typeface="Arial" panose="020B0604020202020204" pitchFamily="34" charset="0"/>
               </a:rPr>
               <a:t>: </a:t>
             </a:r>
             <a:r>
               <a:rPr lang="ko-KR" altLang="en-US" sz="1800" dirty="0">
-                <a:solidFill>
-                  <a:srgbClr val="000000"/>
-                </a:solidFill>
                 <a:latin typeface="Arial" panose="020B0604020202020204" pitchFamily="34" charset="0"/>
               </a:rPr>
               <a:t>전원 참여</a:t>
             </a:r>
             <a:endParaRPr lang="en-US" altLang="ko-KR" sz="1800" dirty="0">
-              <a:solidFill>
-                <a:srgbClr val="000000"/>
-              </a:solidFill>
               <a:latin typeface="Arial" panose="020B0604020202020204" pitchFamily="34" charset="0"/>
             </a:endParaRPr>
           </a:p>
@@ -4408,7 +6848,12 @@
             <p:ph idx="1"/>
           </p:nvPr>
         </p:nvSpPr>
-        <p:spPr/>
+        <p:spPr>
+          <a:xfrm>
+            <a:off x="651072" y="703332"/>
+            <a:ext cx="10554574" cy="3636511"/>
+          </a:xfrm>
+        </p:spPr>
         <p:txBody>
           <a:bodyPr/>
           <a:lstStyle/>
@@ -4458,7 +6903,7 @@
         </p:nvSpPr>
         <p:spPr>
           <a:xfrm>
-            <a:off x="838200" y="5648325"/>
+            <a:off x="1151023" y="5839580"/>
             <a:ext cx="4876397" cy="369332"/>
           </a:xfrm>
           <a:prstGeom prst="rect">
@@ -4524,8 +6969,8 @@
         </p:blipFill>
         <p:spPr>
           <a:xfrm>
-            <a:off x="838199" y="2859918"/>
-            <a:ext cx="4876397" cy="2535726"/>
+            <a:off x="1280606" y="2978759"/>
+            <a:ext cx="4746813" cy="2468342"/>
           </a:xfrm>
           <a:prstGeom prst="rect">
             <a:avLst/>
@@ -4546,7 +6991,7 @@
         </p:nvSpPr>
         <p:spPr>
           <a:xfrm>
-            <a:off x="6606988" y="2680447"/>
+            <a:off x="6538409" y="3335767"/>
             <a:ext cx="4746812" cy="1754326"/>
           </a:xfrm>
           <a:prstGeom prst="rect">
@@ -4686,7 +7131,12 @@
             <p:ph idx="1"/>
           </p:nvPr>
         </p:nvSpPr>
-        <p:spPr/>
+        <p:spPr>
+          <a:xfrm>
+            <a:off x="1558815" y="641117"/>
+            <a:ext cx="8761412" cy="3581400"/>
+          </a:xfrm>
+        </p:spPr>
         <p:txBody>
           <a:bodyPr/>
           <a:lstStyle/>
@@ -4901,7 +7351,7 @@
         </p:nvSpPr>
         <p:spPr>
           <a:xfrm>
-            <a:off x="5307106" y="3007379"/>
+            <a:off x="5441540" y="2805953"/>
             <a:ext cx="5684744" cy="1569660"/>
           </a:xfrm>
           <a:prstGeom prst="rect">
@@ -5082,7 +7532,7 @@
           <p:cNvPr id="2" name="제목 1">
             <a:extLst>
               <a:ext uri="{FF2B5EF4-FFF2-40B4-BE49-F238E27FC236}">
-                <a16:creationId xmlns:a16="http://schemas.microsoft.com/office/drawing/2014/main" id="{06519BA9-D0FD-461D-9EA8-B9E8689A6AAF}"/>
+                <a16:creationId xmlns:a16="http://schemas.microsoft.com/office/drawing/2014/main" id="{0AF52485-BDD0-4932-964E-D3B764EFAF60}"/>
               </a:ext>
             </a:extLst>
           </p:cNvPr>
@@ -5093,205 +7543,210 @@
             <p:ph type="title"/>
           </p:nvPr>
         </p:nvSpPr>
-        <p:spPr/>
+        <p:spPr>
+          <a:xfrm>
+            <a:off x="777240" y="348933"/>
+            <a:ext cx="10515600" cy="1325563"/>
+          </a:xfrm>
+        </p:spPr>
         <p:txBody>
           <a:bodyPr/>
           <a:lstStyle/>
           <a:p>
             <a:r>
               <a:rPr lang="ko-KR" altLang="en-US" dirty="0"/>
-              <a:t>〮 목표</a:t>
-            </a:r>
-            <a:r>
-              <a:rPr lang="en-US" altLang="ko-KR" dirty="0"/>
-              <a:t>(1)</a:t>
-            </a:r>
-            <a:endParaRPr lang="ko-KR" altLang="en-US" dirty="0"/>
-          </a:p>
-        </p:txBody>
-      </p:sp>
-      <p:sp>
-        <p:nvSpPr>
-          <p:cNvPr id="3" name="내용 개체 틀 2">
+              <a:t>관련 오픈소스 프로젝트</a:t>
+            </a:r>
+          </a:p>
+        </p:txBody>
+      </p:sp>
+      <p:pic>
+        <p:nvPicPr>
+          <p:cNvPr id="4" name="그림 3" descr="텍스트이(가) 표시된 사진&#10;&#10;자동 생성된 설명">
             <a:extLst>
               <a:ext uri="{FF2B5EF4-FFF2-40B4-BE49-F238E27FC236}">
-                <a16:creationId xmlns:a16="http://schemas.microsoft.com/office/drawing/2014/main" id="{0D0DF3F4-F1C7-4429-95AD-9B157ACA5075}"/>
+                <a16:creationId xmlns:a16="http://schemas.microsoft.com/office/drawing/2014/main" id="{85A1EC98-D380-4862-947F-85E9C1A1C934}"/>
               </a:ext>
             </a:extLst>
           </p:cNvPr>
-          <p:cNvSpPr>
-            <a:spLocks noGrp="1"/>
-          </p:cNvSpPr>
-          <p:nvPr>
-            <p:ph idx="1"/>
-          </p:nvPr>
-        </p:nvSpPr>
-        <p:spPr/>
-        <p:txBody>
-          <a:bodyPr>
-            <a:normAutofit/>
+          <p:cNvPicPr>
+            <a:picLocks noChangeAspect="1"/>
+          </p:cNvPicPr>
+          <p:nvPr/>
+        </p:nvPicPr>
+        <p:blipFill rotWithShape="1">
+          <a:blip r:embed="rId2"/>
+          <a:srcRect r="6392" b="-3"/>
+          <a:stretch/>
+        </p:blipFill>
+        <p:spPr>
+          <a:xfrm>
+            <a:off x="883919" y="2260450"/>
+            <a:ext cx="3619499" cy="2159150"/>
+          </a:xfrm>
+          <a:prstGeom prst="rect">
+            <a:avLst/>
+          </a:prstGeom>
+        </p:spPr>
+      </p:pic>
+      <p:pic>
+        <p:nvPicPr>
+          <p:cNvPr id="5" name="그림 4" descr="텍스트, 스크린샷, 화면이(가) 표시된 사진&#10;&#10;자동 생성된 설명">
+            <a:extLst>
+              <a:ext uri="{FF2B5EF4-FFF2-40B4-BE49-F238E27FC236}">
+                <a16:creationId xmlns:a16="http://schemas.microsoft.com/office/drawing/2014/main" id="{93E9F175-FC2D-4EA4-954C-976BF9818E77}"/>
+              </a:ext>
+            </a:extLst>
+          </p:cNvPr>
+          <p:cNvPicPr>
+            <a:picLocks noChangeAspect="1"/>
+          </p:cNvPicPr>
+          <p:nvPr/>
+        </p:nvPicPr>
+        <p:blipFill rotWithShape="1">
+          <a:blip r:embed="rId3"/>
+          <a:srcRect l="5411" r="11428" b="3"/>
+          <a:stretch/>
+        </p:blipFill>
+        <p:spPr>
+          <a:xfrm>
+            <a:off x="883920" y="4597549"/>
+            <a:ext cx="3619499" cy="2105019"/>
+          </a:xfrm>
+          <a:prstGeom prst="rect">
+            <a:avLst/>
+          </a:prstGeom>
+        </p:spPr>
+      </p:pic>
+      <p:sp>
+        <p:nvSpPr>
+          <p:cNvPr id="6" name="TextBox 5">
+            <a:extLst>
+              <a:ext uri="{FF2B5EF4-FFF2-40B4-BE49-F238E27FC236}">
+                <a16:creationId xmlns:a16="http://schemas.microsoft.com/office/drawing/2014/main" id="{939C4983-B123-489E-8BDF-11F14AA1AAFB}"/>
+              </a:ext>
+            </a:extLst>
+          </p:cNvPr>
+          <p:cNvSpPr txBox="1"/>
+          <p:nvPr/>
+        </p:nvSpPr>
+        <p:spPr>
+          <a:xfrm>
+            <a:off x="5349239" y="2395647"/>
+            <a:ext cx="6179820" cy="923330"/>
+          </a:xfrm>
+          <a:prstGeom prst="rect">
+            <a:avLst/>
+          </a:prstGeom>
+          <a:noFill/>
+        </p:spPr>
+        <p:txBody>
+          <a:bodyPr wrap="square" rtlCol="0">
+            <a:spAutoFit/>
           </a:bodyPr>
           <a:lstStyle/>
           <a:p>
-            <a:pPr>
-              <a:buFontTx/>
-              <a:buChar char="-"/>
+            <a:r>
+              <a:rPr lang="ko-KR" altLang="en-US" sz="1800" dirty="0"/>
+              <a:t>조사해본 결과 이미 텍스트 어드벤처 엔진과 관련된 오픈소스 프로젝트가 있지만</a:t>
+            </a:r>
+            <a:r>
+              <a:rPr lang="en-US" altLang="ko-KR" sz="1800" dirty="0"/>
+              <a:t>..</a:t>
+            </a:r>
+          </a:p>
+          <a:p>
+            <a:endParaRPr lang="ko-KR" altLang="en-US" dirty="0"/>
+          </a:p>
+        </p:txBody>
+      </p:sp>
+      <p:sp>
+        <p:nvSpPr>
+          <p:cNvPr id="7" name="TextBox 6">
+            <a:extLst>
+              <a:ext uri="{FF2B5EF4-FFF2-40B4-BE49-F238E27FC236}">
+                <a16:creationId xmlns:a16="http://schemas.microsoft.com/office/drawing/2014/main" id="{8D654DF6-BEF1-478C-8B5A-C6ACFAFBA212}"/>
+              </a:ext>
+            </a:extLst>
+          </p:cNvPr>
+          <p:cNvSpPr txBox="1"/>
+          <p:nvPr/>
+        </p:nvSpPr>
+        <p:spPr>
+          <a:xfrm>
+            <a:off x="5402579" y="3425537"/>
+            <a:ext cx="5905501" cy="3231654"/>
+          </a:xfrm>
+          <a:prstGeom prst="rect">
+            <a:avLst/>
+          </a:prstGeom>
+          <a:noFill/>
+        </p:spPr>
+        <p:txBody>
+          <a:bodyPr wrap="square" rtlCol="0">
+            <a:spAutoFit/>
+          </a:bodyPr>
+          <a:lstStyle/>
+          <a:p>
+            <a:pPr marL="457200" indent="-457200">
+              <a:lnSpc>
+                <a:spcPct val="150000"/>
+              </a:lnSpc>
+              <a:buAutoNum type="arabicPeriod"/>
             </a:pPr>
             <a:r>
-              <a:rPr lang="ko-KR" altLang="en-US" dirty="0">
-                <a:latin typeface="+mj-lt"/>
-                <a:cs typeface="Aharoni" panose="02010803020104030203" pitchFamily="2" charset="-79"/>
-              </a:rPr>
-              <a:t>텍스트 어드벤처 템플릿 플랫폼 개발</a:t>
-            </a:r>
-            <a:endParaRPr lang="en-US" altLang="ko-KR" dirty="0">
-              <a:latin typeface="+mj-lt"/>
-              <a:cs typeface="Aharoni" panose="02010803020104030203" pitchFamily="2" charset="-79"/>
-            </a:endParaRPr>
-          </a:p>
-          <a:p>
-            <a:pPr marL="0" indent="0" rtl="0">
-              <a:spcBef>
-                <a:spcPts val="1200"/>
-              </a:spcBef>
-              <a:spcAft>
-                <a:spcPts val="1200"/>
-              </a:spcAft>
-              <a:buNone/>
+              <a:rPr lang="ko-KR" altLang="en-US" sz="2000" dirty="0"/>
+              <a:t>프로그래밍 지식이 필요하거나 복잡한 툴을 익혀야 하므로 여전히 진입장벽이 높다</a:t>
+            </a:r>
+            <a:r>
+              <a:rPr lang="en-US" altLang="ko-KR" sz="2000" dirty="0"/>
+              <a:t>.</a:t>
+            </a:r>
+          </a:p>
+          <a:p>
+            <a:pPr marL="457200" indent="-457200">
+              <a:lnSpc>
+                <a:spcPct val="150000"/>
+              </a:lnSpc>
+              <a:buAutoNum type="arabicPeriod"/>
             </a:pPr>
-            <a:endParaRPr lang="en-US" altLang="ko-KR" sz="2800" dirty="0">
-              <a:solidFill>
-                <a:srgbClr val="000000"/>
-              </a:solidFill>
-              <a:latin typeface="Arial" panose="020B0604020202020204" pitchFamily="34" charset="0"/>
-            </a:endParaRPr>
-          </a:p>
-          <a:p>
-            <a:pPr rtl="0">
-              <a:spcBef>
-                <a:spcPts val="1200"/>
-              </a:spcBef>
-              <a:spcAft>
-                <a:spcPts val="1200"/>
-              </a:spcAft>
+            <a:r>
+              <a:rPr lang="ko-KR" altLang="en-US" sz="2000" dirty="0"/>
+              <a:t>모두 데스크톱에서 작업해야 하며 모바일로 틈틈이 가볍게 작업하기에는 적합하지 않다</a:t>
+            </a:r>
+            <a:r>
+              <a:rPr lang="en-US" altLang="ko-KR" sz="2000" dirty="0"/>
+              <a:t>.</a:t>
+            </a:r>
+          </a:p>
+          <a:p>
+            <a:pPr marL="457200" indent="-457200">
+              <a:lnSpc>
+                <a:spcPct val="150000"/>
+              </a:lnSpc>
+              <a:buAutoNum type="arabicPeriod"/>
             </a:pPr>
             <a:r>
-              <a:rPr lang="ko-KR" altLang="en-US" sz="1800" dirty="0"/>
-              <a:t>기존에 있는 오픈소스 게임 엔진들과 달리</a:t>
-            </a:r>
-            <a:r>
-              <a:rPr lang="en-US" altLang="ko-KR" sz="1800" dirty="0"/>
-              <a:t>, </a:t>
-            </a:r>
-            <a:r>
-              <a:rPr lang="ko-KR" altLang="en-US" sz="1800" dirty="0"/>
-              <a:t>기능의 다양화가 아닌 게임 제작의 편의를 위해 정해진 형태</a:t>
-            </a:r>
-            <a:r>
-              <a:rPr lang="en-US" altLang="ko-KR" sz="1800" dirty="0"/>
-              <a:t>(</a:t>
-            </a:r>
-            <a:r>
-              <a:rPr lang="ko-KR" altLang="en-US" sz="1800" dirty="0"/>
-              <a:t>템플릿</a:t>
-            </a:r>
-            <a:r>
-              <a:rPr lang="en-US" altLang="ko-KR" sz="1800" dirty="0"/>
-              <a:t>)</a:t>
-            </a:r>
-            <a:r>
-              <a:rPr lang="ko-KR" altLang="en-US" sz="1800" dirty="0"/>
-              <a:t>를 제공하여 개발자가 게임 완성시키는 것에 초점</a:t>
-            </a:r>
-            <a:r>
-              <a:rPr lang="en-US" altLang="ko-KR" sz="1800" dirty="0"/>
+              <a:rPr lang="ko-KR" altLang="en-US" sz="2000" dirty="0"/>
+              <a:t>대부분 엔진이 정해진 템플릿에서 벗어난 게임을 만들기에는 적합하지 않다</a:t>
+            </a:r>
+            <a:r>
+              <a:rPr lang="en-US" altLang="ko-KR" sz="2000" dirty="0"/>
               <a:t>.</a:t>
             </a:r>
-            <a:endParaRPr lang="en-US" altLang="ko-KR" dirty="0"/>
-          </a:p>
-          <a:p>
-            <a:pPr rtl="0">
-              <a:spcBef>
-                <a:spcPts val="1200"/>
-              </a:spcBef>
-              <a:spcAft>
-                <a:spcPts val="1200"/>
-              </a:spcAft>
+          </a:p>
+          <a:p>
+            <a:pPr marL="457200" indent="-457200">
+              <a:buAutoNum type="arabicPeriod"/>
             </a:pPr>
-            <a:r>
-              <a:rPr lang="ko-KR" altLang="en-US" sz="1800" dirty="0">
-                <a:solidFill>
-                  <a:srgbClr val="000000"/>
-                </a:solidFill>
-                <a:latin typeface="Arial" panose="020B0604020202020204" pitchFamily="34" charset="0"/>
-              </a:rPr>
-              <a:t>전문적인 지식을 갖춘 개발자가 아닌 게임 개발에 문외한인 일반인들이 템플릿을 사용하여 게임을 쉽게 만들 수 있다</a:t>
-            </a:r>
-            <a:r>
-              <a:rPr lang="en-US" altLang="ko-KR" sz="1800" dirty="0">
-                <a:solidFill>
-                  <a:srgbClr val="000000"/>
-                </a:solidFill>
-                <a:latin typeface="Arial" panose="020B0604020202020204" pitchFamily="34" charset="0"/>
-              </a:rPr>
-              <a:t>.</a:t>
-            </a:r>
-            <a:endParaRPr lang="ko-KR" altLang="en-US" sz="1800" b="0" dirty="0">
-              <a:effectLst/>
-            </a:endParaRPr>
-          </a:p>
-          <a:p>
-            <a:pPr rtl="0">
-              <a:spcBef>
-                <a:spcPts val="1200"/>
-              </a:spcBef>
-              <a:spcAft>
-                <a:spcPts val="1200"/>
-              </a:spcAft>
-            </a:pPr>
-            <a:r>
-              <a:rPr lang="ko-KR" altLang="en-US" sz="1800" dirty="0">
-                <a:solidFill>
-                  <a:srgbClr val="000000"/>
-                </a:solidFill>
-                <a:latin typeface="Arial" panose="020B0604020202020204" pitchFamily="34" charset="0"/>
-              </a:rPr>
-              <a:t>안드로이드 기반 플랫폼 개발로</a:t>
-            </a:r>
-            <a:r>
-              <a:rPr lang="en-US" altLang="ko-KR" sz="1800" dirty="0">
-                <a:solidFill>
-                  <a:srgbClr val="000000"/>
-                </a:solidFill>
-                <a:latin typeface="Arial" panose="020B0604020202020204" pitchFamily="34" charset="0"/>
-              </a:rPr>
-              <a:t>, </a:t>
-            </a:r>
-            <a:r>
-              <a:rPr lang="ko-KR" altLang="en-US" sz="1800" dirty="0">
-                <a:solidFill>
-                  <a:srgbClr val="000000"/>
-                </a:solidFill>
-                <a:latin typeface="Arial" panose="020B0604020202020204" pitchFamily="34" charset="0"/>
-              </a:rPr>
-              <a:t>많은 사람들이 모바일로 쉽게 사용할 수 있다</a:t>
-            </a:r>
-            <a:r>
-              <a:rPr lang="en-US" altLang="ko-KR" sz="1800" dirty="0">
-                <a:solidFill>
-                  <a:srgbClr val="000000"/>
-                </a:solidFill>
-                <a:latin typeface="Arial" panose="020B0604020202020204" pitchFamily="34" charset="0"/>
-              </a:rPr>
-              <a:t>.</a:t>
-            </a:r>
+            <a:endParaRPr lang="en-US" altLang="ko-KR" sz="2400" dirty="0"/>
           </a:p>
         </p:txBody>
       </p:sp>
     </p:spTree>
     <p:extLst>
       <p:ext uri="{BB962C8B-B14F-4D97-AF65-F5344CB8AC3E}">
-        <p14:creationId xmlns:p14="http://schemas.microsoft.com/office/powerpoint/2010/main" val="2799527010"/>
+        <p14:creationId xmlns:p14="http://schemas.microsoft.com/office/powerpoint/2010/main" val="743060401"/>
       </p:ext>
     </p:extLst>
   </p:cSld>
@@ -5323,7 +7778,7 @@
           <p:cNvPr id="2" name="제목 1">
             <a:extLst>
               <a:ext uri="{FF2B5EF4-FFF2-40B4-BE49-F238E27FC236}">
-                <a16:creationId xmlns:a16="http://schemas.microsoft.com/office/drawing/2014/main" id="{2719B9C4-38D6-4D83-AC9C-6F5015E9CFB8}"/>
+                <a16:creationId xmlns:a16="http://schemas.microsoft.com/office/drawing/2014/main" id="{06519BA9-D0FD-461D-9EA8-B9E8689A6AAF}"/>
               </a:ext>
             </a:extLst>
           </p:cNvPr>
@@ -5345,7 +7800,7 @@
             </a:r>
             <a:r>
               <a:rPr lang="en-US" altLang="ko-KR" dirty="0"/>
-              <a:t>(2)</a:t>
+              <a:t>(1)</a:t>
             </a:r>
             <a:endParaRPr lang="ko-KR" altLang="en-US" dirty="0"/>
           </a:p>
@@ -5356,7 +7811,7 @@
           <p:cNvPr id="3" name="내용 개체 틀 2">
             <a:extLst>
               <a:ext uri="{FF2B5EF4-FFF2-40B4-BE49-F238E27FC236}">
-                <a16:creationId xmlns:a16="http://schemas.microsoft.com/office/drawing/2014/main" id="{5E2D3B65-45E6-4F4A-B6B4-6B6933209AF3}"/>
+                <a16:creationId xmlns:a16="http://schemas.microsoft.com/office/drawing/2014/main" id="{0D0DF3F4-F1C7-4429-95AD-9B157ACA5075}"/>
               </a:ext>
             </a:extLst>
           </p:cNvPr>
@@ -5369,7 +7824,9 @@
         </p:nvSpPr>
         <p:spPr/>
         <p:txBody>
-          <a:bodyPr/>
+          <a:bodyPr>
+            <a:normAutofit/>
+          </a:bodyPr>
           <a:lstStyle/>
           <a:p>
             <a:pPr>
@@ -5377,28 +7834,27 @@
               <a:buChar char="-"/>
             </a:pPr>
             <a:r>
-              <a:rPr lang="ko-KR" altLang="en-US" dirty="0"/>
-              <a:t>어째서 </a:t>
-            </a:r>
-            <a:r>
-              <a:rPr lang="en-US" altLang="ko-KR" dirty="0"/>
-              <a:t>Open Source</a:t>
-            </a:r>
-            <a:r>
-              <a:rPr lang="ko-KR" altLang="en-US" dirty="0"/>
-              <a:t>여야 할까</a:t>
-            </a:r>
-            <a:r>
-              <a:rPr lang="en-US" altLang="ko-KR" dirty="0"/>
-              <a:t>?</a:t>
-            </a:r>
-          </a:p>
-          <a:p>
-            <a:pPr marL="0" indent="0">
-              <a:buNone/>
+              <a:rPr lang="ko-KR" altLang="en-US" dirty="0">
+                <a:latin typeface="+mj-lt"/>
+                <a:cs typeface="Aharoni" panose="02010803020104030203" pitchFamily="2" charset="-79"/>
+              </a:rPr>
+              <a:t>텍스트 어드벤처 템플릿 플랫폼 개발</a:t>
+            </a:r>
+            <a:endParaRPr lang="en-US" altLang="ko-KR" dirty="0">
+              <a:latin typeface="+mj-lt"/>
+              <a:cs typeface="Aharoni" panose="02010803020104030203" pitchFamily="2" charset="-79"/>
+            </a:endParaRPr>
+          </a:p>
+          <a:p>
+            <a:pPr>
+              <a:buFontTx/>
+              <a:buChar char="-"/>
             </a:pPr>
-            <a:endParaRPr lang="ko-KR" altLang="en-US" sz="1800" b="0" dirty="0">
-              <a:effectLst/>
+            <a:endParaRPr lang="en-US" altLang="ko-KR" sz="2800" dirty="0">
+              <a:solidFill>
+                <a:srgbClr val="000000"/>
+              </a:solidFill>
+              <a:latin typeface="Arial" panose="020B0604020202020204" pitchFamily="34" charset="0"/>
             </a:endParaRPr>
           </a:p>
           <a:p>
@@ -5411,47 +7867,38 @@
               </a:spcAft>
             </a:pPr>
             <a:r>
-              <a:rPr lang="en-US" altLang="ko-KR" sz="1800" dirty="0">
-                <a:solidFill>
-                  <a:srgbClr val="000000"/>
-                </a:solidFill>
-                <a:latin typeface="Arial" panose="020B0604020202020204" pitchFamily="34" charset="0"/>
-              </a:rPr>
-              <a:t>Contributors</a:t>
-            </a:r>
-            <a:r>
-              <a:rPr lang="ko-KR" altLang="en-US" sz="1800" dirty="0">
-                <a:solidFill>
-                  <a:srgbClr val="000000"/>
-                </a:solidFill>
-                <a:latin typeface="Arial" panose="020B0604020202020204" pitchFamily="34" charset="0"/>
-              </a:rPr>
-              <a:t>의 참여로 만들어진 수 많은 템플릿은 게임을 개발하고자 하는 이에게 큰 도움이 됨</a:t>
-            </a:r>
-            <a:r>
-              <a:rPr lang="en-US" altLang="ko-KR" sz="1800" dirty="0">
-                <a:solidFill>
-                  <a:srgbClr val="000000"/>
-                </a:solidFill>
-                <a:latin typeface="Arial" panose="020B0604020202020204" pitchFamily="34" charset="0"/>
-              </a:rPr>
+              <a:rPr lang="ko-KR" altLang="en-US" sz="1800" dirty="0"/>
+              <a:t>기존에 있는 오픈소스 게임 엔진들과 달리</a:t>
+            </a:r>
+            <a:r>
+              <a:rPr lang="en-US" altLang="ko-KR" sz="1800" dirty="0"/>
+              <a:t>, </a:t>
+            </a:r>
+            <a:r>
+              <a:rPr lang="ko-KR" altLang="en-US" sz="1800" dirty="0"/>
+              <a:t>기능의 다양화가 아닌 게임 제작의 편의를 위해 정해진 형태</a:t>
+            </a:r>
+            <a:r>
+              <a:rPr lang="en-US" altLang="ko-KR" sz="1800" dirty="0"/>
+              <a:t>(</a:t>
+            </a:r>
+            <a:r>
+              <a:rPr lang="ko-KR" altLang="en-US" sz="1800" dirty="0"/>
+              <a:t>템플릿</a:t>
+            </a:r>
+            <a:r>
+              <a:rPr lang="en-US" altLang="ko-KR" sz="1800" dirty="0"/>
+              <a:t>)</a:t>
+            </a:r>
+            <a:r>
+              <a:rPr lang="ko-KR" altLang="en-US" sz="1800" dirty="0"/>
+              <a:t>를 제공하여 개발자가 게임 완성시키는 것에 초점</a:t>
+            </a:r>
+            <a:r>
+              <a:rPr lang="en-US" altLang="ko-KR" sz="1800" dirty="0"/>
               <a:t>.</a:t>
             </a:r>
-            <a:r>
-              <a:rPr lang="ko-KR" altLang="en-US" sz="1800" dirty="0">
-                <a:solidFill>
-                  <a:srgbClr val="000000"/>
-                </a:solidFill>
-                <a:latin typeface="Arial" panose="020B0604020202020204" pitchFamily="34" charset="0"/>
-              </a:rPr>
-              <a:t> </a:t>
-            </a:r>
-            <a:endParaRPr lang="en-US" altLang="ko-KR" sz="1800" dirty="0">
-              <a:solidFill>
-                <a:srgbClr val="000000"/>
-              </a:solidFill>
-              <a:latin typeface="Arial" panose="020B0604020202020204" pitchFamily="34" charset="0"/>
-            </a:endParaRPr>
+            <a:endParaRPr lang="en-US" altLang="ko-KR" dirty="0"/>
           </a:p>
           <a:p>
             <a:pPr rtl="0">
@@ -5464,36 +7911,235 @@
             </a:pPr>
             <a:r>
               <a:rPr lang="ko-KR" altLang="en-US" sz="1800" dirty="0">
-                <a:solidFill>
-                  <a:srgbClr val="000000"/>
-                </a:solidFill>
+                <a:latin typeface="Arial" panose="020B0604020202020204" pitchFamily="34" charset="0"/>
+              </a:rPr>
+              <a:t>전문적인 지식을 갖춘 개발자가 아닌 게임 개발에 문외한인 일반인들이 템플릿을 사용하여 게임을 쉽게 만들 수 있다</a:t>
+            </a:r>
+            <a:r>
+              <a:rPr lang="en-US" altLang="ko-KR" sz="1800" dirty="0">
+                <a:latin typeface="Arial" panose="020B0604020202020204" pitchFamily="34" charset="0"/>
+              </a:rPr>
+              <a:t>.</a:t>
+            </a:r>
+            <a:endParaRPr lang="ko-KR" altLang="en-US" sz="1800" b="0" dirty="0">
+              <a:effectLst/>
+            </a:endParaRPr>
+          </a:p>
+          <a:p>
+            <a:pPr rtl="0">
+              <a:spcBef>
+                <a:spcPts val="1200"/>
+              </a:spcBef>
+              <a:spcAft>
+                <a:spcPts val="1200"/>
+              </a:spcAft>
+            </a:pPr>
+            <a:r>
+              <a:rPr lang="ko-KR" altLang="en-US" sz="1800" dirty="0">
+                <a:latin typeface="Arial" panose="020B0604020202020204" pitchFamily="34" charset="0"/>
+              </a:rPr>
+              <a:t>안드로이드 기반 플랫폼 개발로</a:t>
+            </a:r>
+            <a:r>
+              <a:rPr lang="en-US" altLang="ko-KR" sz="1800" dirty="0">
+                <a:latin typeface="Arial" panose="020B0604020202020204" pitchFamily="34" charset="0"/>
+              </a:rPr>
+              <a:t>, </a:t>
+            </a:r>
+            <a:r>
+              <a:rPr lang="ko-KR" altLang="en-US" sz="1800" dirty="0">
+                <a:latin typeface="Arial" panose="020B0604020202020204" pitchFamily="34" charset="0"/>
+              </a:rPr>
+              <a:t>많은 사람들이 모바일로 쉽게 사용할 수 있다</a:t>
+            </a:r>
+            <a:r>
+              <a:rPr lang="en-US" altLang="ko-KR" sz="1800" dirty="0">
+                <a:latin typeface="Arial" panose="020B0604020202020204" pitchFamily="34" charset="0"/>
+              </a:rPr>
+              <a:t>.</a:t>
+            </a:r>
+          </a:p>
+        </p:txBody>
+      </p:sp>
+    </p:spTree>
+    <p:extLst>
+      <p:ext uri="{BB962C8B-B14F-4D97-AF65-F5344CB8AC3E}">
+        <p14:creationId xmlns:p14="http://schemas.microsoft.com/office/powerpoint/2010/main" val="2799527010"/>
+      </p:ext>
+    </p:extLst>
+  </p:cSld>
+  <p:clrMapOvr>
+    <a:masterClrMapping/>
+  </p:clrMapOvr>
+</p:sld>
+</file>
+
+<file path=ppt/slides/slide7.xml><?xml version="1.0" encoding="utf-8"?>
+<p:sld xmlns:a="http://schemas.openxmlformats.org/drawingml/2006/main" xmlns:r="http://schemas.openxmlformats.org/officeDocument/2006/relationships" xmlns:p="http://schemas.openxmlformats.org/presentationml/2006/main">
+  <p:cSld>
+    <p:spTree>
+      <p:nvGrpSpPr>
+        <p:cNvPr id="1" name=""/>
+        <p:cNvGrpSpPr/>
+        <p:nvPr/>
+      </p:nvGrpSpPr>
+      <p:grpSpPr>
+        <a:xfrm>
+          <a:off x="0" y="0"/>
+          <a:ext cx="0" cy="0"/>
+          <a:chOff x="0" y="0"/>
+          <a:chExt cx="0" cy="0"/>
+        </a:xfrm>
+      </p:grpSpPr>
+      <p:sp>
+        <p:nvSpPr>
+          <p:cNvPr id="2" name="제목 1">
+            <a:extLst>
+              <a:ext uri="{FF2B5EF4-FFF2-40B4-BE49-F238E27FC236}">
+                <a16:creationId xmlns:a16="http://schemas.microsoft.com/office/drawing/2014/main" id="{2719B9C4-38D6-4D83-AC9C-6F5015E9CFB8}"/>
+              </a:ext>
+            </a:extLst>
+          </p:cNvPr>
+          <p:cNvSpPr>
+            <a:spLocks noGrp="1"/>
+          </p:cNvSpPr>
+          <p:nvPr>
+            <p:ph type="title"/>
+          </p:nvPr>
+        </p:nvSpPr>
+        <p:spPr/>
+        <p:txBody>
+          <a:bodyPr/>
+          <a:lstStyle/>
+          <a:p>
+            <a:r>
+              <a:rPr lang="ko-KR" altLang="en-US" dirty="0"/>
+              <a:t>〮 목표</a:t>
+            </a:r>
+            <a:r>
+              <a:rPr lang="en-US" altLang="ko-KR" dirty="0"/>
+              <a:t>(2)</a:t>
+            </a:r>
+            <a:endParaRPr lang="ko-KR" altLang="en-US" dirty="0"/>
+          </a:p>
+        </p:txBody>
+      </p:sp>
+      <p:sp>
+        <p:nvSpPr>
+          <p:cNvPr id="3" name="내용 개체 틀 2">
+            <a:extLst>
+              <a:ext uri="{FF2B5EF4-FFF2-40B4-BE49-F238E27FC236}">
+                <a16:creationId xmlns:a16="http://schemas.microsoft.com/office/drawing/2014/main" id="{5E2D3B65-45E6-4F4A-B6B4-6B6933209AF3}"/>
+              </a:ext>
+            </a:extLst>
+          </p:cNvPr>
+          <p:cNvSpPr>
+            <a:spLocks noGrp="1"/>
+          </p:cNvSpPr>
+          <p:nvPr>
+            <p:ph idx="1"/>
+          </p:nvPr>
+        </p:nvSpPr>
+        <p:spPr/>
+        <p:txBody>
+          <a:bodyPr/>
+          <a:lstStyle/>
+          <a:p>
+            <a:pPr>
+              <a:buFontTx/>
+              <a:buChar char="-"/>
+            </a:pPr>
+            <a:r>
+              <a:rPr lang="ko-KR" altLang="en-US" dirty="0"/>
+              <a:t>어째서 </a:t>
+            </a:r>
+            <a:r>
+              <a:rPr lang="en-US" altLang="ko-KR" dirty="0"/>
+              <a:t>Open Source</a:t>
+            </a:r>
+            <a:r>
+              <a:rPr lang="ko-KR" altLang="en-US" dirty="0"/>
+              <a:t>여야 할까</a:t>
+            </a:r>
+            <a:r>
+              <a:rPr lang="en-US" altLang="ko-KR" dirty="0"/>
+              <a:t>?</a:t>
+            </a:r>
+          </a:p>
+          <a:p>
+            <a:pPr marL="0" indent="0">
+              <a:buNone/>
+            </a:pPr>
+            <a:endParaRPr lang="ko-KR" altLang="en-US" sz="1800" b="0" dirty="0">
+              <a:effectLst/>
+            </a:endParaRPr>
+          </a:p>
+          <a:p>
+            <a:pPr rtl="0">
+              <a:spcBef>
+                <a:spcPts val="1200"/>
+              </a:spcBef>
+              <a:spcAft>
+                <a:spcPts val="1200"/>
+              </a:spcAft>
+            </a:pPr>
+            <a:r>
+              <a:rPr lang="en-US" altLang="ko-KR" sz="1800" dirty="0">
+                <a:latin typeface="Arial" panose="020B0604020202020204" pitchFamily="34" charset="0"/>
+              </a:rPr>
+              <a:t>Contributors</a:t>
+            </a:r>
+            <a:r>
+              <a:rPr lang="ko-KR" altLang="en-US" sz="1800" dirty="0">
+                <a:latin typeface="Arial" panose="020B0604020202020204" pitchFamily="34" charset="0"/>
+              </a:rPr>
+              <a:t>의 참여로 만들어진 수 많은 템플릿은 게임을 개발하고자 하는 이에게 큰 도움이 됨</a:t>
+            </a:r>
+            <a:r>
+              <a:rPr lang="en-US" altLang="ko-KR" sz="1800" dirty="0">
+                <a:latin typeface="Arial" panose="020B0604020202020204" pitchFamily="34" charset="0"/>
+              </a:rPr>
+              <a:t>.</a:t>
+            </a:r>
+            <a:r>
+              <a:rPr lang="ko-KR" altLang="en-US" sz="1800" dirty="0">
+                <a:latin typeface="Arial" panose="020B0604020202020204" pitchFamily="34" charset="0"/>
+              </a:rPr>
+              <a:t> </a:t>
+            </a:r>
+            <a:endParaRPr lang="en-US" altLang="ko-KR" sz="1800" dirty="0">
+              <a:latin typeface="Arial" panose="020B0604020202020204" pitchFamily="34" charset="0"/>
+            </a:endParaRPr>
+          </a:p>
+          <a:p>
+            <a:pPr rtl="0">
+              <a:spcBef>
+                <a:spcPts val="1200"/>
+              </a:spcBef>
+              <a:spcAft>
+                <a:spcPts val="1200"/>
+              </a:spcAft>
+            </a:pPr>
+            <a:r>
+              <a:rPr lang="ko-KR" altLang="en-US" sz="1800" dirty="0">
                 <a:latin typeface="Arial" panose="020B0604020202020204" pitchFamily="34" charset="0"/>
               </a:rPr>
               <a:t>다양한 </a:t>
             </a:r>
             <a:r>
               <a:rPr lang="en-US" altLang="ko-KR" sz="1800" dirty="0">
-                <a:solidFill>
-                  <a:srgbClr val="000000"/>
-                </a:solidFill>
                 <a:latin typeface="Arial" panose="020B0604020202020204" pitchFamily="34" charset="0"/>
               </a:rPr>
               <a:t>Contributors</a:t>
             </a:r>
             <a:r>
               <a:rPr lang="ko-KR" altLang="en-US" sz="1800" dirty="0">
-                <a:solidFill>
-                  <a:srgbClr val="000000"/>
-                </a:solidFill>
                 <a:latin typeface="Arial" panose="020B0604020202020204" pitchFamily="34" charset="0"/>
               </a:rPr>
               <a:t>의 도움으로 플랫폼을 수정하여 타 장르의 게임에도 기능 확장이 가능</a:t>
             </a:r>
             <a:r>
               <a:rPr lang="en-US" altLang="ko-KR" sz="1800" dirty="0">
-                <a:solidFill>
-                  <a:srgbClr val="000000"/>
-                </a:solidFill>
                 <a:latin typeface="Arial" panose="020B0604020202020204" pitchFamily="34" charset="0"/>
               </a:rPr>
               <a:t>.</a:t>
@@ -5527,7 +8173,7 @@
 </p:sld>
 </file>
 
-<file path=ppt/slides/slide7.xml><?xml version="1.0" encoding="utf-8"?>
+<file path=ppt/slides/slide8.xml><?xml version="1.0" encoding="utf-8"?>
 <p:sld xmlns:a="http://schemas.openxmlformats.org/drawingml/2006/main" xmlns:r="http://schemas.openxmlformats.org/officeDocument/2006/relationships" xmlns:p="http://schemas.openxmlformats.org/presentationml/2006/main">
   <p:cSld>
     <p:spTree>
@@ -5814,7 +8460,7 @@
 </p:sld>
 </file>
 
-<file path=ppt/slides/slide8.xml><?xml version="1.0" encoding="utf-8"?>
+<file path=ppt/slides/slide9.xml><?xml version="1.0" encoding="utf-8"?>
 <p:sld xmlns:a="http://schemas.openxmlformats.org/drawingml/2006/main" xmlns:r="http://schemas.openxmlformats.org/officeDocument/2006/relationships" xmlns:p="http://schemas.openxmlformats.org/presentationml/2006/main">
   <p:cSld>
     <p:spTree>
@@ -5833,10 +8479,10 @@
       </p:grpSpPr>
       <p:pic>
         <p:nvPicPr>
-          <p:cNvPr id="8" name="그림 7">
+          <p:cNvPr id="5" name="그림 4">
             <a:extLst>
               <a:ext uri="{FF2B5EF4-FFF2-40B4-BE49-F238E27FC236}">
-                <a16:creationId xmlns:a16="http://schemas.microsoft.com/office/drawing/2014/main" id="{833C3D2C-C965-4A2F-B34B-E98E6C73588A}"/>
+                <a16:creationId xmlns:a16="http://schemas.microsoft.com/office/drawing/2014/main" id="{049F8C02-CAB9-4EFE-9D09-991D1400B8DD}"/>
               </a:ext>
             </a:extLst>
           </p:cNvPr>
@@ -5859,44 +8505,8 @@
         </p:blipFill>
         <p:spPr>
           <a:xfrm>
-            <a:off x="7951694" y="1451123"/>
-            <a:ext cx="5056094" cy="5406877"/>
-          </a:xfrm>
-          <a:prstGeom prst="rect">
-            <a:avLst/>
-          </a:prstGeom>
-        </p:spPr>
-      </p:pic>
-      <p:pic>
-        <p:nvPicPr>
-          <p:cNvPr id="5" name="그림 4">
-            <a:extLst>
-              <a:ext uri="{FF2B5EF4-FFF2-40B4-BE49-F238E27FC236}">
-                <a16:creationId xmlns:a16="http://schemas.microsoft.com/office/drawing/2014/main" id="{049F8C02-CAB9-4EFE-9D09-991D1400B8DD}"/>
-              </a:ext>
-            </a:extLst>
-          </p:cNvPr>
-          <p:cNvPicPr>
-            <a:picLocks noChangeAspect="1"/>
-          </p:cNvPicPr>
-          <p:nvPr/>
-        </p:nvPicPr>
-        <p:blipFill>
-          <a:blip r:embed="rId3">
-            <a:extLst>
-              <a:ext uri="{28A0092B-C50C-407E-A947-70E740481C1C}">
-                <a14:useLocalDpi xmlns:a14="http://schemas.microsoft.com/office/drawing/2010/main" val="0"/>
-              </a:ext>
-            </a:extLst>
-          </a:blip>
-          <a:stretch>
-            <a:fillRect/>
-          </a:stretch>
-        </p:blipFill>
-        <p:spPr>
-          <a:xfrm>
-            <a:off x="5863430" y="2001458"/>
-            <a:ext cx="3341687" cy="3341687"/>
+            <a:off x="7589518" y="2452000"/>
+            <a:ext cx="3665222" cy="3665222"/>
           </a:xfrm>
           <a:prstGeom prst="rect">
             <a:avLst/>
@@ -6011,17 +8621,7 @@
             </a:pPr>
             <a:r>
               <a:rPr lang="ko-KR" altLang="en-US" sz="2400" dirty="0"/>
-              <a:t>텍스트를 입력하고 선택지를 만든</a:t>
-            </a:r>
-            <a:endParaRPr lang="en-US" altLang="ko-KR" sz="2400" dirty="0"/>
-          </a:p>
-          <a:p>
-            <a:pPr marL="0" indent="0">
-              <a:buNone/>
-            </a:pPr>
-            <a:r>
-              <a:rPr lang="ko-KR" altLang="en-US" sz="2400" dirty="0"/>
-              <a:t>다</a:t>
+              <a:t>텍스트를 입력하고 선택지를 만든다</a:t>
             </a:r>
             <a:r>
               <a:rPr lang="en-US" altLang="ko-KR" sz="2400" dirty="0"/>
@@ -6047,404 +8647,10 @@
 </p:sld>
 </file>
 
-<file path=ppt/slides/slide9.xml><?xml version="1.0" encoding="utf-8"?>
-<p:sld xmlns:a="http://schemas.openxmlformats.org/drawingml/2006/main" xmlns:r="http://schemas.openxmlformats.org/officeDocument/2006/relationships" xmlns:p="http://schemas.openxmlformats.org/presentationml/2006/main">
-  <p:cSld>
-    <p:spTree>
-      <p:nvGrpSpPr>
-        <p:cNvPr id="1" name=""/>
-        <p:cNvGrpSpPr/>
-        <p:nvPr/>
-      </p:nvGrpSpPr>
-      <p:grpSpPr>
-        <a:xfrm>
-          <a:off x="0" y="0"/>
-          <a:ext cx="0" cy="0"/>
-          <a:chOff x="0" y="0"/>
-          <a:chExt cx="0" cy="0"/>
-        </a:xfrm>
-      </p:grpSpPr>
-      <p:sp>
-        <p:nvSpPr>
-          <p:cNvPr id="2" name="제목 1">
-            <a:extLst>
-              <a:ext uri="{FF2B5EF4-FFF2-40B4-BE49-F238E27FC236}">
-                <a16:creationId xmlns:a16="http://schemas.microsoft.com/office/drawing/2014/main" id="{523CB8E9-7F05-467A-8117-926D93FE0F39}"/>
-              </a:ext>
-            </a:extLst>
-          </p:cNvPr>
-          <p:cNvSpPr>
-            <a:spLocks noGrp="1"/>
-          </p:cNvSpPr>
-          <p:nvPr>
-            <p:ph type="title"/>
-          </p:nvPr>
-        </p:nvSpPr>
-        <p:spPr/>
-        <p:txBody>
-          <a:bodyPr/>
-          <a:lstStyle/>
-          <a:p>
-            <a:r>
-              <a:rPr lang="ko-KR" altLang="en-US" dirty="0"/>
-              <a:t>〮 요구사항</a:t>
-            </a:r>
-          </a:p>
-        </p:txBody>
-      </p:sp>
-      <p:sp>
-        <p:nvSpPr>
-          <p:cNvPr id="3" name="내용 개체 틀 2">
-            <a:extLst>
-              <a:ext uri="{FF2B5EF4-FFF2-40B4-BE49-F238E27FC236}">
-                <a16:creationId xmlns:a16="http://schemas.microsoft.com/office/drawing/2014/main" id="{80048741-8963-4DC1-91A7-D1EA438D23C6}"/>
-              </a:ext>
-            </a:extLst>
-          </p:cNvPr>
-          <p:cNvSpPr>
-            <a:spLocks noGrp="1"/>
-          </p:cNvSpPr>
-          <p:nvPr>
-            <p:ph idx="1"/>
-          </p:nvPr>
-        </p:nvSpPr>
-        <p:spPr/>
-        <p:txBody>
-          <a:bodyPr/>
-          <a:lstStyle/>
-          <a:p>
-            <a:pPr>
-              <a:buFontTx/>
-              <a:buChar char="-"/>
-            </a:pPr>
-            <a:r>
-              <a:rPr lang="en-US" altLang="ko-KR" sz="1800" b="0" i="0" u="none" strike="noStrike" dirty="0">
-                <a:solidFill>
-                  <a:srgbClr val="000000"/>
-                </a:solidFill>
-                <a:effectLst/>
-                <a:latin typeface="Arial" panose="020B0604020202020204" pitchFamily="34" charset="0"/>
-              </a:rPr>
-              <a:t>REQ-1 </a:t>
-            </a:r>
-            <a:r>
-              <a:rPr lang="ko-KR" altLang="en-US" sz="1800" b="0" i="0" u="none" strike="noStrike" dirty="0">
-                <a:solidFill>
-                  <a:srgbClr val="000000"/>
-                </a:solidFill>
-                <a:effectLst/>
-                <a:latin typeface="Arial" panose="020B0604020202020204" pitchFamily="34" charset="0"/>
-              </a:rPr>
-              <a:t>플랫폼에서 여러 텍스트 </a:t>
-            </a:r>
-            <a:r>
-              <a:rPr lang="ko-KR" altLang="en-US" sz="1800" b="0" i="0" u="none" strike="noStrike" dirty="0" err="1">
-                <a:solidFill>
-                  <a:srgbClr val="000000"/>
-                </a:solidFill>
-                <a:effectLst/>
-                <a:latin typeface="Arial" panose="020B0604020202020204" pitchFamily="34" charset="0"/>
-              </a:rPr>
-              <a:t>어드벤쳐</a:t>
-            </a:r>
-            <a:r>
-              <a:rPr lang="ko-KR" altLang="en-US" sz="1800" b="0" i="0" u="none" strike="noStrike" dirty="0">
-                <a:solidFill>
-                  <a:srgbClr val="000000"/>
-                </a:solidFill>
-                <a:effectLst/>
-                <a:latin typeface="Arial" panose="020B0604020202020204" pitchFamily="34" charset="0"/>
-              </a:rPr>
-              <a:t> 게임의 템플릿에 접근할 수 있다</a:t>
-            </a:r>
-            <a:r>
-              <a:rPr lang="en-US" altLang="ko-KR" sz="1800" b="0" i="0" u="none" strike="noStrike" dirty="0">
-                <a:solidFill>
-                  <a:srgbClr val="000000"/>
-                </a:solidFill>
-                <a:effectLst/>
-                <a:latin typeface="Arial" panose="020B0604020202020204" pitchFamily="34" charset="0"/>
-              </a:rPr>
-              <a:t>.</a:t>
-            </a:r>
-            <a:endParaRPr lang="en-US" altLang="ko-KR" sz="1800" dirty="0">
-              <a:solidFill>
-                <a:srgbClr val="000000"/>
-              </a:solidFill>
-              <a:latin typeface="Arial" panose="020B0604020202020204" pitchFamily="34" charset="0"/>
-            </a:endParaRPr>
-          </a:p>
-          <a:p>
-            <a:pPr marL="0" indent="0">
-              <a:buNone/>
-            </a:pPr>
-            <a:endParaRPr lang="en-US" altLang="ko-KR" sz="1800" b="0" i="0" u="none" strike="noStrike" dirty="0">
-              <a:solidFill>
-                <a:srgbClr val="000000"/>
-              </a:solidFill>
-              <a:effectLst/>
-              <a:latin typeface="Arial" panose="020B0604020202020204" pitchFamily="34" charset="0"/>
-            </a:endParaRPr>
-          </a:p>
-          <a:p>
-            <a:pPr>
-              <a:buFontTx/>
-              <a:buChar char="-"/>
-            </a:pPr>
-            <a:r>
-              <a:rPr lang="en-US" altLang="ko-KR" sz="1800" b="0" i="0" u="none" strike="noStrike" dirty="0">
-                <a:solidFill>
-                  <a:srgbClr val="000000"/>
-                </a:solidFill>
-                <a:effectLst/>
-                <a:latin typeface="Arial" panose="020B0604020202020204" pitchFamily="34" charset="0"/>
-              </a:rPr>
-              <a:t>REQ-2 </a:t>
-            </a:r>
-            <a:r>
-              <a:rPr lang="ko-KR" altLang="en-US" sz="1800" b="0" i="0" u="none" strike="noStrike" dirty="0">
-                <a:solidFill>
-                  <a:srgbClr val="000000"/>
-                </a:solidFill>
-                <a:effectLst/>
-                <a:latin typeface="Arial" panose="020B0604020202020204" pitchFamily="34" charset="0"/>
-              </a:rPr>
-              <a:t>템플릿의 예시로 서울 </a:t>
-            </a:r>
-            <a:r>
-              <a:rPr lang="en-US" altLang="ko-KR" sz="1800" b="0" i="0" u="none" strike="noStrike" dirty="0">
-                <a:solidFill>
-                  <a:srgbClr val="000000"/>
-                </a:solidFill>
-                <a:effectLst/>
-                <a:latin typeface="Arial" panose="020B0604020202020204" pitchFamily="34" charset="0"/>
-              </a:rPr>
-              <a:t>2033</a:t>
-            </a:r>
-            <a:r>
-              <a:rPr lang="ko-KR" altLang="en-US" sz="1800" b="0" i="0" u="none" strike="noStrike" dirty="0">
-                <a:solidFill>
-                  <a:srgbClr val="000000"/>
-                </a:solidFill>
-                <a:effectLst/>
-                <a:latin typeface="Arial" panose="020B0604020202020204" pitchFamily="34" charset="0"/>
-              </a:rPr>
-              <a:t>의 템플릿을 만든다</a:t>
-            </a:r>
-            <a:r>
-              <a:rPr lang="en-US" altLang="ko-KR" sz="1800" b="0" i="0" u="none" strike="noStrike" dirty="0">
-                <a:solidFill>
-                  <a:srgbClr val="000000"/>
-                </a:solidFill>
-                <a:effectLst/>
-                <a:latin typeface="Arial" panose="020B0604020202020204" pitchFamily="34" charset="0"/>
-              </a:rPr>
-              <a:t>.</a:t>
-            </a:r>
-          </a:p>
-          <a:p>
-            <a:pPr marL="0" indent="0">
-              <a:buNone/>
-            </a:pPr>
-            <a:endParaRPr lang="en-US" altLang="ko-KR" sz="1800" b="0" i="0" u="none" strike="noStrike" dirty="0">
-              <a:solidFill>
-                <a:srgbClr val="000000"/>
-              </a:solidFill>
-              <a:effectLst/>
-              <a:latin typeface="Arial" panose="020B0604020202020204" pitchFamily="34" charset="0"/>
-            </a:endParaRPr>
-          </a:p>
-          <a:p>
-            <a:pPr>
-              <a:buFontTx/>
-              <a:buChar char="-"/>
-            </a:pPr>
-            <a:r>
-              <a:rPr lang="en-US" altLang="ko-KR" sz="1800" b="0" i="0" u="none" strike="noStrike" dirty="0">
-                <a:solidFill>
-                  <a:srgbClr val="000000"/>
-                </a:solidFill>
-                <a:effectLst/>
-                <a:latin typeface="Arial" panose="020B0604020202020204" pitchFamily="34" charset="0"/>
-              </a:rPr>
-              <a:t>REQ-3 </a:t>
-            </a:r>
-            <a:r>
-              <a:rPr lang="ko-KR" altLang="en-US" sz="1800" b="0" i="0" u="none" strike="noStrike" dirty="0">
-                <a:solidFill>
-                  <a:srgbClr val="000000"/>
-                </a:solidFill>
-                <a:effectLst/>
-                <a:latin typeface="Arial" panose="020B0604020202020204" pitchFamily="34" charset="0"/>
-              </a:rPr>
-              <a:t>서울 </a:t>
-            </a:r>
-            <a:r>
-              <a:rPr lang="en-US" altLang="ko-KR" sz="1800" b="0" i="0" u="none" strike="noStrike" dirty="0">
-                <a:solidFill>
-                  <a:srgbClr val="000000"/>
-                </a:solidFill>
-                <a:effectLst/>
-                <a:latin typeface="Arial" panose="020B0604020202020204" pitchFamily="34" charset="0"/>
-              </a:rPr>
-              <a:t>2033</a:t>
-            </a:r>
-            <a:r>
-              <a:rPr lang="ko-KR" altLang="en-US" sz="1800" b="0" i="0" u="none" strike="noStrike" dirty="0">
-                <a:solidFill>
-                  <a:srgbClr val="000000"/>
-                </a:solidFill>
-                <a:effectLst/>
-                <a:latin typeface="Arial" panose="020B0604020202020204" pitchFamily="34" charset="0"/>
-              </a:rPr>
-              <a:t>의 템플릿은 서울 </a:t>
-            </a:r>
-            <a:r>
-              <a:rPr lang="en-US" altLang="ko-KR" sz="1800" b="0" i="0" u="none" strike="noStrike" dirty="0">
-                <a:solidFill>
-                  <a:srgbClr val="000000"/>
-                </a:solidFill>
-                <a:effectLst/>
-                <a:latin typeface="Arial" panose="020B0604020202020204" pitchFamily="34" charset="0"/>
-              </a:rPr>
-              <a:t>2033</a:t>
-            </a:r>
-            <a:r>
-              <a:rPr lang="ko-KR" altLang="en-US" sz="1800" b="0" i="0" u="none" strike="noStrike" dirty="0">
-                <a:solidFill>
-                  <a:srgbClr val="000000"/>
-                </a:solidFill>
-                <a:effectLst/>
-                <a:latin typeface="Arial" panose="020B0604020202020204" pitchFamily="34" charset="0"/>
-              </a:rPr>
-              <a:t>과 같은 기능을 가지고 있다</a:t>
-            </a:r>
-            <a:r>
-              <a:rPr lang="en-US" altLang="ko-KR" sz="1800" b="0" i="0" u="none" strike="noStrike" dirty="0">
-                <a:solidFill>
-                  <a:srgbClr val="000000"/>
-                </a:solidFill>
-                <a:effectLst/>
-                <a:latin typeface="Arial" panose="020B0604020202020204" pitchFamily="34" charset="0"/>
-              </a:rPr>
-              <a:t>.</a:t>
-            </a:r>
-          </a:p>
-          <a:p>
-            <a:pPr marL="0" indent="0">
-              <a:buNone/>
-            </a:pPr>
-            <a:endParaRPr lang="en-US" altLang="ko-KR" sz="1800" dirty="0">
-              <a:solidFill>
-                <a:srgbClr val="000000"/>
-              </a:solidFill>
-              <a:latin typeface="Arial" panose="020B0604020202020204" pitchFamily="34" charset="0"/>
-            </a:endParaRPr>
-          </a:p>
-          <a:p>
-            <a:pPr>
-              <a:buFontTx/>
-              <a:buChar char="-"/>
-            </a:pPr>
-            <a:r>
-              <a:rPr lang="en-US" altLang="ko-KR" sz="1800" b="0" i="0" u="none" strike="noStrike" dirty="0">
-                <a:solidFill>
-                  <a:srgbClr val="000000"/>
-                </a:solidFill>
-                <a:effectLst/>
-                <a:latin typeface="Arial" panose="020B0604020202020204" pitchFamily="34" charset="0"/>
-              </a:rPr>
-              <a:t>REQ-4 </a:t>
-            </a:r>
-            <a:r>
-              <a:rPr lang="ko-KR" altLang="en-US" sz="1800" b="0" i="0" u="none" strike="noStrike" dirty="0">
-                <a:solidFill>
-                  <a:srgbClr val="000000"/>
-                </a:solidFill>
-                <a:effectLst/>
-                <a:latin typeface="Arial" panose="020B0604020202020204" pitchFamily="34" charset="0"/>
-              </a:rPr>
-              <a:t>플랫폼의 모든 템플릿은 컨텐츠를 넣으면 게임을 완성할 수 있는 형태다</a:t>
-            </a:r>
-            <a:r>
-              <a:rPr lang="en-US" altLang="ko-KR" sz="1800" b="0" i="0" u="none" strike="noStrike" dirty="0">
-                <a:solidFill>
-                  <a:srgbClr val="000000"/>
-                </a:solidFill>
-                <a:effectLst/>
-                <a:latin typeface="Arial" panose="020B0604020202020204" pitchFamily="34" charset="0"/>
-              </a:rPr>
-              <a:t>. </a:t>
-            </a:r>
-          </a:p>
-          <a:p>
-            <a:pPr marL="0" indent="0">
-              <a:buNone/>
-            </a:pPr>
-            <a:endParaRPr lang="en-US" altLang="ko-KR" sz="1800" b="0" i="0" u="none" strike="noStrike" dirty="0">
-              <a:solidFill>
-                <a:srgbClr val="000000"/>
-              </a:solidFill>
-              <a:effectLst/>
-              <a:latin typeface="Arial" panose="020B0604020202020204" pitchFamily="34" charset="0"/>
-            </a:endParaRPr>
-          </a:p>
-          <a:p>
-            <a:pPr>
-              <a:buFontTx/>
-              <a:buChar char="-"/>
-            </a:pPr>
-            <a:r>
-              <a:rPr lang="en-US" altLang="ko-KR" sz="1800" b="0" i="0" u="none" strike="noStrike" dirty="0">
-                <a:solidFill>
-                  <a:srgbClr val="000000"/>
-                </a:solidFill>
-                <a:effectLst/>
-                <a:latin typeface="Arial" panose="020B0604020202020204" pitchFamily="34" charset="0"/>
-              </a:rPr>
-              <a:t>REQ-5 </a:t>
-            </a:r>
-            <a:r>
-              <a:rPr lang="ko-KR" altLang="en-US" sz="1800" b="0" i="0" u="none" strike="noStrike" dirty="0">
-                <a:solidFill>
-                  <a:srgbClr val="000000"/>
-                </a:solidFill>
-                <a:effectLst/>
-                <a:latin typeface="Arial" panose="020B0604020202020204" pitchFamily="34" charset="0"/>
-              </a:rPr>
-              <a:t>안드로이드 기반으로 하여 모바일에서 실행 가능하게 한다</a:t>
-            </a:r>
-            <a:r>
-              <a:rPr lang="en-US" altLang="ko-KR" sz="1800" b="0" i="0" u="none" strike="noStrike" dirty="0">
-                <a:solidFill>
-                  <a:srgbClr val="000000"/>
-                </a:solidFill>
-                <a:effectLst/>
-                <a:latin typeface="Arial" panose="020B0604020202020204" pitchFamily="34" charset="0"/>
-              </a:rPr>
-              <a:t>. </a:t>
-            </a:r>
-            <a:endParaRPr lang="en-US" altLang="ko-KR" dirty="0"/>
-          </a:p>
-        </p:txBody>
-      </p:sp>
-    </p:spTree>
-    <p:extLst>
-      <p:ext uri="{BB962C8B-B14F-4D97-AF65-F5344CB8AC3E}">
-        <p14:creationId xmlns:p14="http://schemas.microsoft.com/office/powerpoint/2010/main" val="3121677686"/>
-      </p:ext>
-    </p:extLst>
-  </p:cSld>
-  <p:clrMapOvr>
-    <a:masterClrMapping/>
-  </p:clrMapOvr>
-</p:sld>
-</file>
-
 <file path=ppt/theme/theme1.xml><?xml version="1.0" encoding="utf-8"?>
-<a:theme xmlns:a="http://schemas.openxmlformats.org/drawingml/2006/main" name="Office 테마">
+<a:theme xmlns:a="http://schemas.openxmlformats.org/drawingml/2006/main" name="명언">
   <a:themeElements>
-    <a:clrScheme name="Office">
+    <a:clrScheme name="명언">
       <a:dk1>
         <a:sysClr val="windowText" lastClr="000000"/>
       </a:dk1>
@@ -6452,100 +8658,48 @@
         <a:sysClr val="window" lastClr="FFFFFF"/>
       </a:lt1>
       <a:dk2>
-        <a:srgbClr val="44546A"/>
+        <a:srgbClr val="212121"/>
       </a:dk2>
       <a:lt2>
-        <a:srgbClr val="E7E6E6"/>
+        <a:srgbClr val="636363"/>
       </a:lt2>
       <a:accent1>
-        <a:srgbClr val="4472C4"/>
+        <a:srgbClr val="00C6BB"/>
       </a:accent1>
       <a:accent2>
-        <a:srgbClr val="ED7D31"/>
+        <a:srgbClr val="6FEBA0"/>
       </a:accent2>
       <a:accent3>
-        <a:srgbClr val="A5A5A5"/>
+        <a:srgbClr val="B6DF5E"/>
       </a:accent3>
       <a:accent4>
-        <a:srgbClr val="FFC000"/>
+        <a:srgbClr val="EFB251"/>
       </a:accent4>
       <a:accent5>
-        <a:srgbClr val="5B9BD5"/>
+        <a:srgbClr val="EF755F"/>
       </a:accent5>
       <a:accent6>
-        <a:srgbClr val="70AD47"/>
+        <a:srgbClr val="ED515C"/>
       </a:accent6>
       <a:hlink>
-        <a:srgbClr val="0563C1"/>
+        <a:srgbClr val="8F8F8F"/>
       </a:hlink>
       <a:folHlink>
-        <a:srgbClr val="954F72"/>
+        <a:srgbClr val="A5A5A5"/>
       </a:folHlink>
     </a:clrScheme>
-    <a:fontScheme name="Office">
+    <a:fontScheme name="명언">
       <a:majorFont>
-        <a:latin typeface="맑은 고딕" panose="020F0302020204030204"/>
+        <a:latin typeface="Century Gothic" panose="020B0502020202020204"/>
         <a:ea typeface=""/>
         <a:cs typeface=""/>
-        <a:font script="Jpan" typeface="游ゴシック Light"/>
+        <a:font script="Jpan" typeface="ＭＳ ゴシック"/>
         <a:font script="Hang" typeface="맑은 고딕"/>
-        <a:font script="Hans" typeface="等线 Light"/>
+        <a:font script="Hans" typeface="宋体"/>
         <a:font script="Hant" typeface="新細明體"/>
-        <a:font script="Arab" typeface="Times New Roman"/>
-        <a:font script="Hebr" typeface="Times New Roman"/>
-        <a:font script="Thai" typeface="Angsana New"/>
-        <a:font script="Ethi" typeface="Nyala"/>
-        <a:font script="Beng" typeface="Vrinda"/>
-        <a:font script="Gujr" typeface="Shruti"/>
-        <a:font script="Khmr" typeface="MoolBoran"/>
-        <a:font script="Knda" typeface="Tunga"/>
-        <a:font script="Guru" typeface="Raavi"/>
-        <a:font script="Cans" typeface="Euphemia"/>
-        <a:font script="Cher" typeface="Plantagenet Cherokee"/>
-        <a:font script="Yiii" typeface="Microsoft Yi Baiti"/>
-        <a:font script="Tibt" typeface="Microsoft Himalaya"/>
-        <a:font script="Thaa" typeface="MV Boli"/>
-        <a:font script="Deva" typeface="Mangal"/>
-        <a:font script="Telu" typeface="Gautami"/>
-        <a:font script="Taml" typeface="Latha"/>
-        <a:font script="Syrc" typeface="Estrangelo Edessa"/>
-        <a:font script="Orya" typeface="Kalinga"/>
-        <a:font script="Mlym" typeface="Kartika"/>
-        <a:font script="Laoo" typeface="DokChampa"/>
-        <a:font script="Sinh" typeface="Iskoola Pota"/>
-        <a:font script="Mong" typeface="Mongolian Baiti"/>
-        <a:font script="Viet" typeface="Times New Roman"/>
-        <a:font script="Uigh" typeface="Microsoft Uighur"/>
-        <a:font script="Geor" typeface="Sylfaen"/>
-        <a:font script="Armn" typeface="Arial"/>
-        <a:font script="Bugi" typeface="Leelawadee UI"/>
-        <a:font script="Bopo" typeface="Microsoft JhengHei"/>
-        <a:font script="Java" typeface="Javanese Text"/>
-        <a:font script="Lisu" typeface="Segoe UI"/>
-        <a:font script="Mymr" typeface="Myanmar Text"/>
-        <a:font script="Nkoo" typeface="Ebrima"/>
-        <a:font script="Olck" typeface="Nirmala UI"/>
-        <a:font script="Osma" typeface="Ebrima"/>
-        <a:font script="Phag" typeface="Phagspa"/>
-        <a:font script="Syrn" typeface="Estrangelo Edessa"/>
-        <a:font script="Syrj" typeface="Estrangelo Edessa"/>
-        <a:font script="Syre" typeface="Estrangelo Edessa"/>
-        <a:font script="Sora" typeface="Nirmala UI"/>
-        <a:font script="Tale" typeface="Microsoft Tai Le"/>
-        <a:font script="Talu" typeface="Microsoft New Tai Lue"/>
-        <a:font script="Tfng" typeface="Ebrima"/>
-      </a:majorFont>
-      <a:minorFont>
-        <a:latin typeface="맑은 고딕" panose="020F0502020204030204"/>
-        <a:ea typeface=""/>
-        <a:cs typeface=""/>
-        <a:font script="Jpan" typeface="游ゴシック"/>
-        <a:font script="Hang" typeface="맑은 고딕"/>
-        <a:font script="Hans" typeface="等线"/>
-        <a:font script="Hant" typeface="新細明體"/>
-        <a:font script="Arab" typeface="Arial"/>
-        <a:font script="Hebr" typeface="Arial"/>
-        <a:font script="Thai" typeface="Cordia New"/>
+        <a:font script="Arab" typeface="Tahoma"/>
+        <a:font script="Hebr" typeface="Gisha"/>
+        <a:font script="Thai" typeface="DilleniaUPC"/>
         <a:font script="Ethi" typeface="Nyala"/>
         <a:font script="Beng" typeface="Vrinda"/>
         <a:font script="Gujr" typeface="Shruti"/>
@@ -6566,29 +8720,47 @@
         <a:font script="Laoo" typeface="DokChampa"/>
         <a:font script="Sinh" typeface="Iskoola Pota"/>
         <a:font script="Mong" typeface="Mongolian Baiti"/>
-        <a:font script="Viet" typeface="Arial"/>
+        <a:font script="Viet" typeface="Tahoma"/>
         <a:font script="Uigh" typeface="Microsoft Uighur"/>
         <a:font script="Geor" typeface="Sylfaen"/>
-        <a:font script="Armn" typeface="Arial"/>
-        <a:font script="Bugi" typeface="Leelawadee UI"/>
-        <a:font script="Bopo" typeface="Microsoft JhengHei"/>
-        <a:font script="Java" typeface="Javanese Text"/>
-        <a:font script="Lisu" typeface="Segoe UI"/>
-        <a:font script="Mymr" typeface="Myanmar Text"/>
-        <a:font script="Nkoo" typeface="Ebrima"/>
-        <a:font script="Olck" typeface="Nirmala UI"/>
-        <a:font script="Osma" typeface="Ebrima"/>
-        <a:font script="Phag" typeface="Phagspa"/>
-        <a:font script="Syrn" typeface="Estrangelo Edessa"/>
-        <a:font script="Syrj" typeface="Estrangelo Edessa"/>
-        <a:font script="Syre" typeface="Estrangelo Edessa"/>
-        <a:font script="Sora" typeface="Nirmala UI"/>
-        <a:font script="Tale" typeface="Microsoft Tai Le"/>
-        <a:font script="Talu" typeface="Microsoft New Tai Lue"/>
-        <a:font script="Tfng" typeface="Ebrima"/>
+      </a:majorFont>
+      <a:minorFont>
+        <a:latin typeface="Century Gothic" panose="020B0502020202020204"/>
+        <a:ea typeface=""/>
+        <a:cs typeface=""/>
+        <a:font script="Jpan" typeface="ＭＳ ゴシック"/>
+        <a:font script="Hang" typeface="맑은 고딕"/>
+        <a:font script="Hans" typeface="宋体"/>
+        <a:font script="Hant" typeface="新細明體"/>
+        <a:font script="Arab" typeface="Tahoma"/>
+        <a:font script="Hebr" typeface="Gisha"/>
+        <a:font script="Thai" typeface="DilleniaUPC"/>
+        <a:font script="Ethi" typeface="Nyala"/>
+        <a:font script="Beng" typeface="Vrinda"/>
+        <a:font script="Gujr" typeface="Shruti"/>
+        <a:font script="Khmr" typeface="DaunPenh"/>
+        <a:font script="Knda" typeface="Tunga"/>
+        <a:font script="Guru" typeface="Raavi"/>
+        <a:font script="Cans" typeface="Euphemia"/>
+        <a:font script="Cher" typeface="Plantagenet Cherokee"/>
+        <a:font script="Yiii" typeface="Microsoft Yi Baiti"/>
+        <a:font script="Tibt" typeface="Microsoft Himalaya"/>
+        <a:font script="Thaa" typeface="MV Boli"/>
+        <a:font script="Deva" typeface="Mangal"/>
+        <a:font script="Telu" typeface="Gautami"/>
+        <a:font script="Taml" typeface="Latha"/>
+        <a:font script="Syrc" typeface="Estrangelo Edessa"/>
+        <a:font script="Orya" typeface="Kalinga"/>
+        <a:font script="Mlym" typeface="Kartika"/>
+        <a:font script="Laoo" typeface="DokChampa"/>
+        <a:font script="Sinh" typeface="Iskoola Pota"/>
+        <a:font script="Mong" typeface="Mongolian Baiti"/>
+        <a:font script="Viet" typeface="Verdana"/>
+        <a:font script="Uigh" typeface="Microsoft Uighur"/>
+        <a:font script="Geor" typeface="Sylfaen"/>
       </a:minorFont>
     </a:fontScheme>
-    <a:fmtScheme name="Office">
+    <a:fmtScheme name="명언">
       <a:fillStyleLst>
         <a:solidFill>
           <a:schemeClr val="phClr"/>
@@ -6597,76 +8769,52 @@
           <a:gsLst>
             <a:gs pos="0">
               <a:schemeClr val="phClr">
-                <a:lumMod val="110000"/>
-                <a:satMod val="105000"/>
-                <a:tint val="67000"/>
-              </a:schemeClr>
-            </a:gs>
-            <a:gs pos="50000">
-              <a:schemeClr val="phClr">
+                <a:tint val="80000"/>
                 <a:lumMod val="105000"/>
-                <a:satMod val="103000"/>
-                <a:tint val="73000"/>
               </a:schemeClr>
             </a:gs>
             <a:gs pos="100000">
               <a:schemeClr val="phClr">
-                <a:lumMod val="105000"/>
-                <a:satMod val="109000"/>
-                <a:tint val="81000"/>
+                <a:tint val="90000"/>
               </a:schemeClr>
             </a:gs>
           </a:gsLst>
           <a:lin ang="5400000" scaled="0"/>
         </a:gradFill>
-        <a:gradFill rotWithShape="1">
-          <a:gsLst>
-            <a:gs pos="0">
+        <a:blipFill rotWithShape="1">
+          <a:blip xmlns:r="http://schemas.openxmlformats.org/officeDocument/2006/relationships" r:embed="rId1">
+            <a:duotone>
               <a:schemeClr val="phClr">
-                <a:satMod val="103000"/>
+                <a:tint val="98000"/>
                 <a:lumMod val="102000"/>
-                <a:tint val="94000"/>
               </a:schemeClr>
-            </a:gs>
-            <a:gs pos="50000">
               <a:schemeClr val="phClr">
-                <a:satMod val="110000"/>
-                <a:lumMod val="100000"/>
-                <a:shade val="100000"/>
+                <a:shade val="98000"/>
+                <a:lumMod val="98000"/>
               </a:schemeClr>
-            </a:gs>
-            <a:gs pos="100000">
-              <a:schemeClr val="phClr">
-                <a:lumMod val="99000"/>
-                <a:satMod val="120000"/>
-                <a:shade val="78000"/>
-              </a:schemeClr>
-            </a:gs>
-          </a:gsLst>
-          <a:lin ang="5400000" scaled="0"/>
-        </a:gradFill>
+            </a:duotone>
+          </a:blip>
+          <a:tile tx="0" ty="0" sx="100000" sy="100000" flip="none" algn="tl"/>
+        </a:blipFill>
       </a:fillStyleLst>
       <a:lnStyleLst>
-        <a:ln w="6350" cap="flat" cmpd="sng" algn="ctr">
+        <a:ln w="9525" cap="rnd" cmpd="sng" algn="ctr">
           <a:solidFill>
             <a:schemeClr val="phClr"/>
           </a:solidFill>
           <a:prstDash val="solid"/>
-          <a:miter lim="800000"/>
         </a:ln>
-        <a:ln w="12700" cap="flat" cmpd="sng" algn="ctr">
+        <a:ln w="15875" cap="rnd" cmpd="sng" algn="ctr">
           <a:solidFill>
             <a:schemeClr val="phClr"/>
           </a:solidFill>
           <a:prstDash val="solid"/>
-          <a:miter lim="800000"/>
         </a:ln>
-        <a:ln w="19050" cap="flat" cmpd="sng" algn="ctr">
+        <a:ln w="25400" cap="rnd" cmpd="sng" algn="ctr">
           <a:solidFill>
             <a:schemeClr val="phClr"/>
           </a:solidFill>
           <a:prstDash val="solid"/>
-          <a:miter lim="800000"/>
         </a:ln>
       </a:lnStyleLst>
       <a:effectStyleLst>
@@ -6678,11 +8826,11 @@
         </a:effectStyle>
         <a:effectStyle>
           <a:effectLst>
-            <a:outerShdw blurRad="57150" dist="19050" dir="5400000" algn="ctr" rotWithShape="0">
+            <a:innerShdw blurRad="63500" dist="25400" dir="13500000">
               <a:srgbClr val="000000">
-                <a:alpha val="63000"/>
+                <a:alpha val="75000"/>
               </a:srgbClr>
-            </a:outerShdw>
+            </a:innerShdw>
           </a:effectLst>
         </a:effectStyle>
       </a:effectStyleLst>
@@ -6690,35 +8838,35 @@
         <a:solidFill>
           <a:schemeClr val="phClr"/>
         </a:solidFill>
-        <a:solidFill>
-          <a:schemeClr val="phClr">
-            <a:tint val="95000"/>
-            <a:satMod val="170000"/>
-          </a:schemeClr>
-        </a:solidFill>
         <a:gradFill rotWithShape="1">
           <a:gsLst>
             <a:gs pos="0">
               <a:schemeClr val="phClr">
-                <a:tint val="93000"/>
-                <a:satMod val="150000"/>
-                <a:shade val="98000"/>
-                <a:lumMod val="102000"/>
-              </a:schemeClr>
-            </a:gs>
-            <a:gs pos="50000">
-              <a:schemeClr val="phClr">
-                <a:tint val="98000"/>
-                <a:satMod val="130000"/>
-                <a:shade val="90000"/>
-                <a:lumMod val="103000"/>
+                <a:tint val="100000"/>
               </a:schemeClr>
             </a:gs>
             <a:gs pos="100000">
               <a:schemeClr val="phClr">
-                <a:shade val="63000"/>
+                <a:tint val="84000"/>
+                <a:shade val="84000"/>
+                <a:lumMod val="90000"/>
+              </a:schemeClr>
+            </a:gs>
+          </a:gsLst>
+          <a:lin ang="5400000" scaled="0"/>
+        </a:gradFill>
+        <a:gradFill rotWithShape="1">
+          <a:gsLst>
+            <a:gs pos="0">
+              <a:schemeClr val="phClr">
+                <a:tint val="84000"/>
+                <a:shade val="90000"/>
                 <a:satMod val="120000"/>
+                <a:lumMod val="90000"/>
               </a:schemeClr>
+            </a:gs>
+            <a:gs pos="100000">
+              <a:schemeClr val="phClr"/>
             </a:gs>
           </a:gsLst>
           <a:lin ang="5400000" scaled="0"/>
@@ -6730,7 +8878,7 @@
   <a:extraClrSchemeLst/>
   <a:extLst>
     <a:ext uri="{05A4C25C-085E-4340-85A3-A5531E510DB2}">
-      <thm15:themeFamily xmlns:thm15="http://schemas.microsoft.com/office/thememl/2012/main" name="Office Theme" id="{62F939B6-93AF-4DB8-9C6B-D6C7DFDC589F}" vid="{4A3C46E8-61CC-4603-A589-7422A47A8E4A}"/>
+      <thm15:themeFamily xmlns:thm15="http://schemas.microsoft.com/office/thememl/2012/main" name="Quotable" id="{39EC5628-30ED-4578-ACD8-9820EDB8E15A}" vid="{6F3559E9-1A4C-49D8-94D4-F41003531C49}"/>
     </a:ext>
   </a:extLst>
 </a:theme>
